--- a/ContainersInTheCloud.pptx
+++ b/ContainersInTheCloud.pptx
@@ -5,31 +5,38 @@
     <p:sldMasterId id="2147483648" r:id="rId1"/>
   </p:sldMasterIdLst>
   <p:notesMasterIdLst>
-    <p:notesMasterId r:id="rId24"/>
+    <p:notesMasterId r:id="rId31"/>
   </p:notesMasterIdLst>
   <p:sldIdLst>
     <p:sldId id="256" r:id="rId2"/>
     <p:sldId id="282" r:id="rId3"/>
     <p:sldId id="338" r:id="rId4"/>
     <p:sldId id="264" r:id="rId5"/>
-    <p:sldId id="339" r:id="rId6"/>
-    <p:sldId id="313" r:id="rId7"/>
-    <p:sldId id="331" r:id="rId8"/>
-    <p:sldId id="330" r:id="rId9"/>
-    <p:sldId id="325" r:id="rId10"/>
-    <p:sldId id="332" r:id="rId11"/>
-    <p:sldId id="329" r:id="rId12"/>
-    <p:sldId id="327" r:id="rId13"/>
-    <p:sldId id="333" r:id="rId14"/>
-    <p:sldId id="328" r:id="rId15"/>
-    <p:sldId id="326" r:id="rId16"/>
-    <p:sldId id="334" r:id="rId17"/>
-    <p:sldId id="314" r:id="rId18"/>
-    <p:sldId id="335" r:id="rId19"/>
-    <p:sldId id="336" r:id="rId20"/>
-    <p:sldId id="337" r:id="rId21"/>
-    <p:sldId id="284" r:id="rId22"/>
-    <p:sldId id="290" r:id="rId23"/>
+    <p:sldId id="346" r:id="rId6"/>
+    <p:sldId id="347" r:id="rId7"/>
+    <p:sldId id="341" r:id="rId8"/>
+    <p:sldId id="342" r:id="rId9"/>
+    <p:sldId id="313" r:id="rId10"/>
+    <p:sldId id="331" r:id="rId11"/>
+    <p:sldId id="330" r:id="rId12"/>
+    <p:sldId id="325" r:id="rId13"/>
+    <p:sldId id="332" r:id="rId14"/>
+    <p:sldId id="329" r:id="rId15"/>
+    <p:sldId id="327" r:id="rId16"/>
+    <p:sldId id="333" r:id="rId17"/>
+    <p:sldId id="340" r:id="rId18"/>
+    <p:sldId id="328" r:id="rId19"/>
+    <p:sldId id="326" r:id="rId20"/>
+    <p:sldId id="334" r:id="rId21"/>
+    <p:sldId id="345" r:id="rId22"/>
+    <p:sldId id="314" r:id="rId23"/>
+    <p:sldId id="335" r:id="rId24"/>
+    <p:sldId id="348" r:id="rId25"/>
+    <p:sldId id="336" r:id="rId26"/>
+    <p:sldId id="349" r:id="rId27"/>
+    <p:sldId id="337" r:id="rId28"/>
+    <p:sldId id="284" r:id="rId29"/>
+    <p:sldId id="290" r:id="rId30"/>
   </p:sldIdLst>
   <p:sldSz cx="12192000" cy="6858000"/>
   <p:notesSz cx="6858000" cy="9144000"/>
@@ -229,7 +236,7 @@
           <a:p>
             <a:fld id="{5DD5D27D-F6C1-457C-97EB-5B89E5036C9E}" type="datetimeFigureOut">
               <a:rPr lang="en-IE" smtClean="0"/>
-              <a:t>30/04/2018</a:t>
+              <a:t>06/05/2018</a:t>
             </a:fld>
             <a:endParaRPr lang="en-IE"/>
           </a:p>
@@ -628,7 +635,7 @@
           <a:p>
             <a:fld id="{A64C863B-FA9B-4512-A178-D5CD000B838D}" type="datetimeFigureOut">
               <a:rPr lang="en-GB" smtClean="0"/>
-              <a:t>30/04/2018</a:t>
+              <a:t>06/05/2018</a:t>
             </a:fld>
             <a:endParaRPr lang="en-GB"/>
           </a:p>
@@ -798,7 +805,7 @@
           <a:p>
             <a:fld id="{A64C863B-FA9B-4512-A178-D5CD000B838D}" type="datetimeFigureOut">
               <a:rPr lang="en-GB" smtClean="0"/>
-              <a:t>30/04/2018</a:t>
+              <a:t>06/05/2018</a:t>
             </a:fld>
             <a:endParaRPr lang="en-GB"/>
           </a:p>
@@ -978,7 +985,7 @@
           <a:p>
             <a:fld id="{A64C863B-FA9B-4512-A178-D5CD000B838D}" type="datetimeFigureOut">
               <a:rPr lang="en-GB" smtClean="0"/>
-              <a:t>30/04/2018</a:t>
+              <a:t>06/05/2018</a:t>
             </a:fld>
             <a:endParaRPr lang="en-GB"/>
           </a:p>
@@ -1148,7 +1155,7 @@
           <a:p>
             <a:fld id="{A64C863B-FA9B-4512-A178-D5CD000B838D}" type="datetimeFigureOut">
               <a:rPr lang="en-GB" smtClean="0"/>
-              <a:t>30/04/2018</a:t>
+              <a:t>06/05/2018</a:t>
             </a:fld>
             <a:endParaRPr lang="en-GB"/>
           </a:p>
@@ -1394,7 +1401,7 @@
           <a:p>
             <a:fld id="{A64C863B-FA9B-4512-A178-D5CD000B838D}" type="datetimeFigureOut">
               <a:rPr lang="en-GB" smtClean="0"/>
-              <a:t>30/04/2018</a:t>
+              <a:t>06/05/2018</a:t>
             </a:fld>
             <a:endParaRPr lang="en-GB"/>
           </a:p>
@@ -1626,7 +1633,7 @@
           <a:p>
             <a:fld id="{A64C863B-FA9B-4512-A178-D5CD000B838D}" type="datetimeFigureOut">
               <a:rPr lang="en-GB" smtClean="0"/>
-              <a:t>30/04/2018</a:t>
+              <a:t>06/05/2018</a:t>
             </a:fld>
             <a:endParaRPr lang="en-GB"/>
           </a:p>
@@ -1993,7 +2000,7 @@
           <a:p>
             <a:fld id="{A64C863B-FA9B-4512-A178-D5CD000B838D}" type="datetimeFigureOut">
               <a:rPr lang="en-GB" smtClean="0"/>
-              <a:t>30/04/2018</a:t>
+              <a:t>06/05/2018</a:t>
             </a:fld>
             <a:endParaRPr lang="en-GB"/>
           </a:p>
@@ -2111,7 +2118,7 @@
           <a:p>
             <a:fld id="{A64C863B-FA9B-4512-A178-D5CD000B838D}" type="datetimeFigureOut">
               <a:rPr lang="en-GB" smtClean="0"/>
-              <a:t>30/04/2018</a:t>
+              <a:t>06/05/2018</a:t>
             </a:fld>
             <a:endParaRPr lang="en-GB"/>
           </a:p>
@@ -2206,7 +2213,7 @@
           <a:p>
             <a:fld id="{A64C863B-FA9B-4512-A178-D5CD000B838D}" type="datetimeFigureOut">
               <a:rPr lang="en-GB" smtClean="0"/>
-              <a:t>30/04/2018</a:t>
+              <a:t>06/05/2018</a:t>
             </a:fld>
             <a:endParaRPr lang="en-GB"/>
           </a:p>
@@ -2483,7 +2490,7 @@
           <a:p>
             <a:fld id="{A64C863B-FA9B-4512-A178-D5CD000B838D}" type="datetimeFigureOut">
               <a:rPr lang="en-GB" smtClean="0"/>
-              <a:t>30/04/2018</a:t>
+              <a:t>06/05/2018</a:t>
             </a:fld>
             <a:endParaRPr lang="en-GB"/>
           </a:p>
@@ -2736,7 +2743,7 @@
           <a:p>
             <a:fld id="{A64C863B-FA9B-4512-A178-D5CD000B838D}" type="datetimeFigureOut">
               <a:rPr lang="en-GB" smtClean="0"/>
-              <a:t>30/04/2018</a:t>
+              <a:t>06/05/2018</a:t>
             </a:fld>
             <a:endParaRPr lang="en-GB"/>
           </a:p>
@@ -2958,7 +2965,7 @@
           <a:p>
             <a:fld id="{A64C863B-FA9B-4512-A178-D5CD000B838D}" type="datetimeFigureOut">
               <a:rPr lang="en-GB" smtClean="0"/>
-              <a:t>30/04/2018</a:t>
+              <a:t>06/05/2018</a:t>
             </a:fld>
             <a:endParaRPr lang="en-GB"/>
           </a:p>
@@ -3477,7 +3484,7 @@
                   </a:schemeClr>
                 </a:solidFill>
               </a:rPr>
-              <a:t>Header</a:t>
+              <a:t>VM Templates</a:t>
             </a:r>
           </a:p>
         </p:txBody>
@@ -3502,14 +3509,51 @@
             <a:pPr marL="0" indent="0">
               <a:buNone/>
             </a:pPr>
-            <a:endParaRPr lang="en-GB" sz="3200" dirty="0"/>
+            <a:r>
+              <a:rPr lang="en-GB" sz="3200" dirty="0"/>
+              <a:t>Windows </a:t>
+            </a:r>
+            <a:r>
+              <a:rPr lang="en-GB" sz="3200" dirty="0" err="1"/>
+              <a:t>Datacenter</a:t>
+            </a:r>
+            <a:r>
+              <a:rPr lang="en-GB" sz="3200" dirty="0"/>
+              <a:t> with Containers</a:t>
+            </a:r>
+          </a:p>
+          <a:p>
+            <a:pPr marL="0" indent="0">
+              <a:buNone/>
+            </a:pPr>
+            <a:r>
+              <a:rPr lang="en-GB" dirty="0"/>
+              <a:t>	Docker pre-installed</a:t>
+            </a:r>
+          </a:p>
+          <a:p>
+            <a:pPr marL="0" indent="0">
+              <a:buNone/>
+            </a:pPr>
+            <a:r>
+              <a:rPr lang="en-GB" dirty="0"/>
+              <a:t>	Images available (server core &amp; </a:t>
+            </a:r>
+            <a:r>
+              <a:rPr lang="en-GB" dirty="0" err="1"/>
+              <a:t>nano</a:t>
+            </a:r>
+            <a:r>
+              <a:rPr lang="en-GB" dirty="0"/>
+              <a:t> server)</a:t>
+            </a:r>
           </a:p>
         </p:txBody>
       </p:sp>
     </p:spTree>
     <p:extLst>
       <p:ext uri="{BB962C8B-B14F-4D97-AF65-F5344CB8AC3E}">
-        <p14:creationId xmlns:p14="http://schemas.microsoft.com/office/powerpoint/2010/main" val="4113174784"/>
+        <p14:creationId xmlns:p14="http://schemas.microsoft.com/office/powerpoint/2010/main" val="1081040829"/>
       </p:ext>
     </p:extLst>
   </p:cSld>
@@ -3586,7 +3630,7 @@
     </p:spTree>
     <p:extLst>
       <p:ext uri="{BB962C8B-B14F-4D97-AF65-F5344CB8AC3E}">
-        <p14:creationId xmlns:p14="http://schemas.microsoft.com/office/powerpoint/2010/main" val="4034876219"/>
+        <p14:creationId xmlns:p14="http://schemas.microsoft.com/office/powerpoint/2010/main" val="3428425072"/>
       </p:ext>
     </p:extLst>
   </p:cSld>
@@ -3636,8 +3680,21 @@
                   <a:schemeClr val="accent1"/>
                 </a:solidFill>
               </a:rPr>
-              <a:t>Azure Container Registry</a:t>
-            </a:r>
+              <a:t>Docker EE for </a:t>
+            </a:r>
+            <a:r>
+              <a:rPr lang="en-GB" dirty="0" err="1">
+                <a:solidFill>
+                  <a:schemeClr val="accent1"/>
+                </a:solidFill>
+              </a:rPr>
+              <a:t>Azuzre</a:t>
+            </a:r>
+            <a:endParaRPr lang="en-GB" dirty="0">
+              <a:solidFill>
+                <a:schemeClr val="accent1"/>
+              </a:solidFill>
+            </a:endParaRPr>
           </a:p>
         </p:txBody>
       </p:sp>
@@ -3663,7 +3720,7 @@
     </p:spTree>
     <p:extLst>
       <p:ext uri="{BB962C8B-B14F-4D97-AF65-F5344CB8AC3E}">
-        <p14:creationId xmlns:p14="http://schemas.microsoft.com/office/powerpoint/2010/main" val="878579766"/>
+        <p14:creationId xmlns:p14="http://schemas.microsoft.com/office/powerpoint/2010/main" val="3610026559"/>
       </p:ext>
     </p:extLst>
   </p:cSld>
@@ -3720,7 +3777,7 @@
                   </a:schemeClr>
                 </a:solidFill>
               </a:rPr>
-              <a:t>Header</a:t>
+              <a:t>Docker EE for Azure</a:t>
             </a:r>
           </a:p>
         </p:txBody>
@@ -3745,6 +3802,18 @@
             <a:pPr marL="0" indent="0">
               <a:buNone/>
             </a:pPr>
+            <a:r>
+              <a:rPr lang="en-GB" sz="3200" dirty="0">
+                <a:hlinkClick r:id="rId2"/>
+              </a:rPr>
+              <a:t>https://store.docker.com/editions/enterprise/docker-ee-azure</a:t>
+            </a:r>
+            <a:endParaRPr lang="en-GB" sz="3200" dirty="0"/>
+          </a:p>
+          <a:p>
+            <a:pPr marL="0" indent="0">
+              <a:buNone/>
+            </a:pPr>
             <a:endParaRPr lang="en-GB" sz="3200" dirty="0"/>
           </a:p>
         </p:txBody>
@@ -3752,7 +3821,7 @@
     </p:spTree>
     <p:extLst>
       <p:ext uri="{BB962C8B-B14F-4D97-AF65-F5344CB8AC3E}">
-        <p14:creationId xmlns:p14="http://schemas.microsoft.com/office/powerpoint/2010/main" val="2781743654"/>
+        <p14:creationId xmlns:p14="http://schemas.microsoft.com/office/powerpoint/2010/main" val="4113174784"/>
       </p:ext>
     </p:extLst>
   </p:cSld>
@@ -3829,7 +3898,7 @@
     </p:spTree>
     <p:extLst>
       <p:ext uri="{BB962C8B-B14F-4D97-AF65-F5344CB8AC3E}">
-        <p14:creationId xmlns:p14="http://schemas.microsoft.com/office/powerpoint/2010/main" val="2593481242"/>
+        <p14:creationId xmlns:p14="http://schemas.microsoft.com/office/powerpoint/2010/main" val="4034876219"/>
       </p:ext>
     </p:extLst>
   </p:cSld>
@@ -3879,7 +3948,7 @@
                   <a:schemeClr val="accent1"/>
                 </a:solidFill>
               </a:rPr>
-              <a:t>Azure Container Instances</a:t>
+              <a:t>Azure Container Registry</a:t>
             </a:r>
           </a:p>
         </p:txBody>
@@ -3906,7 +3975,7 @@
     </p:spTree>
     <p:extLst>
       <p:ext uri="{BB962C8B-B14F-4D97-AF65-F5344CB8AC3E}">
-        <p14:creationId xmlns:p14="http://schemas.microsoft.com/office/powerpoint/2010/main" val="3077493872"/>
+        <p14:creationId xmlns:p14="http://schemas.microsoft.com/office/powerpoint/2010/main" val="878579766"/>
       </p:ext>
     </p:extLst>
   </p:cSld>
@@ -3963,7 +4032,7 @@
                   </a:schemeClr>
                 </a:solidFill>
               </a:rPr>
-              <a:t>Header</a:t>
+              <a:t>Azure Container Registry</a:t>
             </a:r>
           </a:p>
         </p:txBody>
@@ -3988,14 +4057,53 @@
             <a:pPr marL="0" indent="0">
               <a:buNone/>
             </a:pPr>
-            <a:endParaRPr lang="en-GB" sz="3200" dirty="0"/>
+            <a:r>
+              <a:rPr lang="en-GB" sz="3200" dirty="0"/>
+              <a:t>Managed Docker registry service</a:t>
+            </a:r>
+          </a:p>
+          <a:p>
+            <a:pPr marL="0" indent="0">
+              <a:buNone/>
+            </a:pPr>
+            <a:r>
+              <a:rPr lang="en-GB" sz="3200" dirty="0"/>
+              <a:t>Stores private docker images</a:t>
+            </a:r>
+          </a:p>
+          <a:p>
+            <a:pPr marL="0" indent="0">
+              <a:buNone/>
+            </a:pPr>
+            <a:r>
+              <a:rPr lang="en-GB" sz="3200" dirty="0"/>
+              <a:t>Images can be pulled to </a:t>
+            </a:r>
+          </a:p>
+          <a:p>
+            <a:pPr marL="0" indent="0">
+              <a:buNone/>
+            </a:pPr>
+            <a:r>
+              <a:rPr lang="en-GB" dirty="0"/>
+              <a:t>	Other Azure Services</a:t>
+            </a:r>
+          </a:p>
+          <a:p>
+            <a:pPr marL="0" indent="0">
+              <a:buNone/>
+            </a:pPr>
+            <a:r>
+              <a:rPr lang="en-GB" dirty="0"/>
+              <a:t>	Orchestrators</a:t>
+            </a:r>
           </a:p>
         </p:txBody>
       </p:sp>
     </p:spTree>
     <p:extLst>
       <p:ext uri="{BB962C8B-B14F-4D97-AF65-F5344CB8AC3E}">
-        <p14:creationId xmlns:p14="http://schemas.microsoft.com/office/powerpoint/2010/main" val="2590341702"/>
+        <p14:creationId xmlns:p14="http://schemas.microsoft.com/office/powerpoint/2010/main" val="2781743654"/>
       </p:ext>
     </p:extLst>
   </p:cSld>
@@ -4024,7 +4132,7 @@
       </p:grpSpPr>
       <p:sp>
         <p:nvSpPr>
-          <p:cNvPr id="4" name="Title 3"/>
+          <p:cNvPr id="6" name="Title 5"/>
           <p:cNvSpPr>
             <a:spLocks noGrp="1"/>
           </p:cNvSpPr>
@@ -4032,7 +4140,12 @@
             <p:ph type="title"/>
           </p:nvPr>
         </p:nvSpPr>
-        <p:spPr/>
+        <p:spPr>
+          <a:xfrm>
+            <a:off x="331596" y="562708"/>
+            <a:ext cx="10184004" cy="713433"/>
+          </a:xfrm>
+        </p:spPr>
         <p:txBody>
           <a:bodyPr>
             <a:normAutofit/>
@@ -4042,37 +4155,106 @@
             <a:r>
               <a:rPr lang="en-GB" dirty="0">
                 <a:solidFill>
-                  <a:schemeClr val="accent1"/>
+                  <a:schemeClr val="accent1">
+                    <a:lumMod val="75000"/>
+                  </a:schemeClr>
                 </a:solidFill>
               </a:rPr>
-              <a:t>Demo</a:t>
-            </a:r>
-          </a:p>
-        </p:txBody>
-      </p:sp>
-      <p:sp>
-        <p:nvSpPr>
-          <p:cNvPr id="2" name="Text Placeholder 1"/>
-          <p:cNvSpPr>
-            <a:spLocks noGrp="1"/>
-          </p:cNvSpPr>
-          <p:nvPr>
-            <p:ph type="body" idx="1"/>
+              <a:t>Azure Container Registry</a:t>
+            </a:r>
+          </a:p>
+        </p:txBody>
+      </p:sp>
+      <p:sp>
+        <p:nvSpPr>
+          <p:cNvPr id="3" name="Subtitle 2"/>
+          <p:cNvSpPr>
+            <a:spLocks noGrp="1"/>
+          </p:cNvSpPr>
+          <p:nvPr>
+            <p:ph idx="1"/>
           </p:nvPr>
         </p:nvSpPr>
         <p:spPr/>
         <p:txBody>
-          <a:bodyPr/>
-          <a:lstStyle/>
-          <a:p>
-            <a:endParaRPr lang="en-GB" dirty="0"/>
+          <a:bodyPr>
+            <a:normAutofit/>
+          </a:bodyPr>
+          <a:lstStyle/>
+          <a:p>
+            <a:pPr marL="0" indent="0">
+              <a:buNone/>
+            </a:pPr>
+            <a:r>
+              <a:rPr lang="en-GB" sz="3200" dirty="0"/>
+              <a:t>Registry</a:t>
+            </a:r>
+          </a:p>
+          <a:p>
+            <a:pPr marL="0" indent="0">
+              <a:buNone/>
+            </a:pPr>
+            <a:r>
+              <a:rPr lang="en-GB" dirty="0"/>
+              <a:t>	Storage of images</a:t>
+            </a:r>
+          </a:p>
+          <a:p>
+            <a:pPr marL="0" indent="0">
+              <a:buNone/>
+            </a:pPr>
+            <a:r>
+              <a:rPr lang="en-GB" sz="3200" dirty="0"/>
+              <a:t>Repository</a:t>
+            </a:r>
+          </a:p>
+          <a:p>
+            <a:pPr marL="0" indent="0">
+              <a:buNone/>
+            </a:pPr>
+            <a:r>
+              <a:rPr lang="en-GB" sz="3200" dirty="0"/>
+              <a:t>	</a:t>
+            </a:r>
+            <a:r>
+              <a:rPr lang="en-GB" dirty="0"/>
+              <a:t>Groups of container images</a:t>
+            </a:r>
+            <a:endParaRPr lang="en-GB" sz="3200" dirty="0"/>
+          </a:p>
+          <a:p>
+            <a:pPr marL="0" indent="0">
+              <a:buNone/>
+            </a:pPr>
+            <a:r>
+              <a:rPr lang="en-GB" sz="3200" dirty="0"/>
+              <a:t>Image</a:t>
+            </a:r>
+          </a:p>
+          <a:p>
+            <a:pPr marL="0" indent="0">
+              <a:buNone/>
+            </a:pPr>
+            <a:r>
+              <a:rPr lang="en-GB" dirty="0"/>
+              <a:t>	Read only snapshot of a container</a:t>
+            </a:r>
+          </a:p>
+          <a:p>
+            <a:pPr marL="0" indent="0">
+              <a:buNone/>
+            </a:pPr>
+            <a:r>
+              <a:rPr lang="en-GB" sz="3200" dirty="0"/>
+              <a:t>	</a:t>
+            </a:r>
           </a:p>
         </p:txBody>
       </p:sp>
     </p:spTree>
     <p:extLst>
       <p:ext uri="{BB962C8B-B14F-4D97-AF65-F5344CB8AC3E}">
-        <p14:creationId xmlns:p14="http://schemas.microsoft.com/office/powerpoint/2010/main" val="2367277479"/>
+        <p14:creationId xmlns:p14="http://schemas.microsoft.com/office/powerpoint/2010/main" val="1215426168"/>
       </p:ext>
     </p:extLst>
   </p:cSld>
@@ -4122,7 +4304,7 @@
                   <a:schemeClr val="accent1"/>
                 </a:solidFill>
               </a:rPr>
-              <a:t>Azure Container Services</a:t>
+              <a:t>Demo</a:t>
             </a:r>
           </a:p>
         </p:txBody>
@@ -4149,7 +4331,7 @@
     </p:spTree>
     <p:extLst>
       <p:ext uri="{BB962C8B-B14F-4D97-AF65-F5344CB8AC3E}">
-        <p14:creationId xmlns:p14="http://schemas.microsoft.com/office/powerpoint/2010/main" val="1710832568"/>
+        <p14:creationId xmlns:p14="http://schemas.microsoft.com/office/powerpoint/2010/main" val="2593481242"/>
       </p:ext>
     </p:extLst>
   </p:cSld>
@@ -4178,7 +4360,7 @@
       </p:grpSpPr>
       <p:sp>
         <p:nvSpPr>
-          <p:cNvPr id="6" name="Title 5"/>
+          <p:cNvPr id="4" name="Title 3"/>
           <p:cNvSpPr>
             <a:spLocks noGrp="1"/>
           </p:cNvSpPr>
@@ -4186,12 +4368,7 @@
             <p:ph type="title"/>
           </p:nvPr>
         </p:nvSpPr>
-        <p:spPr>
-          <a:xfrm>
-            <a:off x="331596" y="562708"/>
-            <a:ext cx="10184004" cy="713433"/>
-          </a:xfrm>
-        </p:spPr>
+        <p:spPr/>
         <p:txBody>
           <a:bodyPr>
             <a:normAutofit/>
@@ -4201,44 +4378,37 @@
             <a:r>
               <a:rPr lang="en-GB" dirty="0">
                 <a:solidFill>
-                  <a:schemeClr val="accent1">
-                    <a:lumMod val="75000"/>
-                  </a:schemeClr>
+                  <a:schemeClr val="accent1"/>
                 </a:solidFill>
               </a:rPr>
-              <a:t>Header</a:t>
-            </a:r>
-          </a:p>
-        </p:txBody>
-      </p:sp>
-      <p:sp>
-        <p:nvSpPr>
-          <p:cNvPr id="3" name="Subtitle 2"/>
-          <p:cNvSpPr>
-            <a:spLocks noGrp="1"/>
-          </p:cNvSpPr>
-          <p:nvPr>
-            <p:ph idx="1"/>
+              <a:t>Azure Container Instances</a:t>
+            </a:r>
+          </a:p>
+        </p:txBody>
+      </p:sp>
+      <p:sp>
+        <p:nvSpPr>
+          <p:cNvPr id="2" name="Text Placeholder 1"/>
+          <p:cNvSpPr>
+            <a:spLocks noGrp="1"/>
+          </p:cNvSpPr>
+          <p:nvPr>
+            <p:ph type="body" idx="1"/>
           </p:nvPr>
         </p:nvSpPr>
         <p:spPr/>
         <p:txBody>
-          <a:bodyPr>
-            <a:normAutofit/>
-          </a:bodyPr>
-          <a:lstStyle/>
-          <a:p>
-            <a:pPr marL="0" indent="0">
-              <a:buNone/>
-            </a:pPr>
-            <a:endParaRPr lang="en-GB" sz="3200" dirty="0"/>
+          <a:bodyPr/>
+          <a:lstStyle/>
+          <a:p>
+            <a:endParaRPr lang="en-GB" dirty="0"/>
           </a:p>
         </p:txBody>
       </p:sp>
     </p:spTree>
     <p:extLst>
       <p:ext uri="{BB962C8B-B14F-4D97-AF65-F5344CB8AC3E}">
-        <p14:creationId xmlns:p14="http://schemas.microsoft.com/office/powerpoint/2010/main" val="1834450055"/>
+        <p14:creationId xmlns:p14="http://schemas.microsoft.com/office/powerpoint/2010/main" val="3077493872"/>
       </p:ext>
     </p:extLst>
   </p:cSld>
@@ -4452,7 +4622,7 @@
       </p:grpSpPr>
       <p:sp>
         <p:nvSpPr>
-          <p:cNvPr id="4" name="Title 3"/>
+          <p:cNvPr id="6" name="Title 5"/>
           <p:cNvSpPr>
             <a:spLocks noGrp="1"/>
           </p:cNvSpPr>
@@ -4460,7 +4630,12 @@
             <p:ph type="title"/>
           </p:nvPr>
         </p:nvSpPr>
-        <p:spPr/>
+        <p:spPr>
+          <a:xfrm>
+            <a:off x="331596" y="562708"/>
+            <a:ext cx="10184004" cy="713433"/>
+          </a:xfrm>
+        </p:spPr>
         <p:txBody>
           <a:bodyPr>
             <a:normAutofit/>
@@ -4470,37 +4645,97 @@
             <a:r>
               <a:rPr lang="en-GB" dirty="0">
                 <a:solidFill>
-                  <a:schemeClr val="accent1"/>
+                  <a:schemeClr val="accent1">
+                    <a:lumMod val="75000"/>
+                  </a:schemeClr>
                 </a:solidFill>
               </a:rPr>
-              <a:t>Demo</a:t>
-            </a:r>
-          </a:p>
-        </p:txBody>
-      </p:sp>
-      <p:sp>
-        <p:nvSpPr>
-          <p:cNvPr id="2" name="Text Placeholder 1"/>
-          <p:cNvSpPr>
-            <a:spLocks noGrp="1"/>
-          </p:cNvSpPr>
-          <p:nvPr>
-            <p:ph type="body" idx="1"/>
+              <a:t>Azure Container Instances</a:t>
+            </a:r>
+          </a:p>
+        </p:txBody>
+      </p:sp>
+      <p:sp>
+        <p:nvSpPr>
+          <p:cNvPr id="3" name="Subtitle 2"/>
+          <p:cNvSpPr>
+            <a:spLocks noGrp="1"/>
+          </p:cNvSpPr>
+          <p:nvPr>
+            <p:ph idx="1"/>
           </p:nvPr>
         </p:nvSpPr>
         <p:spPr/>
         <p:txBody>
-          <a:bodyPr/>
-          <a:lstStyle/>
-          <a:p>
-            <a:endParaRPr lang="en-GB" dirty="0"/>
+          <a:bodyPr>
+            <a:normAutofit/>
+          </a:bodyPr>
+          <a:lstStyle/>
+          <a:p>
+            <a:pPr marL="0" indent="0">
+              <a:buNone/>
+            </a:pPr>
+            <a:r>
+              <a:rPr lang="en-GB" sz="3200" dirty="0"/>
+              <a:t>Running containers without servers</a:t>
+            </a:r>
+          </a:p>
+          <a:p>
+            <a:pPr marL="0" indent="0">
+              <a:buNone/>
+            </a:pPr>
+            <a:r>
+              <a:rPr lang="en-GB" sz="3200" dirty="0"/>
+              <a:t>No need to manage VMs</a:t>
+            </a:r>
+          </a:p>
+          <a:p>
+            <a:pPr marL="0" indent="0">
+              <a:buNone/>
+            </a:pPr>
+            <a:r>
+              <a:rPr lang="en-GB" sz="3200" dirty="0"/>
+              <a:t>Spin up in seconds</a:t>
+            </a:r>
+          </a:p>
+          <a:p>
+            <a:pPr marL="0" indent="0">
+              <a:buNone/>
+            </a:pPr>
+            <a:r>
+              <a:rPr lang="en-GB" sz="3200" dirty="0"/>
+              <a:t>Deployed via the CLI, </a:t>
+            </a:r>
+            <a:r>
+              <a:rPr lang="en-GB" sz="3200" dirty="0" err="1"/>
+              <a:t>powershell</a:t>
+            </a:r>
+            <a:r>
+              <a:rPr lang="en-GB" sz="3200" dirty="0"/>
+              <a:t>, or Azure Portal</a:t>
+            </a:r>
+          </a:p>
+          <a:p>
+            <a:pPr marL="0" indent="0">
+              <a:buNone/>
+            </a:pPr>
+            <a:r>
+              <a:rPr lang="en-GB" sz="3200" dirty="0"/>
+              <a:t>Billed by the second</a:t>
+            </a:r>
+          </a:p>
+          <a:p>
+            <a:pPr marL="0" indent="0">
+              <a:buNone/>
+            </a:pPr>
+            <a:endParaRPr lang="en-GB" sz="3200" dirty="0"/>
           </a:p>
         </p:txBody>
       </p:sp>
     </p:spTree>
     <p:extLst>
       <p:ext uri="{BB962C8B-B14F-4D97-AF65-F5344CB8AC3E}">
-        <p14:creationId xmlns:p14="http://schemas.microsoft.com/office/powerpoint/2010/main" val="2917938358"/>
+        <p14:creationId xmlns:p14="http://schemas.microsoft.com/office/powerpoint/2010/main" val="2590341702"/>
       </p:ext>
     </p:extLst>
   </p:cSld>
@@ -4529,6 +4764,804 @@
       </p:grpSpPr>
       <p:sp>
         <p:nvSpPr>
+          <p:cNvPr id="6" name="Title 5"/>
+          <p:cNvSpPr>
+            <a:spLocks noGrp="1"/>
+          </p:cNvSpPr>
+          <p:nvPr>
+            <p:ph type="title"/>
+          </p:nvPr>
+        </p:nvSpPr>
+        <p:spPr>
+          <a:xfrm>
+            <a:off x="331596" y="562708"/>
+            <a:ext cx="10184004" cy="713433"/>
+          </a:xfrm>
+        </p:spPr>
+        <p:txBody>
+          <a:bodyPr>
+            <a:normAutofit/>
+          </a:bodyPr>
+          <a:lstStyle/>
+          <a:p>
+            <a:r>
+              <a:rPr lang="en-GB" dirty="0">
+                <a:solidFill>
+                  <a:schemeClr val="accent1">
+                    <a:lumMod val="75000"/>
+                  </a:schemeClr>
+                </a:solidFill>
+              </a:rPr>
+              <a:t>ACI - Options</a:t>
+            </a:r>
+          </a:p>
+        </p:txBody>
+      </p:sp>
+      <p:sp>
+        <p:nvSpPr>
+          <p:cNvPr id="3" name="Subtitle 2"/>
+          <p:cNvSpPr>
+            <a:spLocks noGrp="1"/>
+          </p:cNvSpPr>
+          <p:nvPr>
+            <p:ph idx="1"/>
+          </p:nvPr>
+        </p:nvSpPr>
+        <p:spPr/>
+        <p:txBody>
+          <a:bodyPr>
+            <a:normAutofit/>
+          </a:bodyPr>
+          <a:lstStyle/>
+          <a:p>
+            <a:pPr marL="0" indent="0">
+              <a:buNone/>
+            </a:pPr>
+            <a:r>
+              <a:rPr lang="en-GB" sz="3200" dirty="0"/>
+              <a:t>Linux &amp; Windows containers</a:t>
+            </a:r>
+          </a:p>
+          <a:p>
+            <a:pPr marL="0" indent="0">
+              <a:buNone/>
+            </a:pPr>
+            <a:r>
+              <a:rPr lang="en-GB" sz="3200" dirty="0"/>
+              <a:t>Containers exposed directly to the internet</a:t>
+            </a:r>
+          </a:p>
+          <a:p>
+            <a:pPr marL="0" indent="0">
+              <a:buNone/>
+            </a:pPr>
+            <a:r>
+              <a:rPr lang="en-GB" sz="3200" dirty="0"/>
+              <a:t>	</a:t>
+            </a:r>
+            <a:r>
+              <a:rPr lang="en-GB" dirty="0"/>
+              <a:t>IP Address and FQDN</a:t>
+            </a:r>
+          </a:p>
+          <a:p>
+            <a:pPr marL="0" indent="0">
+              <a:buNone/>
+            </a:pPr>
+            <a:r>
+              <a:rPr lang="en-GB" sz="3200" dirty="0"/>
+              <a:t>Hypervisor level isolation</a:t>
+            </a:r>
+          </a:p>
+          <a:p>
+            <a:pPr marL="0" indent="0">
+              <a:buNone/>
+            </a:pPr>
+            <a:r>
+              <a:rPr lang="en-GB" sz="3200" dirty="0"/>
+              <a:t>Persistent storage</a:t>
+            </a:r>
+          </a:p>
+          <a:p>
+            <a:pPr marL="0" indent="0">
+              <a:buNone/>
+            </a:pPr>
+            <a:r>
+              <a:rPr lang="en-GB" sz="3200" dirty="0"/>
+              <a:t>	</a:t>
+            </a:r>
+            <a:r>
+              <a:rPr lang="en-GB" dirty="0"/>
+              <a:t>Azure files shares</a:t>
+            </a:r>
+          </a:p>
+          <a:p>
+            <a:pPr marL="0" indent="0">
+              <a:buNone/>
+            </a:pPr>
+            <a:r>
+              <a:rPr lang="en-GB" sz="3200" dirty="0"/>
+              <a:t>Container Groups</a:t>
+            </a:r>
+          </a:p>
+          <a:p>
+            <a:pPr marL="0" indent="0">
+              <a:buNone/>
+            </a:pPr>
+            <a:endParaRPr lang="en-GB" sz="3200" dirty="0"/>
+          </a:p>
+        </p:txBody>
+      </p:sp>
+    </p:spTree>
+    <p:extLst>
+      <p:ext uri="{BB962C8B-B14F-4D97-AF65-F5344CB8AC3E}">
+        <p14:creationId xmlns:p14="http://schemas.microsoft.com/office/powerpoint/2010/main" val="334400448"/>
+      </p:ext>
+    </p:extLst>
+  </p:cSld>
+  <p:clrMapOvr>
+    <a:masterClrMapping/>
+  </p:clrMapOvr>
+</p:sld>
+</file>
+
+<file path=ppt/slides/slide22.xml><?xml version="1.0" encoding="utf-8"?>
+<p:sld xmlns:a="http://schemas.openxmlformats.org/drawingml/2006/main" xmlns:r="http://schemas.openxmlformats.org/officeDocument/2006/relationships" xmlns:p="http://schemas.openxmlformats.org/presentationml/2006/main">
+  <p:cSld>
+    <p:spTree>
+      <p:nvGrpSpPr>
+        <p:cNvPr id="1" name=""/>
+        <p:cNvGrpSpPr/>
+        <p:nvPr/>
+      </p:nvGrpSpPr>
+      <p:grpSpPr>
+        <a:xfrm>
+          <a:off x="0" y="0"/>
+          <a:ext cx="0" cy="0"/>
+          <a:chOff x="0" y="0"/>
+          <a:chExt cx="0" cy="0"/>
+        </a:xfrm>
+      </p:grpSpPr>
+      <p:sp>
+        <p:nvSpPr>
+          <p:cNvPr id="4" name="Title 3"/>
+          <p:cNvSpPr>
+            <a:spLocks noGrp="1"/>
+          </p:cNvSpPr>
+          <p:nvPr>
+            <p:ph type="title"/>
+          </p:nvPr>
+        </p:nvSpPr>
+        <p:spPr/>
+        <p:txBody>
+          <a:bodyPr>
+            <a:normAutofit/>
+          </a:bodyPr>
+          <a:lstStyle/>
+          <a:p>
+            <a:r>
+              <a:rPr lang="en-GB" dirty="0">
+                <a:solidFill>
+                  <a:schemeClr val="accent1"/>
+                </a:solidFill>
+              </a:rPr>
+              <a:t>Demo</a:t>
+            </a:r>
+          </a:p>
+        </p:txBody>
+      </p:sp>
+      <p:sp>
+        <p:nvSpPr>
+          <p:cNvPr id="2" name="Text Placeholder 1"/>
+          <p:cNvSpPr>
+            <a:spLocks noGrp="1"/>
+          </p:cNvSpPr>
+          <p:nvPr>
+            <p:ph type="body" idx="1"/>
+          </p:nvPr>
+        </p:nvSpPr>
+        <p:spPr/>
+        <p:txBody>
+          <a:bodyPr/>
+          <a:lstStyle/>
+          <a:p>
+            <a:endParaRPr lang="en-GB" dirty="0"/>
+          </a:p>
+        </p:txBody>
+      </p:sp>
+    </p:spTree>
+    <p:extLst>
+      <p:ext uri="{BB962C8B-B14F-4D97-AF65-F5344CB8AC3E}">
+        <p14:creationId xmlns:p14="http://schemas.microsoft.com/office/powerpoint/2010/main" val="2367277479"/>
+      </p:ext>
+    </p:extLst>
+  </p:cSld>
+  <p:clrMapOvr>
+    <a:masterClrMapping/>
+  </p:clrMapOvr>
+</p:sld>
+</file>
+
+<file path=ppt/slides/slide23.xml><?xml version="1.0" encoding="utf-8"?>
+<p:sld xmlns:a="http://schemas.openxmlformats.org/drawingml/2006/main" xmlns:r="http://schemas.openxmlformats.org/officeDocument/2006/relationships" xmlns:p="http://schemas.openxmlformats.org/presentationml/2006/main">
+  <p:cSld>
+    <p:spTree>
+      <p:nvGrpSpPr>
+        <p:cNvPr id="1" name=""/>
+        <p:cNvGrpSpPr/>
+        <p:nvPr/>
+      </p:nvGrpSpPr>
+      <p:grpSpPr>
+        <a:xfrm>
+          <a:off x="0" y="0"/>
+          <a:ext cx="0" cy="0"/>
+          <a:chOff x="0" y="0"/>
+          <a:chExt cx="0" cy="0"/>
+        </a:xfrm>
+      </p:grpSpPr>
+      <p:sp>
+        <p:nvSpPr>
+          <p:cNvPr id="4" name="Title 3"/>
+          <p:cNvSpPr>
+            <a:spLocks noGrp="1"/>
+          </p:cNvSpPr>
+          <p:nvPr>
+            <p:ph type="title"/>
+          </p:nvPr>
+        </p:nvSpPr>
+        <p:spPr/>
+        <p:txBody>
+          <a:bodyPr>
+            <a:normAutofit/>
+          </a:bodyPr>
+          <a:lstStyle/>
+          <a:p>
+            <a:r>
+              <a:rPr lang="en-GB" dirty="0">
+                <a:solidFill>
+                  <a:schemeClr val="accent1"/>
+                </a:solidFill>
+              </a:rPr>
+              <a:t>Azure Container Services</a:t>
+            </a:r>
+          </a:p>
+        </p:txBody>
+      </p:sp>
+      <p:sp>
+        <p:nvSpPr>
+          <p:cNvPr id="2" name="Text Placeholder 1"/>
+          <p:cNvSpPr>
+            <a:spLocks noGrp="1"/>
+          </p:cNvSpPr>
+          <p:nvPr>
+            <p:ph type="body" idx="1"/>
+          </p:nvPr>
+        </p:nvSpPr>
+        <p:spPr/>
+        <p:txBody>
+          <a:bodyPr/>
+          <a:lstStyle/>
+          <a:p>
+            <a:endParaRPr lang="en-GB" dirty="0"/>
+          </a:p>
+        </p:txBody>
+      </p:sp>
+    </p:spTree>
+    <p:extLst>
+      <p:ext uri="{BB962C8B-B14F-4D97-AF65-F5344CB8AC3E}">
+        <p14:creationId xmlns:p14="http://schemas.microsoft.com/office/powerpoint/2010/main" val="1710832568"/>
+      </p:ext>
+    </p:extLst>
+  </p:cSld>
+  <p:clrMapOvr>
+    <a:masterClrMapping/>
+  </p:clrMapOvr>
+</p:sld>
+</file>
+
+<file path=ppt/slides/slide24.xml><?xml version="1.0" encoding="utf-8"?>
+<p:sld xmlns:a="http://schemas.openxmlformats.org/drawingml/2006/main" xmlns:r="http://schemas.openxmlformats.org/officeDocument/2006/relationships" xmlns:p="http://schemas.openxmlformats.org/presentationml/2006/main">
+  <p:cSld>
+    <p:spTree>
+      <p:nvGrpSpPr>
+        <p:cNvPr id="1" name=""/>
+        <p:cNvGrpSpPr/>
+        <p:nvPr/>
+      </p:nvGrpSpPr>
+      <p:grpSpPr>
+        <a:xfrm>
+          <a:off x="0" y="0"/>
+          <a:ext cx="0" cy="0"/>
+          <a:chOff x="0" y="0"/>
+          <a:chExt cx="0" cy="0"/>
+        </a:xfrm>
+      </p:grpSpPr>
+      <p:sp>
+        <p:nvSpPr>
+          <p:cNvPr id="6" name="Title 5"/>
+          <p:cNvSpPr>
+            <a:spLocks noGrp="1"/>
+          </p:cNvSpPr>
+          <p:nvPr>
+            <p:ph type="title"/>
+          </p:nvPr>
+        </p:nvSpPr>
+        <p:spPr>
+          <a:xfrm>
+            <a:off x="331596" y="562708"/>
+            <a:ext cx="10184004" cy="713433"/>
+          </a:xfrm>
+        </p:spPr>
+        <p:txBody>
+          <a:bodyPr>
+            <a:normAutofit/>
+          </a:bodyPr>
+          <a:lstStyle/>
+          <a:p>
+            <a:r>
+              <a:rPr lang="en-GB" dirty="0">
+                <a:solidFill>
+                  <a:schemeClr val="accent1">
+                    <a:lumMod val="75000"/>
+                  </a:schemeClr>
+                </a:solidFill>
+              </a:rPr>
+              <a:t>Azure Container Services</a:t>
+            </a:r>
+          </a:p>
+        </p:txBody>
+      </p:sp>
+      <p:sp>
+        <p:nvSpPr>
+          <p:cNvPr id="3" name="Subtitle 2"/>
+          <p:cNvSpPr>
+            <a:spLocks noGrp="1"/>
+          </p:cNvSpPr>
+          <p:nvPr>
+            <p:ph idx="1"/>
+          </p:nvPr>
+        </p:nvSpPr>
+        <p:spPr/>
+        <p:txBody>
+          <a:bodyPr>
+            <a:normAutofit/>
+          </a:bodyPr>
+          <a:lstStyle/>
+          <a:p>
+            <a:pPr marL="0" indent="0">
+              <a:buNone/>
+            </a:pPr>
+            <a:r>
+              <a:rPr lang="en-GB" sz="3200" dirty="0"/>
+              <a:t>Two flavours</a:t>
+            </a:r>
+          </a:p>
+          <a:p>
+            <a:pPr marL="0" indent="0">
+              <a:buNone/>
+            </a:pPr>
+            <a:r>
+              <a:rPr lang="en-GB" sz="3200" dirty="0"/>
+              <a:t>	Azure Container Services (ACS)</a:t>
+            </a:r>
+          </a:p>
+          <a:p>
+            <a:pPr marL="0" indent="0">
+              <a:buNone/>
+            </a:pPr>
+            <a:r>
+              <a:rPr lang="en-GB" sz="3200" dirty="0"/>
+              <a:t>	Azure Container Service (AKS)</a:t>
+            </a:r>
+          </a:p>
+          <a:p>
+            <a:pPr marL="0" indent="0">
+              <a:buNone/>
+            </a:pPr>
+            <a:endParaRPr lang="en-GB" sz="3200" dirty="0"/>
+          </a:p>
+          <a:p>
+            <a:pPr marL="0" indent="0">
+              <a:buNone/>
+            </a:pPr>
+            <a:r>
+              <a:rPr lang="en-GB" sz="3200" dirty="0"/>
+              <a:t>ACS provides container hosting using DC/OS, Swarm, or K8s</a:t>
+            </a:r>
+          </a:p>
+          <a:p>
+            <a:pPr marL="0" indent="0">
+              <a:buNone/>
+            </a:pPr>
+            <a:r>
+              <a:rPr lang="en-GB" sz="3200" dirty="0"/>
+              <a:t>AKS is specifically built to implement Kubernetes</a:t>
+            </a:r>
+          </a:p>
+        </p:txBody>
+      </p:sp>
+    </p:spTree>
+    <p:extLst>
+      <p:ext uri="{BB962C8B-B14F-4D97-AF65-F5344CB8AC3E}">
+        <p14:creationId xmlns:p14="http://schemas.microsoft.com/office/powerpoint/2010/main" val="3974016028"/>
+      </p:ext>
+    </p:extLst>
+  </p:cSld>
+  <p:clrMapOvr>
+    <a:masterClrMapping/>
+  </p:clrMapOvr>
+</p:sld>
+</file>
+
+<file path=ppt/slides/slide25.xml><?xml version="1.0" encoding="utf-8"?>
+<p:sld xmlns:a="http://schemas.openxmlformats.org/drawingml/2006/main" xmlns:r="http://schemas.openxmlformats.org/officeDocument/2006/relationships" xmlns:p="http://schemas.openxmlformats.org/presentationml/2006/main">
+  <p:cSld>
+    <p:spTree>
+      <p:nvGrpSpPr>
+        <p:cNvPr id="1" name=""/>
+        <p:cNvGrpSpPr/>
+        <p:nvPr/>
+      </p:nvGrpSpPr>
+      <p:grpSpPr>
+        <a:xfrm>
+          <a:off x="0" y="0"/>
+          <a:ext cx="0" cy="0"/>
+          <a:chOff x="0" y="0"/>
+          <a:chExt cx="0" cy="0"/>
+        </a:xfrm>
+      </p:grpSpPr>
+      <p:sp>
+        <p:nvSpPr>
+          <p:cNvPr id="6" name="Title 5"/>
+          <p:cNvSpPr>
+            <a:spLocks noGrp="1"/>
+          </p:cNvSpPr>
+          <p:nvPr>
+            <p:ph type="title"/>
+          </p:nvPr>
+        </p:nvSpPr>
+        <p:spPr>
+          <a:xfrm>
+            <a:off x="331596" y="562708"/>
+            <a:ext cx="10184004" cy="713433"/>
+          </a:xfrm>
+        </p:spPr>
+        <p:txBody>
+          <a:bodyPr>
+            <a:normAutofit/>
+          </a:bodyPr>
+          <a:lstStyle/>
+          <a:p>
+            <a:r>
+              <a:rPr lang="en-GB" dirty="0">
+                <a:solidFill>
+                  <a:schemeClr val="accent1">
+                    <a:lumMod val="75000"/>
+                  </a:schemeClr>
+                </a:solidFill>
+              </a:rPr>
+              <a:t>Kubernetes</a:t>
+            </a:r>
+          </a:p>
+        </p:txBody>
+      </p:sp>
+      <p:sp>
+        <p:nvSpPr>
+          <p:cNvPr id="3" name="Subtitle 2"/>
+          <p:cNvSpPr>
+            <a:spLocks noGrp="1"/>
+          </p:cNvSpPr>
+          <p:nvPr>
+            <p:ph idx="1"/>
+          </p:nvPr>
+        </p:nvSpPr>
+        <p:spPr/>
+        <p:txBody>
+          <a:bodyPr>
+            <a:normAutofit/>
+          </a:bodyPr>
+          <a:lstStyle/>
+          <a:p>
+            <a:pPr marL="0" indent="0">
+              <a:buNone/>
+            </a:pPr>
+            <a:r>
+              <a:rPr lang="en-GB" sz="3200" dirty="0"/>
+              <a:t>Open Source system for managing containers</a:t>
+            </a:r>
+          </a:p>
+          <a:p>
+            <a:pPr marL="0" indent="0">
+              <a:buNone/>
+            </a:pPr>
+            <a:r>
+              <a:rPr lang="en-GB" sz="3200" dirty="0"/>
+              <a:t>Deployed as a cluster containing a master and multiple nodes</a:t>
+            </a:r>
+          </a:p>
+          <a:p>
+            <a:pPr marL="0" indent="0">
+              <a:buNone/>
+            </a:pPr>
+            <a:r>
+              <a:rPr lang="en-GB" sz="3200" dirty="0"/>
+              <a:t>Pods hold containers running on the nodes</a:t>
+            </a:r>
+          </a:p>
+          <a:p>
+            <a:pPr marL="0" indent="0">
+              <a:buNone/>
+            </a:pPr>
+            <a:r>
+              <a:rPr lang="en-GB" sz="3200" dirty="0"/>
+              <a:t>Services define/allow access to sets of pods</a:t>
+            </a:r>
+          </a:p>
+          <a:p>
+            <a:pPr marL="0" indent="0">
+              <a:buNone/>
+            </a:pPr>
+            <a:r>
+              <a:rPr lang="en-GB" sz="3200" dirty="0"/>
+              <a:t>Deployments created and managed via </a:t>
+            </a:r>
+            <a:r>
+              <a:rPr lang="en-GB" sz="3200" dirty="0" err="1"/>
+              <a:t>Kubectl</a:t>
+            </a:r>
+            <a:endParaRPr lang="en-GB" sz="3200" dirty="0"/>
+          </a:p>
+        </p:txBody>
+      </p:sp>
+    </p:spTree>
+    <p:extLst>
+      <p:ext uri="{BB962C8B-B14F-4D97-AF65-F5344CB8AC3E}">
+        <p14:creationId xmlns:p14="http://schemas.microsoft.com/office/powerpoint/2010/main" val="1834450055"/>
+      </p:ext>
+    </p:extLst>
+  </p:cSld>
+  <p:clrMapOvr>
+    <a:masterClrMapping/>
+  </p:clrMapOvr>
+</p:sld>
+</file>
+
+<file path=ppt/slides/slide26.xml><?xml version="1.0" encoding="utf-8"?>
+<p:sld xmlns:a="http://schemas.openxmlformats.org/drawingml/2006/main" xmlns:r="http://schemas.openxmlformats.org/officeDocument/2006/relationships" xmlns:p="http://schemas.openxmlformats.org/presentationml/2006/main">
+  <p:cSld>
+    <p:spTree>
+      <p:nvGrpSpPr>
+        <p:cNvPr id="1" name=""/>
+        <p:cNvGrpSpPr/>
+        <p:nvPr/>
+      </p:nvGrpSpPr>
+      <p:grpSpPr>
+        <a:xfrm>
+          <a:off x="0" y="0"/>
+          <a:ext cx="0" cy="0"/>
+          <a:chOff x="0" y="0"/>
+          <a:chExt cx="0" cy="0"/>
+        </a:xfrm>
+      </p:grpSpPr>
+      <p:sp>
+        <p:nvSpPr>
+          <p:cNvPr id="6" name="Title 5"/>
+          <p:cNvSpPr>
+            <a:spLocks noGrp="1"/>
+          </p:cNvSpPr>
+          <p:nvPr>
+            <p:ph type="title"/>
+          </p:nvPr>
+        </p:nvSpPr>
+        <p:spPr>
+          <a:xfrm>
+            <a:off x="331596" y="562708"/>
+            <a:ext cx="10184004" cy="713433"/>
+          </a:xfrm>
+        </p:spPr>
+        <p:txBody>
+          <a:bodyPr>
+            <a:normAutofit/>
+          </a:bodyPr>
+          <a:lstStyle/>
+          <a:p>
+            <a:r>
+              <a:rPr lang="en-GB" dirty="0">
+                <a:solidFill>
+                  <a:schemeClr val="accent1">
+                    <a:lumMod val="75000"/>
+                  </a:schemeClr>
+                </a:solidFill>
+              </a:rPr>
+              <a:t>Azure Container Services (AKS)</a:t>
+            </a:r>
+          </a:p>
+        </p:txBody>
+      </p:sp>
+      <p:sp>
+        <p:nvSpPr>
+          <p:cNvPr id="3" name="Subtitle 2"/>
+          <p:cNvSpPr>
+            <a:spLocks noGrp="1"/>
+          </p:cNvSpPr>
+          <p:nvPr>
+            <p:ph idx="1"/>
+          </p:nvPr>
+        </p:nvSpPr>
+        <p:spPr/>
+        <p:txBody>
+          <a:bodyPr>
+            <a:normAutofit/>
+          </a:bodyPr>
+          <a:lstStyle/>
+          <a:p>
+            <a:pPr marL="0" indent="0">
+              <a:buNone/>
+            </a:pPr>
+            <a:r>
+              <a:rPr lang="en-GB" sz="3200" dirty="0"/>
+              <a:t>Simplifies deployment of Kubernetes clusters in Azure</a:t>
+            </a:r>
+          </a:p>
+          <a:p>
+            <a:pPr marL="0" indent="0">
+              <a:buNone/>
+            </a:pPr>
+            <a:r>
+              <a:rPr lang="en-GB" sz="3200" dirty="0"/>
+              <a:t>Cluster can be spun up with one line of code</a:t>
+            </a:r>
+          </a:p>
+          <a:p>
+            <a:pPr marL="0" indent="0">
+              <a:buNone/>
+            </a:pPr>
+            <a:r>
+              <a:rPr lang="en-GB" sz="3200" dirty="0"/>
+              <a:t>Applications deployed to cluster via </a:t>
+            </a:r>
+            <a:r>
+              <a:rPr lang="en-GB" sz="3200" dirty="0" err="1"/>
+              <a:t>yaml</a:t>
+            </a:r>
+            <a:r>
+              <a:rPr lang="en-GB" sz="3200" dirty="0"/>
+              <a:t> files</a:t>
+            </a:r>
+          </a:p>
+          <a:p>
+            <a:pPr marL="0" indent="0">
+              <a:buNone/>
+            </a:pPr>
+            <a:r>
+              <a:rPr lang="en-GB" sz="3200" dirty="0"/>
+              <a:t>Managed by Azure-CLI/</a:t>
+            </a:r>
+            <a:r>
+              <a:rPr lang="en-GB" sz="3200" dirty="0" err="1"/>
+              <a:t>powershell</a:t>
+            </a:r>
+            <a:r>
+              <a:rPr lang="en-GB" sz="3200" dirty="0"/>
+              <a:t> and </a:t>
+            </a:r>
+            <a:r>
+              <a:rPr lang="en-GB" sz="3200" dirty="0" err="1"/>
+              <a:t>kubectl</a:t>
+            </a:r>
+            <a:endParaRPr lang="en-GB" sz="3200" dirty="0"/>
+          </a:p>
+        </p:txBody>
+      </p:sp>
+    </p:spTree>
+    <p:extLst>
+      <p:ext uri="{BB962C8B-B14F-4D97-AF65-F5344CB8AC3E}">
+        <p14:creationId xmlns:p14="http://schemas.microsoft.com/office/powerpoint/2010/main" val="3069965736"/>
+      </p:ext>
+    </p:extLst>
+  </p:cSld>
+  <p:clrMapOvr>
+    <a:masterClrMapping/>
+  </p:clrMapOvr>
+</p:sld>
+</file>
+
+<file path=ppt/slides/slide27.xml><?xml version="1.0" encoding="utf-8"?>
+<p:sld xmlns:a="http://schemas.openxmlformats.org/drawingml/2006/main" xmlns:r="http://schemas.openxmlformats.org/officeDocument/2006/relationships" xmlns:p="http://schemas.openxmlformats.org/presentationml/2006/main">
+  <p:cSld>
+    <p:spTree>
+      <p:nvGrpSpPr>
+        <p:cNvPr id="1" name=""/>
+        <p:cNvGrpSpPr/>
+        <p:nvPr/>
+      </p:nvGrpSpPr>
+      <p:grpSpPr>
+        <a:xfrm>
+          <a:off x="0" y="0"/>
+          <a:ext cx="0" cy="0"/>
+          <a:chOff x="0" y="0"/>
+          <a:chExt cx="0" cy="0"/>
+        </a:xfrm>
+      </p:grpSpPr>
+      <p:sp>
+        <p:nvSpPr>
+          <p:cNvPr id="4" name="Title 3"/>
+          <p:cNvSpPr>
+            <a:spLocks noGrp="1"/>
+          </p:cNvSpPr>
+          <p:nvPr>
+            <p:ph type="title"/>
+          </p:nvPr>
+        </p:nvSpPr>
+        <p:spPr/>
+        <p:txBody>
+          <a:bodyPr>
+            <a:normAutofit/>
+          </a:bodyPr>
+          <a:lstStyle/>
+          <a:p>
+            <a:r>
+              <a:rPr lang="en-GB" dirty="0">
+                <a:solidFill>
+                  <a:schemeClr val="accent1"/>
+                </a:solidFill>
+              </a:rPr>
+              <a:t>Demo</a:t>
+            </a:r>
+          </a:p>
+        </p:txBody>
+      </p:sp>
+      <p:sp>
+        <p:nvSpPr>
+          <p:cNvPr id="2" name="Text Placeholder 1"/>
+          <p:cNvSpPr>
+            <a:spLocks noGrp="1"/>
+          </p:cNvSpPr>
+          <p:nvPr>
+            <p:ph type="body" idx="1"/>
+          </p:nvPr>
+        </p:nvSpPr>
+        <p:spPr/>
+        <p:txBody>
+          <a:bodyPr/>
+          <a:lstStyle/>
+          <a:p>
+            <a:endParaRPr lang="en-GB" dirty="0"/>
+          </a:p>
+        </p:txBody>
+      </p:sp>
+    </p:spTree>
+    <p:extLst>
+      <p:ext uri="{BB962C8B-B14F-4D97-AF65-F5344CB8AC3E}">
+        <p14:creationId xmlns:p14="http://schemas.microsoft.com/office/powerpoint/2010/main" val="2917938358"/>
+      </p:ext>
+    </p:extLst>
+  </p:cSld>
+  <p:clrMapOvr>
+    <a:masterClrMapping/>
+  </p:clrMapOvr>
+</p:sld>
+</file>
+
+<file path=ppt/slides/slide28.xml><?xml version="1.0" encoding="utf-8"?>
+<p:sld xmlns:a="http://schemas.openxmlformats.org/drawingml/2006/main" xmlns:r="http://schemas.openxmlformats.org/officeDocument/2006/relationships" xmlns:p="http://schemas.openxmlformats.org/presentationml/2006/main">
+  <p:cSld>
+    <p:spTree>
+      <p:nvGrpSpPr>
+        <p:cNvPr id="1" name=""/>
+        <p:cNvGrpSpPr/>
+        <p:nvPr/>
+      </p:nvGrpSpPr>
+      <p:grpSpPr>
+        <a:xfrm>
+          <a:off x="0" y="0"/>
+          <a:ext cx="0" cy="0"/>
+          <a:chOff x="0" y="0"/>
+          <a:chExt cx="0" cy="0"/>
+        </a:xfrm>
+      </p:grpSpPr>
+      <p:sp>
+        <p:nvSpPr>
           <p:cNvPr id="2" name="Title 1">
             <a:extLst>
               <a:ext uri="{FF2B5EF4-FFF2-40B4-BE49-F238E27FC236}">
@@ -4625,7 +5658,7 @@
 </p:sld>
 </file>
 
-<file path=ppt/slides/slide22.xml><?xml version="1.0" encoding="utf-8"?>
+<file path=ppt/slides/slide29.xml><?xml version="1.0" encoding="utf-8"?>
 <p:sld xmlns:a="http://schemas.openxmlformats.org/drawingml/2006/main" xmlns:r="http://schemas.openxmlformats.org/officeDocument/2006/relationships" xmlns:p="http://schemas.openxmlformats.org/presentationml/2006/main">
   <p:cSld>
     <p:spTree>
@@ -4996,9 +6029,7 @@
           </a:xfrm>
         </p:spPr>
         <p:txBody>
-          <a:bodyPr>
-            <a:normAutofit/>
-          </a:bodyPr>
+          <a:bodyPr/>
           <a:lstStyle/>
           <a:p>
             <a:r>
@@ -5009,7 +6040,7 @@
                   </a:schemeClr>
                 </a:solidFill>
               </a:rPr>
-              <a:t>Header</a:t>
+              <a:t>Agenda</a:t>
             </a:r>
           </a:p>
         </p:txBody>
@@ -5034,14 +6065,53 @@
             <a:pPr marL="0" indent="0">
               <a:buNone/>
             </a:pPr>
-            <a:endParaRPr lang="en-GB" sz="3200" dirty="0"/>
+            <a:r>
+              <a:rPr lang="en-GB" sz="3200" dirty="0"/>
+              <a:t>Running Docker on standalone VMs</a:t>
+            </a:r>
+          </a:p>
+          <a:p>
+            <a:pPr marL="0" indent="0">
+              <a:buNone/>
+            </a:pPr>
+            <a:r>
+              <a:rPr lang="en-GB" sz="3200" dirty="0"/>
+              <a:t>Docker for Azure</a:t>
+            </a:r>
+          </a:p>
+          <a:p>
+            <a:pPr marL="0" indent="0">
+              <a:buNone/>
+            </a:pPr>
+            <a:r>
+              <a:rPr lang="en-GB" sz="3200" dirty="0"/>
+              <a:t>Azure Container Registry</a:t>
+            </a:r>
+          </a:p>
+          <a:p>
+            <a:pPr marL="0" indent="0">
+              <a:buNone/>
+            </a:pPr>
+            <a:r>
+              <a:rPr lang="en-GB" sz="3200" dirty="0"/>
+              <a:t>Azure Container Instances</a:t>
+            </a:r>
+          </a:p>
+          <a:p>
+            <a:pPr marL="0" indent="0">
+              <a:buNone/>
+            </a:pPr>
+            <a:r>
+              <a:rPr lang="en-GB" sz="3200" dirty="0"/>
+              <a:t>Azure Container Services (ACS &amp; AKS)</a:t>
+            </a:r>
           </a:p>
         </p:txBody>
       </p:sp>
     </p:spTree>
     <p:extLst>
       <p:ext uri="{BB962C8B-B14F-4D97-AF65-F5344CB8AC3E}">
-        <p14:creationId xmlns:p14="http://schemas.microsoft.com/office/powerpoint/2010/main" val="2115193488"/>
+        <p14:creationId xmlns:p14="http://schemas.microsoft.com/office/powerpoint/2010/main" val="2857945194"/>
       </p:ext>
     </p:extLst>
   </p:cSld>
@@ -5070,7 +6140,7 @@
       </p:grpSpPr>
       <p:sp>
         <p:nvSpPr>
-          <p:cNvPr id="4" name="Title 3"/>
+          <p:cNvPr id="6" name="Title 5"/>
           <p:cNvSpPr>
             <a:spLocks noGrp="1"/>
           </p:cNvSpPr>
@@ -5078,7 +6148,12 @@
             <p:ph type="title"/>
           </p:nvPr>
         </p:nvSpPr>
-        <p:spPr/>
+        <p:spPr>
+          <a:xfrm>
+            <a:off x="331596" y="562708"/>
+            <a:ext cx="10184004" cy="713433"/>
+          </a:xfrm>
+        </p:spPr>
         <p:txBody>
           <a:bodyPr>
             <a:normAutofit/>
@@ -5088,37 +6163,110 @@
             <a:r>
               <a:rPr lang="en-GB" dirty="0">
                 <a:solidFill>
-                  <a:schemeClr val="accent1"/>
+                  <a:schemeClr val="accent1">
+                    <a:lumMod val="75000"/>
+                  </a:schemeClr>
                 </a:solidFill>
               </a:rPr>
-              <a:t>Running Docker on VMs</a:t>
-            </a:r>
-          </a:p>
-        </p:txBody>
-      </p:sp>
-      <p:sp>
-        <p:nvSpPr>
-          <p:cNvPr id="2" name="Text Placeholder 1"/>
-          <p:cNvSpPr>
-            <a:spLocks noGrp="1"/>
-          </p:cNvSpPr>
-          <p:nvPr>
-            <p:ph type="body" idx="1"/>
+              <a:t>Tools – Azure CLI</a:t>
+            </a:r>
+          </a:p>
+        </p:txBody>
+      </p:sp>
+      <p:sp>
+        <p:nvSpPr>
+          <p:cNvPr id="3" name="Subtitle 2"/>
+          <p:cNvSpPr>
+            <a:spLocks noGrp="1"/>
+          </p:cNvSpPr>
+          <p:nvPr>
+            <p:ph idx="1"/>
           </p:nvPr>
         </p:nvSpPr>
         <p:spPr/>
         <p:txBody>
-          <a:bodyPr/>
-          <a:lstStyle/>
-          <a:p>
-            <a:endParaRPr lang="en-GB" dirty="0"/>
-          </a:p>
-        </p:txBody>
-      </p:sp>
+          <a:bodyPr>
+            <a:normAutofit/>
+          </a:bodyPr>
+          <a:lstStyle/>
+          <a:p>
+            <a:pPr marL="0" indent="0">
+              <a:buNone/>
+            </a:pPr>
+            <a:r>
+              <a:rPr lang="en-GB" sz="3200" dirty="0"/>
+              <a:t>Command line tool for managing Azure resources</a:t>
+            </a:r>
+          </a:p>
+          <a:p>
+            <a:pPr marL="0" indent="0">
+              <a:buNone/>
+            </a:pPr>
+            <a:r>
+              <a:rPr lang="en-GB" sz="3200" dirty="0"/>
+              <a:t>Available on Windows, Mac, or Linux (incl. WSL)</a:t>
+            </a:r>
+          </a:p>
+          <a:p>
+            <a:pPr marL="0" indent="0">
+              <a:buNone/>
+            </a:pPr>
+            <a:r>
+              <a:rPr lang="en-GB" sz="2400" dirty="0">
+                <a:hlinkClick r:id="rId2"/>
+              </a:rPr>
+              <a:t>https://docs.microsoft.com/en-us/cli/azure/install-azure-cli?view=azure-cli-latest</a:t>
+            </a:r>
+            <a:endParaRPr lang="en-GB" sz="2400" dirty="0"/>
+          </a:p>
+          <a:p>
+            <a:pPr marL="0" indent="0">
+              <a:buNone/>
+            </a:pPr>
+            <a:endParaRPr lang="en-GB" sz="3200" dirty="0"/>
+          </a:p>
+        </p:txBody>
+      </p:sp>
+      <p:pic>
+        <p:nvPicPr>
+          <p:cNvPr id="4" name="Picture 3" descr="A screen shot of a computer&#10;&#10;Description generated with high confidence">
+            <a:extLst>
+              <a:ext uri="{FF2B5EF4-FFF2-40B4-BE49-F238E27FC236}">
+                <a16:creationId xmlns:a16="http://schemas.microsoft.com/office/drawing/2014/main" id="{4567A477-39FF-4F40-9C76-D7F68FB29486}"/>
+              </a:ext>
+            </a:extLst>
+          </p:cNvPr>
+          <p:cNvPicPr>
+            <a:picLocks noChangeAspect="1"/>
+          </p:cNvPicPr>
+          <p:nvPr/>
+        </p:nvPicPr>
+        <p:blipFill>
+          <a:blip r:embed="rId3">
+            <a:extLst>
+              <a:ext uri="{28A0092B-C50C-407E-A947-70E740481C1C}">
+                <a14:useLocalDpi xmlns:a14="http://schemas.microsoft.com/office/drawing/2010/main" val="0"/>
+              </a:ext>
+            </a:extLst>
+          </a:blip>
+          <a:stretch>
+            <a:fillRect/>
+          </a:stretch>
+        </p:blipFill>
+        <p:spPr>
+          <a:xfrm>
+            <a:off x="1924658" y="4001294"/>
+            <a:ext cx="8342684" cy="1740745"/>
+          </a:xfrm>
+          <a:prstGeom prst="rect">
+            <a:avLst/>
+          </a:prstGeom>
+        </p:spPr>
+      </p:pic>
     </p:spTree>
     <p:extLst>
       <p:ext uri="{BB962C8B-B14F-4D97-AF65-F5344CB8AC3E}">
-        <p14:creationId xmlns:p14="http://schemas.microsoft.com/office/powerpoint/2010/main" val="1078281942"/>
+        <p14:creationId xmlns:p14="http://schemas.microsoft.com/office/powerpoint/2010/main" val="3234115181"/>
       </p:ext>
     </p:extLst>
   </p:cSld>
@@ -5157,7 +6305,7 @@
         </p:nvSpPr>
         <p:spPr>
           <a:xfrm>
-            <a:off x="331596" y="562708"/>
+            <a:off x="331596" y="122399"/>
             <a:ext cx="10184004" cy="713433"/>
           </a:xfrm>
         </p:spPr>
@@ -5175,39 +6323,50 @@
                   </a:schemeClr>
                 </a:solidFill>
               </a:rPr>
-              <a:t>Header</a:t>
-            </a:r>
-          </a:p>
-        </p:txBody>
-      </p:sp>
-      <p:sp>
-        <p:nvSpPr>
-          <p:cNvPr id="3" name="Subtitle 2"/>
-          <p:cNvSpPr>
-            <a:spLocks noGrp="1"/>
-          </p:cNvSpPr>
+              <a:t>Tools – Visual Studio Code</a:t>
+            </a:r>
+          </a:p>
+        </p:txBody>
+      </p:sp>
+      <p:pic>
+        <p:nvPicPr>
+          <p:cNvPr id="4" name="Content Placeholder 3" descr="A screenshot of a cell phone&#10;&#10;Description generated with very high confidence">
+            <a:extLst>
+              <a:ext uri="{FF2B5EF4-FFF2-40B4-BE49-F238E27FC236}">
+                <a16:creationId xmlns:a16="http://schemas.microsoft.com/office/drawing/2014/main" id="{52E41142-B10C-4153-A0BC-1D74BFB578EC}"/>
+              </a:ext>
+            </a:extLst>
+          </p:cNvPr>
+          <p:cNvPicPr>
+            <a:picLocks noGrp="1" noChangeAspect="1"/>
+          </p:cNvPicPr>
           <p:nvPr>
             <p:ph idx="1"/>
           </p:nvPr>
-        </p:nvSpPr>
-        <p:spPr/>
-        <p:txBody>
-          <a:bodyPr>
-            <a:normAutofit/>
-          </a:bodyPr>
-          <a:lstStyle/>
-          <a:p>
-            <a:pPr marL="0" indent="0">
-              <a:buNone/>
-            </a:pPr>
-            <a:endParaRPr lang="en-GB" sz="3200" dirty="0"/>
-          </a:p>
-        </p:txBody>
-      </p:sp>
+        </p:nvPicPr>
+        <p:blipFill>
+          <a:blip r:embed="rId2">
+            <a:extLst>
+              <a:ext uri="{28A0092B-C50C-407E-A947-70E740481C1C}">
+                <a14:useLocalDpi xmlns:a14="http://schemas.microsoft.com/office/drawing/2010/main" val="0"/>
+              </a:ext>
+            </a:extLst>
+          </a:blip>
+          <a:stretch>
+            <a:fillRect/>
+          </a:stretch>
+        </p:blipFill>
+        <p:spPr>
+          <a:xfrm>
+            <a:off x="1059426" y="835832"/>
+            <a:ext cx="10073148" cy="5956568"/>
+          </a:xfrm>
+        </p:spPr>
+      </p:pic>
     </p:spTree>
     <p:extLst>
       <p:ext uri="{BB962C8B-B14F-4D97-AF65-F5344CB8AC3E}">
-        <p14:creationId xmlns:p14="http://schemas.microsoft.com/office/powerpoint/2010/main" val="1081040829"/>
+        <p14:creationId xmlns:p14="http://schemas.microsoft.com/office/powerpoint/2010/main" val="3854572157"/>
       </p:ext>
     </p:extLst>
   </p:cSld>
@@ -5236,7 +6395,7 @@
       </p:grpSpPr>
       <p:sp>
         <p:nvSpPr>
-          <p:cNvPr id="4" name="Title 3"/>
+          <p:cNvPr id="6" name="Title 5"/>
           <p:cNvSpPr>
             <a:spLocks noGrp="1"/>
           </p:cNvSpPr>
@@ -5244,7 +6403,12 @@
             <p:ph type="title"/>
           </p:nvPr>
         </p:nvSpPr>
-        <p:spPr/>
+        <p:spPr>
+          <a:xfrm>
+            <a:off x="331596" y="562708"/>
+            <a:ext cx="10184004" cy="713433"/>
+          </a:xfrm>
+        </p:spPr>
         <p:txBody>
           <a:bodyPr>
             <a:normAutofit/>
@@ -5254,37 +6418,132 @@
             <a:r>
               <a:rPr lang="en-GB" dirty="0">
                 <a:solidFill>
-                  <a:schemeClr val="accent1"/>
+                  <a:schemeClr val="accent1">
+                    <a:lumMod val="75000"/>
+                  </a:schemeClr>
                 </a:solidFill>
               </a:rPr>
-              <a:t>Demo</a:t>
-            </a:r>
-          </a:p>
-        </p:txBody>
-      </p:sp>
-      <p:sp>
-        <p:nvSpPr>
-          <p:cNvPr id="2" name="Text Placeholder 1"/>
-          <p:cNvSpPr>
-            <a:spLocks noGrp="1"/>
-          </p:cNvSpPr>
-          <p:nvPr>
-            <p:ph type="body" idx="1"/>
-          </p:nvPr>
-        </p:nvSpPr>
-        <p:spPr/>
-        <p:txBody>
-          <a:bodyPr/>
-          <a:lstStyle/>
-          <a:p>
-            <a:endParaRPr lang="en-GB" dirty="0"/>
-          </a:p>
-        </p:txBody>
-      </p:sp>
+              <a:t>Tools – </a:t>
+            </a:r>
+            <a:r>
+              <a:rPr lang="en-GB" dirty="0" err="1">
+                <a:solidFill>
+                  <a:schemeClr val="accent1">
+                    <a:lumMod val="75000"/>
+                  </a:schemeClr>
+                </a:solidFill>
+              </a:rPr>
+              <a:t>Powershell</a:t>
+            </a:r>
+            <a:endParaRPr lang="en-GB" dirty="0">
+              <a:solidFill>
+                <a:schemeClr val="accent1">
+                  <a:lumMod val="75000"/>
+                </a:schemeClr>
+              </a:solidFill>
+            </a:endParaRPr>
+          </a:p>
+        </p:txBody>
+      </p:sp>
+      <p:sp>
+        <p:nvSpPr>
+          <p:cNvPr id="3" name="Subtitle 2"/>
+          <p:cNvSpPr>
+            <a:spLocks noGrp="1"/>
+          </p:cNvSpPr>
+          <p:nvPr>
+            <p:ph idx="1"/>
+          </p:nvPr>
+        </p:nvSpPr>
+        <p:spPr>
+          <a:xfrm>
+            <a:off x="331596" y="2172929"/>
+            <a:ext cx="4584533" cy="3611866"/>
+          </a:xfrm>
+        </p:spPr>
+        <p:txBody>
+          <a:bodyPr>
+            <a:normAutofit/>
+          </a:bodyPr>
+          <a:lstStyle/>
+          <a:p>
+            <a:pPr marL="0" indent="0">
+              <a:buNone/>
+            </a:pPr>
+            <a:r>
+              <a:rPr lang="en-GB" sz="2400" dirty="0" err="1"/>
+              <a:t>AzureRM</a:t>
+            </a:r>
+            <a:r>
+              <a:rPr lang="en-GB" sz="2400" dirty="0"/>
+              <a:t> module</a:t>
+            </a:r>
+          </a:p>
+          <a:p>
+            <a:pPr marL="0" indent="0">
+              <a:buNone/>
+            </a:pPr>
+            <a:r>
+              <a:rPr lang="en-GB" sz="2400" dirty="0"/>
+              <a:t>Install locally or in </a:t>
+            </a:r>
+            <a:r>
+              <a:rPr lang="en-GB" sz="2400" dirty="0" err="1"/>
+              <a:t>CloudShell</a:t>
+            </a:r>
+            <a:endParaRPr lang="en-GB" sz="2400" dirty="0"/>
+          </a:p>
+          <a:p>
+            <a:pPr marL="0" indent="0">
+              <a:buNone/>
+            </a:pPr>
+            <a:r>
+              <a:rPr lang="en-GB" sz="2400" dirty="0"/>
+              <a:t>Huge amount of commands available</a:t>
+            </a:r>
+          </a:p>
+        </p:txBody>
+      </p:sp>
+      <p:pic>
+        <p:nvPicPr>
+          <p:cNvPr id="7" name="Picture 6">
+            <a:extLst>
+              <a:ext uri="{FF2B5EF4-FFF2-40B4-BE49-F238E27FC236}">
+                <a16:creationId xmlns:a16="http://schemas.microsoft.com/office/drawing/2014/main" id="{7E55A805-C88A-4382-A04F-D720AB3C8538}"/>
+              </a:ext>
+            </a:extLst>
+          </p:cNvPr>
+          <p:cNvPicPr>
+            <a:picLocks noChangeAspect="1"/>
+          </p:cNvPicPr>
+          <p:nvPr/>
+        </p:nvPicPr>
+        <p:blipFill>
+          <a:blip r:embed="rId2">
+            <a:extLst>
+              <a:ext uri="{28A0092B-C50C-407E-A947-70E740481C1C}">
+                <a14:useLocalDpi xmlns:a14="http://schemas.microsoft.com/office/drawing/2010/main" val="0"/>
+              </a:ext>
+            </a:extLst>
+          </a:blip>
+          <a:stretch>
+            <a:fillRect/>
+          </a:stretch>
+        </p:blipFill>
+        <p:spPr>
+          <a:xfrm>
+            <a:off x="4669501" y="1525375"/>
+            <a:ext cx="7190903" cy="4259420"/>
+          </a:xfrm>
+          <a:prstGeom prst="rect">
+            <a:avLst/>
+          </a:prstGeom>
+        </p:spPr>
+      </p:pic>
     </p:spTree>
     <p:extLst>
       <p:ext uri="{BB962C8B-B14F-4D97-AF65-F5344CB8AC3E}">
-        <p14:creationId xmlns:p14="http://schemas.microsoft.com/office/powerpoint/2010/main" val="3428425072"/>
+        <p14:creationId xmlns:p14="http://schemas.microsoft.com/office/powerpoint/2010/main" val="3434267780"/>
       </p:ext>
     </p:extLst>
   </p:cSld>
@@ -5334,7 +6593,7 @@
                   <a:schemeClr val="accent1"/>
                 </a:solidFill>
               </a:rPr>
-              <a:t>Docker for Azure (Swarm)</a:t>
+              <a:t>Running Docker on VMs</a:t>
             </a:r>
           </a:p>
         </p:txBody>
@@ -5361,7 +6620,7 @@
     </p:spTree>
     <p:extLst>
       <p:ext uri="{BB962C8B-B14F-4D97-AF65-F5344CB8AC3E}">
-        <p14:creationId xmlns:p14="http://schemas.microsoft.com/office/powerpoint/2010/main" val="3610026559"/>
+        <p14:creationId xmlns:p14="http://schemas.microsoft.com/office/powerpoint/2010/main" val="1078281942"/>
       </p:ext>
     </p:extLst>
   </p:cSld>

--- a/ContainersInTheCloud.pptx
+++ b/ContainersInTheCloud.pptx
@@ -5,38 +5,50 @@
     <p:sldMasterId id="2147483648" r:id="rId1"/>
   </p:sldMasterIdLst>
   <p:notesMasterIdLst>
-    <p:notesMasterId r:id="rId31"/>
+    <p:notesMasterId r:id="rId43"/>
   </p:notesMasterIdLst>
   <p:sldIdLst>
     <p:sldId id="256" r:id="rId2"/>
     <p:sldId id="282" r:id="rId3"/>
     <p:sldId id="338" r:id="rId4"/>
     <p:sldId id="264" r:id="rId5"/>
-    <p:sldId id="346" r:id="rId6"/>
+    <p:sldId id="350" r:id="rId6"/>
     <p:sldId id="347" r:id="rId7"/>
     <p:sldId id="341" r:id="rId8"/>
     <p:sldId id="342" r:id="rId9"/>
     <p:sldId id="313" r:id="rId10"/>
     <p:sldId id="331" r:id="rId11"/>
-    <p:sldId id="330" r:id="rId12"/>
-    <p:sldId id="325" r:id="rId13"/>
-    <p:sldId id="332" r:id="rId14"/>
-    <p:sldId id="329" r:id="rId15"/>
-    <p:sldId id="327" r:id="rId16"/>
-    <p:sldId id="333" r:id="rId17"/>
-    <p:sldId id="340" r:id="rId18"/>
-    <p:sldId id="328" r:id="rId19"/>
-    <p:sldId id="326" r:id="rId20"/>
-    <p:sldId id="334" r:id="rId21"/>
-    <p:sldId id="345" r:id="rId22"/>
-    <p:sldId id="314" r:id="rId23"/>
-    <p:sldId id="335" r:id="rId24"/>
-    <p:sldId id="348" r:id="rId25"/>
-    <p:sldId id="336" r:id="rId26"/>
-    <p:sldId id="349" r:id="rId27"/>
-    <p:sldId id="337" r:id="rId28"/>
-    <p:sldId id="284" r:id="rId29"/>
-    <p:sldId id="290" r:id="rId30"/>
+    <p:sldId id="327" r:id="rId12"/>
+    <p:sldId id="333" r:id="rId13"/>
+    <p:sldId id="340" r:id="rId14"/>
+    <p:sldId id="365" r:id="rId15"/>
+    <p:sldId id="351" r:id="rId16"/>
+    <p:sldId id="354" r:id="rId17"/>
+    <p:sldId id="361" r:id="rId18"/>
+    <p:sldId id="360" r:id="rId19"/>
+    <p:sldId id="358" r:id="rId20"/>
+    <p:sldId id="359" r:id="rId21"/>
+    <p:sldId id="357" r:id="rId22"/>
+    <p:sldId id="356" r:id="rId23"/>
+    <p:sldId id="355" r:id="rId24"/>
+    <p:sldId id="364" r:id="rId25"/>
+    <p:sldId id="363" r:id="rId26"/>
+    <p:sldId id="362" r:id="rId27"/>
+    <p:sldId id="328" r:id="rId28"/>
+    <p:sldId id="326" r:id="rId29"/>
+    <p:sldId id="334" r:id="rId30"/>
+    <p:sldId id="345" r:id="rId31"/>
+    <p:sldId id="352" r:id="rId32"/>
+    <p:sldId id="314" r:id="rId33"/>
+    <p:sldId id="335" r:id="rId34"/>
+    <p:sldId id="348" r:id="rId35"/>
+    <p:sldId id="336" r:id="rId36"/>
+    <p:sldId id="349" r:id="rId37"/>
+    <p:sldId id="337" r:id="rId38"/>
+    <p:sldId id="325" r:id="rId39"/>
+    <p:sldId id="332" r:id="rId40"/>
+    <p:sldId id="284" r:id="rId41"/>
+    <p:sldId id="290" r:id="rId42"/>
   </p:sldIdLst>
   <p:sldSz cx="12192000" cy="6858000"/>
   <p:notesSz cx="6858000" cy="9144000"/>
@@ -236,7 +248,7 @@
           <a:p>
             <a:fld id="{5DD5D27D-F6C1-457C-97EB-5B89E5036C9E}" type="datetimeFigureOut">
               <a:rPr lang="en-IE" smtClean="0"/>
-              <a:t>06/05/2018</a:t>
+              <a:t>13/05/2018</a:t>
             </a:fld>
             <a:endParaRPr lang="en-IE"/>
           </a:p>
@@ -635,7 +647,7 @@
           <a:p>
             <a:fld id="{A64C863B-FA9B-4512-A178-D5CD000B838D}" type="datetimeFigureOut">
               <a:rPr lang="en-GB" smtClean="0"/>
-              <a:t>06/05/2018</a:t>
+              <a:t>13/05/2018</a:t>
             </a:fld>
             <a:endParaRPr lang="en-GB"/>
           </a:p>
@@ -805,7 +817,7 @@
           <a:p>
             <a:fld id="{A64C863B-FA9B-4512-A178-D5CD000B838D}" type="datetimeFigureOut">
               <a:rPr lang="en-GB" smtClean="0"/>
-              <a:t>06/05/2018</a:t>
+              <a:t>13/05/2018</a:t>
             </a:fld>
             <a:endParaRPr lang="en-GB"/>
           </a:p>
@@ -985,7 +997,7 @@
           <a:p>
             <a:fld id="{A64C863B-FA9B-4512-A178-D5CD000B838D}" type="datetimeFigureOut">
               <a:rPr lang="en-GB" smtClean="0"/>
-              <a:t>06/05/2018</a:t>
+              <a:t>13/05/2018</a:t>
             </a:fld>
             <a:endParaRPr lang="en-GB"/>
           </a:p>
@@ -1155,7 +1167,7 @@
           <a:p>
             <a:fld id="{A64C863B-FA9B-4512-A178-D5CD000B838D}" type="datetimeFigureOut">
               <a:rPr lang="en-GB" smtClean="0"/>
-              <a:t>06/05/2018</a:t>
+              <a:t>13/05/2018</a:t>
             </a:fld>
             <a:endParaRPr lang="en-GB"/>
           </a:p>
@@ -1401,7 +1413,7 @@
           <a:p>
             <a:fld id="{A64C863B-FA9B-4512-A178-D5CD000B838D}" type="datetimeFigureOut">
               <a:rPr lang="en-GB" smtClean="0"/>
-              <a:t>06/05/2018</a:t>
+              <a:t>13/05/2018</a:t>
             </a:fld>
             <a:endParaRPr lang="en-GB"/>
           </a:p>
@@ -1633,7 +1645,7 @@
           <a:p>
             <a:fld id="{A64C863B-FA9B-4512-A178-D5CD000B838D}" type="datetimeFigureOut">
               <a:rPr lang="en-GB" smtClean="0"/>
-              <a:t>06/05/2018</a:t>
+              <a:t>13/05/2018</a:t>
             </a:fld>
             <a:endParaRPr lang="en-GB"/>
           </a:p>
@@ -2000,7 +2012,7 @@
           <a:p>
             <a:fld id="{A64C863B-FA9B-4512-A178-D5CD000B838D}" type="datetimeFigureOut">
               <a:rPr lang="en-GB" smtClean="0"/>
-              <a:t>06/05/2018</a:t>
+              <a:t>13/05/2018</a:t>
             </a:fld>
             <a:endParaRPr lang="en-GB"/>
           </a:p>
@@ -2118,7 +2130,7 @@
           <a:p>
             <a:fld id="{A64C863B-FA9B-4512-A178-D5CD000B838D}" type="datetimeFigureOut">
               <a:rPr lang="en-GB" smtClean="0"/>
-              <a:t>06/05/2018</a:t>
+              <a:t>13/05/2018</a:t>
             </a:fld>
             <a:endParaRPr lang="en-GB"/>
           </a:p>
@@ -2213,7 +2225,7 @@
           <a:p>
             <a:fld id="{A64C863B-FA9B-4512-A178-D5CD000B838D}" type="datetimeFigureOut">
               <a:rPr lang="en-GB" smtClean="0"/>
-              <a:t>06/05/2018</a:t>
+              <a:t>13/05/2018</a:t>
             </a:fld>
             <a:endParaRPr lang="en-GB"/>
           </a:p>
@@ -2490,7 +2502,7 @@
           <a:p>
             <a:fld id="{A64C863B-FA9B-4512-A178-D5CD000B838D}" type="datetimeFigureOut">
               <a:rPr lang="en-GB" smtClean="0"/>
-              <a:t>06/05/2018</a:t>
+              <a:t>13/05/2018</a:t>
             </a:fld>
             <a:endParaRPr lang="en-GB"/>
           </a:p>
@@ -2743,7 +2755,7 @@
           <a:p>
             <a:fld id="{A64C863B-FA9B-4512-A178-D5CD000B838D}" type="datetimeFigureOut">
               <a:rPr lang="en-GB" smtClean="0"/>
-              <a:t>06/05/2018</a:t>
+              <a:t>13/05/2018</a:t>
             </a:fld>
             <a:endParaRPr lang="en-GB"/>
           </a:p>
@@ -2965,7 +2977,7 @@
           <a:p>
             <a:fld id="{A64C863B-FA9B-4512-A178-D5CD000B838D}" type="datetimeFigureOut">
               <a:rPr lang="en-GB" smtClean="0"/>
-              <a:t>06/05/2018</a:t>
+              <a:t>13/05/2018</a:t>
             </a:fld>
             <a:endParaRPr lang="en-GB"/>
           </a:p>
@@ -3466,7 +3478,7 @@
         </p:nvSpPr>
         <p:spPr>
           <a:xfrm>
-            <a:off x="331596" y="562708"/>
+            <a:off x="0" y="0"/>
             <a:ext cx="10184004" cy="713433"/>
           </a:xfrm>
         </p:spPr>
@@ -3499,7 +3511,12 @@
             <p:ph idx="1"/>
           </p:nvPr>
         </p:nvSpPr>
-        <p:spPr/>
+        <p:spPr>
+          <a:xfrm>
+            <a:off x="315411" y="919538"/>
+            <a:ext cx="10515600" cy="1674033"/>
+          </a:xfrm>
+        </p:spPr>
         <p:txBody>
           <a:bodyPr>
             <a:normAutofit/>
@@ -3537,7 +3554,7 @@
             </a:pPr>
             <a:r>
               <a:rPr lang="en-GB" dirty="0"/>
-              <a:t>	Images available (server core &amp; </a:t>
+              <a:t>	Images pre-pulled (server core &amp; </a:t>
             </a:r>
             <a:r>
               <a:rPr lang="en-GB" dirty="0" err="1"/>
@@ -3550,6 +3567,36 @@
           </a:p>
         </p:txBody>
       </p:sp>
+      <p:pic>
+        <p:nvPicPr>
+          <p:cNvPr id="2" name="Picture 1">
+            <a:extLst>
+              <a:ext uri="{FF2B5EF4-FFF2-40B4-BE49-F238E27FC236}">
+                <a16:creationId xmlns:a16="http://schemas.microsoft.com/office/drawing/2014/main" id="{7DB6273A-4FB9-463F-8CFE-000D3C81470E}"/>
+              </a:ext>
+            </a:extLst>
+          </p:cNvPr>
+          <p:cNvPicPr>
+            <a:picLocks noChangeAspect="1"/>
+          </p:cNvPicPr>
+          <p:nvPr/>
+        </p:nvPicPr>
+        <p:blipFill>
+          <a:blip r:embed="rId2"/>
+          <a:stretch>
+            <a:fillRect/>
+          </a:stretch>
+        </p:blipFill>
+        <p:spPr>
+          <a:xfrm>
+            <a:off x="4694660" y="2799676"/>
+            <a:ext cx="6136351" cy="3073997"/>
+          </a:xfrm>
+          <a:prstGeom prst="rect">
+            <a:avLst/>
+          </a:prstGeom>
+        </p:spPr>
+      </p:pic>
     </p:spTree>
     <p:extLst>
       <p:ext uri="{BB962C8B-B14F-4D97-AF65-F5344CB8AC3E}">
@@ -3603,7 +3650,7 @@
                   <a:schemeClr val="accent1"/>
                 </a:solidFill>
               </a:rPr>
-              <a:t>Demo</a:t>
+              <a:t>Azure Container Registry</a:t>
             </a:r>
           </a:p>
         </p:txBody>
@@ -3630,7 +3677,7 @@
     </p:spTree>
     <p:extLst>
       <p:ext uri="{BB962C8B-B14F-4D97-AF65-F5344CB8AC3E}">
-        <p14:creationId xmlns:p14="http://schemas.microsoft.com/office/powerpoint/2010/main" val="3428425072"/>
+        <p14:creationId xmlns:p14="http://schemas.microsoft.com/office/powerpoint/2010/main" val="878579766"/>
       </p:ext>
     </p:extLst>
   </p:cSld>
@@ -3659,7 +3706,7 @@
       </p:grpSpPr>
       <p:sp>
         <p:nvSpPr>
-          <p:cNvPr id="4" name="Title 3"/>
+          <p:cNvPr id="6" name="Title 5"/>
           <p:cNvSpPr>
             <a:spLocks noGrp="1"/>
           </p:cNvSpPr>
@@ -3667,7 +3714,12 @@
             <p:ph type="title"/>
           </p:nvPr>
         </p:nvSpPr>
-        <p:spPr/>
+        <p:spPr>
+          <a:xfrm>
+            <a:off x="331596" y="562708"/>
+            <a:ext cx="10184004" cy="713433"/>
+          </a:xfrm>
+        </p:spPr>
         <p:txBody>
           <a:bodyPr>
             <a:normAutofit/>
@@ -3677,50 +3729,89 @@
             <a:r>
               <a:rPr lang="en-GB" dirty="0">
                 <a:solidFill>
-                  <a:schemeClr val="accent1"/>
-                </a:solidFill>
-              </a:rPr>
-              <a:t>Docker EE for </a:t>
-            </a:r>
-            <a:r>
-              <a:rPr lang="en-GB" dirty="0" err="1">
-                <a:solidFill>
-                  <a:schemeClr val="accent1"/>
-                </a:solidFill>
-              </a:rPr>
-              <a:t>Azuzre</a:t>
-            </a:r>
-            <a:endParaRPr lang="en-GB" dirty="0">
-              <a:solidFill>
-                <a:schemeClr val="accent1"/>
-              </a:solidFill>
-            </a:endParaRPr>
-          </a:p>
-        </p:txBody>
-      </p:sp>
-      <p:sp>
-        <p:nvSpPr>
-          <p:cNvPr id="2" name="Text Placeholder 1"/>
-          <p:cNvSpPr>
-            <a:spLocks noGrp="1"/>
-          </p:cNvSpPr>
-          <p:nvPr>
-            <p:ph type="body" idx="1"/>
-          </p:nvPr>
-        </p:nvSpPr>
-        <p:spPr/>
-        <p:txBody>
-          <a:bodyPr/>
-          <a:lstStyle/>
-          <a:p>
+                  <a:schemeClr val="accent1">
+                    <a:lumMod val="75000"/>
+                  </a:schemeClr>
+                </a:solidFill>
+              </a:rPr>
+              <a:t>Azure Container Registry</a:t>
+            </a:r>
+          </a:p>
+        </p:txBody>
+      </p:sp>
+      <p:sp>
+        <p:nvSpPr>
+          <p:cNvPr id="3" name="Subtitle 2"/>
+          <p:cNvSpPr>
+            <a:spLocks noGrp="1"/>
+          </p:cNvSpPr>
+          <p:nvPr>
+            <p:ph idx="1"/>
+          </p:nvPr>
+        </p:nvSpPr>
+        <p:spPr>
+          <a:xfrm>
+            <a:off x="331596" y="1468908"/>
+            <a:ext cx="11022204" cy="713433"/>
+          </a:xfrm>
+        </p:spPr>
+        <p:txBody>
+          <a:bodyPr>
+            <a:normAutofit/>
+          </a:bodyPr>
+          <a:lstStyle/>
+          <a:p>
+            <a:pPr marL="0" indent="0">
+              <a:buNone/>
+            </a:pPr>
+            <a:r>
+              <a:rPr lang="en-GB" sz="3200" dirty="0">
+                <a:hlinkClick r:id="rId2"/>
+              </a:rPr>
+              <a:t>https://azure.microsoft.com/en-us/services/container-registry/</a:t>
+            </a:r>
+            <a:r>
+              <a:rPr lang="en-GB" sz="3200" dirty="0"/>
+              <a:t> </a:t>
+            </a:r>
             <a:endParaRPr lang="en-GB" dirty="0"/>
           </a:p>
         </p:txBody>
       </p:sp>
+      <p:pic>
+        <p:nvPicPr>
+          <p:cNvPr id="2" name="Picture 1">
+            <a:extLst>
+              <a:ext uri="{FF2B5EF4-FFF2-40B4-BE49-F238E27FC236}">
+                <a16:creationId xmlns:a16="http://schemas.microsoft.com/office/drawing/2014/main" id="{E23B6DE7-A793-4E4F-B68A-1151F5FAB3EF}"/>
+              </a:ext>
+            </a:extLst>
+          </p:cNvPr>
+          <p:cNvPicPr>
+            <a:picLocks noChangeAspect="1"/>
+          </p:cNvPicPr>
+          <p:nvPr/>
+        </p:nvPicPr>
+        <p:blipFill>
+          <a:blip r:embed="rId3"/>
+          <a:stretch>
+            <a:fillRect/>
+          </a:stretch>
+        </p:blipFill>
+        <p:spPr>
+          <a:xfrm>
+            <a:off x="142875" y="2375108"/>
+            <a:ext cx="11906250" cy="3400425"/>
+          </a:xfrm>
+          <a:prstGeom prst="rect">
+            <a:avLst/>
+          </a:prstGeom>
+        </p:spPr>
+      </p:pic>
     </p:spTree>
     <p:extLst>
       <p:ext uri="{BB962C8B-B14F-4D97-AF65-F5344CB8AC3E}">
-        <p14:creationId xmlns:p14="http://schemas.microsoft.com/office/powerpoint/2010/main" val="3610026559"/>
+        <p14:creationId xmlns:p14="http://schemas.microsoft.com/office/powerpoint/2010/main" val="2781743654"/>
       </p:ext>
     </p:extLst>
   </p:cSld>
@@ -3777,51 +3868,427 @@
                   </a:schemeClr>
                 </a:solidFill>
               </a:rPr>
-              <a:t>Docker EE for Azure</a:t>
-            </a:r>
-          </a:p>
-        </p:txBody>
-      </p:sp>
-      <p:sp>
-        <p:nvSpPr>
-          <p:cNvPr id="3" name="Subtitle 2"/>
-          <p:cNvSpPr>
-            <a:spLocks noGrp="1"/>
-          </p:cNvSpPr>
+              <a:t>Azure Container Registry - SKUs</a:t>
+            </a:r>
+          </a:p>
+        </p:txBody>
+      </p:sp>
+      <p:graphicFrame>
+        <p:nvGraphicFramePr>
+          <p:cNvPr id="5" name="Content Placeholder 4">
+            <a:extLst>
+              <a:ext uri="{FF2B5EF4-FFF2-40B4-BE49-F238E27FC236}">
+                <a16:creationId xmlns:a16="http://schemas.microsoft.com/office/drawing/2014/main" id="{ECBB3EA6-6058-43B1-AE49-1A877F1E8BEF}"/>
+              </a:ext>
+            </a:extLst>
+          </p:cNvPr>
+          <p:cNvGraphicFramePr>
+            <a:graphicFrameLocks noGrp="1"/>
+          </p:cNvGraphicFramePr>
           <p:nvPr>
             <p:ph idx="1"/>
-          </p:nvPr>
-        </p:nvSpPr>
-        <p:spPr/>
-        <p:txBody>
-          <a:bodyPr>
-            <a:normAutofit/>
-          </a:bodyPr>
-          <a:lstStyle/>
-          <a:p>
-            <a:pPr marL="0" indent="0">
-              <a:buNone/>
-            </a:pPr>
-            <a:r>
-              <a:rPr lang="en-GB" sz="3200" dirty="0">
-                <a:hlinkClick r:id="rId2"/>
-              </a:rPr>
-              <a:t>https://store.docker.com/editions/enterprise/docker-ee-azure</a:t>
-            </a:r>
-            <a:endParaRPr lang="en-GB" sz="3200" dirty="0"/>
-          </a:p>
-          <a:p>
-            <a:pPr marL="0" indent="0">
-              <a:buNone/>
-            </a:pPr>
-            <a:endParaRPr lang="en-GB" sz="3200" dirty="0"/>
-          </a:p>
-        </p:txBody>
-      </p:sp>
+            <p:extLst>
+              <p:ext uri="{D42A27DB-BD31-4B8C-83A1-F6EECF244321}">
+                <p14:modId xmlns:p14="http://schemas.microsoft.com/office/powerpoint/2010/main" val="534274394"/>
+              </p:ext>
+            </p:extLst>
+          </p:nvPr>
+        </p:nvGraphicFramePr>
+        <p:xfrm>
+          <a:off x="1432796" y="2151408"/>
+          <a:ext cx="8633919" cy="2555184"/>
+        </p:xfrm>
+        <a:graphic>
+          <a:graphicData uri="http://schemas.openxmlformats.org/drawingml/2006/table">
+            <a:tbl>
+              <a:tblPr firstRow="1" bandRow="1">
+                <a:tableStyleId>{5C22544A-7EE6-4342-B048-85BDC9FD1C3A}</a:tableStyleId>
+              </a:tblPr>
+              <a:tblGrid>
+                <a:gridCol w="1726784">
+                  <a:extLst>
+                    <a:ext uri="{9D8B030D-6E8A-4147-A177-3AD203B41FA5}">
+                      <a16:colId xmlns:a16="http://schemas.microsoft.com/office/drawing/2014/main" val="2800666200"/>
+                    </a:ext>
+                  </a:extLst>
+                </a:gridCol>
+                <a:gridCol w="1179663">
+                  <a:extLst>
+                    <a:ext uri="{9D8B030D-6E8A-4147-A177-3AD203B41FA5}">
+                      <a16:colId xmlns:a16="http://schemas.microsoft.com/office/drawing/2014/main" val="3884273723"/>
+                    </a:ext>
+                  </a:extLst>
+                </a:gridCol>
+                <a:gridCol w="1629295">
+                  <a:extLst>
+                    <a:ext uri="{9D8B030D-6E8A-4147-A177-3AD203B41FA5}">
+                      <a16:colId xmlns:a16="http://schemas.microsoft.com/office/drawing/2014/main" val="465865696"/>
+                    </a:ext>
+                  </a:extLst>
+                </a:gridCol>
+                <a:gridCol w="2053244">
+                  <a:extLst>
+                    <a:ext uri="{9D8B030D-6E8A-4147-A177-3AD203B41FA5}">
+                      <a16:colId xmlns:a16="http://schemas.microsoft.com/office/drawing/2014/main" val="197354325"/>
+                    </a:ext>
+                  </a:extLst>
+                </a:gridCol>
+                <a:gridCol w="2044933">
+                  <a:extLst>
+                    <a:ext uri="{9D8B030D-6E8A-4147-A177-3AD203B41FA5}">
+                      <a16:colId xmlns:a16="http://schemas.microsoft.com/office/drawing/2014/main" val="3664823337"/>
+                    </a:ext>
+                  </a:extLst>
+                </a:gridCol>
+              </a:tblGrid>
+              <a:tr h="638796">
+                <a:tc>
+                  <a:txBody>
+                    <a:bodyPr/>
+                    <a:lstStyle/>
+                    <a:p>
+                      <a:r>
+                        <a:rPr lang="en-GB" dirty="0"/>
+                        <a:t>Type</a:t>
+                      </a:r>
+                      <a:endParaRPr lang="en-IE" dirty="0"/>
+                    </a:p>
+                  </a:txBody>
+                  <a:tcPr/>
+                </a:tc>
+                <a:tc>
+                  <a:txBody>
+                    <a:bodyPr/>
+                    <a:lstStyle/>
+                    <a:p>
+                      <a:pPr algn="ctr"/>
+                      <a:r>
+                        <a:rPr lang="en-GB" dirty="0"/>
+                        <a:t>Managed</a:t>
+                      </a:r>
+                      <a:endParaRPr lang="en-IE" dirty="0"/>
+                    </a:p>
+                  </a:txBody>
+                  <a:tcPr/>
+                </a:tc>
+                <a:tc>
+                  <a:txBody>
+                    <a:bodyPr/>
+                    <a:lstStyle/>
+                    <a:p>
+                      <a:pPr algn="ctr"/>
+                      <a:r>
+                        <a:rPr lang="en-GB" dirty="0"/>
+                        <a:t>Storage (GB)</a:t>
+                      </a:r>
+                      <a:endParaRPr lang="en-IE" dirty="0"/>
+                    </a:p>
+                  </a:txBody>
+                  <a:tcPr/>
+                </a:tc>
+                <a:tc>
+                  <a:txBody>
+                    <a:bodyPr/>
+                    <a:lstStyle/>
+                    <a:p>
+                      <a:pPr algn="ctr"/>
+                      <a:r>
+                        <a:rPr lang="en-GB" dirty="0"/>
+                        <a:t>Web Hooks</a:t>
+                      </a:r>
+                      <a:endParaRPr lang="en-IE" dirty="0"/>
+                    </a:p>
+                  </a:txBody>
+                  <a:tcPr/>
+                </a:tc>
+                <a:tc>
+                  <a:txBody>
+                    <a:bodyPr/>
+                    <a:lstStyle/>
+                    <a:p>
+                      <a:pPr algn="ctr"/>
+                      <a:r>
+                        <a:rPr lang="en-GB" dirty="0"/>
+                        <a:t>Geo-Replication</a:t>
+                      </a:r>
+                      <a:endParaRPr lang="en-IE" dirty="0"/>
+                    </a:p>
+                  </a:txBody>
+                  <a:tcPr/>
+                </a:tc>
+                <a:extLst>
+                  <a:ext uri="{0D108BD9-81ED-4DB2-BD59-A6C34878D82A}">
+                    <a16:rowId xmlns:a16="http://schemas.microsoft.com/office/drawing/2014/main" val="761537378"/>
+                  </a:ext>
+                </a:extLst>
+              </a:tr>
+              <a:tr h="638796">
+                <a:tc>
+                  <a:txBody>
+                    <a:bodyPr/>
+                    <a:lstStyle/>
+                    <a:p>
+                      <a:r>
+                        <a:rPr lang="en-GB" dirty="0"/>
+                        <a:t>Basic</a:t>
+                      </a:r>
+                      <a:endParaRPr lang="en-IE" dirty="0"/>
+                    </a:p>
+                  </a:txBody>
+                  <a:tcPr/>
+                </a:tc>
+                <a:tc>
+                  <a:txBody>
+                    <a:bodyPr/>
+                    <a:lstStyle/>
+                    <a:p>
+                      <a:pPr algn="ctr"/>
+                      <a:r>
+                        <a:rPr lang="en-GB" dirty="0"/>
+                        <a:t>Yes</a:t>
+                      </a:r>
+                      <a:endParaRPr lang="en-IE" dirty="0"/>
+                    </a:p>
+                  </a:txBody>
+                  <a:tcPr/>
+                </a:tc>
+                <a:tc>
+                  <a:txBody>
+                    <a:bodyPr/>
+                    <a:lstStyle/>
+                    <a:p>
+                      <a:pPr algn="ctr"/>
+                      <a:r>
+                        <a:rPr lang="en-GB" dirty="0"/>
+                        <a:t>10</a:t>
+                      </a:r>
+                      <a:endParaRPr lang="en-IE" dirty="0"/>
+                    </a:p>
+                  </a:txBody>
+                  <a:tcPr/>
+                </a:tc>
+                <a:tc>
+                  <a:txBody>
+                    <a:bodyPr/>
+                    <a:lstStyle/>
+                    <a:p>
+                      <a:pPr algn="ctr"/>
+                      <a:r>
+                        <a:rPr lang="en-GB" dirty="0"/>
+                        <a:t>2</a:t>
+                      </a:r>
+                      <a:endParaRPr lang="en-IE" dirty="0"/>
+                    </a:p>
+                  </a:txBody>
+                  <a:tcPr/>
+                </a:tc>
+                <a:tc>
+                  <a:txBody>
+                    <a:bodyPr/>
+                    <a:lstStyle/>
+                    <a:p>
+                      <a:pPr algn="ctr"/>
+                      <a:r>
+                        <a:rPr lang="en-GB" dirty="0"/>
+                        <a:t>No</a:t>
+                      </a:r>
+                      <a:endParaRPr lang="en-IE" dirty="0"/>
+                    </a:p>
+                  </a:txBody>
+                  <a:tcPr/>
+                </a:tc>
+                <a:extLst>
+                  <a:ext uri="{0D108BD9-81ED-4DB2-BD59-A6C34878D82A}">
+                    <a16:rowId xmlns:a16="http://schemas.microsoft.com/office/drawing/2014/main" val="2914843059"/>
+                  </a:ext>
+                </a:extLst>
+              </a:tr>
+              <a:tr h="638796">
+                <a:tc>
+                  <a:txBody>
+                    <a:bodyPr/>
+                    <a:lstStyle/>
+                    <a:p>
+                      <a:r>
+                        <a:rPr lang="en-GB" dirty="0"/>
+                        <a:t>Standard</a:t>
+                      </a:r>
+                      <a:endParaRPr lang="en-IE" dirty="0"/>
+                    </a:p>
+                  </a:txBody>
+                  <a:tcPr/>
+                </a:tc>
+                <a:tc>
+                  <a:txBody>
+                    <a:bodyPr/>
+                    <a:lstStyle/>
+                    <a:p>
+                      <a:pPr algn="ctr"/>
+                      <a:r>
+                        <a:rPr lang="en-GB" dirty="0"/>
+                        <a:t>Yes</a:t>
+                      </a:r>
+                      <a:endParaRPr lang="en-IE" dirty="0"/>
+                    </a:p>
+                  </a:txBody>
+                  <a:tcPr/>
+                </a:tc>
+                <a:tc>
+                  <a:txBody>
+                    <a:bodyPr/>
+                    <a:lstStyle/>
+                    <a:p>
+                      <a:pPr algn="ctr"/>
+                      <a:r>
+                        <a:rPr lang="en-GB" dirty="0"/>
+                        <a:t>100</a:t>
+                      </a:r>
+                      <a:endParaRPr lang="en-IE" dirty="0"/>
+                    </a:p>
+                  </a:txBody>
+                  <a:tcPr/>
+                </a:tc>
+                <a:tc>
+                  <a:txBody>
+                    <a:bodyPr/>
+                    <a:lstStyle/>
+                    <a:p>
+                      <a:pPr algn="ctr"/>
+                      <a:r>
+                        <a:rPr lang="en-GB" dirty="0"/>
+                        <a:t>10</a:t>
+                      </a:r>
+                      <a:endParaRPr lang="en-IE" dirty="0"/>
+                    </a:p>
+                  </a:txBody>
+                  <a:tcPr/>
+                </a:tc>
+                <a:tc>
+                  <a:txBody>
+                    <a:bodyPr/>
+                    <a:lstStyle/>
+                    <a:p>
+                      <a:pPr algn="ctr"/>
+                      <a:r>
+                        <a:rPr lang="en-GB" dirty="0"/>
+                        <a:t>No</a:t>
+                      </a:r>
+                      <a:endParaRPr lang="en-IE" dirty="0"/>
+                    </a:p>
+                  </a:txBody>
+                  <a:tcPr/>
+                </a:tc>
+                <a:extLst>
+                  <a:ext uri="{0D108BD9-81ED-4DB2-BD59-A6C34878D82A}">
+                    <a16:rowId xmlns:a16="http://schemas.microsoft.com/office/drawing/2014/main" val="3490785906"/>
+                  </a:ext>
+                </a:extLst>
+              </a:tr>
+              <a:tr h="638796">
+                <a:tc>
+                  <a:txBody>
+                    <a:bodyPr/>
+                    <a:lstStyle/>
+                    <a:p>
+                      <a:r>
+                        <a:rPr lang="en-GB" dirty="0"/>
+                        <a:t>Premium</a:t>
+                      </a:r>
+                      <a:endParaRPr lang="en-IE" dirty="0"/>
+                    </a:p>
+                  </a:txBody>
+                  <a:tcPr/>
+                </a:tc>
+                <a:tc>
+                  <a:txBody>
+                    <a:bodyPr/>
+                    <a:lstStyle/>
+                    <a:p>
+                      <a:pPr marL="0" marR="0" lvl="0" indent="0" algn="ctr" defTabSz="914400" rtl="0" eaLnBrk="1" fontAlgn="auto" latinLnBrk="0" hangingPunct="1">
+                        <a:lnSpc>
+                          <a:spcPct val="100000"/>
+                        </a:lnSpc>
+                        <a:spcBef>
+                          <a:spcPts val="0"/>
+                        </a:spcBef>
+                        <a:spcAft>
+                          <a:spcPts val="0"/>
+                        </a:spcAft>
+                        <a:buClrTx/>
+                        <a:buSzTx/>
+                        <a:buFontTx/>
+                        <a:buNone/>
+                        <a:tabLst/>
+                        <a:defRPr/>
+                      </a:pPr>
+                      <a:r>
+                        <a:rPr lang="en-GB" dirty="0"/>
+                        <a:t>Yes</a:t>
+                      </a:r>
+                      <a:endParaRPr lang="en-IE" dirty="0"/>
+                    </a:p>
+                  </a:txBody>
+                  <a:tcPr/>
+                </a:tc>
+                <a:tc>
+                  <a:txBody>
+                    <a:bodyPr/>
+                    <a:lstStyle/>
+                    <a:p>
+                      <a:pPr algn="ctr"/>
+                      <a:r>
+                        <a:rPr lang="en-GB" dirty="0"/>
+                        <a:t>500*</a:t>
+                      </a:r>
+                      <a:endParaRPr lang="en-IE" dirty="0"/>
+                    </a:p>
+                  </a:txBody>
+                  <a:tcPr/>
+                </a:tc>
+                <a:tc>
+                  <a:txBody>
+                    <a:bodyPr/>
+                    <a:lstStyle/>
+                    <a:p>
+                      <a:pPr algn="ctr"/>
+                      <a:r>
+                        <a:rPr lang="en-GB" dirty="0"/>
+                        <a:t>100*</a:t>
+                      </a:r>
+                      <a:endParaRPr lang="en-IE" dirty="0"/>
+                    </a:p>
+                  </a:txBody>
+                  <a:tcPr/>
+                </a:tc>
+                <a:tc>
+                  <a:txBody>
+                    <a:bodyPr/>
+                    <a:lstStyle/>
+                    <a:p>
+                      <a:pPr algn="ctr"/>
+                      <a:r>
+                        <a:rPr lang="en-GB" dirty="0"/>
+                        <a:t>Yes</a:t>
+                      </a:r>
+                      <a:endParaRPr lang="en-IE" dirty="0"/>
+                    </a:p>
+                  </a:txBody>
+                  <a:tcPr/>
+                </a:tc>
+                <a:extLst>
+                  <a:ext uri="{0D108BD9-81ED-4DB2-BD59-A6C34878D82A}">
+                    <a16:rowId xmlns:a16="http://schemas.microsoft.com/office/drawing/2014/main" val="1620428740"/>
+                  </a:ext>
+                </a:extLst>
+              </a:tr>
+            </a:tbl>
+          </a:graphicData>
+        </a:graphic>
+      </p:graphicFrame>
     </p:spTree>
     <p:extLst>
       <p:ext uri="{BB962C8B-B14F-4D97-AF65-F5344CB8AC3E}">
-        <p14:creationId xmlns:p14="http://schemas.microsoft.com/office/powerpoint/2010/main" val="4113174784"/>
+        <p14:creationId xmlns:p14="http://schemas.microsoft.com/office/powerpoint/2010/main" val="1215426168"/>
       </p:ext>
     </p:extLst>
   </p:cSld>
@@ -3850,7 +4317,7 @@
       </p:grpSpPr>
       <p:sp>
         <p:nvSpPr>
-          <p:cNvPr id="4" name="Title 3"/>
+          <p:cNvPr id="6" name="Title 5"/>
           <p:cNvSpPr>
             <a:spLocks noGrp="1"/>
           </p:cNvSpPr>
@@ -3858,7 +4325,12 @@
             <p:ph type="title"/>
           </p:nvPr>
         </p:nvSpPr>
-        <p:spPr/>
+        <p:spPr>
+          <a:xfrm>
+            <a:off x="331596" y="562708"/>
+            <a:ext cx="10184004" cy="713433"/>
+          </a:xfrm>
+        </p:spPr>
         <p:txBody>
           <a:bodyPr>
             <a:normAutofit/>
@@ -3868,37 +4340,106 @@
             <a:r>
               <a:rPr lang="en-GB" dirty="0">
                 <a:solidFill>
-                  <a:schemeClr val="accent1"/>
-                </a:solidFill>
-              </a:rPr>
-              <a:t>Demo</a:t>
-            </a:r>
-          </a:p>
-        </p:txBody>
-      </p:sp>
-      <p:sp>
-        <p:nvSpPr>
-          <p:cNvPr id="2" name="Text Placeholder 1"/>
-          <p:cNvSpPr>
-            <a:spLocks noGrp="1"/>
-          </p:cNvSpPr>
-          <p:nvPr>
-            <p:ph type="body" idx="1"/>
+                  <a:schemeClr val="accent1">
+                    <a:lumMod val="75000"/>
+                  </a:schemeClr>
+                </a:solidFill>
+              </a:rPr>
+              <a:t>Azure Container Registry - Terminology</a:t>
+            </a:r>
+          </a:p>
+        </p:txBody>
+      </p:sp>
+      <p:sp>
+        <p:nvSpPr>
+          <p:cNvPr id="3" name="Subtitle 2"/>
+          <p:cNvSpPr>
+            <a:spLocks noGrp="1"/>
+          </p:cNvSpPr>
+          <p:nvPr>
+            <p:ph idx="1"/>
           </p:nvPr>
         </p:nvSpPr>
         <p:spPr/>
         <p:txBody>
-          <a:bodyPr/>
-          <a:lstStyle/>
-          <a:p>
+          <a:bodyPr>
+            <a:normAutofit/>
+          </a:bodyPr>
+          <a:lstStyle/>
+          <a:p>
+            <a:pPr marL="0" indent="0">
+              <a:buNone/>
+            </a:pPr>
+            <a:r>
+              <a:rPr lang="en-GB" sz="3200" dirty="0">
+                <a:solidFill>
+                  <a:schemeClr val="accent1">
+                    <a:lumMod val="75000"/>
+                  </a:schemeClr>
+                </a:solidFill>
+              </a:rPr>
+              <a:t>Registry</a:t>
+            </a:r>
+          </a:p>
+          <a:p>
+            <a:pPr marL="0" indent="0">
+              <a:buNone/>
+            </a:pPr>
+            <a:r>
+              <a:rPr lang="en-GB" dirty="0"/>
+              <a:t>	Service that stores container images</a:t>
+            </a:r>
+          </a:p>
+          <a:p>
+            <a:pPr marL="0" indent="0">
+              <a:buNone/>
+            </a:pPr>
             <a:endParaRPr lang="en-GB" dirty="0"/>
+          </a:p>
+          <a:p>
+            <a:pPr marL="0" indent="0">
+              <a:buNone/>
+            </a:pPr>
+            <a:r>
+              <a:rPr lang="en-GB" sz="3200" dirty="0">
+                <a:solidFill>
+                  <a:schemeClr val="accent1">
+                    <a:lumMod val="75000"/>
+                  </a:schemeClr>
+                </a:solidFill>
+              </a:rPr>
+              <a:t>Repository</a:t>
+            </a:r>
+          </a:p>
+          <a:p>
+            <a:pPr marL="0" indent="0">
+              <a:buNone/>
+            </a:pPr>
+            <a:r>
+              <a:rPr lang="en-GB" sz="3200" dirty="0"/>
+              <a:t>	</a:t>
+            </a:r>
+            <a:r>
+              <a:rPr lang="en-GB" dirty="0"/>
+              <a:t>Groups of container images – Same name, identified by tags</a:t>
+            </a:r>
+            <a:endParaRPr lang="en-GB" sz="3200" dirty="0"/>
+          </a:p>
+          <a:p>
+            <a:pPr marL="0" indent="0">
+              <a:buNone/>
+            </a:pPr>
+            <a:r>
+              <a:rPr lang="en-GB" sz="3200" dirty="0"/>
+              <a:t>	</a:t>
+            </a:r>
           </a:p>
         </p:txBody>
       </p:sp>
     </p:spTree>
     <p:extLst>
       <p:ext uri="{BB962C8B-B14F-4D97-AF65-F5344CB8AC3E}">
-        <p14:creationId xmlns:p14="http://schemas.microsoft.com/office/powerpoint/2010/main" val="4034876219"/>
+        <p14:creationId xmlns:p14="http://schemas.microsoft.com/office/powerpoint/2010/main" val="1386111264"/>
       </p:ext>
     </p:extLst>
   </p:cSld>
@@ -3927,7 +4468,7 @@
       </p:grpSpPr>
       <p:sp>
         <p:nvSpPr>
-          <p:cNvPr id="4" name="Title 3"/>
+          <p:cNvPr id="6" name="Title 5"/>
           <p:cNvSpPr>
             <a:spLocks noGrp="1"/>
           </p:cNvSpPr>
@@ -3935,7 +4476,12 @@
             <p:ph type="title"/>
           </p:nvPr>
         </p:nvSpPr>
-        <p:spPr/>
+        <p:spPr>
+          <a:xfrm>
+            <a:off x="0" y="0"/>
+            <a:ext cx="10184004" cy="713433"/>
+          </a:xfrm>
+        </p:spPr>
         <p:txBody>
           <a:bodyPr>
             <a:normAutofit/>
@@ -3945,37 +4491,118 @@
             <a:r>
               <a:rPr lang="en-GB" dirty="0">
                 <a:solidFill>
-                  <a:schemeClr val="accent1"/>
-                </a:solidFill>
-              </a:rPr>
-              <a:t>Azure Container Registry</a:t>
-            </a:r>
-          </a:p>
-        </p:txBody>
-      </p:sp>
-      <p:sp>
-        <p:nvSpPr>
-          <p:cNvPr id="2" name="Text Placeholder 1"/>
-          <p:cNvSpPr>
-            <a:spLocks noGrp="1"/>
-          </p:cNvSpPr>
-          <p:nvPr>
-            <p:ph type="body" idx="1"/>
-          </p:nvPr>
-        </p:nvSpPr>
-        <p:spPr/>
-        <p:txBody>
-          <a:bodyPr/>
-          <a:lstStyle/>
-          <a:p>
-            <a:endParaRPr lang="en-GB" dirty="0"/>
-          </a:p>
-        </p:txBody>
-      </p:sp>
+                  <a:schemeClr val="accent1">
+                    <a:lumMod val="75000"/>
+                  </a:schemeClr>
+                </a:solidFill>
+              </a:rPr>
+              <a:t>ACR - Login</a:t>
+            </a:r>
+          </a:p>
+        </p:txBody>
+      </p:sp>
+      <p:sp>
+        <p:nvSpPr>
+          <p:cNvPr id="3" name="Subtitle 2"/>
+          <p:cNvSpPr>
+            <a:spLocks noGrp="1"/>
+          </p:cNvSpPr>
+          <p:nvPr>
+            <p:ph idx="1"/>
+          </p:nvPr>
+        </p:nvSpPr>
+        <p:spPr>
+          <a:xfrm>
+            <a:off x="462116" y="3000692"/>
+            <a:ext cx="2379406" cy="856615"/>
+          </a:xfrm>
+        </p:spPr>
+        <p:txBody>
+          <a:bodyPr>
+            <a:normAutofit/>
+          </a:bodyPr>
+          <a:lstStyle/>
+          <a:p>
+            <a:pPr marL="0" indent="0">
+              <a:buNone/>
+            </a:pPr>
+            <a:r>
+              <a:rPr lang="en-IE" sz="2400" dirty="0" err="1">
+                <a:solidFill>
+                  <a:srgbClr val="0000FF"/>
+                </a:solidFill>
+                <a:latin typeface="Consolas" panose="020B0609020204030204" pitchFamily="49" charset="0"/>
+              </a:rPr>
+              <a:t>az</a:t>
+            </a:r>
+            <a:r>
+              <a:rPr lang="en-IE" sz="2400" dirty="0">
+                <a:solidFill>
+                  <a:srgbClr val="0000FF"/>
+                </a:solidFill>
+                <a:latin typeface="Consolas" panose="020B0609020204030204" pitchFamily="49" charset="0"/>
+              </a:rPr>
+              <a:t> login </a:t>
+            </a:r>
+            <a:endParaRPr lang="en-IE" sz="2400" dirty="0">
+              <a:solidFill>
+                <a:srgbClr val="000000"/>
+              </a:solidFill>
+              <a:latin typeface="Consolas" panose="020B0609020204030204" pitchFamily="49" charset="0"/>
+            </a:endParaRPr>
+          </a:p>
+          <a:p>
+            <a:pPr marL="0" indent="0">
+              <a:buNone/>
+            </a:pPr>
+            <a:endParaRPr lang="en-GB" sz="3200" dirty="0"/>
+          </a:p>
+        </p:txBody>
+      </p:sp>
+      <p:pic>
+        <p:nvPicPr>
+          <p:cNvPr id="2" name="Picture 1">
+            <a:extLst>
+              <a:ext uri="{FF2B5EF4-FFF2-40B4-BE49-F238E27FC236}">
+                <a16:creationId xmlns:a16="http://schemas.microsoft.com/office/drawing/2014/main" id="{23A4D2C0-E686-4635-8865-5900D12E30F2}"/>
+              </a:ext>
+            </a:extLst>
+          </p:cNvPr>
+          <p:cNvPicPr>
+            <a:picLocks noChangeAspect="1"/>
+          </p:cNvPicPr>
+          <p:nvPr/>
+        </p:nvPicPr>
+        <p:blipFill>
+          <a:blip r:embed="rId2"/>
+          <a:stretch>
+            <a:fillRect/>
+          </a:stretch>
+        </p:blipFill>
+        <p:spPr>
+          <a:xfrm>
+            <a:off x="2841522" y="1435504"/>
+            <a:ext cx="8854440" cy="3986990"/>
+          </a:xfrm>
+          <a:prstGeom prst="rect">
+            <a:avLst/>
+          </a:prstGeom>
+          <a:ln>
+            <a:solidFill>
+              <a:schemeClr val="tx1"/>
+            </a:solidFill>
+          </a:ln>
+          <a:effectLst>
+            <a:outerShdw blurRad="50800" dist="50800" dir="5400000" algn="ctr" rotWithShape="0">
+              <a:schemeClr val="bg1"/>
+            </a:outerShdw>
+          </a:effectLst>
+        </p:spPr>
+      </p:pic>
     </p:spTree>
     <p:extLst>
       <p:ext uri="{BB962C8B-B14F-4D97-AF65-F5344CB8AC3E}">
-        <p14:creationId xmlns:p14="http://schemas.microsoft.com/office/powerpoint/2010/main" val="878579766"/>
+        <p14:creationId xmlns:p14="http://schemas.microsoft.com/office/powerpoint/2010/main" val="130844129"/>
       </p:ext>
     </p:extLst>
   </p:cSld>
@@ -4014,7 +4641,7 @@
         </p:nvSpPr>
         <p:spPr>
           <a:xfrm>
-            <a:off x="331596" y="562708"/>
+            <a:off x="0" y="3890"/>
             <a:ext cx="10184004" cy="713433"/>
           </a:xfrm>
         </p:spPr>
@@ -4032,7 +4659,7 @@
                   </a:schemeClr>
                 </a:solidFill>
               </a:rPr>
-              <a:t>Azure Container Registry</a:t>
+              <a:t>ACR – Create Resource Group</a:t>
             </a:r>
           </a:p>
         </p:txBody>
@@ -4047,7 +4674,12 @@
             <p:ph idx="1"/>
           </p:nvPr>
         </p:nvSpPr>
-        <p:spPr/>
+        <p:spPr>
+          <a:xfrm>
+            <a:off x="261731" y="1030494"/>
+            <a:ext cx="10515600" cy="713433"/>
+          </a:xfrm>
+        </p:spPr>
         <p:txBody>
           <a:bodyPr>
             <a:normAutofit/>
@@ -4058,52 +4690,113 @@
               <a:buNone/>
             </a:pPr>
             <a:r>
-              <a:rPr lang="en-GB" sz="3200" dirty="0"/>
-              <a:t>Managed Docker registry service</a:t>
-            </a:r>
+              <a:rPr lang="en-US" sz="2400" dirty="0" err="1">
+                <a:solidFill>
+                  <a:srgbClr val="0000FF"/>
+                </a:solidFill>
+                <a:latin typeface="Consolas" panose="020B0609020204030204" pitchFamily="49" charset="0"/>
+              </a:rPr>
+              <a:t>az</a:t>
+            </a:r>
+            <a:r>
+              <a:rPr lang="en-US" sz="2400" dirty="0">
+                <a:solidFill>
+                  <a:srgbClr val="0000FF"/>
+                </a:solidFill>
+                <a:latin typeface="Consolas" panose="020B0609020204030204" pitchFamily="49" charset="0"/>
+              </a:rPr>
+              <a:t> group create </a:t>
+            </a:r>
+            <a:r>
+              <a:rPr lang="en-US" sz="2400" dirty="0">
+                <a:solidFill>
+                  <a:srgbClr val="000000"/>
+                </a:solidFill>
+                <a:latin typeface="Consolas" panose="020B0609020204030204" pitchFamily="49" charset="0"/>
+              </a:rPr>
+              <a:t>--name </a:t>
+            </a:r>
+            <a:r>
+              <a:rPr lang="en-US" sz="2400" dirty="0">
+                <a:solidFill>
+                  <a:srgbClr val="A31515"/>
+                </a:solidFill>
+                <a:latin typeface="Consolas" panose="020B0609020204030204" pitchFamily="49" charset="0"/>
+              </a:rPr>
+              <a:t>containers1 </a:t>
+            </a:r>
+            <a:r>
+              <a:rPr lang="en-US" sz="2400" dirty="0">
+                <a:solidFill>
+                  <a:srgbClr val="000000"/>
+                </a:solidFill>
+                <a:latin typeface="Consolas" panose="020B0609020204030204" pitchFamily="49" charset="0"/>
+              </a:rPr>
+              <a:t>--location </a:t>
+            </a:r>
+            <a:r>
+              <a:rPr lang="en-US" sz="2400" dirty="0">
+                <a:solidFill>
+                  <a:srgbClr val="A31515"/>
+                </a:solidFill>
+                <a:latin typeface="Consolas" panose="020B0609020204030204" pitchFamily="49" charset="0"/>
+              </a:rPr>
+              <a:t>westus2</a:t>
+            </a:r>
+            <a:endParaRPr lang="en-US" sz="2400" dirty="0">
+              <a:solidFill>
+                <a:srgbClr val="000000"/>
+              </a:solidFill>
+              <a:latin typeface="Consolas" panose="020B0609020204030204" pitchFamily="49" charset="0"/>
+            </a:endParaRPr>
           </a:p>
           <a:p>
             <a:pPr marL="0" indent="0">
               <a:buNone/>
             </a:pPr>
-            <a:r>
-              <a:rPr lang="en-GB" sz="3200" dirty="0"/>
-              <a:t>Stores private docker images</a:t>
-            </a:r>
-          </a:p>
-          <a:p>
-            <a:pPr marL="0" indent="0">
-              <a:buNone/>
-            </a:pPr>
-            <a:r>
-              <a:rPr lang="en-GB" sz="3200" dirty="0"/>
-              <a:t>Images can be pulled to </a:t>
-            </a:r>
-          </a:p>
-          <a:p>
-            <a:pPr marL="0" indent="0">
-              <a:buNone/>
-            </a:pPr>
-            <a:r>
-              <a:rPr lang="en-GB" dirty="0"/>
-              <a:t>	Other Azure Services</a:t>
-            </a:r>
-          </a:p>
-          <a:p>
-            <a:pPr marL="0" indent="0">
-              <a:buNone/>
-            </a:pPr>
-            <a:r>
-              <a:rPr lang="en-GB" dirty="0"/>
-              <a:t>	Orchestrators</a:t>
-            </a:r>
-          </a:p>
-        </p:txBody>
-      </p:sp>
+            <a:endParaRPr lang="en-GB" sz="3200" dirty="0"/>
+          </a:p>
+        </p:txBody>
+      </p:sp>
+      <p:pic>
+        <p:nvPicPr>
+          <p:cNvPr id="5" name="Picture 4">
+            <a:extLst>
+              <a:ext uri="{FF2B5EF4-FFF2-40B4-BE49-F238E27FC236}">
+                <a16:creationId xmlns:a16="http://schemas.microsoft.com/office/drawing/2014/main" id="{4FD4C7E1-BF4E-4E38-B512-72EC02AA6AC9}"/>
+              </a:ext>
+            </a:extLst>
+          </p:cNvPr>
+          <p:cNvPicPr>
+            <a:picLocks noChangeAspect="1"/>
+          </p:cNvPicPr>
+          <p:nvPr/>
+        </p:nvPicPr>
+        <p:blipFill>
+          <a:blip r:embed="rId2"/>
+          <a:stretch>
+            <a:fillRect/>
+          </a:stretch>
+        </p:blipFill>
+        <p:spPr>
+          <a:xfrm>
+            <a:off x="1160049" y="2057098"/>
+            <a:ext cx="9871901" cy="3416162"/>
+          </a:xfrm>
+          <a:prstGeom prst="rect">
+            <a:avLst/>
+          </a:prstGeom>
+          <a:ln>
+            <a:solidFill>
+              <a:schemeClr val="tx1"/>
+            </a:solidFill>
+          </a:ln>
+        </p:spPr>
+      </p:pic>
     </p:spTree>
     <p:extLst>
       <p:ext uri="{BB962C8B-B14F-4D97-AF65-F5344CB8AC3E}">
-        <p14:creationId xmlns:p14="http://schemas.microsoft.com/office/powerpoint/2010/main" val="2781743654"/>
+        <p14:creationId xmlns:p14="http://schemas.microsoft.com/office/powerpoint/2010/main" val="264961217"/>
       </p:ext>
     </p:extLst>
   </p:cSld>
@@ -4142,7 +4835,7 @@
         </p:nvSpPr>
         <p:spPr>
           <a:xfrm>
-            <a:off x="331596" y="562708"/>
+            <a:off x="0" y="0"/>
             <a:ext cx="10184004" cy="713433"/>
           </a:xfrm>
         </p:spPr>
@@ -4160,7 +4853,7 @@
                   </a:schemeClr>
                 </a:solidFill>
               </a:rPr>
-              <a:t>Azure Container Registry</a:t>
+              <a:t>ACR – Create Container Registry</a:t>
             </a:r>
           </a:p>
         </p:txBody>
@@ -4175,10 +4868,15 @@
             <p:ph idx="1"/>
           </p:nvPr>
         </p:nvSpPr>
-        <p:spPr/>
+        <p:spPr>
+          <a:xfrm>
+            <a:off x="351182" y="955088"/>
+            <a:ext cx="10641496" cy="713432"/>
+          </a:xfrm>
+        </p:spPr>
         <p:txBody>
           <a:bodyPr>
-            <a:normAutofit/>
+            <a:normAutofit fontScale="25000" lnSpcReduction="20000"/>
           </a:bodyPr>
           <a:lstStyle/>
           <a:p>
@@ -4186,8 +4884,64 @@
               <a:buNone/>
             </a:pPr>
             <a:r>
-              <a:rPr lang="en-GB" sz="3200" dirty="0"/>
-              <a:t>Registry</a:t>
+              <a:rPr lang="en-US" sz="9600" dirty="0" err="1">
+                <a:solidFill>
+                  <a:srgbClr val="0000FF"/>
+                </a:solidFill>
+                <a:latin typeface="Consolas" panose="020B0609020204030204" pitchFamily="49" charset="0"/>
+              </a:rPr>
+              <a:t>az</a:t>
+            </a:r>
+            <a:r>
+              <a:rPr lang="en-US" sz="9600" dirty="0">
+                <a:solidFill>
+                  <a:srgbClr val="0000FF"/>
+                </a:solidFill>
+                <a:latin typeface="Consolas" panose="020B0609020204030204" pitchFamily="49" charset="0"/>
+              </a:rPr>
+              <a:t> </a:t>
+            </a:r>
+            <a:r>
+              <a:rPr lang="en-US" sz="9600" dirty="0" err="1">
+                <a:solidFill>
+                  <a:srgbClr val="0000FF"/>
+                </a:solidFill>
+                <a:latin typeface="Consolas" panose="020B0609020204030204" pitchFamily="49" charset="0"/>
+              </a:rPr>
+              <a:t>acr</a:t>
+            </a:r>
+            <a:r>
+              <a:rPr lang="en-US" sz="9600" dirty="0">
+                <a:solidFill>
+                  <a:srgbClr val="0000FF"/>
+                </a:solidFill>
+                <a:latin typeface="Consolas" panose="020B0609020204030204" pitchFamily="49" charset="0"/>
+              </a:rPr>
+              <a:t> create </a:t>
+            </a:r>
+            <a:r>
+              <a:rPr lang="en-US" sz="9600" dirty="0">
+                <a:solidFill>
+                  <a:srgbClr val="000000"/>
+                </a:solidFill>
+                <a:latin typeface="Consolas" panose="020B0609020204030204" pitchFamily="49" charset="0"/>
+              </a:rPr>
+              <a:t>--resource-group </a:t>
+            </a:r>
+            <a:r>
+              <a:rPr lang="en-US" sz="9600" dirty="0">
+                <a:solidFill>
+                  <a:srgbClr val="A31515"/>
+                </a:solidFill>
+                <a:latin typeface="Consolas" panose="020B0609020204030204" pitchFamily="49" charset="0"/>
+              </a:rPr>
+              <a:t>containers1 </a:t>
+            </a:r>
+            <a:r>
+              <a:rPr lang="en-US" sz="9600" dirty="0">
+                <a:latin typeface="Consolas" panose="020B0609020204030204" pitchFamily="49" charset="0"/>
+              </a:rPr>
+              <a:t>`</a:t>
             </a:r>
           </a:p>
           <a:p>
@@ -4195,66 +4949,146 @@
               <a:buNone/>
             </a:pPr>
             <a:r>
-              <a:rPr lang="en-GB" dirty="0"/>
-              <a:t>	Storage of images</a:t>
-            </a:r>
+              <a:rPr lang="en-US" sz="9600" dirty="0">
+                <a:solidFill>
+                  <a:srgbClr val="0000FF"/>
+                </a:solidFill>
+                <a:latin typeface="Consolas" panose="020B0609020204030204" pitchFamily="49" charset="0"/>
+              </a:rPr>
+              <a:t>    </a:t>
+            </a:r>
+            <a:r>
+              <a:rPr lang="en-US" sz="9600" dirty="0">
+                <a:solidFill>
+                  <a:srgbClr val="000000"/>
+                </a:solidFill>
+                <a:latin typeface="Consolas" panose="020B0609020204030204" pitchFamily="49" charset="0"/>
+              </a:rPr>
+              <a:t>--name </a:t>
+            </a:r>
+            <a:r>
+              <a:rPr lang="en-US" sz="9600" dirty="0">
+                <a:solidFill>
+                  <a:srgbClr val="A31515"/>
+                </a:solidFill>
+                <a:latin typeface="Consolas" panose="020B0609020204030204" pitchFamily="49" charset="0"/>
+              </a:rPr>
+              <a:t>TestContainerRegistry01 </a:t>
+            </a:r>
+            <a:r>
+              <a:rPr lang="en-US" sz="9600" dirty="0">
+                <a:solidFill>
+                  <a:srgbClr val="000000"/>
+                </a:solidFill>
+                <a:latin typeface="Consolas" panose="020B0609020204030204" pitchFamily="49" charset="0"/>
+              </a:rPr>
+              <a:t>--</a:t>
+            </a:r>
+            <a:r>
+              <a:rPr lang="en-US" sz="9600" dirty="0" err="1">
+                <a:solidFill>
+                  <a:srgbClr val="000000"/>
+                </a:solidFill>
+                <a:latin typeface="Consolas" panose="020B0609020204030204" pitchFamily="49" charset="0"/>
+              </a:rPr>
+              <a:t>sku</a:t>
+            </a:r>
+            <a:r>
+              <a:rPr lang="en-US" sz="9600" dirty="0">
+                <a:solidFill>
+                  <a:srgbClr val="000000"/>
+                </a:solidFill>
+                <a:latin typeface="Consolas" panose="020B0609020204030204" pitchFamily="49" charset="0"/>
+              </a:rPr>
+              <a:t> </a:t>
+            </a:r>
+            <a:r>
+              <a:rPr lang="en-US" sz="9600" dirty="0">
+                <a:solidFill>
+                  <a:srgbClr val="A31515"/>
+                </a:solidFill>
+                <a:latin typeface="Consolas" panose="020B0609020204030204" pitchFamily="49" charset="0"/>
+              </a:rPr>
+              <a:t>Basic</a:t>
+            </a:r>
+            <a:endParaRPr lang="en-US" sz="9600" dirty="0">
+              <a:solidFill>
+                <a:srgbClr val="000000"/>
+              </a:solidFill>
+              <a:latin typeface="Consolas" panose="020B0609020204030204" pitchFamily="49" charset="0"/>
+            </a:endParaRPr>
           </a:p>
           <a:p>
             <a:pPr marL="0" indent="0">
               <a:buNone/>
             </a:pPr>
-            <a:r>
-              <a:rPr lang="en-GB" sz="3200" dirty="0"/>
-              <a:t>Repository</a:t>
-            </a:r>
+            <a:br>
+              <a:rPr lang="en-US" sz="3200" dirty="0">
+                <a:solidFill>
+                  <a:srgbClr val="000000"/>
+                </a:solidFill>
+                <a:latin typeface="Consolas" panose="020B0609020204030204" pitchFamily="49" charset="0"/>
+              </a:rPr>
+            </a:br>
+            <a:endParaRPr lang="en-US" sz="3200" dirty="0">
+              <a:solidFill>
+                <a:srgbClr val="000000"/>
+              </a:solidFill>
+              <a:latin typeface="Consolas" panose="020B0609020204030204" pitchFamily="49" charset="0"/>
+            </a:endParaRPr>
           </a:p>
           <a:p>
             <a:pPr marL="0" indent="0">
               <a:buNone/>
             </a:pPr>
-            <a:r>
-              <a:rPr lang="en-GB" sz="3200" dirty="0"/>
-              <a:t>	</a:t>
-            </a:r>
-            <a:r>
-              <a:rPr lang="en-GB" dirty="0"/>
-              <a:t>Groups of container images</a:t>
-            </a:r>
-            <a:endParaRPr lang="en-GB" sz="3200" dirty="0"/>
-          </a:p>
-          <a:p>
-            <a:pPr marL="0" indent="0">
-              <a:buNone/>
-            </a:pPr>
-            <a:r>
-              <a:rPr lang="en-GB" sz="3200" dirty="0"/>
-              <a:t>Image</a:t>
-            </a:r>
-          </a:p>
-          <a:p>
-            <a:pPr marL="0" indent="0">
-              <a:buNone/>
-            </a:pPr>
-            <a:r>
-              <a:rPr lang="en-GB" dirty="0"/>
-              <a:t>	Read only snapshot of a container</a:t>
-            </a:r>
-          </a:p>
-          <a:p>
-            <a:pPr marL="0" indent="0">
-              <a:buNone/>
-            </a:pPr>
-            <a:r>
-              <a:rPr lang="en-GB" sz="3200" dirty="0"/>
-              <a:t>	</a:t>
-            </a:r>
-          </a:p>
-        </p:txBody>
-      </p:sp>
+            <a:endParaRPr lang="en-US" sz="3200" dirty="0">
+              <a:solidFill>
+                <a:srgbClr val="D4D4D4"/>
+              </a:solidFill>
+              <a:latin typeface="Consolas" panose="020B0609020204030204" pitchFamily="49" charset="0"/>
+            </a:endParaRPr>
+          </a:p>
+        </p:txBody>
+      </p:sp>
+      <p:pic>
+        <p:nvPicPr>
+          <p:cNvPr id="5" name="Picture 4">
+            <a:extLst>
+              <a:ext uri="{FF2B5EF4-FFF2-40B4-BE49-F238E27FC236}">
+                <a16:creationId xmlns:a16="http://schemas.microsoft.com/office/drawing/2014/main" id="{2D7308BE-E588-4CDC-9BAC-E5BDB82A98AC}"/>
+              </a:ext>
+            </a:extLst>
+          </p:cNvPr>
+          <p:cNvPicPr>
+            <a:picLocks noChangeAspect="1"/>
+          </p:cNvPicPr>
+          <p:nvPr/>
+        </p:nvPicPr>
+        <p:blipFill>
+          <a:blip r:embed="rId2"/>
+          <a:stretch>
+            <a:fillRect/>
+          </a:stretch>
+        </p:blipFill>
+        <p:spPr>
+          <a:xfrm>
+            <a:off x="815007" y="1910176"/>
+            <a:ext cx="10449340" cy="4782424"/>
+          </a:xfrm>
+          <a:prstGeom prst="rect">
+            <a:avLst/>
+          </a:prstGeom>
+          <a:ln>
+            <a:solidFill>
+              <a:schemeClr val="tx1"/>
+            </a:solidFill>
+          </a:ln>
+        </p:spPr>
+      </p:pic>
     </p:spTree>
     <p:extLst>
       <p:ext uri="{BB962C8B-B14F-4D97-AF65-F5344CB8AC3E}">
-        <p14:creationId xmlns:p14="http://schemas.microsoft.com/office/powerpoint/2010/main" val="1215426168"/>
+        <p14:creationId xmlns:p14="http://schemas.microsoft.com/office/powerpoint/2010/main" val="125163626"/>
       </p:ext>
     </p:extLst>
   </p:cSld>
@@ -4283,7 +5117,7 @@
       </p:grpSpPr>
       <p:sp>
         <p:nvSpPr>
-          <p:cNvPr id="4" name="Title 3"/>
+          <p:cNvPr id="6" name="Title 5"/>
           <p:cNvSpPr>
             <a:spLocks noGrp="1"/>
           </p:cNvSpPr>
@@ -4291,7 +5125,12 @@
             <p:ph type="title"/>
           </p:nvPr>
         </p:nvSpPr>
-        <p:spPr/>
+        <p:spPr>
+          <a:xfrm>
+            <a:off x="0" y="0"/>
+            <a:ext cx="10184004" cy="713433"/>
+          </a:xfrm>
+        </p:spPr>
         <p:txBody>
           <a:bodyPr>
             <a:normAutofit/>
@@ -4301,37 +5140,144 @@
             <a:r>
               <a:rPr lang="en-GB" dirty="0">
                 <a:solidFill>
-                  <a:schemeClr val="accent1"/>
-                </a:solidFill>
-              </a:rPr>
-              <a:t>Demo</a:t>
-            </a:r>
-          </a:p>
-        </p:txBody>
-      </p:sp>
-      <p:sp>
-        <p:nvSpPr>
-          <p:cNvPr id="2" name="Text Placeholder 1"/>
-          <p:cNvSpPr>
-            <a:spLocks noGrp="1"/>
-          </p:cNvSpPr>
-          <p:nvPr>
-            <p:ph type="body" idx="1"/>
-          </p:nvPr>
-        </p:nvSpPr>
-        <p:spPr/>
-        <p:txBody>
-          <a:bodyPr/>
-          <a:lstStyle/>
-          <a:p>
-            <a:endParaRPr lang="en-GB" dirty="0"/>
-          </a:p>
-        </p:txBody>
-      </p:sp>
+                  <a:schemeClr val="accent1">
+                    <a:lumMod val="75000"/>
+                  </a:schemeClr>
+                </a:solidFill>
+              </a:rPr>
+              <a:t>ACR – Log into Registry</a:t>
+            </a:r>
+          </a:p>
+        </p:txBody>
+      </p:sp>
+      <p:sp>
+        <p:nvSpPr>
+          <p:cNvPr id="3" name="Subtitle 2"/>
+          <p:cNvSpPr>
+            <a:spLocks noGrp="1"/>
+          </p:cNvSpPr>
+          <p:nvPr>
+            <p:ph idx="1"/>
+          </p:nvPr>
+        </p:nvSpPr>
+        <p:spPr>
+          <a:xfrm>
+            <a:off x="271670" y="1050212"/>
+            <a:ext cx="10515600" cy="549827"/>
+          </a:xfrm>
+        </p:spPr>
+        <p:txBody>
+          <a:bodyPr>
+            <a:normAutofit/>
+          </a:bodyPr>
+          <a:lstStyle/>
+          <a:p>
+            <a:pPr marL="0" indent="0">
+              <a:buNone/>
+            </a:pPr>
+            <a:r>
+              <a:rPr lang="en-US" sz="2400" dirty="0" err="1">
+                <a:solidFill>
+                  <a:srgbClr val="0000FF"/>
+                </a:solidFill>
+                <a:latin typeface="Consolas" panose="020B0609020204030204" pitchFamily="49" charset="0"/>
+              </a:rPr>
+              <a:t>az</a:t>
+            </a:r>
+            <a:r>
+              <a:rPr lang="en-US" sz="2400" dirty="0">
+                <a:solidFill>
+                  <a:srgbClr val="0000FF"/>
+                </a:solidFill>
+                <a:latin typeface="Consolas" panose="020B0609020204030204" pitchFamily="49" charset="0"/>
+              </a:rPr>
+              <a:t> </a:t>
+            </a:r>
+            <a:r>
+              <a:rPr lang="en-US" sz="2400" dirty="0" err="1">
+                <a:solidFill>
+                  <a:srgbClr val="0000FF"/>
+                </a:solidFill>
+                <a:latin typeface="Consolas" panose="020B0609020204030204" pitchFamily="49" charset="0"/>
+              </a:rPr>
+              <a:t>acr</a:t>
+            </a:r>
+            <a:r>
+              <a:rPr lang="en-US" sz="2400" dirty="0">
+                <a:solidFill>
+                  <a:srgbClr val="0000FF"/>
+                </a:solidFill>
+                <a:latin typeface="Consolas" panose="020B0609020204030204" pitchFamily="49" charset="0"/>
+              </a:rPr>
+              <a:t> login </a:t>
+            </a:r>
+            <a:r>
+              <a:rPr lang="en-US" sz="2400" dirty="0">
+                <a:solidFill>
+                  <a:srgbClr val="000000"/>
+                </a:solidFill>
+                <a:latin typeface="Consolas" panose="020B0609020204030204" pitchFamily="49" charset="0"/>
+              </a:rPr>
+              <a:t>--name </a:t>
+            </a:r>
+            <a:r>
+              <a:rPr lang="en-US" sz="2400" dirty="0">
+                <a:solidFill>
+                  <a:srgbClr val="A31515"/>
+                </a:solidFill>
+                <a:latin typeface="Consolas" panose="020B0609020204030204" pitchFamily="49" charset="0"/>
+              </a:rPr>
+              <a:t>TestContainerRegistry01</a:t>
+            </a:r>
+            <a:endParaRPr lang="en-US" sz="2400" b="0" dirty="0">
+              <a:solidFill>
+                <a:srgbClr val="000000"/>
+              </a:solidFill>
+              <a:effectLst/>
+              <a:latin typeface="Consolas" panose="020B0609020204030204" pitchFamily="49" charset="0"/>
+            </a:endParaRPr>
+          </a:p>
+        </p:txBody>
+      </p:sp>
+      <p:pic>
+        <p:nvPicPr>
+          <p:cNvPr id="4" name="Picture 3">
+            <a:extLst>
+              <a:ext uri="{FF2B5EF4-FFF2-40B4-BE49-F238E27FC236}">
+                <a16:creationId xmlns:a16="http://schemas.microsoft.com/office/drawing/2014/main" id="{24D17457-A763-4449-A101-F874A55C9E39}"/>
+              </a:ext>
+            </a:extLst>
+          </p:cNvPr>
+          <p:cNvPicPr>
+            <a:picLocks noChangeAspect="1"/>
+          </p:cNvPicPr>
+          <p:nvPr/>
+        </p:nvPicPr>
+        <p:blipFill>
+          <a:blip r:embed="rId2"/>
+          <a:stretch>
+            <a:fillRect/>
+          </a:stretch>
+        </p:blipFill>
+        <p:spPr>
+          <a:xfrm>
+            <a:off x="839915" y="2345531"/>
+            <a:ext cx="10512169" cy="2166938"/>
+          </a:xfrm>
+          <a:prstGeom prst="rect">
+            <a:avLst/>
+          </a:prstGeom>
+          <a:ln>
+            <a:solidFill>
+              <a:schemeClr val="tx1"/>
+            </a:solidFill>
+          </a:ln>
+        </p:spPr>
+      </p:pic>
     </p:spTree>
     <p:extLst>
       <p:ext uri="{BB962C8B-B14F-4D97-AF65-F5344CB8AC3E}">
-        <p14:creationId xmlns:p14="http://schemas.microsoft.com/office/powerpoint/2010/main" val="2593481242"/>
+        <p14:creationId xmlns:p14="http://schemas.microsoft.com/office/powerpoint/2010/main" val="1184473104"/>
       </p:ext>
     </p:extLst>
   </p:cSld>
@@ -4360,7 +5306,7 @@
       </p:grpSpPr>
       <p:sp>
         <p:nvSpPr>
-          <p:cNvPr id="4" name="Title 3"/>
+          <p:cNvPr id="6" name="Title 5"/>
           <p:cNvSpPr>
             <a:spLocks noGrp="1"/>
           </p:cNvSpPr>
@@ -4368,7 +5314,12 @@
             <p:ph type="title"/>
           </p:nvPr>
         </p:nvSpPr>
-        <p:spPr/>
+        <p:spPr>
+          <a:xfrm>
+            <a:off x="0" y="0"/>
+            <a:ext cx="10184004" cy="713433"/>
+          </a:xfrm>
+        </p:spPr>
         <p:txBody>
           <a:bodyPr>
             <a:normAutofit/>
@@ -4378,37 +5329,151 @@
             <a:r>
               <a:rPr lang="en-GB" dirty="0">
                 <a:solidFill>
-                  <a:schemeClr val="accent1"/>
-                </a:solidFill>
-              </a:rPr>
-              <a:t>Azure Container Instances</a:t>
-            </a:r>
-          </a:p>
-        </p:txBody>
-      </p:sp>
-      <p:sp>
-        <p:nvSpPr>
-          <p:cNvPr id="2" name="Text Placeholder 1"/>
-          <p:cNvSpPr>
-            <a:spLocks noGrp="1"/>
-          </p:cNvSpPr>
-          <p:nvPr>
-            <p:ph type="body" idx="1"/>
-          </p:nvPr>
-        </p:nvSpPr>
-        <p:spPr/>
-        <p:txBody>
-          <a:bodyPr/>
-          <a:lstStyle/>
-          <a:p>
-            <a:endParaRPr lang="en-GB" dirty="0"/>
-          </a:p>
-        </p:txBody>
-      </p:sp>
+                  <a:schemeClr val="accent1">
+                    <a:lumMod val="75000"/>
+                  </a:schemeClr>
+                </a:solidFill>
+              </a:rPr>
+              <a:t>ACR – Get Registry Details</a:t>
+            </a:r>
+          </a:p>
+        </p:txBody>
+      </p:sp>
+      <p:sp>
+        <p:nvSpPr>
+          <p:cNvPr id="3" name="Subtitle 2"/>
+          <p:cNvSpPr>
+            <a:spLocks noGrp="1"/>
+          </p:cNvSpPr>
+          <p:nvPr>
+            <p:ph idx="1"/>
+          </p:nvPr>
+        </p:nvSpPr>
+        <p:spPr>
+          <a:xfrm>
+            <a:off x="286476" y="1031258"/>
+            <a:ext cx="10515600" cy="612775"/>
+          </a:xfrm>
+        </p:spPr>
+        <p:txBody>
+          <a:bodyPr>
+            <a:normAutofit/>
+          </a:bodyPr>
+          <a:lstStyle/>
+          <a:p>
+            <a:pPr marL="0" indent="0">
+              <a:buNone/>
+            </a:pPr>
+            <a:r>
+              <a:rPr lang="en-US" sz="2400" dirty="0" err="1">
+                <a:solidFill>
+                  <a:srgbClr val="0000FF"/>
+                </a:solidFill>
+                <a:latin typeface="Consolas" panose="020B0609020204030204" pitchFamily="49" charset="0"/>
+              </a:rPr>
+              <a:t>az</a:t>
+            </a:r>
+            <a:r>
+              <a:rPr lang="en-US" sz="2400" dirty="0">
+                <a:solidFill>
+                  <a:srgbClr val="0000FF"/>
+                </a:solidFill>
+                <a:latin typeface="Consolas" panose="020B0609020204030204" pitchFamily="49" charset="0"/>
+              </a:rPr>
+              <a:t> </a:t>
+            </a:r>
+            <a:r>
+              <a:rPr lang="en-US" sz="2400" dirty="0" err="1">
+                <a:solidFill>
+                  <a:srgbClr val="0000FF"/>
+                </a:solidFill>
+                <a:latin typeface="Consolas" panose="020B0609020204030204" pitchFamily="49" charset="0"/>
+              </a:rPr>
+              <a:t>acr</a:t>
+            </a:r>
+            <a:r>
+              <a:rPr lang="en-US" sz="2400" dirty="0">
+                <a:solidFill>
+                  <a:srgbClr val="0000FF"/>
+                </a:solidFill>
+                <a:latin typeface="Consolas" panose="020B0609020204030204" pitchFamily="49" charset="0"/>
+              </a:rPr>
+              <a:t> list </a:t>
+            </a:r>
+            <a:r>
+              <a:rPr lang="en-US" sz="2400" dirty="0">
+                <a:solidFill>
+                  <a:srgbClr val="000000"/>
+                </a:solidFill>
+                <a:latin typeface="Consolas" panose="020B0609020204030204" pitchFamily="49" charset="0"/>
+              </a:rPr>
+              <a:t>--resource-group </a:t>
+            </a:r>
+            <a:r>
+              <a:rPr lang="en-US" sz="2400" dirty="0">
+                <a:solidFill>
+                  <a:srgbClr val="A31515"/>
+                </a:solidFill>
+                <a:latin typeface="Consolas" panose="020B0609020204030204" pitchFamily="49" charset="0"/>
+              </a:rPr>
+              <a:t>containers1</a:t>
+            </a:r>
+            <a:endParaRPr lang="en-US" sz="2400" dirty="0">
+              <a:solidFill>
+                <a:srgbClr val="000000"/>
+              </a:solidFill>
+              <a:latin typeface="Consolas" panose="020B0609020204030204" pitchFamily="49" charset="0"/>
+            </a:endParaRPr>
+          </a:p>
+          <a:p>
+            <a:pPr marL="0" indent="0">
+              <a:buNone/>
+            </a:pPr>
+            <a:endParaRPr lang="en-IE" sz="2400" dirty="0">
+              <a:latin typeface="Consolas" panose="020B0609020204030204" pitchFamily="49" charset="0"/>
+            </a:endParaRPr>
+          </a:p>
+        </p:txBody>
+      </p:sp>
+      <p:pic>
+        <p:nvPicPr>
+          <p:cNvPr id="7" name="Picture 6">
+            <a:extLst>
+              <a:ext uri="{FF2B5EF4-FFF2-40B4-BE49-F238E27FC236}">
+                <a16:creationId xmlns:a16="http://schemas.microsoft.com/office/drawing/2014/main" id="{D8CF926C-F6F5-4DA0-9E28-652FFE9D186C}"/>
+              </a:ext>
+            </a:extLst>
+          </p:cNvPr>
+          <p:cNvPicPr>
+            <a:picLocks noChangeAspect="1"/>
+          </p:cNvPicPr>
+          <p:nvPr/>
+        </p:nvPicPr>
+        <p:blipFill>
+          <a:blip r:embed="rId2"/>
+          <a:stretch>
+            <a:fillRect/>
+          </a:stretch>
+        </p:blipFill>
+        <p:spPr>
+          <a:xfrm>
+            <a:off x="309562" y="1826524"/>
+            <a:ext cx="11572875" cy="4238625"/>
+          </a:xfrm>
+          <a:prstGeom prst="rect">
+            <a:avLst/>
+          </a:prstGeom>
+          <a:ln>
+            <a:solidFill>
+              <a:schemeClr val="tx1"/>
+            </a:solidFill>
+          </a:ln>
+        </p:spPr>
+      </p:pic>
     </p:spTree>
     <p:extLst>
       <p:ext uri="{BB962C8B-B14F-4D97-AF65-F5344CB8AC3E}">
-        <p14:creationId xmlns:p14="http://schemas.microsoft.com/office/powerpoint/2010/main" val="3077493872"/>
+        <p14:creationId xmlns:p14="http://schemas.microsoft.com/office/powerpoint/2010/main" val="4290436488"/>
       </p:ext>
     </p:extLst>
   </p:cSld>
@@ -4632,7 +5697,7 @@
         </p:nvSpPr>
         <p:spPr>
           <a:xfrm>
-            <a:off x="331596" y="562708"/>
+            <a:off x="0" y="0"/>
             <a:ext cx="10184004" cy="713433"/>
           </a:xfrm>
         </p:spPr>
@@ -4650,7 +5715,27 @@
                   </a:schemeClr>
                 </a:solidFill>
               </a:rPr>
-              <a:t>Azure Container Instances</a:t>
+              <a:t>ACR – </a:t>
+            </a:r>
+            <a:r>
+              <a:rPr lang="en-GB" dirty="0" err="1">
+                <a:solidFill>
+                  <a:schemeClr val="accent1">
+                    <a:lumMod val="75000"/>
+                  </a:schemeClr>
+                </a:solidFill>
+              </a:rPr>
+              <a:t>Dockerfile</a:t>
+            </a:r>
+            <a:r>
+              <a:rPr lang="en-GB" dirty="0">
+                <a:solidFill>
+                  <a:schemeClr val="accent1">
+                    <a:lumMod val="75000"/>
+                  </a:schemeClr>
+                </a:solidFill>
+              </a:rPr>
+              <a:t> </a:t>
             </a:r>
           </a:p>
         </p:txBody>
@@ -4665,10 +5750,15 @@
             <p:ph idx="1"/>
           </p:nvPr>
         </p:nvSpPr>
-        <p:spPr/>
+        <p:spPr>
+          <a:xfrm>
+            <a:off x="337930" y="1001668"/>
+            <a:ext cx="11015870" cy="5463530"/>
+          </a:xfrm>
+        </p:spPr>
         <p:txBody>
           <a:bodyPr>
-            <a:normAutofit/>
+            <a:normAutofit fontScale="70000" lnSpcReduction="20000"/>
           </a:bodyPr>
           <a:lstStyle/>
           <a:p>
@@ -4676,53 +5766,31 @@
               <a:buNone/>
             </a:pPr>
             <a:r>
+              <a:rPr lang="en-GB" sz="3200" dirty="0">
+                <a:solidFill>
+                  <a:srgbClr val="0000FF"/>
+                </a:solidFill>
+                <a:latin typeface="Consolas" panose="020B0609020204030204" pitchFamily="49" charset="0"/>
+              </a:rPr>
+              <a:t>FROM</a:t>
+            </a:r>
+            <a:r>
               <a:rPr lang="en-GB" sz="3200" dirty="0"/>
-              <a:t>Running containers without servers</a:t>
-            </a:r>
-          </a:p>
-          <a:p>
-            <a:pPr marL="0" indent="0">
-              <a:buNone/>
-            </a:pPr>
+              <a:t> </a:t>
+            </a:r>
+            <a:r>
+              <a:rPr lang="en-GB" sz="3200" dirty="0" err="1"/>
+              <a:t>microsoft</a:t>
+            </a:r>
             <a:r>
               <a:rPr lang="en-GB" sz="3200" dirty="0"/>
-              <a:t>No need to manage VMs</a:t>
-            </a:r>
-          </a:p>
-          <a:p>
-            <a:pPr marL="0" indent="0">
-              <a:buNone/>
-            </a:pPr>
-            <a:r>
-              <a:rPr lang="en-GB" sz="3200" dirty="0"/>
-              <a:t>Spin up in seconds</a:t>
-            </a:r>
-          </a:p>
-          <a:p>
-            <a:pPr marL="0" indent="0">
-              <a:buNone/>
-            </a:pPr>
-            <a:r>
-              <a:rPr lang="en-GB" sz="3200" dirty="0"/>
-              <a:t>Deployed via the CLI, </a:t>
+              <a:t>/</a:t>
             </a:r>
             <a:r>
               <a:rPr lang="en-GB" sz="3200" dirty="0" err="1"/>
-              <a:t>powershell</a:t>
-            </a:r>
-            <a:r>
-              <a:rPr lang="en-GB" sz="3200" dirty="0"/>
-              <a:t>, or Azure Portal</a:t>
-            </a:r>
-          </a:p>
-          <a:p>
-            <a:pPr marL="0" indent="0">
-              <a:buNone/>
-            </a:pPr>
-            <a:r>
-              <a:rPr lang="en-GB" sz="3200" dirty="0"/>
-              <a:t>Billed by the second</a:t>
-            </a:r>
+              <a:t>mssql-server-linux:latest</a:t>
+            </a:r>
+            <a:endParaRPr lang="en-GB" sz="3200" dirty="0"/>
           </a:p>
           <a:p>
             <a:pPr marL="0" indent="0">
@@ -4730,12 +5798,362 @@
             </a:pPr>
             <a:endParaRPr lang="en-GB" sz="3200" dirty="0"/>
           </a:p>
-        </p:txBody>
-      </p:sp>
+          <a:p>
+            <a:pPr marL="0" indent="0">
+              <a:buNone/>
+            </a:pPr>
+            <a:r>
+              <a:rPr lang="en-GB" sz="3300" dirty="0">
+                <a:solidFill>
+                  <a:srgbClr val="0000FF"/>
+                </a:solidFill>
+                <a:latin typeface="Consolas" panose="020B0609020204030204" pitchFamily="49" charset="0"/>
+              </a:rPr>
+              <a:t>COPY</a:t>
+            </a:r>
+            <a:r>
+              <a:rPr lang="en-GB" sz="3200" dirty="0"/>
+              <a:t> </a:t>
+            </a:r>
+            <a:r>
+              <a:rPr lang="en-GB" sz="3200" dirty="0" err="1"/>
+              <a:t>DatabaseA.mdf</a:t>
+            </a:r>
+            <a:r>
+              <a:rPr lang="en-GB" sz="3200" dirty="0"/>
+              <a:t> /var/opt/</a:t>
+            </a:r>
+            <a:r>
+              <a:rPr lang="en-GB" sz="3200" dirty="0" err="1"/>
+              <a:t>sqlserver</a:t>
+            </a:r>
+            <a:endParaRPr lang="en-GB" sz="3200" dirty="0"/>
+          </a:p>
+          <a:p>
+            <a:pPr marL="0" indent="0">
+              <a:buNone/>
+            </a:pPr>
+            <a:r>
+              <a:rPr lang="en-GB" sz="3300" dirty="0">
+                <a:solidFill>
+                  <a:srgbClr val="0000FF"/>
+                </a:solidFill>
+                <a:latin typeface="Consolas" panose="020B0609020204030204" pitchFamily="49" charset="0"/>
+              </a:rPr>
+              <a:t>COPY</a:t>
+            </a:r>
+            <a:r>
+              <a:rPr lang="en-GB" sz="3200" dirty="0"/>
+              <a:t> </a:t>
+            </a:r>
+            <a:r>
+              <a:rPr lang="en-GB" sz="3200" dirty="0" err="1"/>
+              <a:t>DatabaseA_log.ldf</a:t>
+            </a:r>
+            <a:r>
+              <a:rPr lang="en-GB" sz="3200" dirty="0"/>
+              <a:t> /var/opt/</a:t>
+            </a:r>
+            <a:r>
+              <a:rPr lang="en-GB" sz="3200" dirty="0" err="1"/>
+              <a:t>sqlserver</a:t>
+            </a:r>
+            <a:endParaRPr lang="en-GB" sz="3200" dirty="0"/>
+          </a:p>
+          <a:p>
+            <a:pPr marL="0" indent="0">
+              <a:buNone/>
+            </a:pPr>
+            <a:endParaRPr lang="en-GB" sz="3200" dirty="0"/>
+          </a:p>
+          <a:p>
+            <a:pPr marL="0" indent="0">
+              <a:buNone/>
+            </a:pPr>
+            <a:r>
+              <a:rPr lang="en-GB" sz="3300" dirty="0">
+                <a:solidFill>
+                  <a:srgbClr val="0000FF"/>
+                </a:solidFill>
+                <a:latin typeface="Consolas" panose="020B0609020204030204" pitchFamily="49" charset="0"/>
+              </a:rPr>
+              <a:t>ENV</a:t>
+            </a:r>
+            <a:r>
+              <a:rPr lang="en-GB" sz="3200" dirty="0"/>
+              <a:t> MSSQL_BACKUP_DIR="/var/opt/</a:t>
+            </a:r>
+            <a:r>
+              <a:rPr lang="en-GB" sz="3200" dirty="0" err="1"/>
+              <a:t>sqlserver</a:t>
+            </a:r>
+            <a:r>
+              <a:rPr lang="en-GB" sz="3200" dirty="0"/>
+              <a:t>"</a:t>
+            </a:r>
+          </a:p>
+          <a:p>
+            <a:pPr marL="0" indent="0">
+              <a:buNone/>
+            </a:pPr>
+            <a:r>
+              <a:rPr lang="en-GB" sz="3300" dirty="0">
+                <a:solidFill>
+                  <a:srgbClr val="0000FF"/>
+                </a:solidFill>
+                <a:latin typeface="Consolas" panose="020B0609020204030204" pitchFamily="49" charset="0"/>
+              </a:rPr>
+              <a:t>ENV</a:t>
+            </a:r>
+            <a:r>
+              <a:rPr lang="en-GB" sz="3200" dirty="0"/>
+              <a:t> MSSQL_DATA_DIR="/var/opt/</a:t>
+            </a:r>
+            <a:r>
+              <a:rPr lang="en-GB" sz="3200" dirty="0" err="1"/>
+              <a:t>sqlserver</a:t>
+            </a:r>
+            <a:r>
+              <a:rPr lang="en-GB" sz="3200" dirty="0"/>
+              <a:t>"</a:t>
+            </a:r>
+          </a:p>
+          <a:p>
+            <a:pPr marL="0" indent="0">
+              <a:buNone/>
+            </a:pPr>
+            <a:r>
+              <a:rPr lang="en-GB" sz="3300" dirty="0">
+                <a:solidFill>
+                  <a:srgbClr val="0000FF"/>
+                </a:solidFill>
+                <a:latin typeface="Consolas" panose="020B0609020204030204" pitchFamily="49" charset="0"/>
+              </a:rPr>
+              <a:t>ENV</a:t>
+            </a:r>
+            <a:r>
+              <a:rPr lang="en-GB" sz="3200" dirty="0"/>
+              <a:t> MSSQL_LOG_DIR="/var/opt/</a:t>
+            </a:r>
+            <a:r>
+              <a:rPr lang="en-GB" sz="3200" dirty="0" err="1"/>
+              <a:t>sqlserver</a:t>
+            </a:r>
+            <a:r>
+              <a:rPr lang="en-GB" sz="3200" dirty="0"/>
+              <a:t>"</a:t>
+            </a:r>
+          </a:p>
+          <a:p>
+            <a:pPr marL="0" indent="0">
+              <a:buNone/>
+            </a:pPr>
+            <a:endParaRPr lang="en-GB" sz="3200" dirty="0"/>
+          </a:p>
+          <a:p>
+            <a:pPr marL="0" indent="0">
+              <a:buNone/>
+            </a:pPr>
+            <a:r>
+              <a:rPr lang="en-GB" sz="3300" dirty="0">
+                <a:solidFill>
+                  <a:srgbClr val="0000FF"/>
+                </a:solidFill>
+                <a:latin typeface="Consolas" panose="020B0609020204030204" pitchFamily="49" charset="0"/>
+              </a:rPr>
+              <a:t>HEALTHCHECK</a:t>
+            </a:r>
+            <a:r>
+              <a:rPr lang="en-GB" sz="3200" dirty="0"/>
+              <a:t> --interval=10s  \</a:t>
+            </a:r>
+          </a:p>
+          <a:p>
+            <a:pPr marL="0" indent="0">
+              <a:buNone/>
+            </a:pPr>
+            <a:r>
+              <a:rPr lang="en-GB" sz="3300" dirty="0">
+                <a:solidFill>
+                  <a:srgbClr val="0000FF"/>
+                </a:solidFill>
+                <a:latin typeface="Consolas" panose="020B0609020204030204" pitchFamily="49" charset="0"/>
+              </a:rPr>
+              <a:t>CMD </a:t>
+            </a:r>
+            <a:r>
+              <a:rPr lang="en-GB" sz="3200" dirty="0"/>
+              <a:t>/opt/</a:t>
+            </a:r>
+            <a:r>
+              <a:rPr lang="en-GB" sz="3200" dirty="0" err="1"/>
+              <a:t>mssql</a:t>
+            </a:r>
+            <a:r>
+              <a:rPr lang="en-GB" sz="3200" dirty="0"/>
+              <a:t>/bin/</a:t>
+            </a:r>
+            <a:r>
+              <a:rPr lang="en-GB" sz="3200" dirty="0" err="1"/>
+              <a:t>sqlservr</a:t>
+            </a:r>
+            <a:r>
+              <a:rPr lang="en-GB" sz="3200" dirty="0"/>
+              <a:t> &amp; \</a:t>
+            </a:r>
+          </a:p>
+          <a:p>
+            <a:pPr marL="0" indent="0">
+              <a:buNone/>
+            </a:pPr>
+            <a:r>
+              <a:rPr lang="en-GB" sz="3200" dirty="0"/>
+              <a:t>	/opt/</a:t>
+            </a:r>
+            <a:r>
+              <a:rPr lang="en-GB" sz="3200" dirty="0" err="1"/>
+              <a:t>mssql</a:t>
+            </a:r>
+            <a:r>
+              <a:rPr lang="en-GB" sz="3200" dirty="0"/>
+              <a:t>-tools/bin/</a:t>
+            </a:r>
+            <a:r>
+              <a:rPr lang="en-GB" sz="3200" dirty="0" err="1"/>
+              <a:t>sqlcmd</a:t>
+            </a:r>
+            <a:r>
+              <a:rPr lang="en-GB" sz="3200" dirty="0"/>
+              <a:t> -S localhost,15666 -U </a:t>
+            </a:r>
+            <a:r>
+              <a:rPr lang="en-GB" sz="3200" dirty="0" err="1"/>
+              <a:t>sa</a:t>
+            </a:r>
+            <a:r>
+              <a:rPr lang="en-GB" sz="3200" dirty="0"/>
+              <a:t> -P Testing1122 \</a:t>
+            </a:r>
+          </a:p>
+          <a:p>
+            <a:pPr marL="0" indent="0">
+              <a:buNone/>
+            </a:pPr>
+            <a:r>
+              <a:rPr lang="en-GB" sz="3200" dirty="0"/>
+              <a:t>		-Q "</a:t>
+            </a:r>
+            <a:r>
+              <a:rPr lang="en-GB" sz="2600" dirty="0">
+                <a:latin typeface="Consolas" panose="020B0609020204030204" pitchFamily="49" charset="0"/>
+              </a:rPr>
+              <a:t>CREATE DATABASE </a:t>
+            </a:r>
+            <a:r>
+              <a:rPr lang="en-GB" sz="2600" dirty="0"/>
+              <a:t>[</a:t>
+            </a:r>
+            <a:r>
+              <a:rPr lang="en-GB" sz="2600" dirty="0" err="1"/>
+              <a:t>DatabaseC</a:t>
+            </a:r>
+            <a:r>
+              <a:rPr lang="en-GB" sz="2600" dirty="0"/>
+              <a:t>] ON (FILENAME = '/var/opt/</a:t>
+            </a:r>
+            <a:r>
+              <a:rPr lang="en-GB" sz="2600" dirty="0" err="1"/>
+              <a:t>sqlserver</a:t>
+            </a:r>
+            <a:r>
+              <a:rPr lang="en-GB" sz="2600" dirty="0"/>
+              <a:t>/</a:t>
+            </a:r>
+            <a:r>
+              <a:rPr lang="en-GB" sz="2600" dirty="0" err="1"/>
+              <a:t>DatabaseA.mdf</a:t>
+            </a:r>
+            <a:r>
+              <a:rPr lang="en-GB" sz="2600" dirty="0"/>
+              <a:t>’),</a:t>
+            </a:r>
+          </a:p>
+          <a:p>
+            <a:pPr marL="0" indent="0">
+              <a:buNone/>
+            </a:pPr>
+            <a:r>
+              <a:rPr lang="en-GB" sz="2600" dirty="0"/>
+              <a:t>				(FILENAME = '/var/opt/</a:t>
+            </a:r>
+            <a:r>
+              <a:rPr lang="en-GB" sz="2600" dirty="0" err="1"/>
+              <a:t>sqlserver</a:t>
+            </a:r>
+            <a:r>
+              <a:rPr lang="en-GB" sz="2600" dirty="0"/>
+              <a:t>/</a:t>
+            </a:r>
+            <a:r>
+              <a:rPr lang="en-GB" sz="2600" dirty="0" err="1"/>
+              <a:t>DatabaseA_log.ldf</a:t>
+            </a:r>
+            <a:r>
+              <a:rPr lang="en-GB" sz="2600" dirty="0"/>
+              <a:t>') FOR ATTACH</a:t>
+            </a:r>
+            <a:r>
+              <a:rPr lang="en-GB" sz="3200" dirty="0"/>
+              <a:t>"</a:t>
+            </a:r>
+          </a:p>
+        </p:txBody>
+      </p:sp>
+      <p:pic>
+        <p:nvPicPr>
+          <p:cNvPr id="4" name="Picture 3" descr="A screenshot of a cell phone&#10;&#10;Description generated with very high confidence">
+            <a:extLst>
+              <a:ext uri="{FF2B5EF4-FFF2-40B4-BE49-F238E27FC236}">
+                <a16:creationId xmlns:a16="http://schemas.microsoft.com/office/drawing/2014/main" id="{F0DDC731-6BF3-47CF-A5DB-065C3C3FBC4D}"/>
+              </a:ext>
+            </a:extLst>
+          </p:cNvPr>
+          <p:cNvPicPr>
+            <a:picLocks noChangeAspect="1"/>
+          </p:cNvPicPr>
+          <p:nvPr/>
+        </p:nvPicPr>
+        <p:blipFill>
+          <a:blip r:embed="rId2">
+            <a:extLst>
+              <a:ext uri="{28A0092B-C50C-407E-A947-70E740481C1C}">
+                <a14:useLocalDpi xmlns:a14="http://schemas.microsoft.com/office/drawing/2010/main" val="0"/>
+              </a:ext>
+            </a:extLst>
+          </a:blip>
+          <a:stretch>
+            <a:fillRect/>
+          </a:stretch>
+        </p:blipFill>
+        <p:spPr>
+          <a:xfrm>
+            <a:off x="6186247" y="1389295"/>
+            <a:ext cx="5380952" cy="1361905"/>
+          </a:xfrm>
+          <a:prstGeom prst="rect">
+            <a:avLst/>
+          </a:prstGeom>
+          <a:ln>
+            <a:solidFill>
+              <a:schemeClr val="tx1"/>
+            </a:solidFill>
+          </a:ln>
+        </p:spPr>
+      </p:pic>
     </p:spTree>
     <p:extLst>
       <p:ext uri="{BB962C8B-B14F-4D97-AF65-F5344CB8AC3E}">
-        <p14:creationId xmlns:p14="http://schemas.microsoft.com/office/powerpoint/2010/main" val="2590341702"/>
+        <p14:creationId xmlns:p14="http://schemas.microsoft.com/office/powerpoint/2010/main" val="476448064"/>
       </p:ext>
     </p:extLst>
   </p:cSld>
@@ -4774,7 +6192,7 @@
         </p:nvSpPr>
         <p:spPr>
           <a:xfrm>
-            <a:off x="331596" y="562708"/>
+            <a:off x="16625" y="0"/>
             <a:ext cx="10184004" cy="713433"/>
           </a:xfrm>
         </p:spPr>
@@ -4792,110 +6210,118 @@
                   </a:schemeClr>
                 </a:solidFill>
               </a:rPr>
-              <a:t>ACI - Options</a:t>
-            </a:r>
-          </a:p>
-        </p:txBody>
-      </p:sp>
-      <p:sp>
-        <p:nvSpPr>
-          <p:cNvPr id="3" name="Subtitle 2"/>
-          <p:cNvSpPr>
-            <a:spLocks noGrp="1"/>
-          </p:cNvSpPr>
-          <p:nvPr>
-            <p:ph idx="1"/>
-          </p:nvPr>
-        </p:nvSpPr>
-        <p:spPr/>
-        <p:txBody>
-          <a:bodyPr>
-            <a:normAutofit/>
+              <a:t>ACR – Build image</a:t>
+            </a:r>
+          </a:p>
+        </p:txBody>
+      </p:sp>
+      <p:sp>
+        <p:nvSpPr>
+          <p:cNvPr id="4" name="TextBox 3">
+            <a:extLst>
+              <a:ext uri="{FF2B5EF4-FFF2-40B4-BE49-F238E27FC236}">
+                <a16:creationId xmlns:a16="http://schemas.microsoft.com/office/drawing/2014/main" id="{3D48CF7F-7765-4AC5-9F0F-F57155FC0E4C}"/>
+              </a:ext>
+            </a:extLst>
+          </p:cNvPr>
+          <p:cNvSpPr txBox="1"/>
+          <p:nvPr/>
+        </p:nvSpPr>
+        <p:spPr>
+          <a:xfrm>
+            <a:off x="270833" y="638618"/>
+            <a:ext cx="7410125" cy="461665"/>
+          </a:xfrm>
+          <a:prstGeom prst="rect">
+            <a:avLst/>
+          </a:prstGeom>
+          <a:noFill/>
+        </p:spPr>
+        <p:txBody>
+          <a:bodyPr wrap="square" rtlCol="0">
+            <a:spAutoFit/>
           </a:bodyPr>
           <a:lstStyle/>
           <a:p>
-            <a:pPr marL="0" indent="0">
-              <a:buNone/>
-            </a:pPr>
-            <a:r>
-              <a:rPr lang="en-GB" sz="3200" dirty="0"/>
-              <a:t>Linux &amp; Windows containers</a:t>
-            </a:r>
-          </a:p>
-          <a:p>
-            <a:pPr marL="0" indent="0">
-              <a:buNone/>
-            </a:pPr>
-            <a:r>
-              <a:rPr lang="en-GB" sz="3200" dirty="0"/>
-              <a:t>Containers exposed directly to the internet</a:t>
-            </a:r>
-          </a:p>
-          <a:p>
-            <a:pPr marL="0" indent="0">
-              <a:buNone/>
-            </a:pPr>
-            <a:r>
-              <a:rPr lang="en-GB" sz="3200" dirty="0"/>
-              <a:t>	</a:t>
-            </a:r>
-            <a:r>
-              <a:rPr lang="en-GB" dirty="0"/>
-              <a:t>IP Address and FQDN</a:t>
-            </a:r>
-          </a:p>
-          <a:p>
-            <a:pPr marL="0" indent="0">
-              <a:buNone/>
-            </a:pPr>
-            <a:r>
-              <a:rPr lang="en-GB" sz="3200" dirty="0"/>
-              <a:t>Hypervisor level isolation</a:t>
-            </a:r>
-          </a:p>
-          <a:p>
-            <a:pPr marL="0" indent="0">
-              <a:buNone/>
-            </a:pPr>
-            <a:r>
-              <a:rPr lang="en-GB" sz="3200" dirty="0"/>
-              <a:t>Persistent storage</a:t>
-            </a:r>
-          </a:p>
-          <a:p>
-            <a:pPr marL="0" indent="0">
-              <a:buNone/>
-            </a:pPr>
-            <a:r>
-              <a:rPr lang="en-GB" sz="3200" dirty="0"/>
-              <a:t>	</a:t>
-            </a:r>
-            <a:r>
-              <a:rPr lang="en-GB" dirty="0"/>
-              <a:t>Azure files shares</a:t>
-            </a:r>
-          </a:p>
-          <a:p>
-            <a:pPr marL="0" indent="0">
-              <a:buNone/>
-            </a:pPr>
-            <a:r>
-              <a:rPr lang="en-GB" sz="3200" dirty="0"/>
-              <a:t>Container Groups</a:t>
-            </a:r>
-          </a:p>
-          <a:p>
-            <a:pPr marL="0" indent="0">
-              <a:buNone/>
-            </a:pPr>
-            <a:endParaRPr lang="en-GB" sz="3200" dirty="0"/>
-          </a:p>
-        </p:txBody>
-      </p:sp>
+            <a:r>
+              <a:rPr lang="de-DE" sz="2400" dirty="0">
+                <a:solidFill>
+                  <a:srgbClr val="0000FF"/>
+                </a:solidFill>
+                <a:latin typeface="Consolas" panose="020B0609020204030204" pitchFamily="49" charset="0"/>
+              </a:rPr>
+              <a:t>docker build </a:t>
+            </a:r>
+            <a:r>
+              <a:rPr lang="de-DE" sz="2400" dirty="0">
+                <a:solidFill>
+                  <a:srgbClr val="000000"/>
+                </a:solidFill>
+                <a:latin typeface="Consolas" panose="020B0609020204030204" pitchFamily="49" charset="0"/>
+              </a:rPr>
+              <a:t>-t </a:t>
+            </a:r>
+            <a:r>
+              <a:rPr lang="de-DE" sz="2400" dirty="0">
+                <a:solidFill>
+                  <a:srgbClr val="A31515"/>
+                </a:solidFill>
+                <a:latin typeface="Consolas" panose="020B0609020204030204" pitchFamily="49" charset="0"/>
+              </a:rPr>
+              <a:t>testimage </a:t>
+            </a:r>
+            <a:r>
+              <a:rPr lang="de-DE" sz="2400" dirty="0">
+                <a:latin typeface="Consolas" panose="020B0609020204030204" pitchFamily="49" charset="0"/>
+              </a:rPr>
+              <a:t>C:\docker</a:t>
+            </a:r>
+            <a:endParaRPr lang="de-DE" sz="2400" b="0" dirty="0">
+              <a:effectLst/>
+              <a:latin typeface="Consolas" panose="020B0609020204030204" pitchFamily="49" charset="0"/>
+            </a:endParaRPr>
+          </a:p>
+        </p:txBody>
+      </p:sp>
+      <p:pic>
+        <p:nvPicPr>
+          <p:cNvPr id="8" name="Picture 7">
+            <a:extLst>
+              <a:ext uri="{FF2B5EF4-FFF2-40B4-BE49-F238E27FC236}">
+                <a16:creationId xmlns:a16="http://schemas.microsoft.com/office/drawing/2014/main" id="{36B2BB5C-FFA9-4F63-97C4-C54AC615F26E}"/>
+              </a:ext>
+            </a:extLst>
+          </p:cNvPr>
+          <p:cNvPicPr>
+            <a:picLocks noChangeAspect="1"/>
+          </p:cNvPicPr>
+          <p:nvPr/>
+        </p:nvPicPr>
+        <p:blipFill>
+          <a:blip r:embed="rId2"/>
+          <a:stretch>
+            <a:fillRect/>
+          </a:stretch>
+        </p:blipFill>
+        <p:spPr>
+          <a:xfrm>
+            <a:off x="658342" y="1175098"/>
+            <a:ext cx="10875316" cy="5511766"/>
+          </a:xfrm>
+          <a:prstGeom prst="rect">
+            <a:avLst/>
+          </a:prstGeom>
+          <a:ln>
+            <a:solidFill>
+              <a:schemeClr val="tx1"/>
+            </a:solidFill>
+          </a:ln>
+        </p:spPr>
+      </p:pic>
     </p:spTree>
     <p:extLst>
       <p:ext uri="{BB962C8B-B14F-4D97-AF65-F5344CB8AC3E}">
-        <p14:creationId xmlns:p14="http://schemas.microsoft.com/office/powerpoint/2010/main" val="334400448"/>
+        <p14:creationId xmlns:p14="http://schemas.microsoft.com/office/powerpoint/2010/main" val="419099635"/>
       </p:ext>
     </p:extLst>
   </p:cSld>
@@ -4924,7 +6350,7 @@
       </p:grpSpPr>
       <p:sp>
         <p:nvSpPr>
-          <p:cNvPr id="4" name="Title 3"/>
+          <p:cNvPr id="6" name="Title 5"/>
           <p:cNvSpPr>
             <a:spLocks noGrp="1"/>
           </p:cNvSpPr>
@@ -4932,7 +6358,12 @@
             <p:ph type="title"/>
           </p:nvPr>
         </p:nvSpPr>
-        <p:spPr/>
+        <p:spPr>
+          <a:xfrm>
+            <a:off x="0" y="19878"/>
+            <a:ext cx="10184004" cy="713433"/>
+          </a:xfrm>
+        </p:spPr>
         <p:txBody>
           <a:bodyPr>
             <a:normAutofit/>
@@ -4942,37 +6373,128 @@
             <a:r>
               <a:rPr lang="en-GB" dirty="0">
                 <a:solidFill>
-                  <a:schemeClr val="accent1"/>
-                </a:solidFill>
-              </a:rPr>
-              <a:t>Demo</a:t>
-            </a:r>
-          </a:p>
-        </p:txBody>
-      </p:sp>
-      <p:sp>
-        <p:nvSpPr>
-          <p:cNvPr id="2" name="Text Placeholder 1"/>
-          <p:cNvSpPr>
-            <a:spLocks noGrp="1"/>
-          </p:cNvSpPr>
-          <p:nvPr>
-            <p:ph type="body" idx="1"/>
-          </p:nvPr>
-        </p:nvSpPr>
-        <p:spPr/>
-        <p:txBody>
-          <a:bodyPr/>
-          <a:lstStyle/>
-          <a:p>
-            <a:endParaRPr lang="en-GB" dirty="0"/>
-          </a:p>
-        </p:txBody>
-      </p:sp>
+                  <a:schemeClr val="accent1">
+                    <a:lumMod val="75000"/>
+                  </a:schemeClr>
+                </a:solidFill>
+              </a:rPr>
+              <a:t>ACR – Tag Custom Image</a:t>
+            </a:r>
+          </a:p>
+        </p:txBody>
+      </p:sp>
+      <p:sp>
+        <p:nvSpPr>
+          <p:cNvPr id="3" name="Subtitle 2"/>
+          <p:cNvSpPr>
+            <a:spLocks noGrp="1"/>
+          </p:cNvSpPr>
+          <p:nvPr>
+            <p:ph idx="1"/>
+          </p:nvPr>
+        </p:nvSpPr>
+        <p:spPr>
+          <a:xfrm>
+            <a:off x="264982" y="997787"/>
+            <a:ext cx="10515600" cy="947392"/>
+          </a:xfrm>
+        </p:spPr>
+        <p:txBody>
+          <a:bodyPr>
+            <a:normAutofit/>
+          </a:bodyPr>
+          <a:lstStyle/>
+          <a:p>
+            <a:pPr marL="0" indent="0">
+              <a:buNone/>
+            </a:pPr>
+            <a:r>
+              <a:rPr lang="en-IE" sz="2400" dirty="0">
+                <a:solidFill>
+                  <a:srgbClr val="0000FF"/>
+                </a:solidFill>
+                <a:latin typeface="Consolas" panose="020B0609020204030204" pitchFamily="49" charset="0"/>
+              </a:rPr>
+              <a:t>docker tag </a:t>
+            </a:r>
+            <a:r>
+              <a:rPr lang="en-IE" sz="2400" dirty="0" err="1">
+                <a:latin typeface="Consolas" panose="020B0609020204030204" pitchFamily="49" charset="0"/>
+              </a:rPr>
+              <a:t>testimage</a:t>
+            </a:r>
+            <a:r>
+              <a:rPr lang="en-IE" sz="2400" dirty="0">
+                <a:latin typeface="Consolas" panose="020B0609020204030204" pitchFamily="49" charset="0"/>
+              </a:rPr>
+              <a:t> `</a:t>
+            </a:r>
+            <a:r>
+              <a:rPr lang="en-IE" sz="2400" dirty="0">
+                <a:solidFill>
+                  <a:srgbClr val="0000FF"/>
+                </a:solidFill>
+                <a:latin typeface="Consolas" panose="020B0609020204030204" pitchFamily="49" charset="0"/>
+              </a:rPr>
+              <a:t> 	testcontainerregistry01.azurecr.io/</a:t>
+            </a:r>
+            <a:r>
+              <a:rPr lang="en-IE" sz="2400" dirty="0" err="1">
+                <a:latin typeface="Consolas" panose="020B0609020204030204" pitchFamily="49" charset="0"/>
+              </a:rPr>
+              <a:t>devsqlimage:latest</a:t>
+            </a:r>
+            <a:endParaRPr lang="en-IE" sz="2400" dirty="0">
+              <a:latin typeface="Consolas" panose="020B0609020204030204" pitchFamily="49" charset="0"/>
+            </a:endParaRPr>
+          </a:p>
+          <a:p>
+            <a:pPr marL="0" indent="0">
+              <a:buNone/>
+            </a:pPr>
+            <a:endParaRPr lang="en-GB" sz="3200" dirty="0"/>
+          </a:p>
+        </p:txBody>
+      </p:sp>
+      <p:pic>
+        <p:nvPicPr>
+          <p:cNvPr id="8" name="Picture 7">
+            <a:extLst>
+              <a:ext uri="{FF2B5EF4-FFF2-40B4-BE49-F238E27FC236}">
+                <a16:creationId xmlns:a16="http://schemas.microsoft.com/office/drawing/2014/main" id="{4DAEA6E2-1BF9-48B0-AEB0-E17EB57136CE}"/>
+              </a:ext>
+            </a:extLst>
+          </p:cNvPr>
+          <p:cNvPicPr>
+            <a:picLocks noChangeAspect="1"/>
+          </p:cNvPicPr>
+          <p:nvPr/>
+        </p:nvPicPr>
+        <p:blipFill>
+          <a:blip r:embed="rId2"/>
+          <a:stretch>
+            <a:fillRect/>
+          </a:stretch>
+        </p:blipFill>
+        <p:spPr>
+          <a:xfrm>
+            <a:off x="523875" y="2433637"/>
+            <a:ext cx="11144250" cy="1990725"/>
+          </a:xfrm>
+          <a:prstGeom prst="rect">
+            <a:avLst/>
+          </a:prstGeom>
+          <a:ln>
+            <a:solidFill>
+              <a:schemeClr val="tx1"/>
+            </a:solidFill>
+          </a:ln>
+        </p:spPr>
+      </p:pic>
     </p:spTree>
     <p:extLst>
       <p:ext uri="{BB962C8B-B14F-4D97-AF65-F5344CB8AC3E}">
-        <p14:creationId xmlns:p14="http://schemas.microsoft.com/office/powerpoint/2010/main" val="2367277479"/>
+        <p14:creationId xmlns:p14="http://schemas.microsoft.com/office/powerpoint/2010/main" val="2258645334"/>
       </p:ext>
     </p:extLst>
   </p:cSld>
@@ -5001,7 +6523,7 @@
       </p:grpSpPr>
       <p:sp>
         <p:nvSpPr>
-          <p:cNvPr id="4" name="Title 3"/>
+          <p:cNvPr id="6" name="Title 5"/>
           <p:cNvSpPr>
             <a:spLocks noGrp="1"/>
           </p:cNvSpPr>
@@ -5009,7 +6531,12 @@
             <p:ph type="title"/>
           </p:nvPr>
         </p:nvSpPr>
-        <p:spPr/>
+        <p:spPr>
+          <a:xfrm>
+            <a:off x="0" y="0"/>
+            <a:ext cx="10184004" cy="713433"/>
+          </a:xfrm>
+        </p:spPr>
         <p:txBody>
           <a:bodyPr>
             <a:normAutofit/>
@@ -5019,37 +6546,138 @@
             <a:r>
               <a:rPr lang="en-GB" dirty="0">
                 <a:solidFill>
-                  <a:schemeClr val="accent1"/>
-                </a:solidFill>
-              </a:rPr>
-              <a:t>Azure Container Services</a:t>
-            </a:r>
-          </a:p>
-        </p:txBody>
-      </p:sp>
-      <p:sp>
-        <p:nvSpPr>
-          <p:cNvPr id="2" name="Text Placeholder 1"/>
-          <p:cNvSpPr>
-            <a:spLocks noGrp="1"/>
-          </p:cNvSpPr>
-          <p:nvPr>
-            <p:ph type="body" idx="1"/>
-          </p:nvPr>
-        </p:nvSpPr>
-        <p:spPr/>
-        <p:txBody>
-          <a:bodyPr/>
-          <a:lstStyle/>
-          <a:p>
-            <a:endParaRPr lang="en-GB" dirty="0"/>
-          </a:p>
-        </p:txBody>
-      </p:sp>
+                  <a:schemeClr val="accent1">
+                    <a:lumMod val="75000"/>
+                  </a:schemeClr>
+                </a:solidFill>
+              </a:rPr>
+              <a:t>ACR – Push Image</a:t>
+            </a:r>
+          </a:p>
+        </p:txBody>
+      </p:sp>
+      <p:sp>
+        <p:nvSpPr>
+          <p:cNvPr id="3" name="Subtitle 2"/>
+          <p:cNvSpPr>
+            <a:spLocks noGrp="1"/>
+          </p:cNvSpPr>
+          <p:nvPr>
+            <p:ph idx="1"/>
+          </p:nvPr>
+        </p:nvSpPr>
+        <p:spPr>
+          <a:xfrm>
+            <a:off x="289560" y="919538"/>
+            <a:ext cx="10515600" cy="892637"/>
+          </a:xfrm>
+        </p:spPr>
+        <p:txBody>
+          <a:bodyPr>
+            <a:normAutofit/>
+          </a:bodyPr>
+          <a:lstStyle/>
+          <a:p>
+            <a:pPr marL="0" indent="0">
+              <a:buNone/>
+            </a:pPr>
+            <a:r>
+              <a:rPr lang="en-IE" sz="2400" dirty="0">
+                <a:solidFill>
+                  <a:srgbClr val="0000FF"/>
+                </a:solidFill>
+                <a:latin typeface="Consolas" panose="020B0609020204030204" pitchFamily="49" charset="0"/>
+              </a:rPr>
+              <a:t>docker push </a:t>
+            </a:r>
+            <a:r>
+              <a:rPr lang="en-IE" sz="2400" dirty="0">
+                <a:latin typeface="Consolas" panose="020B0609020204030204" pitchFamily="49" charset="0"/>
+              </a:rPr>
+              <a:t>`</a:t>
+            </a:r>
+            <a:r>
+              <a:rPr lang="en-IE" sz="2400" dirty="0">
+                <a:solidFill>
+                  <a:srgbClr val="0000FF"/>
+                </a:solidFill>
+                <a:latin typeface="Consolas" panose="020B0609020204030204" pitchFamily="49" charset="0"/>
+              </a:rPr>
+              <a:t> 	testcontainerregistry01.azurecr.io/</a:t>
+            </a:r>
+            <a:r>
+              <a:rPr lang="en-IE" sz="2400" dirty="0" err="1">
+                <a:latin typeface="Consolas" panose="020B0609020204030204" pitchFamily="49" charset="0"/>
+              </a:rPr>
+              <a:t>devsqlimage:latest</a:t>
+            </a:r>
+            <a:endParaRPr lang="en-IE" sz="2400" dirty="0">
+              <a:latin typeface="Consolas" panose="020B0609020204030204" pitchFamily="49" charset="0"/>
+            </a:endParaRPr>
+          </a:p>
+          <a:p>
+            <a:pPr marL="0" indent="0">
+              <a:buNone/>
+            </a:pPr>
+            <a:endParaRPr lang="en-GB" sz="2400" dirty="0">
+              <a:solidFill>
+                <a:srgbClr val="569CD6"/>
+              </a:solidFill>
+              <a:latin typeface="Consolas" panose="020B0609020204030204" pitchFamily="49" charset="0"/>
+            </a:endParaRPr>
+          </a:p>
+          <a:p>
+            <a:pPr marL="0" indent="0">
+              <a:buNone/>
+            </a:pPr>
+            <a:endParaRPr lang="en-GB" sz="2400" dirty="0">
+              <a:solidFill>
+                <a:srgbClr val="569CD6"/>
+              </a:solidFill>
+              <a:latin typeface="Consolas" panose="020B0609020204030204" pitchFamily="49" charset="0"/>
+            </a:endParaRPr>
+          </a:p>
+        </p:txBody>
+      </p:sp>
+      <p:pic>
+        <p:nvPicPr>
+          <p:cNvPr id="7" name="Picture 6">
+            <a:extLst>
+              <a:ext uri="{FF2B5EF4-FFF2-40B4-BE49-F238E27FC236}">
+                <a16:creationId xmlns:a16="http://schemas.microsoft.com/office/drawing/2014/main" id="{709247C1-99E4-461D-8D69-7B3E0D5F3CB9}"/>
+              </a:ext>
+            </a:extLst>
+          </p:cNvPr>
+          <p:cNvPicPr>
+            <a:picLocks noChangeAspect="1"/>
+          </p:cNvPicPr>
+          <p:nvPr/>
+        </p:nvPicPr>
+        <p:blipFill>
+          <a:blip r:embed="rId2"/>
+          <a:stretch>
+            <a:fillRect/>
+          </a:stretch>
+        </p:blipFill>
+        <p:spPr>
+          <a:xfrm>
+            <a:off x="579034" y="1860339"/>
+            <a:ext cx="10765682" cy="4414058"/>
+          </a:xfrm>
+          <a:prstGeom prst="rect">
+            <a:avLst/>
+          </a:prstGeom>
+          <a:ln>
+            <a:solidFill>
+              <a:schemeClr val="tx1"/>
+            </a:solidFill>
+          </a:ln>
+        </p:spPr>
+      </p:pic>
     </p:spTree>
     <p:extLst>
       <p:ext uri="{BB962C8B-B14F-4D97-AF65-F5344CB8AC3E}">
-        <p14:creationId xmlns:p14="http://schemas.microsoft.com/office/powerpoint/2010/main" val="1710832568"/>
+        <p14:creationId xmlns:p14="http://schemas.microsoft.com/office/powerpoint/2010/main" val="3282586513"/>
       </p:ext>
     </p:extLst>
   </p:cSld>
@@ -5088,7 +6716,7 @@
         </p:nvSpPr>
         <p:spPr>
           <a:xfrm>
-            <a:off x="331596" y="562708"/>
+            <a:off x="0" y="0"/>
             <a:ext cx="10184004" cy="713433"/>
           </a:xfrm>
         </p:spPr>
@@ -5106,7 +6734,7 @@
                   </a:schemeClr>
                 </a:solidFill>
               </a:rPr>
-              <a:t>Azure Container Services</a:t>
+              <a:t>ACR – List Images</a:t>
             </a:r>
           </a:p>
         </p:txBody>
@@ -5121,7 +6749,12 @@
             <p:ph idx="1"/>
           </p:nvPr>
         </p:nvSpPr>
-        <p:spPr/>
+        <p:spPr>
+          <a:xfrm>
+            <a:off x="289560" y="886287"/>
+            <a:ext cx="10515600" cy="936625"/>
+          </a:xfrm>
+        </p:spPr>
         <p:txBody>
           <a:bodyPr>
             <a:normAutofit/>
@@ -5132,8 +6765,46 @@
               <a:buNone/>
             </a:pPr>
             <a:r>
-              <a:rPr lang="en-GB" sz="3200" dirty="0"/>
-              <a:t>Two flavours</a:t>
+              <a:rPr lang="en-US" sz="2400" dirty="0" err="1">
+                <a:solidFill>
+                  <a:srgbClr val="0000FF"/>
+                </a:solidFill>
+                <a:latin typeface="Consolas" panose="020B0609020204030204" pitchFamily="49" charset="0"/>
+              </a:rPr>
+              <a:t>az</a:t>
+            </a:r>
+            <a:r>
+              <a:rPr lang="en-US" sz="2400" dirty="0">
+                <a:solidFill>
+                  <a:srgbClr val="0000FF"/>
+                </a:solidFill>
+                <a:latin typeface="Consolas" panose="020B0609020204030204" pitchFamily="49" charset="0"/>
+              </a:rPr>
+              <a:t> </a:t>
+            </a:r>
+            <a:r>
+              <a:rPr lang="en-US" sz="2400" dirty="0" err="1">
+                <a:solidFill>
+                  <a:srgbClr val="0000FF"/>
+                </a:solidFill>
+                <a:latin typeface="Consolas" panose="020B0609020204030204" pitchFamily="49" charset="0"/>
+              </a:rPr>
+              <a:t>acr</a:t>
+            </a:r>
+            <a:r>
+              <a:rPr lang="en-US" sz="2400" dirty="0">
+                <a:solidFill>
+                  <a:srgbClr val="0000FF"/>
+                </a:solidFill>
+                <a:latin typeface="Consolas" panose="020B0609020204030204" pitchFamily="49" charset="0"/>
+              </a:rPr>
+              <a:t> repository list </a:t>
+            </a:r>
+            <a:r>
+              <a:rPr lang="en-US" sz="2400" dirty="0">
+                <a:latin typeface="Consolas" panose="020B0609020204030204" pitchFamily="49" charset="0"/>
+              </a:rPr>
+              <a:t>`</a:t>
             </a:r>
           </a:p>
           <a:p>
@@ -5141,18 +6812,56 @@
               <a:buNone/>
             </a:pPr>
             <a:r>
-              <a:rPr lang="en-GB" sz="3200" dirty="0"/>
-              <a:t>	Azure Container Services (ACS)</a:t>
-            </a:r>
-          </a:p>
-          <a:p>
-            <a:pPr marL="0" indent="0">
-              <a:buNone/>
-            </a:pPr>
-            <a:r>
-              <a:rPr lang="en-GB" sz="3200" dirty="0"/>
-              <a:t>	Azure Container Service (AKS)</a:t>
-            </a:r>
+              <a:rPr lang="en-US" sz="2400" dirty="0">
+                <a:solidFill>
+                  <a:srgbClr val="0000FF"/>
+                </a:solidFill>
+                <a:latin typeface="Consolas" panose="020B0609020204030204" pitchFamily="49" charset="0"/>
+              </a:rPr>
+              <a:t>	</a:t>
+            </a:r>
+            <a:r>
+              <a:rPr lang="en-US" sz="2400" dirty="0">
+                <a:solidFill>
+                  <a:srgbClr val="000000"/>
+                </a:solidFill>
+                <a:latin typeface="Consolas" panose="020B0609020204030204" pitchFamily="49" charset="0"/>
+              </a:rPr>
+              <a:t>--name </a:t>
+            </a:r>
+            <a:r>
+              <a:rPr lang="en-US" sz="2400" dirty="0">
+                <a:solidFill>
+                  <a:srgbClr val="A31515"/>
+                </a:solidFill>
+                <a:latin typeface="Consolas" panose="020B0609020204030204" pitchFamily="49" charset="0"/>
+              </a:rPr>
+              <a:t>testcontainerregistry01 </a:t>
+            </a:r>
+            <a:r>
+              <a:rPr lang="en-US" sz="2400" dirty="0">
+                <a:solidFill>
+                  <a:srgbClr val="000000"/>
+                </a:solidFill>
+                <a:latin typeface="Consolas" panose="020B0609020204030204" pitchFamily="49" charset="0"/>
+              </a:rPr>
+              <a:t>--output </a:t>
+            </a:r>
+            <a:r>
+              <a:rPr lang="en-US" sz="2400" dirty="0">
+                <a:solidFill>
+                  <a:srgbClr val="A31515"/>
+                </a:solidFill>
+                <a:latin typeface="Consolas" panose="020B0609020204030204" pitchFamily="49" charset="0"/>
+              </a:rPr>
+              <a:t>table</a:t>
+            </a:r>
+            <a:endParaRPr lang="en-US" sz="2400" dirty="0">
+              <a:solidFill>
+                <a:srgbClr val="000000"/>
+              </a:solidFill>
+              <a:latin typeface="Consolas" panose="020B0609020204030204" pitchFamily="49" charset="0"/>
+            </a:endParaRPr>
           </a:p>
           <a:p>
             <a:pPr marL="0" indent="0">
@@ -5160,30 +6869,47 @@
             </a:pPr>
             <a:endParaRPr lang="en-GB" sz="3200" dirty="0"/>
           </a:p>
-          <a:p>
-            <a:pPr marL="0" indent="0">
-              <a:buNone/>
-            </a:pPr>
-            <a:r>
-              <a:rPr lang="en-GB" sz="3200" dirty="0"/>
-              <a:t>ACS provides container hosting using DC/OS, Swarm, or K8s</a:t>
-            </a:r>
-          </a:p>
-          <a:p>
-            <a:pPr marL="0" indent="0">
-              <a:buNone/>
-            </a:pPr>
-            <a:r>
-              <a:rPr lang="en-GB" sz="3200" dirty="0"/>
-              <a:t>AKS is specifically built to implement Kubernetes</a:t>
-            </a:r>
-          </a:p>
-        </p:txBody>
-      </p:sp>
+        </p:txBody>
+      </p:sp>
+      <p:pic>
+        <p:nvPicPr>
+          <p:cNvPr id="4" name="Picture 3">
+            <a:extLst>
+              <a:ext uri="{FF2B5EF4-FFF2-40B4-BE49-F238E27FC236}">
+                <a16:creationId xmlns:a16="http://schemas.microsoft.com/office/drawing/2014/main" id="{F4153C9D-8ECC-4B7A-9F8C-5EB5F4774510}"/>
+              </a:ext>
+            </a:extLst>
+          </p:cNvPr>
+          <p:cNvPicPr>
+            <a:picLocks noChangeAspect="1"/>
+          </p:cNvPicPr>
+          <p:nvPr/>
+        </p:nvPicPr>
+        <p:blipFill>
+          <a:blip r:embed="rId2"/>
+          <a:stretch>
+            <a:fillRect/>
+          </a:stretch>
+        </p:blipFill>
+        <p:spPr>
+          <a:xfrm>
+            <a:off x="1066800" y="2376487"/>
+            <a:ext cx="10058400" cy="2105025"/>
+          </a:xfrm>
+          <a:prstGeom prst="rect">
+            <a:avLst/>
+          </a:prstGeom>
+          <a:ln>
+            <a:solidFill>
+              <a:schemeClr val="tx1"/>
+            </a:solidFill>
+          </a:ln>
+        </p:spPr>
+      </p:pic>
     </p:spTree>
     <p:extLst>
       <p:ext uri="{BB962C8B-B14F-4D97-AF65-F5344CB8AC3E}">
-        <p14:creationId xmlns:p14="http://schemas.microsoft.com/office/powerpoint/2010/main" val="3974016028"/>
+        <p14:creationId xmlns:p14="http://schemas.microsoft.com/office/powerpoint/2010/main" val="2833186577"/>
       </p:ext>
     </p:extLst>
   </p:cSld>
@@ -5222,7 +6948,7 @@
         </p:nvSpPr>
         <p:spPr>
           <a:xfrm>
-            <a:off x="331596" y="562708"/>
+            <a:off x="0" y="0"/>
             <a:ext cx="10184004" cy="713433"/>
           </a:xfrm>
         </p:spPr>
@@ -5240,7 +6966,7 @@
                   </a:schemeClr>
                 </a:solidFill>
               </a:rPr>
-              <a:t>Kubernetes</a:t>
+              <a:t>ACR – Show Tags</a:t>
             </a:r>
           </a:p>
         </p:txBody>
@@ -5255,7 +6981,12 @@
             <p:ph idx="1"/>
           </p:nvPr>
         </p:nvSpPr>
-        <p:spPr/>
+        <p:spPr>
+          <a:xfrm>
+            <a:off x="297873" y="902058"/>
+            <a:ext cx="10515600" cy="1429467"/>
+          </a:xfrm>
+        </p:spPr>
         <p:txBody>
           <a:bodyPr>
             <a:normAutofit/>
@@ -5266,8 +6997,46 @@
               <a:buNone/>
             </a:pPr>
             <a:r>
-              <a:rPr lang="en-GB" sz="3200" dirty="0"/>
-              <a:t>Open Source system for managing containers</a:t>
+              <a:rPr lang="en-US" sz="2400" dirty="0" err="1">
+                <a:solidFill>
+                  <a:srgbClr val="0000FF"/>
+                </a:solidFill>
+                <a:latin typeface="Consolas" panose="020B0609020204030204" pitchFamily="49" charset="0"/>
+              </a:rPr>
+              <a:t>az</a:t>
+            </a:r>
+            <a:r>
+              <a:rPr lang="en-US" sz="2400" dirty="0">
+                <a:solidFill>
+                  <a:srgbClr val="0000FF"/>
+                </a:solidFill>
+                <a:latin typeface="Consolas" panose="020B0609020204030204" pitchFamily="49" charset="0"/>
+              </a:rPr>
+              <a:t> </a:t>
+            </a:r>
+            <a:r>
+              <a:rPr lang="en-US" sz="2400" dirty="0" err="1">
+                <a:solidFill>
+                  <a:srgbClr val="0000FF"/>
+                </a:solidFill>
+                <a:latin typeface="Consolas" panose="020B0609020204030204" pitchFamily="49" charset="0"/>
+              </a:rPr>
+              <a:t>acr</a:t>
+            </a:r>
+            <a:r>
+              <a:rPr lang="en-US" sz="2400" dirty="0">
+                <a:solidFill>
+                  <a:srgbClr val="0000FF"/>
+                </a:solidFill>
+                <a:latin typeface="Consolas" panose="020B0609020204030204" pitchFamily="49" charset="0"/>
+              </a:rPr>
+              <a:t> repository show-tags </a:t>
+            </a:r>
+            <a:r>
+              <a:rPr lang="en-US" sz="2400" dirty="0">
+                <a:latin typeface="Consolas" panose="020B0609020204030204" pitchFamily="49" charset="0"/>
+              </a:rPr>
+              <a:t>`</a:t>
             </a:r>
           </a:p>
           <a:p>
@@ -5275,8 +7044,37 @@
               <a:buNone/>
             </a:pPr>
             <a:r>
-              <a:rPr lang="en-GB" sz="3200" dirty="0"/>
-              <a:t>Deployed as a cluster containing a master and multiple nodes</a:t>
+              <a:rPr lang="en-US" sz="2400" dirty="0">
+                <a:solidFill>
+                  <a:srgbClr val="0000FF"/>
+                </a:solidFill>
+                <a:latin typeface="Consolas" panose="020B0609020204030204" pitchFamily="49" charset="0"/>
+              </a:rPr>
+              <a:t>	</a:t>
+            </a:r>
+            <a:r>
+              <a:rPr lang="en-US" sz="2400" dirty="0">
+                <a:solidFill>
+                  <a:srgbClr val="000000"/>
+                </a:solidFill>
+                <a:latin typeface="Consolas" panose="020B0609020204030204" pitchFamily="49" charset="0"/>
+              </a:rPr>
+              <a:t>--name </a:t>
+            </a:r>
+            <a:r>
+              <a:rPr lang="en-US" sz="2400" dirty="0">
+                <a:solidFill>
+                  <a:srgbClr val="A31515"/>
+                </a:solidFill>
+                <a:latin typeface="Consolas" panose="020B0609020204030204" pitchFamily="49" charset="0"/>
+              </a:rPr>
+              <a:t>testcontainerregistry01 </a:t>
+            </a:r>
+            <a:r>
+              <a:rPr lang="en-US" sz="2400" dirty="0">
+                <a:latin typeface="Consolas" panose="020B0609020204030204" pitchFamily="49" charset="0"/>
+              </a:rPr>
+              <a:t>`</a:t>
             </a:r>
           </a:p>
           <a:p>
@@ -5284,39 +7082,86 @@
               <a:buNone/>
             </a:pPr>
             <a:r>
-              <a:rPr lang="en-GB" sz="3200" dirty="0"/>
-              <a:t>Pods hold containers running on the nodes</a:t>
-            </a:r>
+              <a:rPr lang="en-US" sz="2400" dirty="0">
+                <a:solidFill>
+                  <a:srgbClr val="A31515"/>
+                </a:solidFill>
+                <a:latin typeface="Consolas" panose="020B0609020204030204" pitchFamily="49" charset="0"/>
+              </a:rPr>
+              <a:t>		</a:t>
+            </a:r>
+            <a:r>
+              <a:rPr lang="en-US" sz="2400" dirty="0">
+                <a:solidFill>
+                  <a:srgbClr val="000000"/>
+                </a:solidFill>
+                <a:latin typeface="Consolas" panose="020B0609020204030204" pitchFamily="49" charset="0"/>
+              </a:rPr>
+              <a:t>--repository </a:t>
+            </a:r>
+            <a:r>
+              <a:rPr lang="en-US" sz="2400" dirty="0" err="1">
+                <a:solidFill>
+                  <a:srgbClr val="A31515"/>
+                </a:solidFill>
+                <a:latin typeface="Consolas" panose="020B0609020204030204" pitchFamily="49" charset="0"/>
+              </a:rPr>
+              <a:t>devsqlimage</a:t>
+            </a:r>
+            <a:endParaRPr lang="en-US" sz="2400" dirty="0">
+              <a:solidFill>
+                <a:srgbClr val="000000"/>
+              </a:solidFill>
+              <a:latin typeface="Consolas" panose="020B0609020204030204" pitchFamily="49" charset="0"/>
+            </a:endParaRPr>
           </a:p>
           <a:p>
             <a:pPr marL="0" indent="0">
               <a:buNone/>
             </a:pPr>
-            <a:r>
-              <a:rPr lang="en-GB" sz="3200" dirty="0"/>
-              <a:t>Services define/allow access to sets of pods</a:t>
-            </a:r>
-          </a:p>
-          <a:p>
-            <a:pPr marL="0" indent="0">
-              <a:buNone/>
-            </a:pPr>
-            <a:r>
-              <a:rPr lang="en-GB" sz="3200" dirty="0"/>
-              <a:t>Deployments created and managed via </a:t>
-            </a:r>
-            <a:r>
-              <a:rPr lang="en-GB" sz="3200" dirty="0" err="1"/>
-              <a:t>Kubectl</a:t>
-            </a:r>
             <a:endParaRPr lang="en-GB" sz="3200" dirty="0"/>
           </a:p>
         </p:txBody>
       </p:sp>
+      <p:pic>
+        <p:nvPicPr>
+          <p:cNvPr id="4" name="Picture 3">
+            <a:extLst>
+              <a:ext uri="{FF2B5EF4-FFF2-40B4-BE49-F238E27FC236}">
+                <a16:creationId xmlns:a16="http://schemas.microsoft.com/office/drawing/2014/main" id="{8100CB35-15CE-4CAA-98EE-8D27B857C020}"/>
+              </a:ext>
+            </a:extLst>
+          </p:cNvPr>
+          <p:cNvPicPr>
+            <a:picLocks noChangeAspect="1"/>
+          </p:cNvPicPr>
+          <p:nvPr/>
+        </p:nvPicPr>
+        <p:blipFill>
+          <a:blip r:embed="rId2"/>
+          <a:stretch>
+            <a:fillRect/>
+          </a:stretch>
+        </p:blipFill>
+        <p:spPr>
+          <a:xfrm>
+            <a:off x="752475" y="2825028"/>
+            <a:ext cx="10687050" cy="2371725"/>
+          </a:xfrm>
+          <a:prstGeom prst="rect">
+            <a:avLst/>
+          </a:prstGeom>
+          <a:ln>
+            <a:solidFill>
+              <a:schemeClr val="tx1"/>
+            </a:solidFill>
+          </a:ln>
+        </p:spPr>
+      </p:pic>
     </p:spTree>
     <p:extLst>
       <p:ext uri="{BB962C8B-B14F-4D97-AF65-F5344CB8AC3E}">
-        <p14:creationId xmlns:p14="http://schemas.microsoft.com/office/powerpoint/2010/main" val="1834450055"/>
+        <p14:creationId xmlns:p14="http://schemas.microsoft.com/office/powerpoint/2010/main" val="2994460728"/>
       </p:ext>
     </p:extLst>
   </p:cSld>
@@ -5355,7 +7200,7 @@
         </p:nvSpPr>
         <p:spPr>
           <a:xfrm>
-            <a:off x="331596" y="562708"/>
+            <a:off x="0" y="0"/>
             <a:ext cx="10184004" cy="713433"/>
           </a:xfrm>
         </p:spPr>
@@ -5373,7 +7218,7 @@
                   </a:schemeClr>
                 </a:solidFill>
               </a:rPr>
-              <a:t>Azure Container Services (AKS)</a:t>
+              <a:t>ACR – Show Manifest</a:t>
             </a:r>
           </a:p>
         </p:txBody>
@@ -5388,7 +7233,12 @@
             <p:ph idx="1"/>
           </p:nvPr>
         </p:nvSpPr>
-        <p:spPr/>
+        <p:spPr>
+          <a:xfrm>
+            <a:off x="331123" y="836411"/>
+            <a:ext cx="10515600" cy="1521798"/>
+          </a:xfrm>
+        </p:spPr>
         <p:txBody>
           <a:bodyPr>
             <a:normAutofit/>
@@ -5399,8 +7249,46 @@
               <a:buNone/>
             </a:pPr>
             <a:r>
-              <a:rPr lang="en-GB" sz="3200" dirty="0"/>
-              <a:t>Simplifies deployment of Kubernetes clusters in Azure</a:t>
+              <a:rPr lang="en-US" sz="2400" dirty="0" err="1">
+                <a:solidFill>
+                  <a:srgbClr val="0000FF"/>
+                </a:solidFill>
+                <a:latin typeface="Consolas" panose="020B0609020204030204" pitchFamily="49" charset="0"/>
+              </a:rPr>
+              <a:t>az</a:t>
+            </a:r>
+            <a:r>
+              <a:rPr lang="en-US" sz="2400" dirty="0">
+                <a:solidFill>
+                  <a:srgbClr val="0000FF"/>
+                </a:solidFill>
+                <a:latin typeface="Consolas" panose="020B0609020204030204" pitchFamily="49" charset="0"/>
+              </a:rPr>
+              <a:t> </a:t>
+            </a:r>
+            <a:r>
+              <a:rPr lang="en-US" sz="2400" dirty="0" err="1">
+                <a:solidFill>
+                  <a:srgbClr val="0000FF"/>
+                </a:solidFill>
+                <a:latin typeface="Consolas" panose="020B0609020204030204" pitchFamily="49" charset="0"/>
+              </a:rPr>
+              <a:t>acr</a:t>
+            </a:r>
+            <a:r>
+              <a:rPr lang="en-US" sz="2400" dirty="0">
+                <a:solidFill>
+                  <a:srgbClr val="0000FF"/>
+                </a:solidFill>
+                <a:latin typeface="Consolas" panose="020B0609020204030204" pitchFamily="49" charset="0"/>
+              </a:rPr>
+              <a:t> repository show-manifests </a:t>
+            </a:r>
+            <a:r>
+              <a:rPr lang="en-US" sz="2400" dirty="0">
+                <a:latin typeface="Consolas" panose="020B0609020204030204" pitchFamily="49" charset="0"/>
+              </a:rPr>
+              <a:t>`</a:t>
             </a:r>
           </a:p>
           <a:p>
@@ -5408,8 +7296,37 @@
               <a:buNone/>
             </a:pPr>
             <a:r>
-              <a:rPr lang="en-GB" sz="3200" dirty="0"/>
-              <a:t>Cluster can be spun up with one line of code</a:t>
+              <a:rPr lang="en-US" sz="2400" dirty="0">
+                <a:solidFill>
+                  <a:srgbClr val="0000FF"/>
+                </a:solidFill>
+                <a:latin typeface="Consolas" panose="020B0609020204030204" pitchFamily="49" charset="0"/>
+              </a:rPr>
+              <a:t>	</a:t>
+            </a:r>
+            <a:r>
+              <a:rPr lang="en-US" sz="2400" dirty="0">
+                <a:solidFill>
+                  <a:srgbClr val="000000"/>
+                </a:solidFill>
+                <a:latin typeface="Consolas" panose="020B0609020204030204" pitchFamily="49" charset="0"/>
+              </a:rPr>
+              <a:t>--name </a:t>
+            </a:r>
+            <a:r>
+              <a:rPr lang="en-US" sz="2400" dirty="0">
+                <a:solidFill>
+                  <a:srgbClr val="A31515"/>
+                </a:solidFill>
+                <a:latin typeface="Consolas" panose="020B0609020204030204" pitchFamily="49" charset="0"/>
+              </a:rPr>
+              <a:t>apcontainerregistry01 </a:t>
+            </a:r>
+            <a:r>
+              <a:rPr lang="en-US" sz="2400" dirty="0">
+                <a:latin typeface="Consolas" panose="020B0609020204030204" pitchFamily="49" charset="0"/>
+              </a:rPr>
+              <a:t>`</a:t>
             </a:r>
           </a:p>
           <a:p>
@@ -5417,46 +7334,86 @@
               <a:buNone/>
             </a:pPr>
             <a:r>
-              <a:rPr lang="en-GB" sz="3200" dirty="0"/>
-              <a:t>Applications deployed to cluster via </a:t>
-            </a:r>
-            <a:r>
-              <a:rPr lang="en-GB" sz="3200" dirty="0" err="1"/>
-              <a:t>yaml</a:t>
-            </a:r>
-            <a:r>
-              <a:rPr lang="en-GB" sz="3200" dirty="0"/>
-              <a:t> files</a:t>
-            </a:r>
+              <a:rPr lang="en-US" sz="2400" dirty="0">
+                <a:solidFill>
+                  <a:srgbClr val="A31515"/>
+                </a:solidFill>
+                <a:latin typeface="Consolas" panose="020B0609020204030204" pitchFamily="49" charset="0"/>
+              </a:rPr>
+              <a:t>		</a:t>
+            </a:r>
+            <a:r>
+              <a:rPr lang="en-US" sz="2400" dirty="0">
+                <a:solidFill>
+                  <a:srgbClr val="000000"/>
+                </a:solidFill>
+                <a:latin typeface="Consolas" panose="020B0609020204030204" pitchFamily="49" charset="0"/>
+              </a:rPr>
+              <a:t>--repository </a:t>
+            </a:r>
+            <a:r>
+              <a:rPr lang="en-US" sz="2400" dirty="0" err="1">
+                <a:solidFill>
+                  <a:srgbClr val="A31515"/>
+                </a:solidFill>
+                <a:latin typeface="Consolas" panose="020B0609020204030204" pitchFamily="49" charset="0"/>
+              </a:rPr>
+              <a:t>sqlserverlinuxagent</a:t>
+            </a:r>
+            <a:endParaRPr lang="en-US" sz="2400" dirty="0">
+              <a:solidFill>
+                <a:srgbClr val="000000"/>
+              </a:solidFill>
+              <a:latin typeface="Consolas" panose="020B0609020204030204" pitchFamily="49" charset="0"/>
+            </a:endParaRPr>
           </a:p>
           <a:p>
             <a:pPr marL="0" indent="0">
               <a:buNone/>
             </a:pPr>
-            <a:r>
-              <a:rPr lang="en-GB" sz="3200" dirty="0"/>
-              <a:t>Managed by Azure-CLI/</a:t>
-            </a:r>
-            <a:r>
-              <a:rPr lang="en-GB" sz="3200" dirty="0" err="1"/>
-              <a:t>powershell</a:t>
-            </a:r>
-            <a:r>
-              <a:rPr lang="en-GB" sz="3200" dirty="0"/>
-              <a:t> and </a:t>
-            </a:r>
-            <a:r>
-              <a:rPr lang="en-GB" sz="3200" dirty="0" err="1"/>
-              <a:t>kubectl</a:t>
-            </a:r>
             <a:endParaRPr lang="en-GB" sz="3200" dirty="0"/>
           </a:p>
         </p:txBody>
       </p:sp>
+      <p:pic>
+        <p:nvPicPr>
+          <p:cNvPr id="4" name="Picture 3">
+            <a:extLst>
+              <a:ext uri="{FF2B5EF4-FFF2-40B4-BE49-F238E27FC236}">
+                <a16:creationId xmlns:a16="http://schemas.microsoft.com/office/drawing/2014/main" id="{01550C6D-3A0B-4F53-BBBF-18591182E32B}"/>
+              </a:ext>
+            </a:extLst>
+          </p:cNvPr>
+          <p:cNvPicPr>
+            <a:picLocks noChangeAspect="1"/>
+          </p:cNvPicPr>
+          <p:nvPr/>
+        </p:nvPicPr>
+        <p:blipFill>
+          <a:blip r:embed="rId2"/>
+          <a:stretch>
+            <a:fillRect/>
+          </a:stretch>
+        </p:blipFill>
+        <p:spPr>
+          <a:xfrm>
+            <a:off x="671512" y="2481187"/>
+            <a:ext cx="10848975" cy="3286125"/>
+          </a:xfrm>
+          <a:prstGeom prst="rect">
+            <a:avLst/>
+          </a:prstGeom>
+          <a:ln>
+            <a:solidFill>
+              <a:schemeClr val="tx1"/>
+            </a:solidFill>
+          </a:ln>
+        </p:spPr>
+      </p:pic>
     </p:spTree>
     <p:extLst>
       <p:ext uri="{BB962C8B-B14F-4D97-AF65-F5344CB8AC3E}">
-        <p14:creationId xmlns:p14="http://schemas.microsoft.com/office/powerpoint/2010/main" val="3069965736"/>
+        <p14:creationId xmlns:p14="http://schemas.microsoft.com/office/powerpoint/2010/main" val="3968415812"/>
       </p:ext>
     </p:extLst>
   </p:cSld>
@@ -5533,7 +7490,7 @@
     </p:spTree>
     <p:extLst>
       <p:ext uri="{BB962C8B-B14F-4D97-AF65-F5344CB8AC3E}">
-        <p14:creationId xmlns:p14="http://schemas.microsoft.com/office/powerpoint/2010/main" val="2917938358"/>
+        <p14:creationId xmlns:p14="http://schemas.microsoft.com/office/powerpoint/2010/main" val="2593481242"/>
       </p:ext>
     </p:extLst>
   </p:cSld>
@@ -5562,6 +7519,1532 @@
       </p:grpSpPr>
       <p:sp>
         <p:nvSpPr>
+          <p:cNvPr id="4" name="Title 3"/>
+          <p:cNvSpPr>
+            <a:spLocks noGrp="1"/>
+          </p:cNvSpPr>
+          <p:nvPr>
+            <p:ph type="title"/>
+          </p:nvPr>
+        </p:nvSpPr>
+        <p:spPr/>
+        <p:txBody>
+          <a:bodyPr>
+            <a:normAutofit/>
+          </a:bodyPr>
+          <a:lstStyle/>
+          <a:p>
+            <a:r>
+              <a:rPr lang="en-GB" dirty="0">
+                <a:solidFill>
+                  <a:schemeClr val="accent1"/>
+                </a:solidFill>
+              </a:rPr>
+              <a:t>Azure Container Instances</a:t>
+            </a:r>
+          </a:p>
+        </p:txBody>
+      </p:sp>
+      <p:sp>
+        <p:nvSpPr>
+          <p:cNvPr id="2" name="Text Placeholder 1"/>
+          <p:cNvSpPr>
+            <a:spLocks noGrp="1"/>
+          </p:cNvSpPr>
+          <p:nvPr>
+            <p:ph type="body" idx="1"/>
+          </p:nvPr>
+        </p:nvSpPr>
+        <p:spPr/>
+        <p:txBody>
+          <a:bodyPr/>
+          <a:lstStyle/>
+          <a:p>
+            <a:endParaRPr lang="en-GB" dirty="0"/>
+          </a:p>
+        </p:txBody>
+      </p:sp>
+    </p:spTree>
+    <p:extLst>
+      <p:ext uri="{BB962C8B-B14F-4D97-AF65-F5344CB8AC3E}">
+        <p14:creationId xmlns:p14="http://schemas.microsoft.com/office/powerpoint/2010/main" val="3077493872"/>
+      </p:ext>
+    </p:extLst>
+  </p:cSld>
+  <p:clrMapOvr>
+    <a:masterClrMapping/>
+  </p:clrMapOvr>
+</p:sld>
+</file>
+
+<file path=ppt/slides/slide29.xml><?xml version="1.0" encoding="utf-8"?>
+<p:sld xmlns:a="http://schemas.openxmlformats.org/drawingml/2006/main" xmlns:r="http://schemas.openxmlformats.org/officeDocument/2006/relationships" xmlns:p="http://schemas.openxmlformats.org/presentationml/2006/main">
+  <p:cSld>
+    <p:spTree>
+      <p:nvGrpSpPr>
+        <p:cNvPr id="1" name=""/>
+        <p:cNvGrpSpPr/>
+        <p:nvPr/>
+      </p:nvGrpSpPr>
+      <p:grpSpPr>
+        <a:xfrm>
+          <a:off x="0" y="0"/>
+          <a:ext cx="0" cy="0"/>
+          <a:chOff x="0" y="0"/>
+          <a:chExt cx="0" cy="0"/>
+        </a:xfrm>
+      </p:grpSpPr>
+      <p:sp>
+        <p:nvSpPr>
+          <p:cNvPr id="6" name="Title 5"/>
+          <p:cNvSpPr>
+            <a:spLocks noGrp="1"/>
+          </p:cNvSpPr>
+          <p:nvPr>
+            <p:ph type="title"/>
+          </p:nvPr>
+        </p:nvSpPr>
+        <p:spPr>
+          <a:xfrm>
+            <a:off x="331596" y="562708"/>
+            <a:ext cx="10184004" cy="713433"/>
+          </a:xfrm>
+        </p:spPr>
+        <p:txBody>
+          <a:bodyPr>
+            <a:normAutofit/>
+          </a:bodyPr>
+          <a:lstStyle/>
+          <a:p>
+            <a:r>
+              <a:rPr lang="en-GB" dirty="0">
+                <a:solidFill>
+                  <a:schemeClr val="accent1">
+                    <a:lumMod val="75000"/>
+                  </a:schemeClr>
+                </a:solidFill>
+              </a:rPr>
+              <a:t>Azure Container Instances</a:t>
+            </a:r>
+          </a:p>
+        </p:txBody>
+      </p:sp>
+      <p:sp>
+        <p:nvSpPr>
+          <p:cNvPr id="3" name="Subtitle 2"/>
+          <p:cNvSpPr>
+            <a:spLocks noGrp="1"/>
+          </p:cNvSpPr>
+          <p:nvPr>
+            <p:ph idx="1"/>
+          </p:nvPr>
+        </p:nvSpPr>
+        <p:spPr/>
+        <p:txBody>
+          <a:bodyPr>
+            <a:normAutofit/>
+          </a:bodyPr>
+          <a:lstStyle/>
+          <a:p>
+            <a:pPr marL="0" indent="0">
+              <a:buNone/>
+            </a:pPr>
+            <a:r>
+              <a:rPr lang="en-GB" sz="3200" dirty="0"/>
+              <a:t>Running containers without servers</a:t>
+            </a:r>
+          </a:p>
+          <a:p>
+            <a:pPr marL="0" indent="0">
+              <a:buNone/>
+            </a:pPr>
+            <a:r>
+              <a:rPr lang="en-GB" sz="3200" dirty="0"/>
+              <a:t>No need to manage VMs</a:t>
+            </a:r>
+          </a:p>
+          <a:p>
+            <a:pPr marL="0" indent="0">
+              <a:buNone/>
+            </a:pPr>
+            <a:r>
+              <a:rPr lang="en-GB" sz="3200" dirty="0"/>
+              <a:t>Spin up in seconds</a:t>
+            </a:r>
+          </a:p>
+          <a:p>
+            <a:pPr marL="0" indent="0">
+              <a:buNone/>
+            </a:pPr>
+            <a:r>
+              <a:rPr lang="en-GB" sz="3200" dirty="0"/>
+              <a:t>Deployed via the CLI, </a:t>
+            </a:r>
+            <a:r>
+              <a:rPr lang="en-GB" sz="3200" dirty="0" err="1"/>
+              <a:t>powershell</a:t>
+            </a:r>
+            <a:r>
+              <a:rPr lang="en-GB" sz="3200" dirty="0"/>
+              <a:t>, or Azure Portal</a:t>
+            </a:r>
+          </a:p>
+          <a:p>
+            <a:pPr marL="0" indent="0">
+              <a:buNone/>
+            </a:pPr>
+            <a:r>
+              <a:rPr lang="en-GB" sz="3200" dirty="0"/>
+              <a:t>Billed by the second</a:t>
+            </a:r>
+          </a:p>
+          <a:p>
+            <a:pPr marL="0" indent="0">
+              <a:buNone/>
+            </a:pPr>
+            <a:endParaRPr lang="en-GB" sz="3200" dirty="0"/>
+          </a:p>
+        </p:txBody>
+      </p:sp>
+    </p:spTree>
+    <p:extLst>
+      <p:ext uri="{BB962C8B-B14F-4D97-AF65-F5344CB8AC3E}">
+        <p14:creationId xmlns:p14="http://schemas.microsoft.com/office/powerpoint/2010/main" val="2590341702"/>
+      </p:ext>
+    </p:extLst>
+  </p:cSld>
+  <p:clrMapOvr>
+    <a:masterClrMapping/>
+  </p:clrMapOvr>
+</p:sld>
+</file>
+
+<file path=ppt/slides/slide3.xml><?xml version="1.0" encoding="utf-8"?>
+<p:sld xmlns:a="http://schemas.openxmlformats.org/drawingml/2006/main" xmlns:r="http://schemas.openxmlformats.org/officeDocument/2006/relationships" xmlns:p="http://schemas.openxmlformats.org/presentationml/2006/main">
+  <p:cSld>
+    <p:spTree>
+      <p:nvGrpSpPr>
+        <p:cNvPr id="1" name=""/>
+        <p:cNvGrpSpPr/>
+        <p:nvPr/>
+      </p:nvGrpSpPr>
+      <p:grpSpPr>
+        <a:xfrm>
+          <a:off x="0" y="0"/>
+          <a:ext cx="0" cy="0"/>
+          <a:chOff x="0" y="0"/>
+          <a:chExt cx="0" cy="0"/>
+        </a:xfrm>
+      </p:grpSpPr>
+      <p:sp>
+        <p:nvSpPr>
+          <p:cNvPr id="6" name="Title 5"/>
+          <p:cNvSpPr>
+            <a:spLocks noGrp="1"/>
+          </p:cNvSpPr>
+          <p:nvPr>
+            <p:ph type="title"/>
+          </p:nvPr>
+        </p:nvSpPr>
+        <p:spPr>
+          <a:xfrm>
+            <a:off x="331596" y="562708"/>
+            <a:ext cx="10184004" cy="713433"/>
+          </a:xfrm>
+        </p:spPr>
+        <p:txBody>
+          <a:bodyPr>
+            <a:normAutofit/>
+          </a:bodyPr>
+          <a:lstStyle/>
+          <a:p>
+            <a:r>
+              <a:rPr lang="en-GB" dirty="0">
+                <a:solidFill>
+                  <a:schemeClr val="accent1">
+                    <a:lumMod val="75000"/>
+                  </a:schemeClr>
+                </a:solidFill>
+              </a:rPr>
+              <a:t>Session Aim</a:t>
+            </a:r>
+          </a:p>
+        </p:txBody>
+      </p:sp>
+      <p:sp>
+        <p:nvSpPr>
+          <p:cNvPr id="3" name="Subtitle 2"/>
+          <p:cNvSpPr>
+            <a:spLocks noGrp="1"/>
+          </p:cNvSpPr>
+          <p:nvPr>
+            <p:ph idx="1"/>
+          </p:nvPr>
+        </p:nvSpPr>
+        <p:spPr>
+          <a:xfrm>
+            <a:off x="838200" y="2721077"/>
+            <a:ext cx="10515600" cy="1415845"/>
+          </a:xfrm>
+        </p:spPr>
+        <p:txBody>
+          <a:bodyPr>
+            <a:normAutofit/>
+          </a:bodyPr>
+          <a:lstStyle/>
+          <a:p>
+            <a:pPr marL="0" indent="0" algn="ctr">
+              <a:buNone/>
+            </a:pPr>
+            <a:r>
+              <a:rPr lang="en-GB" sz="3200" dirty="0"/>
+              <a:t>To give an overview of the different options available to run SQL Server Docker containers in Azure</a:t>
+            </a:r>
+          </a:p>
+        </p:txBody>
+      </p:sp>
+    </p:spTree>
+    <p:extLst>
+      <p:ext uri="{BB962C8B-B14F-4D97-AF65-F5344CB8AC3E}">
+        <p14:creationId xmlns:p14="http://schemas.microsoft.com/office/powerpoint/2010/main" val="2703807573"/>
+      </p:ext>
+    </p:extLst>
+  </p:cSld>
+  <p:clrMapOvr>
+    <a:masterClrMapping/>
+  </p:clrMapOvr>
+</p:sld>
+</file>
+
+<file path=ppt/slides/slide30.xml><?xml version="1.0" encoding="utf-8"?>
+<p:sld xmlns:a="http://schemas.openxmlformats.org/drawingml/2006/main" xmlns:r="http://schemas.openxmlformats.org/officeDocument/2006/relationships" xmlns:p="http://schemas.openxmlformats.org/presentationml/2006/main">
+  <p:cSld>
+    <p:spTree>
+      <p:nvGrpSpPr>
+        <p:cNvPr id="1" name=""/>
+        <p:cNvGrpSpPr/>
+        <p:nvPr/>
+      </p:nvGrpSpPr>
+      <p:grpSpPr>
+        <a:xfrm>
+          <a:off x="0" y="0"/>
+          <a:ext cx="0" cy="0"/>
+          <a:chOff x="0" y="0"/>
+          <a:chExt cx="0" cy="0"/>
+        </a:xfrm>
+      </p:grpSpPr>
+      <p:sp>
+        <p:nvSpPr>
+          <p:cNvPr id="6" name="Title 5"/>
+          <p:cNvSpPr>
+            <a:spLocks noGrp="1"/>
+          </p:cNvSpPr>
+          <p:nvPr>
+            <p:ph type="title"/>
+          </p:nvPr>
+        </p:nvSpPr>
+        <p:spPr>
+          <a:xfrm>
+            <a:off x="331596" y="562708"/>
+            <a:ext cx="10184004" cy="713433"/>
+          </a:xfrm>
+        </p:spPr>
+        <p:txBody>
+          <a:bodyPr>
+            <a:normAutofit/>
+          </a:bodyPr>
+          <a:lstStyle/>
+          <a:p>
+            <a:r>
+              <a:rPr lang="en-GB" dirty="0">
+                <a:solidFill>
+                  <a:schemeClr val="accent1">
+                    <a:lumMod val="75000"/>
+                  </a:schemeClr>
+                </a:solidFill>
+              </a:rPr>
+              <a:t>ACI - Options</a:t>
+            </a:r>
+          </a:p>
+        </p:txBody>
+      </p:sp>
+      <p:sp>
+        <p:nvSpPr>
+          <p:cNvPr id="3" name="Subtitle 2"/>
+          <p:cNvSpPr>
+            <a:spLocks noGrp="1"/>
+          </p:cNvSpPr>
+          <p:nvPr>
+            <p:ph idx="1"/>
+          </p:nvPr>
+        </p:nvSpPr>
+        <p:spPr/>
+        <p:txBody>
+          <a:bodyPr>
+            <a:normAutofit/>
+          </a:bodyPr>
+          <a:lstStyle/>
+          <a:p>
+            <a:pPr marL="0" indent="0">
+              <a:buNone/>
+            </a:pPr>
+            <a:r>
+              <a:rPr lang="en-GB" sz="3200" dirty="0"/>
+              <a:t>Linux &amp; Windows containers</a:t>
+            </a:r>
+          </a:p>
+          <a:p>
+            <a:pPr marL="0" indent="0">
+              <a:buNone/>
+            </a:pPr>
+            <a:r>
+              <a:rPr lang="en-GB" sz="3200" dirty="0"/>
+              <a:t>Containers exposed directly to the internet</a:t>
+            </a:r>
+          </a:p>
+          <a:p>
+            <a:pPr marL="0" indent="0">
+              <a:buNone/>
+            </a:pPr>
+            <a:r>
+              <a:rPr lang="en-GB" sz="3200" dirty="0"/>
+              <a:t>	</a:t>
+            </a:r>
+            <a:r>
+              <a:rPr lang="en-GB" dirty="0"/>
+              <a:t>IP Address and FQDN</a:t>
+            </a:r>
+          </a:p>
+          <a:p>
+            <a:pPr marL="0" indent="0">
+              <a:buNone/>
+            </a:pPr>
+            <a:r>
+              <a:rPr lang="en-GB" sz="3200" dirty="0"/>
+              <a:t>Hypervisor level isolation</a:t>
+            </a:r>
+          </a:p>
+          <a:p>
+            <a:pPr marL="0" indent="0">
+              <a:buNone/>
+            </a:pPr>
+            <a:r>
+              <a:rPr lang="en-GB" sz="3200" dirty="0"/>
+              <a:t>Persistent storage</a:t>
+            </a:r>
+          </a:p>
+          <a:p>
+            <a:pPr marL="0" indent="0">
+              <a:buNone/>
+            </a:pPr>
+            <a:r>
+              <a:rPr lang="en-GB" sz="3200" dirty="0"/>
+              <a:t>	</a:t>
+            </a:r>
+            <a:r>
+              <a:rPr lang="en-GB" dirty="0"/>
+              <a:t>Azure files shares</a:t>
+            </a:r>
+          </a:p>
+          <a:p>
+            <a:pPr marL="0" indent="0">
+              <a:buNone/>
+            </a:pPr>
+            <a:r>
+              <a:rPr lang="en-GB" sz="3200" dirty="0"/>
+              <a:t>Container Groups</a:t>
+            </a:r>
+          </a:p>
+          <a:p>
+            <a:pPr marL="0" indent="0">
+              <a:buNone/>
+            </a:pPr>
+            <a:endParaRPr lang="en-GB" sz="3200" dirty="0"/>
+          </a:p>
+        </p:txBody>
+      </p:sp>
+    </p:spTree>
+    <p:extLst>
+      <p:ext uri="{BB962C8B-B14F-4D97-AF65-F5344CB8AC3E}">
+        <p14:creationId xmlns:p14="http://schemas.microsoft.com/office/powerpoint/2010/main" val="334400448"/>
+      </p:ext>
+    </p:extLst>
+  </p:cSld>
+  <p:clrMapOvr>
+    <a:masterClrMapping/>
+  </p:clrMapOvr>
+</p:sld>
+</file>
+
+<file path=ppt/slides/slide31.xml><?xml version="1.0" encoding="utf-8"?>
+<p:sld xmlns:a="http://schemas.openxmlformats.org/drawingml/2006/main" xmlns:r="http://schemas.openxmlformats.org/officeDocument/2006/relationships" xmlns:p="http://schemas.openxmlformats.org/presentationml/2006/main">
+  <p:cSld>
+    <p:spTree>
+      <p:nvGrpSpPr>
+        <p:cNvPr id="1" name=""/>
+        <p:cNvGrpSpPr/>
+        <p:nvPr/>
+      </p:nvGrpSpPr>
+      <p:grpSpPr>
+        <a:xfrm>
+          <a:off x="0" y="0"/>
+          <a:ext cx="0" cy="0"/>
+          <a:chOff x="0" y="0"/>
+          <a:chExt cx="0" cy="0"/>
+        </a:xfrm>
+      </p:grpSpPr>
+      <p:sp>
+        <p:nvSpPr>
+          <p:cNvPr id="6" name="Title 5"/>
+          <p:cNvSpPr>
+            <a:spLocks noGrp="1"/>
+          </p:cNvSpPr>
+          <p:nvPr>
+            <p:ph type="title"/>
+          </p:nvPr>
+        </p:nvSpPr>
+        <p:spPr>
+          <a:xfrm>
+            <a:off x="331596" y="562708"/>
+            <a:ext cx="10184004" cy="713433"/>
+          </a:xfrm>
+        </p:spPr>
+        <p:txBody>
+          <a:bodyPr>
+            <a:normAutofit/>
+          </a:bodyPr>
+          <a:lstStyle/>
+          <a:p>
+            <a:r>
+              <a:rPr lang="en-GB" dirty="0">
+                <a:solidFill>
+                  <a:schemeClr val="accent1">
+                    <a:lumMod val="75000"/>
+                  </a:schemeClr>
+                </a:solidFill>
+              </a:rPr>
+              <a:t>Azure Container Instances</a:t>
+            </a:r>
+          </a:p>
+        </p:txBody>
+      </p:sp>
+      <p:sp>
+        <p:nvSpPr>
+          <p:cNvPr id="3" name="Subtitle 2"/>
+          <p:cNvSpPr>
+            <a:spLocks noGrp="1"/>
+          </p:cNvSpPr>
+          <p:nvPr>
+            <p:ph idx="1"/>
+          </p:nvPr>
+        </p:nvSpPr>
+        <p:spPr/>
+        <p:txBody>
+          <a:bodyPr>
+            <a:normAutofit/>
+          </a:bodyPr>
+          <a:lstStyle/>
+          <a:p>
+            <a:pPr marL="0" indent="0">
+              <a:buNone/>
+            </a:pPr>
+            <a:endParaRPr lang="en-GB" sz="3200" dirty="0"/>
+          </a:p>
+        </p:txBody>
+      </p:sp>
+    </p:spTree>
+    <p:extLst>
+      <p:ext uri="{BB962C8B-B14F-4D97-AF65-F5344CB8AC3E}">
+        <p14:creationId xmlns:p14="http://schemas.microsoft.com/office/powerpoint/2010/main" val="700758029"/>
+      </p:ext>
+    </p:extLst>
+  </p:cSld>
+  <p:clrMapOvr>
+    <a:masterClrMapping/>
+  </p:clrMapOvr>
+</p:sld>
+</file>
+
+<file path=ppt/slides/slide32.xml><?xml version="1.0" encoding="utf-8"?>
+<p:sld xmlns:a="http://schemas.openxmlformats.org/drawingml/2006/main" xmlns:r="http://schemas.openxmlformats.org/officeDocument/2006/relationships" xmlns:p="http://schemas.openxmlformats.org/presentationml/2006/main">
+  <p:cSld>
+    <p:spTree>
+      <p:nvGrpSpPr>
+        <p:cNvPr id="1" name=""/>
+        <p:cNvGrpSpPr/>
+        <p:nvPr/>
+      </p:nvGrpSpPr>
+      <p:grpSpPr>
+        <a:xfrm>
+          <a:off x="0" y="0"/>
+          <a:ext cx="0" cy="0"/>
+          <a:chOff x="0" y="0"/>
+          <a:chExt cx="0" cy="0"/>
+        </a:xfrm>
+      </p:grpSpPr>
+      <p:sp>
+        <p:nvSpPr>
+          <p:cNvPr id="4" name="Title 3"/>
+          <p:cNvSpPr>
+            <a:spLocks noGrp="1"/>
+          </p:cNvSpPr>
+          <p:nvPr>
+            <p:ph type="title"/>
+          </p:nvPr>
+        </p:nvSpPr>
+        <p:spPr/>
+        <p:txBody>
+          <a:bodyPr>
+            <a:normAutofit/>
+          </a:bodyPr>
+          <a:lstStyle/>
+          <a:p>
+            <a:r>
+              <a:rPr lang="en-GB" dirty="0">
+                <a:solidFill>
+                  <a:schemeClr val="accent1"/>
+                </a:solidFill>
+              </a:rPr>
+              <a:t>Demo</a:t>
+            </a:r>
+          </a:p>
+        </p:txBody>
+      </p:sp>
+      <p:sp>
+        <p:nvSpPr>
+          <p:cNvPr id="2" name="Text Placeholder 1"/>
+          <p:cNvSpPr>
+            <a:spLocks noGrp="1"/>
+          </p:cNvSpPr>
+          <p:nvPr>
+            <p:ph type="body" idx="1"/>
+          </p:nvPr>
+        </p:nvSpPr>
+        <p:spPr/>
+        <p:txBody>
+          <a:bodyPr/>
+          <a:lstStyle/>
+          <a:p>
+            <a:endParaRPr lang="en-GB" dirty="0"/>
+          </a:p>
+        </p:txBody>
+      </p:sp>
+    </p:spTree>
+    <p:extLst>
+      <p:ext uri="{BB962C8B-B14F-4D97-AF65-F5344CB8AC3E}">
+        <p14:creationId xmlns:p14="http://schemas.microsoft.com/office/powerpoint/2010/main" val="2367277479"/>
+      </p:ext>
+    </p:extLst>
+  </p:cSld>
+  <p:clrMapOvr>
+    <a:masterClrMapping/>
+  </p:clrMapOvr>
+</p:sld>
+</file>
+
+<file path=ppt/slides/slide33.xml><?xml version="1.0" encoding="utf-8"?>
+<p:sld xmlns:a="http://schemas.openxmlformats.org/drawingml/2006/main" xmlns:r="http://schemas.openxmlformats.org/officeDocument/2006/relationships" xmlns:p="http://schemas.openxmlformats.org/presentationml/2006/main">
+  <p:cSld>
+    <p:spTree>
+      <p:nvGrpSpPr>
+        <p:cNvPr id="1" name=""/>
+        <p:cNvGrpSpPr/>
+        <p:nvPr/>
+      </p:nvGrpSpPr>
+      <p:grpSpPr>
+        <a:xfrm>
+          <a:off x="0" y="0"/>
+          <a:ext cx="0" cy="0"/>
+          <a:chOff x="0" y="0"/>
+          <a:chExt cx="0" cy="0"/>
+        </a:xfrm>
+      </p:grpSpPr>
+      <p:sp>
+        <p:nvSpPr>
+          <p:cNvPr id="4" name="Title 3"/>
+          <p:cNvSpPr>
+            <a:spLocks noGrp="1"/>
+          </p:cNvSpPr>
+          <p:nvPr>
+            <p:ph type="title"/>
+          </p:nvPr>
+        </p:nvSpPr>
+        <p:spPr/>
+        <p:txBody>
+          <a:bodyPr>
+            <a:normAutofit/>
+          </a:bodyPr>
+          <a:lstStyle/>
+          <a:p>
+            <a:r>
+              <a:rPr lang="en-GB" dirty="0">
+                <a:solidFill>
+                  <a:schemeClr val="accent1"/>
+                </a:solidFill>
+              </a:rPr>
+              <a:t>Azure Container Services</a:t>
+            </a:r>
+          </a:p>
+        </p:txBody>
+      </p:sp>
+      <p:sp>
+        <p:nvSpPr>
+          <p:cNvPr id="2" name="Text Placeholder 1"/>
+          <p:cNvSpPr>
+            <a:spLocks noGrp="1"/>
+          </p:cNvSpPr>
+          <p:nvPr>
+            <p:ph type="body" idx="1"/>
+          </p:nvPr>
+        </p:nvSpPr>
+        <p:spPr/>
+        <p:txBody>
+          <a:bodyPr/>
+          <a:lstStyle/>
+          <a:p>
+            <a:endParaRPr lang="en-GB" dirty="0"/>
+          </a:p>
+        </p:txBody>
+      </p:sp>
+    </p:spTree>
+    <p:extLst>
+      <p:ext uri="{BB962C8B-B14F-4D97-AF65-F5344CB8AC3E}">
+        <p14:creationId xmlns:p14="http://schemas.microsoft.com/office/powerpoint/2010/main" val="1710832568"/>
+      </p:ext>
+    </p:extLst>
+  </p:cSld>
+  <p:clrMapOvr>
+    <a:masterClrMapping/>
+  </p:clrMapOvr>
+</p:sld>
+</file>
+
+<file path=ppt/slides/slide34.xml><?xml version="1.0" encoding="utf-8"?>
+<p:sld xmlns:a="http://schemas.openxmlformats.org/drawingml/2006/main" xmlns:r="http://schemas.openxmlformats.org/officeDocument/2006/relationships" xmlns:p="http://schemas.openxmlformats.org/presentationml/2006/main">
+  <p:cSld>
+    <p:spTree>
+      <p:nvGrpSpPr>
+        <p:cNvPr id="1" name=""/>
+        <p:cNvGrpSpPr/>
+        <p:nvPr/>
+      </p:nvGrpSpPr>
+      <p:grpSpPr>
+        <a:xfrm>
+          <a:off x="0" y="0"/>
+          <a:ext cx="0" cy="0"/>
+          <a:chOff x="0" y="0"/>
+          <a:chExt cx="0" cy="0"/>
+        </a:xfrm>
+      </p:grpSpPr>
+      <p:sp>
+        <p:nvSpPr>
+          <p:cNvPr id="6" name="Title 5"/>
+          <p:cNvSpPr>
+            <a:spLocks noGrp="1"/>
+          </p:cNvSpPr>
+          <p:nvPr>
+            <p:ph type="title"/>
+          </p:nvPr>
+        </p:nvSpPr>
+        <p:spPr>
+          <a:xfrm>
+            <a:off x="331596" y="562708"/>
+            <a:ext cx="10184004" cy="713433"/>
+          </a:xfrm>
+        </p:spPr>
+        <p:txBody>
+          <a:bodyPr>
+            <a:normAutofit/>
+          </a:bodyPr>
+          <a:lstStyle/>
+          <a:p>
+            <a:r>
+              <a:rPr lang="en-GB" dirty="0">
+                <a:solidFill>
+                  <a:schemeClr val="accent1">
+                    <a:lumMod val="75000"/>
+                  </a:schemeClr>
+                </a:solidFill>
+              </a:rPr>
+              <a:t>Azure Container Services</a:t>
+            </a:r>
+          </a:p>
+        </p:txBody>
+      </p:sp>
+      <p:sp>
+        <p:nvSpPr>
+          <p:cNvPr id="3" name="Subtitle 2"/>
+          <p:cNvSpPr>
+            <a:spLocks noGrp="1"/>
+          </p:cNvSpPr>
+          <p:nvPr>
+            <p:ph idx="1"/>
+          </p:nvPr>
+        </p:nvSpPr>
+        <p:spPr/>
+        <p:txBody>
+          <a:bodyPr>
+            <a:normAutofit/>
+          </a:bodyPr>
+          <a:lstStyle/>
+          <a:p>
+            <a:pPr marL="0" indent="0">
+              <a:buNone/>
+            </a:pPr>
+            <a:r>
+              <a:rPr lang="en-GB" sz="3200" dirty="0"/>
+              <a:t>Two flavours</a:t>
+            </a:r>
+          </a:p>
+          <a:p>
+            <a:pPr marL="0" indent="0">
+              <a:buNone/>
+            </a:pPr>
+            <a:r>
+              <a:rPr lang="en-GB" sz="3200" dirty="0"/>
+              <a:t>	Azure Container Services (ACS)</a:t>
+            </a:r>
+          </a:p>
+          <a:p>
+            <a:pPr marL="0" indent="0">
+              <a:buNone/>
+            </a:pPr>
+            <a:r>
+              <a:rPr lang="en-GB" sz="3200" dirty="0"/>
+              <a:t>	Azure Container Service (AKS)</a:t>
+            </a:r>
+          </a:p>
+          <a:p>
+            <a:pPr marL="0" indent="0">
+              <a:buNone/>
+            </a:pPr>
+            <a:endParaRPr lang="en-GB" sz="3200" dirty="0"/>
+          </a:p>
+          <a:p>
+            <a:pPr marL="0" indent="0">
+              <a:buNone/>
+            </a:pPr>
+            <a:r>
+              <a:rPr lang="en-GB" sz="3200" dirty="0"/>
+              <a:t>ACS provides container hosting using DC/OS, Swarm, or K8s</a:t>
+            </a:r>
+          </a:p>
+          <a:p>
+            <a:pPr marL="0" indent="0">
+              <a:buNone/>
+            </a:pPr>
+            <a:r>
+              <a:rPr lang="en-GB" sz="3200" dirty="0"/>
+              <a:t>AKS is specifically built to implement Kubernetes</a:t>
+            </a:r>
+          </a:p>
+        </p:txBody>
+      </p:sp>
+    </p:spTree>
+    <p:extLst>
+      <p:ext uri="{BB962C8B-B14F-4D97-AF65-F5344CB8AC3E}">
+        <p14:creationId xmlns:p14="http://schemas.microsoft.com/office/powerpoint/2010/main" val="3974016028"/>
+      </p:ext>
+    </p:extLst>
+  </p:cSld>
+  <p:clrMapOvr>
+    <a:masterClrMapping/>
+  </p:clrMapOvr>
+</p:sld>
+</file>
+
+<file path=ppt/slides/slide35.xml><?xml version="1.0" encoding="utf-8"?>
+<p:sld xmlns:a="http://schemas.openxmlformats.org/drawingml/2006/main" xmlns:r="http://schemas.openxmlformats.org/officeDocument/2006/relationships" xmlns:p="http://schemas.openxmlformats.org/presentationml/2006/main">
+  <p:cSld>
+    <p:spTree>
+      <p:nvGrpSpPr>
+        <p:cNvPr id="1" name=""/>
+        <p:cNvGrpSpPr/>
+        <p:nvPr/>
+      </p:nvGrpSpPr>
+      <p:grpSpPr>
+        <a:xfrm>
+          <a:off x="0" y="0"/>
+          <a:ext cx="0" cy="0"/>
+          <a:chOff x="0" y="0"/>
+          <a:chExt cx="0" cy="0"/>
+        </a:xfrm>
+      </p:grpSpPr>
+      <p:sp>
+        <p:nvSpPr>
+          <p:cNvPr id="6" name="Title 5"/>
+          <p:cNvSpPr>
+            <a:spLocks noGrp="1"/>
+          </p:cNvSpPr>
+          <p:nvPr>
+            <p:ph type="title"/>
+          </p:nvPr>
+        </p:nvSpPr>
+        <p:spPr>
+          <a:xfrm>
+            <a:off x="331596" y="562708"/>
+            <a:ext cx="10184004" cy="713433"/>
+          </a:xfrm>
+        </p:spPr>
+        <p:txBody>
+          <a:bodyPr>
+            <a:normAutofit/>
+          </a:bodyPr>
+          <a:lstStyle/>
+          <a:p>
+            <a:r>
+              <a:rPr lang="en-GB" dirty="0">
+                <a:solidFill>
+                  <a:schemeClr val="accent1">
+                    <a:lumMod val="75000"/>
+                  </a:schemeClr>
+                </a:solidFill>
+              </a:rPr>
+              <a:t>Kubernetes</a:t>
+            </a:r>
+          </a:p>
+        </p:txBody>
+      </p:sp>
+      <p:sp>
+        <p:nvSpPr>
+          <p:cNvPr id="3" name="Subtitle 2"/>
+          <p:cNvSpPr>
+            <a:spLocks noGrp="1"/>
+          </p:cNvSpPr>
+          <p:nvPr>
+            <p:ph idx="1"/>
+          </p:nvPr>
+        </p:nvSpPr>
+        <p:spPr/>
+        <p:txBody>
+          <a:bodyPr>
+            <a:normAutofit/>
+          </a:bodyPr>
+          <a:lstStyle/>
+          <a:p>
+            <a:pPr marL="0" indent="0">
+              <a:buNone/>
+            </a:pPr>
+            <a:r>
+              <a:rPr lang="en-GB" sz="3200" dirty="0"/>
+              <a:t>Open Source system for managing containers</a:t>
+            </a:r>
+          </a:p>
+          <a:p>
+            <a:pPr marL="0" indent="0">
+              <a:buNone/>
+            </a:pPr>
+            <a:r>
+              <a:rPr lang="en-GB" sz="3200" dirty="0"/>
+              <a:t>Deployed as a cluster containing a master and multiple nodes</a:t>
+            </a:r>
+          </a:p>
+          <a:p>
+            <a:pPr marL="0" indent="0">
+              <a:buNone/>
+            </a:pPr>
+            <a:r>
+              <a:rPr lang="en-GB" sz="3200" dirty="0"/>
+              <a:t>Pods hold containers running on the nodes</a:t>
+            </a:r>
+          </a:p>
+          <a:p>
+            <a:pPr marL="0" indent="0">
+              <a:buNone/>
+            </a:pPr>
+            <a:r>
+              <a:rPr lang="en-GB" sz="3200" dirty="0"/>
+              <a:t>Services define/allow access to sets of pods</a:t>
+            </a:r>
+          </a:p>
+          <a:p>
+            <a:pPr marL="0" indent="0">
+              <a:buNone/>
+            </a:pPr>
+            <a:r>
+              <a:rPr lang="en-GB" sz="3200" dirty="0"/>
+              <a:t>Deployments created and managed via </a:t>
+            </a:r>
+            <a:r>
+              <a:rPr lang="en-GB" sz="3200" dirty="0" err="1"/>
+              <a:t>Kubectl</a:t>
+            </a:r>
+            <a:endParaRPr lang="en-GB" sz="3200" dirty="0"/>
+          </a:p>
+        </p:txBody>
+      </p:sp>
+    </p:spTree>
+    <p:extLst>
+      <p:ext uri="{BB962C8B-B14F-4D97-AF65-F5344CB8AC3E}">
+        <p14:creationId xmlns:p14="http://schemas.microsoft.com/office/powerpoint/2010/main" val="1834450055"/>
+      </p:ext>
+    </p:extLst>
+  </p:cSld>
+  <p:clrMapOvr>
+    <a:masterClrMapping/>
+  </p:clrMapOvr>
+</p:sld>
+</file>
+
+<file path=ppt/slides/slide36.xml><?xml version="1.0" encoding="utf-8"?>
+<p:sld xmlns:a="http://schemas.openxmlformats.org/drawingml/2006/main" xmlns:r="http://schemas.openxmlformats.org/officeDocument/2006/relationships" xmlns:p="http://schemas.openxmlformats.org/presentationml/2006/main">
+  <p:cSld>
+    <p:spTree>
+      <p:nvGrpSpPr>
+        <p:cNvPr id="1" name=""/>
+        <p:cNvGrpSpPr/>
+        <p:nvPr/>
+      </p:nvGrpSpPr>
+      <p:grpSpPr>
+        <a:xfrm>
+          <a:off x="0" y="0"/>
+          <a:ext cx="0" cy="0"/>
+          <a:chOff x="0" y="0"/>
+          <a:chExt cx="0" cy="0"/>
+        </a:xfrm>
+      </p:grpSpPr>
+      <p:sp>
+        <p:nvSpPr>
+          <p:cNvPr id="6" name="Title 5"/>
+          <p:cNvSpPr>
+            <a:spLocks noGrp="1"/>
+          </p:cNvSpPr>
+          <p:nvPr>
+            <p:ph type="title"/>
+          </p:nvPr>
+        </p:nvSpPr>
+        <p:spPr>
+          <a:xfrm>
+            <a:off x="331596" y="562708"/>
+            <a:ext cx="10184004" cy="713433"/>
+          </a:xfrm>
+        </p:spPr>
+        <p:txBody>
+          <a:bodyPr>
+            <a:normAutofit/>
+          </a:bodyPr>
+          <a:lstStyle/>
+          <a:p>
+            <a:r>
+              <a:rPr lang="en-GB" dirty="0">
+                <a:solidFill>
+                  <a:schemeClr val="accent1">
+                    <a:lumMod val="75000"/>
+                  </a:schemeClr>
+                </a:solidFill>
+              </a:rPr>
+              <a:t>Azure Container Services (AKS)</a:t>
+            </a:r>
+          </a:p>
+        </p:txBody>
+      </p:sp>
+      <p:sp>
+        <p:nvSpPr>
+          <p:cNvPr id="3" name="Subtitle 2"/>
+          <p:cNvSpPr>
+            <a:spLocks noGrp="1"/>
+          </p:cNvSpPr>
+          <p:nvPr>
+            <p:ph idx="1"/>
+          </p:nvPr>
+        </p:nvSpPr>
+        <p:spPr/>
+        <p:txBody>
+          <a:bodyPr>
+            <a:normAutofit/>
+          </a:bodyPr>
+          <a:lstStyle/>
+          <a:p>
+            <a:pPr marL="0" indent="0">
+              <a:buNone/>
+            </a:pPr>
+            <a:r>
+              <a:rPr lang="en-GB" sz="3200" dirty="0"/>
+              <a:t>Simplifies deployment of Kubernetes clusters in Azure</a:t>
+            </a:r>
+          </a:p>
+          <a:p>
+            <a:pPr marL="0" indent="0">
+              <a:buNone/>
+            </a:pPr>
+            <a:r>
+              <a:rPr lang="en-GB" sz="3200" dirty="0"/>
+              <a:t>Cluster can be spun up with one line of code</a:t>
+            </a:r>
+          </a:p>
+          <a:p>
+            <a:pPr marL="0" indent="0">
+              <a:buNone/>
+            </a:pPr>
+            <a:r>
+              <a:rPr lang="en-GB" sz="3200" dirty="0"/>
+              <a:t>Applications deployed to cluster via </a:t>
+            </a:r>
+            <a:r>
+              <a:rPr lang="en-GB" sz="3200" dirty="0" err="1"/>
+              <a:t>yaml</a:t>
+            </a:r>
+            <a:r>
+              <a:rPr lang="en-GB" sz="3200" dirty="0"/>
+              <a:t> files</a:t>
+            </a:r>
+          </a:p>
+          <a:p>
+            <a:pPr marL="0" indent="0">
+              <a:buNone/>
+            </a:pPr>
+            <a:r>
+              <a:rPr lang="en-GB" sz="3200" dirty="0"/>
+              <a:t>Managed by Azure-CLI/</a:t>
+            </a:r>
+            <a:r>
+              <a:rPr lang="en-GB" sz="3200" dirty="0" err="1"/>
+              <a:t>powershell</a:t>
+            </a:r>
+            <a:r>
+              <a:rPr lang="en-GB" sz="3200" dirty="0"/>
+              <a:t> and </a:t>
+            </a:r>
+            <a:r>
+              <a:rPr lang="en-GB" sz="3200" dirty="0" err="1"/>
+              <a:t>kubectl</a:t>
+            </a:r>
+            <a:endParaRPr lang="en-GB" sz="3200" dirty="0"/>
+          </a:p>
+        </p:txBody>
+      </p:sp>
+    </p:spTree>
+    <p:extLst>
+      <p:ext uri="{BB962C8B-B14F-4D97-AF65-F5344CB8AC3E}">
+        <p14:creationId xmlns:p14="http://schemas.microsoft.com/office/powerpoint/2010/main" val="3069965736"/>
+      </p:ext>
+    </p:extLst>
+  </p:cSld>
+  <p:clrMapOvr>
+    <a:masterClrMapping/>
+  </p:clrMapOvr>
+</p:sld>
+</file>
+
+<file path=ppt/slides/slide37.xml><?xml version="1.0" encoding="utf-8"?>
+<p:sld xmlns:a="http://schemas.openxmlformats.org/drawingml/2006/main" xmlns:r="http://schemas.openxmlformats.org/officeDocument/2006/relationships" xmlns:p="http://schemas.openxmlformats.org/presentationml/2006/main">
+  <p:cSld>
+    <p:spTree>
+      <p:nvGrpSpPr>
+        <p:cNvPr id="1" name=""/>
+        <p:cNvGrpSpPr/>
+        <p:nvPr/>
+      </p:nvGrpSpPr>
+      <p:grpSpPr>
+        <a:xfrm>
+          <a:off x="0" y="0"/>
+          <a:ext cx="0" cy="0"/>
+          <a:chOff x="0" y="0"/>
+          <a:chExt cx="0" cy="0"/>
+        </a:xfrm>
+      </p:grpSpPr>
+      <p:sp>
+        <p:nvSpPr>
+          <p:cNvPr id="4" name="Title 3"/>
+          <p:cNvSpPr>
+            <a:spLocks noGrp="1"/>
+          </p:cNvSpPr>
+          <p:nvPr>
+            <p:ph type="title"/>
+          </p:nvPr>
+        </p:nvSpPr>
+        <p:spPr/>
+        <p:txBody>
+          <a:bodyPr>
+            <a:normAutofit/>
+          </a:bodyPr>
+          <a:lstStyle/>
+          <a:p>
+            <a:r>
+              <a:rPr lang="en-GB" dirty="0">
+                <a:solidFill>
+                  <a:schemeClr val="accent1"/>
+                </a:solidFill>
+              </a:rPr>
+              <a:t>Demo</a:t>
+            </a:r>
+          </a:p>
+        </p:txBody>
+      </p:sp>
+      <p:sp>
+        <p:nvSpPr>
+          <p:cNvPr id="2" name="Text Placeholder 1"/>
+          <p:cNvSpPr>
+            <a:spLocks noGrp="1"/>
+          </p:cNvSpPr>
+          <p:nvPr>
+            <p:ph type="body" idx="1"/>
+          </p:nvPr>
+        </p:nvSpPr>
+        <p:spPr/>
+        <p:txBody>
+          <a:bodyPr/>
+          <a:lstStyle/>
+          <a:p>
+            <a:endParaRPr lang="en-GB" dirty="0"/>
+          </a:p>
+        </p:txBody>
+      </p:sp>
+    </p:spTree>
+    <p:extLst>
+      <p:ext uri="{BB962C8B-B14F-4D97-AF65-F5344CB8AC3E}">
+        <p14:creationId xmlns:p14="http://schemas.microsoft.com/office/powerpoint/2010/main" val="2917938358"/>
+      </p:ext>
+    </p:extLst>
+  </p:cSld>
+  <p:clrMapOvr>
+    <a:masterClrMapping/>
+  </p:clrMapOvr>
+</p:sld>
+</file>
+
+<file path=ppt/slides/slide38.xml><?xml version="1.0" encoding="utf-8"?>
+<p:sld xmlns:a="http://schemas.openxmlformats.org/drawingml/2006/main" xmlns:r="http://schemas.openxmlformats.org/officeDocument/2006/relationships" xmlns:p="http://schemas.openxmlformats.org/presentationml/2006/main">
+  <p:cSld>
+    <p:spTree>
+      <p:nvGrpSpPr>
+        <p:cNvPr id="1" name=""/>
+        <p:cNvGrpSpPr/>
+        <p:nvPr/>
+      </p:nvGrpSpPr>
+      <p:grpSpPr>
+        <a:xfrm>
+          <a:off x="0" y="0"/>
+          <a:ext cx="0" cy="0"/>
+          <a:chOff x="0" y="0"/>
+          <a:chExt cx="0" cy="0"/>
+        </a:xfrm>
+      </p:grpSpPr>
+      <p:sp>
+        <p:nvSpPr>
+          <p:cNvPr id="4" name="Title 3"/>
+          <p:cNvSpPr>
+            <a:spLocks noGrp="1"/>
+          </p:cNvSpPr>
+          <p:nvPr>
+            <p:ph type="title"/>
+          </p:nvPr>
+        </p:nvSpPr>
+        <p:spPr/>
+        <p:txBody>
+          <a:bodyPr>
+            <a:normAutofit/>
+          </a:bodyPr>
+          <a:lstStyle/>
+          <a:p>
+            <a:r>
+              <a:rPr lang="en-GB" dirty="0">
+                <a:solidFill>
+                  <a:schemeClr val="accent1"/>
+                </a:solidFill>
+              </a:rPr>
+              <a:t>Docker EE for </a:t>
+            </a:r>
+            <a:r>
+              <a:rPr lang="en-GB" dirty="0" err="1">
+                <a:solidFill>
+                  <a:schemeClr val="accent1"/>
+                </a:solidFill>
+              </a:rPr>
+              <a:t>Azuzre</a:t>
+            </a:r>
+            <a:endParaRPr lang="en-GB" dirty="0">
+              <a:solidFill>
+                <a:schemeClr val="accent1"/>
+              </a:solidFill>
+            </a:endParaRPr>
+          </a:p>
+        </p:txBody>
+      </p:sp>
+      <p:sp>
+        <p:nvSpPr>
+          <p:cNvPr id="2" name="Text Placeholder 1"/>
+          <p:cNvSpPr>
+            <a:spLocks noGrp="1"/>
+          </p:cNvSpPr>
+          <p:nvPr>
+            <p:ph type="body" idx="1"/>
+          </p:nvPr>
+        </p:nvSpPr>
+        <p:spPr/>
+        <p:txBody>
+          <a:bodyPr/>
+          <a:lstStyle/>
+          <a:p>
+            <a:endParaRPr lang="en-GB" dirty="0"/>
+          </a:p>
+        </p:txBody>
+      </p:sp>
+    </p:spTree>
+    <p:extLst>
+      <p:ext uri="{BB962C8B-B14F-4D97-AF65-F5344CB8AC3E}">
+        <p14:creationId xmlns:p14="http://schemas.microsoft.com/office/powerpoint/2010/main" val="3610026559"/>
+      </p:ext>
+    </p:extLst>
+  </p:cSld>
+  <p:clrMapOvr>
+    <a:masterClrMapping/>
+  </p:clrMapOvr>
+</p:sld>
+</file>
+
+<file path=ppt/slides/slide39.xml><?xml version="1.0" encoding="utf-8"?>
+<p:sld xmlns:a="http://schemas.openxmlformats.org/drawingml/2006/main" xmlns:r="http://schemas.openxmlformats.org/officeDocument/2006/relationships" xmlns:p="http://schemas.openxmlformats.org/presentationml/2006/main">
+  <p:cSld>
+    <p:spTree>
+      <p:nvGrpSpPr>
+        <p:cNvPr id="1" name=""/>
+        <p:cNvGrpSpPr/>
+        <p:nvPr/>
+      </p:nvGrpSpPr>
+      <p:grpSpPr>
+        <a:xfrm>
+          <a:off x="0" y="0"/>
+          <a:ext cx="0" cy="0"/>
+          <a:chOff x="0" y="0"/>
+          <a:chExt cx="0" cy="0"/>
+        </a:xfrm>
+      </p:grpSpPr>
+      <p:sp>
+        <p:nvSpPr>
+          <p:cNvPr id="6" name="Title 5"/>
+          <p:cNvSpPr>
+            <a:spLocks noGrp="1"/>
+          </p:cNvSpPr>
+          <p:nvPr>
+            <p:ph type="title"/>
+          </p:nvPr>
+        </p:nvSpPr>
+        <p:spPr>
+          <a:xfrm>
+            <a:off x="331596" y="562708"/>
+            <a:ext cx="10184004" cy="713433"/>
+          </a:xfrm>
+        </p:spPr>
+        <p:txBody>
+          <a:bodyPr>
+            <a:normAutofit/>
+          </a:bodyPr>
+          <a:lstStyle/>
+          <a:p>
+            <a:r>
+              <a:rPr lang="en-GB" dirty="0">
+                <a:solidFill>
+                  <a:schemeClr val="accent1">
+                    <a:lumMod val="75000"/>
+                  </a:schemeClr>
+                </a:solidFill>
+              </a:rPr>
+              <a:t>Docker EE for Azure</a:t>
+            </a:r>
+          </a:p>
+        </p:txBody>
+      </p:sp>
+      <p:sp>
+        <p:nvSpPr>
+          <p:cNvPr id="3" name="Subtitle 2"/>
+          <p:cNvSpPr>
+            <a:spLocks noGrp="1"/>
+          </p:cNvSpPr>
+          <p:nvPr>
+            <p:ph idx="1"/>
+          </p:nvPr>
+        </p:nvSpPr>
+        <p:spPr/>
+        <p:txBody>
+          <a:bodyPr>
+            <a:normAutofit/>
+          </a:bodyPr>
+          <a:lstStyle/>
+          <a:p>
+            <a:pPr marL="0" indent="0">
+              <a:buNone/>
+            </a:pPr>
+            <a:r>
+              <a:rPr lang="en-GB" sz="3200" dirty="0">
+                <a:hlinkClick r:id="rId2"/>
+              </a:rPr>
+              <a:t>https://store.docker.com/editions/enterprise/docker-ee-azure</a:t>
+            </a:r>
+            <a:endParaRPr lang="en-GB" sz="3200" dirty="0"/>
+          </a:p>
+          <a:p>
+            <a:pPr marL="0" indent="0">
+              <a:buNone/>
+            </a:pPr>
+            <a:endParaRPr lang="en-GB" sz="3200" dirty="0"/>
+          </a:p>
+        </p:txBody>
+      </p:sp>
+    </p:spTree>
+    <p:extLst>
+      <p:ext uri="{BB962C8B-B14F-4D97-AF65-F5344CB8AC3E}">
+        <p14:creationId xmlns:p14="http://schemas.microsoft.com/office/powerpoint/2010/main" val="4113174784"/>
+      </p:ext>
+    </p:extLst>
+  </p:cSld>
+  <p:clrMapOvr>
+    <a:masterClrMapping/>
+  </p:clrMapOvr>
+</p:sld>
+</file>
+
+<file path=ppt/slides/slide4.xml><?xml version="1.0" encoding="utf-8"?>
+<p:sld xmlns:a="http://schemas.openxmlformats.org/drawingml/2006/main" xmlns:r="http://schemas.openxmlformats.org/officeDocument/2006/relationships" xmlns:p="http://schemas.openxmlformats.org/presentationml/2006/main">
+  <p:cSld>
+    <p:spTree>
+      <p:nvGrpSpPr>
+        <p:cNvPr id="1" name=""/>
+        <p:cNvGrpSpPr/>
+        <p:nvPr/>
+      </p:nvGrpSpPr>
+      <p:grpSpPr>
+        <a:xfrm>
+          <a:off x="0" y="0"/>
+          <a:ext cx="0" cy="0"/>
+          <a:chOff x="0" y="0"/>
+          <a:chExt cx="0" cy="0"/>
+        </a:xfrm>
+      </p:grpSpPr>
+      <p:sp>
+        <p:nvSpPr>
+          <p:cNvPr id="6" name="Title 5"/>
+          <p:cNvSpPr>
+            <a:spLocks noGrp="1"/>
+          </p:cNvSpPr>
+          <p:nvPr>
+            <p:ph type="title"/>
+          </p:nvPr>
+        </p:nvSpPr>
+        <p:spPr>
+          <a:xfrm>
+            <a:off x="331596" y="562708"/>
+            <a:ext cx="10184004" cy="713433"/>
+          </a:xfrm>
+        </p:spPr>
+        <p:txBody>
+          <a:bodyPr/>
+          <a:lstStyle/>
+          <a:p>
+            <a:r>
+              <a:rPr lang="en-GB" dirty="0">
+                <a:solidFill>
+                  <a:schemeClr val="accent1">
+                    <a:lumMod val="75000"/>
+                  </a:schemeClr>
+                </a:solidFill>
+              </a:rPr>
+              <a:t>Agenda</a:t>
+            </a:r>
+          </a:p>
+        </p:txBody>
+      </p:sp>
+      <p:sp>
+        <p:nvSpPr>
+          <p:cNvPr id="3" name="Subtitle 2"/>
+          <p:cNvSpPr>
+            <a:spLocks noGrp="1"/>
+          </p:cNvSpPr>
+          <p:nvPr>
+            <p:ph idx="1"/>
+          </p:nvPr>
+        </p:nvSpPr>
+        <p:spPr/>
+        <p:txBody>
+          <a:bodyPr>
+            <a:normAutofit/>
+          </a:bodyPr>
+          <a:lstStyle/>
+          <a:p>
+            <a:pPr marL="0" indent="0">
+              <a:buNone/>
+            </a:pPr>
+            <a:r>
+              <a:rPr lang="en-GB" sz="3200" dirty="0"/>
+              <a:t>Running Docker on standalone VMs</a:t>
+            </a:r>
+          </a:p>
+          <a:p>
+            <a:pPr marL="0" indent="0">
+              <a:buNone/>
+            </a:pPr>
+            <a:r>
+              <a:rPr lang="en-GB" sz="3200" dirty="0"/>
+              <a:t>Azure Container Registry</a:t>
+            </a:r>
+          </a:p>
+          <a:p>
+            <a:pPr marL="0" indent="0">
+              <a:buNone/>
+            </a:pPr>
+            <a:r>
+              <a:rPr lang="en-GB" sz="3200" dirty="0"/>
+              <a:t>Azure Container Instances</a:t>
+            </a:r>
+          </a:p>
+          <a:p>
+            <a:pPr marL="0" indent="0">
+              <a:buNone/>
+            </a:pPr>
+            <a:r>
+              <a:rPr lang="en-GB" sz="3200" dirty="0"/>
+              <a:t>Azure Container Services (ACS &amp; AKS)</a:t>
+            </a:r>
+          </a:p>
+          <a:p>
+            <a:pPr marL="0" indent="0">
+              <a:buNone/>
+            </a:pPr>
+            <a:r>
+              <a:rPr lang="en-GB" sz="3200" dirty="0"/>
+              <a:t>Docker EE for Azure</a:t>
+            </a:r>
+          </a:p>
+          <a:p>
+            <a:pPr marL="0" indent="0">
+              <a:buNone/>
+            </a:pPr>
+            <a:endParaRPr lang="en-GB" sz="3200" dirty="0"/>
+          </a:p>
+        </p:txBody>
+      </p:sp>
+    </p:spTree>
+    <p:extLst>
+      <p:ext uri="{BB962C8B-B14F-4D97-AF65-F5344CB8AC3E}">
+        <p14:creationId xmlns:p14="http://schemas.microsoft.com/office/powerpoint/2010/main" val="2024187958"/>
+      </p:ext>
+    </p:extLst>
+  </p:cSld>
+  <p:clrMapOvr>
+    <a:masterClrMapping/>
+  </p:clrMapOvr>
+</p:sld>
+</file>
+
+<file path=ppt/slides/slide40.xml><?xml version="1.0" encoding="utf-8"?>
+<p:sld xmlns:a="http://schemas.openxmlformats.org/drawingml/2006/main" xmlns:r="http://schemas.openxmlformats.org/officeDocument/2006/relationships" xmlns:p="http://schemas.openxmlformats.org/presentationml/2006/main">
+  <p:cSld>
+    <p:spTree>
+      <p:nvGrpSpPr>
+        <p:cNvPr id="1" name=""/>
+        <p:cNvGrpSpPr/>
+        <p:nvPr/>
+      </p:nvGrpSpPr>
+      <p:grpSpPr>
+        <a:xfrm>
+          <a:off x="0" y="0"/>
+          <a:ext cx="0" cy="0"/>
+          <a:chOff x="0" y="0"/>
+          <a:chExt cx="0" cy="0"/>
+        </a:xfrm>
+      </p:grpSpPr>
+      <p:sp>
+        <p:nvSpPr>
           <p:cNvPr id="2" name="Title 1">
             <a:extLst>
               <a:ext uri="{FF2B5EF4-FFF2-40B4-BE49-F238E27FC236}">
@@ -5658,7 +9141,7 @@
 </p:sld>
 </file>
 
-<file path=ppt/slides/slide29.xml><?xml version="1.0" encoding="utf-8"?>
+<file path=ppt/slides/slide41.xml><?xml version="1.0" encoding="utf-8"?>
 <p:sld xmlns:a="http://schemas.openxmlformats.org/drawingml/2006/main" xmlns:r="http://schemas.openxmlformats.org/officeDocument/2006/relationships" xmlns:p="http://schemas.openxmlformats.org/presentationml/2006/main">
   <p:cSld>
     <p:spTree>
@@ -5772,229 +9255,6 @@
 </p:sld>
 </file>
 
-<file path=ppt/slides/slide3.xml><?xml version="1.0" encoding="utf-8"?>
-<p:sld xmlns:a="http://schemas.openxmlformats.org/drawingml/2006/main" xmlns:r="http://schemas.openxmlformats.org/officeDocument/2006/relationships" xmlns:p="http://schemas.openxmlformats.org/presentationml/2006/main">
-  <p:cSld>
-    <p:spTree>
-      <p:nvGrpSpPr>
-        <p:cNvPr id="1" name=""/>
-        <p:cNvGrpSpPr/>
-        <p:nvPr/>
-      </p:nvGrpSpPr>
-      <p:grpSpPr>
-        <a:xfrm>
-          <a:off x="0" y="0"/>
-          <a:ext cx="0" cy="0"/>
-          <a:chOff x="0" y="0"/>
-          <a:chExt cx="0" cy="0"/>
-        </a:xfrm>
-      </p:grpSpPr>
-      <p:sp>
-        <p:nvSpPr>
-          <p:cNvPr id="6" name="Title 5"/>
-          <p:cNvSpPr>
-            <a:spLocks noGrp="1"/>
-          </p:cNvSpPr>
-          <p:nvPr>
-            <p:ph type="title"/>
-          </p:nvPr>
-        </p:nvSpPr>
-        <p:spPr>
-          <a:xfrm>
-            <a:off x="331596" y="562708"/>
-            <a:ext cx="10184004" cy="713433"/>
-          </a:xfrm>
-        </p:spPr>
-        <p:txBody>
-          <a:bodyPr>
-            <a:normAutofit/>
-          </a:bodyPr>
-          <a:lstStyle/>
-          <a:p>
-            <a:r>
-              <a:rPr lang="en-GB" dirty="0">
-                <a:solidFill>
-                  <a:schemeClr val="accent1">
-                    <a:lumMod val="75000"/>
-                  </a:schemeClr>
-                </a:solidFill>
-              </a:rPr>
-              <a:t>Session Aim</a:t>
-            </a:r>
-          </a:p>
-        </p:txBody>
-      </p:sp>
-      <p:sp>
-        <p:nvSpPr>
-          <p:cNvPr id="3" name="Subtitle 2"/>
-          <p:cNvSpPr>
-            <a:spLocks noGrp="1"/>
-          </p:cNvSpPr>
-          <p:nvPr>
-            <p:ph idx="1"/>
-          </p:nvPr>
-        </p:nvSpPr>
-        <p:spPr>
-          <a:xfrm>
-            <a:off x="838200" y="2721077"/>
-            <a:ext cx="10515600" cy="1415845"/>
-          </a:xfrm>
-        </p:spPr>
-        <p:txBody>
-          <a:bodyPr>
-            <a:normAutofit/>
-          </a:bodyPr>
-          <a:lstStyle/>
-          <a:p>
-            <a:pPr marL="0" indent="0" algn="ctr">
-              <a:buNone/>
-            </a:pPr>
-            <a:r>
-              <a:rPr lang="en-GB" sz="3200" dirty="0"/>
-              <a:t>To give an overview of the different options available to run SQL Server Docker containers in Azure</a:t>
-            </a:r>
-          </a:p>
-        </p:txBody>
-      </p:sp>
-    </p:spTree>
-    <p:extLst>
-      <p:ext uri="{BB962C8B-B14F-4D97-AF65-F5344CB8AC3E}">
-        <p14:creationId xmlns:p14="http://schemas.microsoft.com/office/powerpoint/2010/main" val="2703807573"/>
-      </p:ext>
-    </p:extLst>
-  </p:cSld>
-  <p:clrMapOvr>
-    <a:masterClrMapping/>
-  </p:clrMapOvr>
-</p:sld>
-</file>
-
-<file path=ppt/slides/slide4.xml><?xml version="1.0" encoding="utf-8"?>
-<p:sld xmlns:a="http://schemas.openxmlformats.org/drawingml/2006/main" xmlns:r="http://schemas.openxmlformats.org/officeDocument/2006/relationships" xmlns:p="http://schemas.openxmlformats.org/presentationml/2006/main">
-  <p:cSld>
-    <p:spTree>
-      <p:nvGrpSpPr>
-        <p:cNvPr id="1" name=""/>
-        <p:cNvGrpSpPr/>
-        <p:nvPr/>
-      </p:nvGrpSpPr>
-      <p:grpSpPr>
-        <a:xfrm>
-          <a:off x="0" y="0"/>
-          <a:ext cx="0" cy="0"/>
-          <a:chOff x="0" y="0"/>
-          <a:chExt cx="0" cy="0"/>
-        </a:xfrm>
-      </p:grpSpPr>
-      <p:sp>
-        <p:nvSpPr>
-          <p:cNvPr id="6" name="Title 5"/>
-          <p:cNvSpPr>
-            <a:spLocks noGrp="1"/>
-          </p:cNvSpPr>
-          <p:nvPr>
-            <p:ph type="title"/>
-          </p:nvPr>
-        </p:nvSpPr>
-        <p:spPr>
-          <a:xfrm>
-            <a:off x="331596" y="562708"/>
-            <a:ext cx="10184004" cy="713433"/>
-          </a:xfrm>
-        </p:spPr>
-        <p:txBody>
-          <a:bodyPr/>
-          <a:lstStyle/>
-          <a:p>
-            <a:r>
-              <a:rPr lang="en-GB" dirty="0">
-                <a:solidFill>
-                  <a:schemeClr val="accent1">
-                    <a:lumMod val="75000"/>
-                  </a:schemeClr>
-                </a:solidFill>
-              </a:rPr>
-              <a:t>Agenda</a:t>
-            </a:r>
-          </a:p>
-        </p:txBody>
-      </p:sp>
-      <p:sp>
-        <p:nvSpPr>
-          <p:cNvPr id="3" name="Subtitle 2"/>
-          <p:cNvSpPr>
-            <a:spLocks noGrp="1"/>
-          </p:cNvSpPr>
-          <p:nvPr>
-            <p:ph idx="1"/>
-          </p:nvPr>
-        </p:nvSpPr>
-        <p:spPr/>
-        <p:txBody>
-          <a:bodyPr>
-            <a:normAutofit/>
-          </a:bodyPr>
-          <a:lstStyle/>
-          <a:p>
-            <a:pPr marL="0" indent="0">
-              <a:buNone/>
-            </a:pPr>
-            <a:r>
-              <a:rPr lang="en-GB" sz="3200" dirty="0"/>
-              <a:t>Running Docker on standalone VMs</a:t>
-            </a:r>
-          </a:p>
-          <a:p>
-            <a:pPr marL="0" indent="0">
-              <a:buNone/>
-            </a:pPr>
-            <a:r>
-              <a:rPr lang="en-GB" sz="3200" dirty="0"/>
-              <a:t>Docker for Azure (Swarm)</a:t>
-            </a:r>
-          </a:p>
-          <a:p>
-            <a:pPr marL="0" indent="0">
-              <a:buNone/>
-            </a:pPr>
-            <a:r>
-              <a:rPr lang="en-GB" sz="3200" dirty="0"/>
-              <a:t>Azure Container Registry</a:t>
-            </a:r>
-          </a:p>
-          <a:p>
-            <a:pPr marL="0" indent="0">
-              <a:buNone/>
-            </a:pPr>
-            <a:r>
-              <a:rPr lang="en-GB" sz="3200" dirty="0"/>
-              <a:t>Azure Container Instances</a:t>
-            </a:r>
-          </a:p>
-          <a:p>
-            <a:pPr marL="0" indent="0">
-              <a:buNone/>
-            </a:pPr>
-            <a:r>
-              <a:rPr lang="en-GB" sz="3200" dirty="0"/>
-              <a:t>Azure Container Services (ACS &amp; AKS)</a:t>
-            </a:r>
-          </a:p>
-        </p:txBody>
-      </p:sp>
-    </p:spTree>
-    <p:extLst>
-      <p:ext uri="{BB962C8B-B14F-4D97-AF65-F5344CB8AC3E}">
-        <p14:creationId xmlns:p14="http://schemas.microsoft.com/office/powerpoint/2010/main" val="2024187958"/>
-      </p:ext>
-    </p:extLst>
-  </p:cSld>
-  <p:clrMapOvr>
-    <a:masterClrMapping/>
-  </p:clrMapOvr>
-</p:sld>
-</file>
-
 <file path=ppt/slides/slide5.xml><?xml version="1.0" encoding="utf-8"?>
 <p:sld xmlns:a="http://schemas.openxmlformats.org/drawingml/2006/main" xmlns:r="http://schemas.openxmlformats.org/officeDocument/2006/relationships" xmlns:p="http://schemas.openxmlformats.org/presentationml/2006/main">
   <p:cSld>
@@ -6029,7 +9289,9 @@
           </a:xfrm>
         </p:spPr>
         <p:txBody>
-          <a:bodyPr/>
+          <a:bodyPr>
+            <a:normAutofit/>
+          </a:bodyPr>
           <a:lstStyle/>
           <a:p>
             <a:r>
@@ -6040,7 +9302,7 @@
                   </a:schemeClr>
                 </a:solidFill>
               </a:rPr>
-              <a:t>Agenda</a:t>
+              <a:t>Tools – Docker for Windows</a:t>
             </a:r>
           </a:p>
         </p:txBody>
@@ -6055,7 +9317,12 @@
             <p:ph idx="1"/>
           </p:nvPr>
         </p:nvSpPr>
-        <p:spPr/>
+        <p:spPr>
+          <a:xfrm>
+            <a:off x="331596" y="1623067"/>
+            <a:ext cx="10890586" cy="538242"/>
+          </a:xfrm>
+        </p:spPr>
         <p:txBody>
           <a:bodyPr>
             <a:normAutofit/>
@@ -6066,52 +9333,60 @@
               <a:buNone/>
             </a:pPr>
             <a:r>
-              <a:rPr lang="en-GB" sz="3200" dirty="0"/>
-              <a:t>Running Docker on standalone VMs</a:t>
-            </a:r>
+              <a:rPr lang="en-GB" sz="2400" dirty="0">
+                <a:hlinkClick r:id="rId2"/>
+              </a:rPr>
+              <a:t>https://store.docker.com/editions/community/docker-ce-desktop-windows</a:t>
+            </a:r>
+            <a:endParaRPr lang="en-GB" sz="2400" dirty="0"/>
           </a:p>
           <a:p>
             <a:pPr marL="0" indent="0">
               <a:buNone/>
             </a:pPr>
-            <a:r>
-              <a:rPr lang="en-GB" sz="3200" dirty="0"/>
-              <a:t>Docker for Azure</a:t>
-            </a:r>
-          </a:p>
-          <a:p>
-            <a:pPr marL="0" indent="0">
-              <a:buNone/>
-            </a:pPr>
-            <a:r>
-              <a:rPr lang="en-GB" sz="3200" dirty="0"/>
-              <a:t>Azure Container Registry</a:t>
-            </a:r>
-          </a:p>
-          <a:p>
-            <a:pPr marL="0" indent="0">
-              <a:buNone/>
-            </a:pPr>
-            <a:r>
-              <a:rPr lang="en-GB" sz="3200" dirty="0"/>
-              <a:t>Azure Container Instances</a:t>
-            </a:r>
-          </a:p>
-          <a:p>
-            <a:pPr marL="0" indent="0">
-              <a:buNone/>
-            </a:pPr>
-            <a:r>
-              <a:rPr lang="en-GB" sz="3200" dirty="0"/>
-              <a:t>Azure Container Services (ACS &amp; AKS)</a:t>
-            </a:r>
-          </a:p>
-        </p:txBody>
-      </p:sp>
+            <a:endParaRPr lang="en-GB" sz="2400" dirty="0"/>
+          </a:p>
+        </p:txBody>
+      </p:sp>
+      <p:pic>
+        <p:nvPicPr>
+          <p:cNvPr id="2" name="Picture 1">
+            <a:extLst>
+              <a:ext uri="{FF2B5EF4-FFF2-40B4-BE49-F238E27FC236}">
+                <a16:creationId xmlns:a16="http://schemas.microsoft.com/office/drawing/2014/main" id="{D077D7C6-85A9-4C2D-AB67-50379CE36D8B}"/>
+              </a:ext>
+            </a:extLst>
+          </p:cNvPr>
+          <p:cNvPicPr>
+            <a:picLocks noChangeAspect="1"/>
+          </p:cNvPicPr>
+          <p:nvPr/>
+        </p:nvPicPr>
+        <p:blipFill>
+          <a:blip r:embed="rId3"/>
+          <a:stretch>
+            <a:fillRect/>
+          </a:stretch>
+        </p:blipFill>
+        <p:spPr>
+          <a:xfrm>
+            <a:off x="452437" y="2508235"/>
+            <a:ext cx="11287125" cy="2857500"/>
+          </a:xfrm>
+          <a:prstGeom prst="rect">
+            <a:avLst/>
+          </a:prstGeom>
+          <a:ln>
+            <a:solidFill>
+              <a:schemeClr val="tx1"/>
+            </a:solidFill>
+          </a:ln>
+        </p:spPr>
+      </p:pic>
     </p:spTree>
     <p:extLst>
       <p:ext uri="{BB962C8B-B14F-4D97-AF65-F5344CB8AC3E}">
-        <p14:creationId xmlns:p14="http://schemas.microsoft.com/office/powerpoint/2010/main" val="2857945194"/>
+        <p14:creationId xmlns:p14="http://schemas.microsoft.com/office/powerpoint/2010/main" val="374328196"/>
       </p:ext>
     </p:extLst>
   </p:cSld>
@@ -6183,7 +9458,12 @@
             <p:ph idx="1"/>
           </p:nvPr>
         </p:nvSpPr>
-        <p:spPr/>
+        <p:spPr>
+          <a:xfrm>
+            <a:off x="838200" y="1627227"/>
+            <a:ext cx="10515600" cy="1823662"/>
+          </a:xfrm>
+        </p:spPr>
         <p:txBody>
           <a:bodyPr>
             <a:normAutofit/>
@@ -6229,10 +9509,10 @@
       </p:sp>
       <p:pic>
         <p:nvPicPr>
-          <p:cNvPr id="4" name="Picture 3" descr="A screen shot of a computer&#10;&#10;Description generated with high confidence">
+          <p:cNvPr id="2" name="Picture 1">
             <a:extLst>
               <a:ext uri="{FF2B5EF4-FFF2-40B4-BE49-F238E27FC236}">
-                <a16:creationId xmlns:a16="http://schemas.microsoft.com/office/drawing/2014/main" id="{4567A477-39FF-4F40-9C76-D7F68FB29486}"/>
+                <a16:creationId xmlns:a16="http://schemas.microsoft.com/office/drawing/2014/main" id="{E7A79D94-FABD-4A94-A615-F3348CECC062}"/>
               </a:ext>
             </a:extLst>
           </p:cNvPr>
@@ -6242,25 +9522,24 @@
           <p:nvPr/>
         </p:nvPicPr>
         <p:blipFill>
-          <a:blip r:embed="rId3">
-            <a:extLst>
-              <a:ext uri="{28A0092B-C50C-407E-A947-70E740481C1C}">
-                <a14:useLocalDpi xmlns:a14="http://schemas.microsoft.com/office/drawing/2010/main" val="0"/>
-              </a:ext>
-            </a:extLst>
-          </a:blip>
+          <a:blip r:embed="rId3"/>
           <a:stretch>
             <a:fillRect/>
           </a:stretch>
         </p:blipFill>
         <p:spPr>
           <a:xfrm>
-            <a:off x="1924658" y="4001294"/>
-            <a:ext cx="8342684" cy="1740745"/>
+            <a:off x="1938337" y="3893229"/>
+            <a:ext cx="8315325" cy="1743075"/>
           </a:xfrm>
           <a:prstGeom prst="rect">
             <a:avLst/>
           </a:prstGeom>
+          <a:ln>
+            <a:solidFill>
+              <a:schemeClr val="tx1"/>
+            </a:solidFill>
+          </a:ln>
         </p:spPr>
       </p:pic>
     </p:spTree>
@@ -6538,6 +9817,11 @@
           <a:prstGeom prst="rect">
             <a:avLst/>
           </a:prstGeom>
+          <a:ln>
+            <a:solidFill>
+              <a:schemeClr val="tx1"/>
+            </a:solidFill>
+          </a:ln>
         </p:spPr>
       </p:pic>
     </p:spTree>

--- a/ContainersInTheCloud.pptx
+++ b/ContainersInTheCloud.pptx
@@ -6024,7 +6024,7 @@
             </a:r>
             <a:r>
               <a:rPr lang="en-GB" sz="3200" dirty="0"/>
-              <a:t> -S localhost,15666 -U </a:t>
+              <a:t> -S . -U </a:t>
             </a:r>
             <a:r>
               <a:rPr lang="en-GB" sz="3200" dirty="0" err="1"/>
@@ -6032,7 +6032,7 @@
             </a:r>
             <a:r>
               <a:rPr lang="en-GB" sz="3200" dirty="0"/>
-              <a:t> -P Testing1122 \</a:t>
+              <a:t> -P $SA_PASSWORD \</a:t>
             </a:r>
           </a:p>
           <a:p>
@@ -6055,7 +6055,7 @@
             </a:r>
             <a:r>
               <a:rPr lang="en-GB" sz="2600" dirty="0" err="1"/>
-              <a:t>DatabaseC</a:t>
+              <a:t>DatabaseA</a:t>
             </a:r>
             <a:r>
               <a:rPr lang="en-GB" sz="2600" dirty="0"/>
@@ -6285,10 +6285,10 @@
       </p:sp>
       <p:pic>
         <p:nvPicPr>
-          <p:cNvPr id="8" name="Picture 7">
+          <p:cNvPr id="2" name="Picture 1">
             <a:extLst>
               <a:ext uri="{FF2B5EF4-FFF2-40B4-BE49-F238E27FC236}">
-                <a16:creationId xmlns:a16="http://schemas.microsoft.com/office/drawing/2014/main" id="{36B2BB5C-FFA9-4F63-97C4-C54AC615F26E}"/>
+                <a16:creationId xmlns:a16="http://schemas.microsoft.com/office/drawing/2014/main" id="{98BE8CFB-E3CC-4DB1-8CB1-594D095965DF}"/>
               </a:ext>
             </a:extLst>
           </p:cNvPr>
@@ -6305,8 +6305,8 @@
         </p:blipFill>
         <p:spPr>
           <a:xfrm>
-            <a:off x="658342" y="1175098"/>
-            <a:ext cx="10875316" cy="5511766"/>
+            <a:off x="338767" y="1100283"/>
+            <a:ext cx="11582400" cy="5619750"/>
           </a:xfrm>
           <a:prstGeom prst="rect">
             <a:avLst/>
@@ -6569,7 +6569,7 @@
         <p:spPr>
           <a:xfrm>
             <a:off x="289560" y="919538"/>
-            <a:ext cx="10515600" cy="892637"/>
+            <a:ext cx="11508188" cy="892637"/>
           </a:xfrm>
         </p:spPr>
         <p:txBody>
@@ -6588,22 +6588,7 @@
                 </a:solidFill>
                 <a:latin typeface="Consolas" panose="020B0609020204030204" pitchFamily="49" charset="0"/>
               </a:rPr>
-              <a:t>docker push </a:t>
-            </a:r>
-            <a:r>
-              <a:rPr lang="en-IE" sz="2400" dirty="0">
-                <a:latin typeface="Consolas" panose="020B0609020204030204" pitchFamily="49" charset="0"/>
-              </a:rPr>
-              <a:t>`</a:t>
-            </a:r>
-            <a:r>
-              <a:rPr lang="en-IE" sz="2400" dirty="0">
-                <a:solidFill>
-                  <a:srgbClr val="0000FF"/>
-                </a:solidFill>
-                <a:latin typeface="Consolas" panose="020B0609020204030204" pitchFamily="49" charset="0"/>
-              </a:rPr>
-              <a:t> 	testcontainerregistry01.azurecr.io/</a:t>
+              <a:t>docker push testcontainerregistry01.azurecr.io/</a:t>
             </a:r>
             <a:r>
               <a:rPr lang="en-IE" sz="2400" dirty="0" err="1">
@@ -6661,7 +6646,7 @@
         </p:blipFill>
         <p:spPr>
           <a:xfrm>
-            <a:off x="579034" y="1860339"/>
+            <a:off x="579034" y="1701313"/>
             <a:ext cx="10765682" cy="4414058"/>
           </a:xfrm>
           <a:prstGeom prst="rect">
@@ -6751,8 +6736,8 @@
         </p:nvSpPr>
         <p:spPr>
           <a:xfrm>
-            <a:off x="289560" y="886287"/>
-            <a:ext cx="10515600" cy="936625"/>
+            <a:off x="309439" y="1076648"/>
+            <a:ext cx="11736788" cy="713434"/>
           </a:xfrm>
         </p:spPr>
         <p:txBody>
@@ -6799,26 +6784,6 @@
                 <a:latin typeface="Consolas" panose="020B0609020204030204" pitchFamily="49" charset="0"/>
               </a:rPr>
               <a:t> repository list </a:t>
-            </a:r>
-            <a:r>
-              <a:rPr lang="en-US" sz="2400" dirty="0">
-                <a:latin typeface="Consolas" panose="020B0609020204030204" pitchFamily="49" charset="0"/>
-              </a:rPr>
-              <a:t>`</a:t>
-            </a:r>
-          </a:p>
-          <a:p>
-            <a:pPr marL="0" indent="0">
-              <a:buNone/>
-            </a:pPr>
-            <a:r>
-              <a:rPr lang="en-US" sz="2400" dirty="0">
-                <a:solidFill>
-                  <a:srgbClr val="0000FF"/>
-                </a:solidFill>
-                <a:latin typeface="Consolas" panose="020B0609020204030204" pitchFamily="49" charset="0"/>
-              </a:rPr>
-              <a:t>	</a:t>
             </a:r>
             <a:r>
               <a:rPr lang="en-US" sz="2400" dirty="0">
@@ -6893,7 +6858,7 @@
         </p:blipFill>
         <p:spPr>
           <a:xfrm>
-            <a:off x="1066800" y="2376487"/>
+            <a:off x="1066800" y="2306913"/>
             <a:ext cx="10058400" cy="2105025"/>
           </a:xfrm>
           <a:prstGeom prst="rect">
@@ -7320,7 +7285,7 @@
                 </a:solidFill>
                 <a:latin typeface="Consolas" panose="020B0609020204030204" pitchFamily="49" charset="0"/>
               </a:rPr>
-              <a:t>apcontainerregistry01 </a:t>
+              <a:t>testcontainerregistry01 </a:t>
             </a:r>
             <a:r>
               <a:rPr lang="en-US" sz="2400" dirty="0">
@@ -7358,7 +7323,7 @@
                 </a:solidFill>
                 <a:latin typeface="Consolas" panose="020B0609020204030204" pitchFamily="49" charset="0"/>
               </a:rPr>
-              <a:t>sqlserverlinuxagent</a:t>
+              <a:t>devsqlimage</a:t>
             </a:r>
             <a:endParaRPr lang="en-US" sz="2400" dirty="0">
               <a:solidFill>

--- a/ContainersInTheCloud.pptx
+++ b/ContainersInTheCloud.pptx
@@ -5,7 +5,7 @@
     <p:sldMasterId id="2147483648" r:id="rId1"/>
   </p:sldMasterIdLst>
   <p:notesMasterIdLst>
-    <p:notesMasterId r:id="rId43"/>
+    <p:notesMasterId r:id="rId46"/>
   </p:notesMasterIdLst>
   <p:sldIdLst>
     <p:sldId id="256" r:id="rId2"/>
@@ -39,16 +39,19 @@
     <p:sldId id="334" r:id="rId30"/>
     <p:sldId id="345" r:id="rId31"/>
     <p:sldId id="352" r:id="rId32"/>
-    <p:sldId id="314" r:id="rId33"/>
-    <p:sldId id="335" r:id="rId34"/>
-    <p:sldId id="348" r:id="rId35"/>
-    <p:sldId id="336" r:id="rId36"/>
-    <p:sldId id="349" r:id="rId37"/>
-    <p:sldId id="337" r:id="rId38"/>
-    <p:sldId id="325" r:id="rId39"/>
-    <p:sldId id="332" r:id="rId40"/>
-    <p:sldId id="284" r:id="rId41"/>
-    <p:sldId id="290" r:id="rId42"/>
+    <p:sldId id="367" r:id="rId33"/>
+    <p:sldId id="368" r:id="rId34"/>
+    <p:sldId id="366" r:id="rId35"/>
+    <p:sldId id="314" r:id="rId36"/>
+    <p:sldId id="335" r:id="rId37"/>
+    <p:sldId id="348" r:id="rId38"/>
+    <p:sldId id="336" r:id="rId39"/>
+    <p:sldId id="349" r:id="rId40"/>
+    <p:sldId id="337" r:id="rId41"/>
+    <p:sldId id="325" r:id="rId42"/>
+    <p:sldId id="332" r:id="rId43"/>
+    <p:sldId id="284" r:id="rId44"/>
+    <p:sldId id="290" r:id="rId45"/>
   </p:sldIdLst>
   <p:sldSz cx="12192000" cy="6858000"/>
   <p:notesSz cx="6858000" cy="9144000"/>
@@ -248,7 +251,7 @@
           <a:p>
             <a:fld id="{5DD5D27D-F6C1-457C-97EB-5B89E5036C9E}" type="datetimeFigureOut">
               <a:rPr lang="en-IE" smtClean="0"/>
-              <a:t>13/05/2018</a:t>
+              <a:t>15/05/2018</a:t>
             </a:fld>
             <a:endParaRPr lang="en-IE"/>
           </a:p>
@@ -647,7 +650,7 @@
           <a:p>
             <a:fld id="{A64C863B-FA9B-4512-A178-D5CD000B838D}" type="datetimeFigureOut">
               <a:rPr lang="en-GB" smtClean="0"/>
-              <a:t>13/05/2018</a:t>
+              <a:t>15/05/2018</a:t>
             </a:fld>
             <a:endParaRPr lang="en-GB"/>
           </a:p>
@@ -817,7 +820,7 @@
           <a:p>
             <a:fld id="{A64C863B-FA9B-4512-A178-D5CD000B838D}" type="datetimeFigureOut">
               <a:rPr lang="en-GB" smtClean="0"/>
-              <a:t>13/05/2018</a:t>
+              <a:t>15/05/2018</a:t>
             </a:fld>
             <a:endParaRPr lang="en-GB"/>
           </a:p>
@@ -997,7 +1000,7 @@
           <a:p>
             <a:fld id="{A64C863B-FA9B-4512-A178-D5CD000B838D}" type="datetimeFigureOut">
               <a:rPr lang="en-GB" smtClean="0"/>
-              <a:t>13/05/2018</a:t>
+              <a:t>15/05/2018</a:t>
             </a:fld>
             <a:endParaRPr lang="en-GB"/>
           </a:p>
@@ -1167,7 +1170,7 @@
           <a:p>
             <a:fld id="{A64C863B-FA9B-4512-A178-D5CD000B838D}" type="datetimeFigureOut">
               <a:rPr lang="en-GB" smtClean="0"/>
-              <a:t>13/05/2018</a:t>
+              <a:t>15/05/2018</a:t>
             </a:fld>
             <a:endParaRPr lang="en-GB"/>
           </a:p>
@@ -1413,7 +1416,7 @@
           <a:p>
             <a:fld id="{A64C863B-FA9B-4512-A178-D5CD000B838D}" type="datetimeFigureOut">
               <a:rPr lang="en-GB" smtClean="0"/>
-              <a:t>13/05/2018</a:t>
+              <a:t>15/05/2018</a:t>
             </a:fld>
             <a:endParaRPr lang="en-GB"/>
           </a:p>
@@ -1645,7 +1648,7 @@
           <a:p>
             <a:fld id="{A64C863B-FA9B-4512-A178-D5CD000B838D}" type="datetimeFigureOut">
               <a:rPr lang="en-GB" smtClean="0"/>
-              <a:t>13/05/2018</a:t>
+              <a:t>15/05/2018</a:t>
             </a:fld>
             <a:endParaRPr lang="en-GB"/>
           </a:p>
@@ -2012,7 +2015,7 @@
           <a:p>
             <a:fld id="{A64C863B-FA9B-4512-A178-D5CD000B838D}" type="datetimeFigureOut">
               <a:rPr lang="en-GB" smtClean="0"/>
-              <a:t>13/05/2018</a:t>
+              <a:t>15/05/2018</a:t>
             </a:fld>
             <a:endParaRPr lang="en-GB"/>
           </a:p>
@@ -2130,7 +2133,7 @@
           <a:p>
             <a:fld id="{A64C863B-FA9B-4512-A178-D5CD000B838D}" type="datetimeFigureOut">
               <a:rPr lang="en-GB" smtClean="0"/>
-              <a:t>13/05/2018</a:t>
+              <a:t>15/05/2018</a:t>
             </a:fld>
             <a:endParaRPr lang="en-GB"/>
           </a:p>
@@ -2225,7 +2228,7 @@
           <a:p>
             <a:fld id="{A64C863B-FA9B-4512-A178-D5CD000B838D}" type="datetimeFigureOut">
               <a:rPr lang="en-GB" smtClean="0"/>
-              <a:t>13/05/2018</a:t>
+              <a:t>15/05/2018</a:t>
             </a:fld>
             <a:endParaRPr lang="en-GB"/>
           </a:p>
@@ -2502,7 +2505,7 @@
           <a:p>
             <a:fld id="{A64C863B-FA9B-4512-A178-D5CD000B838D}" type="datetimeFigureOut">
               <a:rPr lang="en-GB" smtClean="0"/>
-              <a:t>13/05/2018</a:t>
+              <a:t>15/05/2018</a:t>
             </a:fld>
             <a:endParaRPr lang="en-GB"/>
           </a:p>
@@ -2755,7 +2758,7 @@
           <a:p>
             <a:fld id="{A64C863B-FA9B-4512-A178-D5CD000B838D}" type="datetimeFigureOut">
               <a:rPr lang="en-GB" smtClean="0"/>
-              <a:t>13/05/2018</a:t>
+              <a:t>15/05/2018</a:t>
             </a:fld>
             <a:endParaRPr lang="en-GB"/>
           </a:p>
@@ -2977,7 +2980,7 @@
           <a:p>
             <a:fld id="{A64C863B-FA9B-4512-A178-D5CD000B838D}" type="datetimeFigureOut">
               <a:rPr lang="en-GB" smtClean="0"/>
-              <a:t>13/05/2018</a:t>
+              <a:t>15/05/2018</a:t>
             </a:fld>
             <a:endParaRPr lang="en-GB"/>
           </a:p>
@@ -7988,7 +7991,7 @@
                   </a:schemeClr>
                 </a:solidFill>
               </a:rPr>
-              <a:t>Azure Container Instances</a:t>
+              <a:t>ACI – Get ACR Credentials</a:t>
             </a:r>
           </a:p>
         </p:txBody>
@@ -8009,6 +8012,213 @@
             <a:normAutofit/>
           </a:bodyPr>
           <a:lstStyle/>
+          <a:p>
+            <a:pPr marL="0" indent="0">
+              <a:buNone/>
+            </a:pPr>
+            <a:r>
+              <a:rPr lang="en-IE" sz="2400" dirty="0">
+                <a:solidFill>
+                  <a:srgbClr val="008000"/>
+                </a:solidFill>
+                <a:latin typeface="Consolas" panose="020B0609020204030204" pitchFamily="49" charset="0"/>
+              </a:rPr>
+              <a:t># enable admin</a:t>
+            </a:r>
+            <a:endParaRPr lang="en-IE" sz="2400" dirty="0">
+              <a:solidFill>
+                <a:srgbClr val="000000"/>
+              </a:solidFill>
+              <a:latin typeface="Consolas" panose="020B0609020204030204" pitchFamily="49" charset="0"/>
+            </a:endParaRPr>
+          </a:p>
+          <a:p>
+            <a:pPr marL="0" indent="0">
+              <a:buNone/>
+            </a:pPr>
+            <a:r>
+              <a:rPr lang="en-IE" sz="2400" dirty="0" err="1">
+                <a:solidFill>
+                  <a:srgbClr val="0000FF"/>
+                </a:solidFill>
+                <a:latin typeface="Consolas" panose="020B0609020204030204" pitchFamily="49" charset="0"/>
+              </a:rPr>
+              <a:t>az</a:t>
+            </a:r>
+            <a:r>
+              <a:rPr lang="en-IE" sz="2400" dirty="0">
+                <a:solidFill>
+                  <a:srgbClr val="0000FF"/>
+                </a:solidFill>
+                <a:latin typeface="Consolas" panose="020B0609020204030204" pitchFamily="49" charset="0"/>
+              </a:rPr>
+              <a:t> </a:t>
+            </a:r>
+            <a:r>
+              <a:rPr lang="en-IE" sz="2400" dirty="0" err="1">
+                <a:solidFill>
+                  <a:srgbClr val="0000FF"/>
+                </a:solidFill>
+                <a:latin typeface="Consolas" panose="020B0609020204030204" pitchFamily="49" charset="0"/>
+              </a:rPr>
+              <a:t>acr</a:t>
+            </a:r>
+            <a:r>
+              <a:rPr lang="en-IE" sz="2400" dirty="0">
+                <a:solidFill>
+                  <a:srgbClr val="0000FF"/>
+                </a:solidFill>
+                <a:latin typeface="Consolas" panose="020B0609020204030204" pitchFamily="49" charset="0"/>
+              </a:rPr>
+              <a:t> update </a:t>
+            </a:r>
+            <a:r>
+              <a:rPr lang="en-IE" sz="2400" dirty="0">
+                <a:solidFill>
+                  <a:srgbClr val="000000"/>
+                </a:solidFill>
+                <a:latin typeface="Consolas" panose="020B0609020204030204" pitchFamily="49" charset="0"/>
+              </a:rPr>
+              <a:t>-n </a:t>
+            </a:r>
+            <a:r>
+              <a:rPr lang="en-IE" sz="2400" dirty="0">
+                <a:solidFill>
+                  <a:srgbClr val="A31515"/>
+                </a:solidFill>
+                <a:latin typeface="Consolas" panose="020B0609020204030204" pitchFamily="49" charset="0"/>
+              </a:rPr>
+              <a:t>TestContainerRegistry01 </a:t>
+            </a:r>
+            <a:r>
+              <a:rPr lang="en-IE" sz="2400" dirty="0">
+                <a:solidFill>
+                  <a:srgbClr val="000000"/>
+                </a:solidFill>
+                <a:latin typeface="Consolas" panose="020B0609020204030204" pitchFamily="49" charset="0"/>
+              </a:rPr>
+              <a:t>--admin-enabled </a:t>
+            </a:r>
+            <a:r>
+              <a:rPr lang="en-IE" sz="2400" dirty="0">
+                <a:solidFill>
+                  <a:srgbClr val="A31515"/>
+                </a:solidFill>
+                <a:latin typeface="Consolas" panose="020B0609020204030204" pitchFamily="49" charset="0"/>
+              </a:rPr>
+              <a:t>true</a:t>
+            </a:r>
+            <a:endParaRPr lang="en-IE" sz="2400" dirty="0">
+              <a:solidFill>
+                <a:srgbClr val="000000"/>
+              </a:solidFill>
+              <a:latin typeface="Consolas" panose="020B0609020204030204" pitchFamily="49" charset="0"/>
+            </a:endParaRPr>
+          </a:p>
+          <a:p>
+            <a:pPr marL="0" indent="0">
+              <a:buNone/>
+            </a:pPr>
+            <a:endParaRPr lang="en-IE" sz="2400" dirty="0">
+              <a:solidFill>
+                <a:srgbClr val="000000"/>
+              </a:solidFill>
+              <a:latin typeface="Consolas" panose="020B0609020204030204" pitchFamily="49" charset="0"/>
+            </a:endParaRPr>
+          </a:p>
+          <a:p>
+            <a:pPr marL="0" indent="0">
+              <a:buNone/>
+            </a:pPr>
+            <a:br>
+              <a:rPr lang="en-IE" sz="2400" dirty="0">
+                <a:solidFill>
+                  <a:srgbClr val="000000"/>
+                </a:solidFill>
+                <a:latin typeface="Consolas" panose="020B0609020204030204" pitchFamily="49" charset="0"/>
+              </a:rPr>
+            </a:br>
+            <a:r>
+              <a:rPr lang="en-IE" sz="2400" dirty="0">
+                <a:solidFill>
+                  <a:srgbClr val="008000"/>
+                </a:solidFill>
+                <a:latin typeface="Consolas" panose="020B0609020204030204" pitchFamily="49" charset="0"/>
+              </a:rPr>
+              <a:t># get credentials</a:t>
+            </a:r>
+            <a:endParaRPr lang="en-IE" sz="2400" dirty="0">
+              <a:solidFill>
+                <a:srgbClr val="000000"/>
+              </a:solidFill>
+              <a:latin typeface="Consolas" panose="020B0609020204030204" pitchFamily="49" charset="0"/>
+            </a:endParaRPr>
+          </a:p>
+          <a:p>
+            <a:pPr marL="0" indent="0">
+              <a:buNone/>
+            </a:pPr>
+            <a:r>
+              <a:rPr lang="en-IE" sz="2400" dirty="0" err="1">
+                <a:solidFill>
+                  <a:srgbClr val="0000FF"/>
+                </a:solidFill>
+                <a:latin typeface="Consolas" panose="020B0609020204030204" pitchFamily="49" charset="0"/>
+              </a:rPr>
+              <a:t>az</a:t>
+            </a:r>
+            <a:r>
+              <a:rPr lang="en-IE" sz="2400" dirty="0">
+                <a:solidFill>
+                  <a:srgbClr val="0000FF"/>
+                </a:solidFill>
+                <a:latin typeface="Consolas" panose="020B0609020204030204" pitchFamily="49" charset="0"/>
+              </a:rPr>
+              <a:t> </a:t>
+            </a:r>
+            <a:r>
+              <a:rPr lang="en-IE" sz="2400" dirty="0" err="1">
+                <a:solidFill>
+                  <a:srgbClr val="0000FF"/>
+                </a:solidFill>
+                <a:latin typeface="Consolas" panose="020B0609020204030204" pitchFamily="49" charset="0"/>
+              </a:rPr>
+              <a:t>acr</a:t>
+            </a:r>
+            <a:r>
+              <a:rPr lang="en-IE" sz="2400" dirty="0">
+                <a:solidFill>
+                  <a:srgbClr val="0000FF"/>
+                </a:solidFill>
+                <a:latin typeface="Consolas" panose="020B0609020204030204" pitchFamily="49" charset="0"/>
+              </a:rPr>
+              <a:t> credential show </a:t>
+            </a:r>
+            <a:r>
+              <a:rPr lang="en-IE" sz="2400" dirty="0">
+                <a:solidFill>
+                  <a:srgbClr val="000000"/>
+                </a:solidFill>
+                <a:latin typeface="Consolas" panose="020B0609020204030204" pitchFamily="49" charset="0"/>
+              </a:rPr>
+              <a:t>-n </a:t>
+            </a:r>
+            <a:r>
+              <a:rPr lang="en-IE" sz="2400" dirty="0">
+                <a:solidFill>
+                  <a:srgbClr val="A31515"/>
+                </a:solidFill>
+                <a:latin typeface="Consolas" panose="020B0609020204030204" pitchFamily="49" charset="0"/>
+              </a:rPr>
+              <a:t>TestContainerRegistry01</a:t>
+            </a:r>
+            <a:endParaRPr lang="en-IE" sz="2400" dirty="0">
+              <a:solidFill>
+                <a:srgbClr val="000000"/>
+              </a:solidFill>
+              <a:latin typeface="Consolas" panose="020B0609020204030204" pitchFamily="49" charset="0"/>
+            </a:endParaRPr>
+          </a:p>
           <a:p>
             <a:pPr marL="0" indent="0">
               <a:buNone/>
@@ -8049,7 +8259,7 @@
       </p:grpSpPr>
       <p:sp>
         <p:nvSpPr>
-          <p:cNvPr id="4" name="Title 3"/>
+          <p:cNvPr id="6" name="Title 5"/>
           <p:cNvSpPr>
             <a:spLocks noGrp="1"/>
           </p:cNvSpPr>
@@ -8057,7 +8267,12 @@
             <p:ph type="title"/>
           </p:nvPr>
         </p:nvSpPr>
-        <p:spPr/>
+        <p:spPr>
+          <a:xfrm>
+            <a:off x="331596" y="562708"/>
+            <a:ext cx="10184004" cy="713433"/>
+          </a:xfrm>
+        </p:spPr>
         <p:txBody>
           <a:bodyPr>
             <a:normAutofit/>
@@ -8067,37 +8282,465 @@
             <a:r>
               <a:rPr lang="en-GB" dirty="0">
                 <a:solidFill>
-                  <a:schemeClr val="accent1"/>
-                </a:solidFill>
-              </a:rPr>
-              <a:t>Demo</a:t>
-            </a:r>
-          </a:p>
-        </p:txBody>
-      </p:sp>
-      <p:sp>
-        <p:nvSpPr>
-          <p:cNvPr id="2" name="Text Placeholder 1"/>
-          <p:cNvSpPr>
-            <a:spLocks noGrp="1"/>
-          </p:cNvSpPr>
-          <p:nvPr>
-            <p:ph type="body" idx="1"/>
-          </p:nvPr>
-        </p:nvSpPr>
-        <p:spPr/>
-        <p:txBody>
-          <a:bodyPr/>
-          <a:lstStyle/>
-          <a:p>
-            <a:endParaRPr lang="en-GB" dirty="0"/>
+                  <a:schemeClr val="accent1">
+                    <a:lumMod val="75000"/>
+                  </a:schemeClr>
+                </a:solidFill>
+              </a:rPr>
+              <a:t>ACI – Create Container</a:t>
+            </a:r>
+          </a:p>
+        </p:txBody>
+      </p:sp>
+      <p:sp>
+        <p:nvSpPr>
+          <p:cNvPr id="3" name="Subtitle 2"/>
+          <p:cNvSpPr>
+            <a:spLocks noGrp="1"/>
+          </p:cNvSpPr>
+          <p:nvPr>
+            <p:ph idx="1"/>
+          </p:nvPr>
+        </p:nvSpPr>
+        <p:spPr>
+          <a:xfrm>
+            <a:off x="838199" y="1825625"/>
+            <a:ext cx="10973499" cy="4351338"/>
+          </a:xfrm>
+        </p:spPr>
+        <p:txBody>
+          <a:bodyPr>
+            <a:normAutofit fontScale="70000" lnSpcReduction="20000"/>
+          </a:bodyPr>
+          <a:lstStyle/>
+          <a:p>
+            <a:pPr marL="0" indent="0">
+              <a:buNone/>
+            </a:pPr>
+            <a:r>
+              <a:rPr lang="en-IE" sz="3200" dirty="0" err="1">
+                <a:solidFill>
+                  <a:srgbClr val="0000FF"/>
+                </a:solidFill>
+                <a:latin typeface="Consolas" panose="020B0609020204030204" pitchFamily="49" charset="0"/>
+              </a:rPr>
+              <a:t>az</a:t>
+            </a:r>
+            <a:r>
+              <a:rPr lang="en-IE" sz="3200" dirty="0">
+                <a:solidFill>
+                  <a:srgbClr val="0000FF"/>
+                </a:solidFill>
+                <a:latin typeface="Consolas" panose="020B0609020204030204" pitchFamily="49" charset="0"/>
+              </a:rPr>
+              <a:t> container create `</a:t>
+            </a:r>
+            <a:endParaRPr lang="en-IE" sz="3200" dirty="0">
+              <a:solidFill>
+                <a:srgbClr val="000000"/>
+              </a:solidFill>
+              <a:latin typeface="Consolas" panose="020B0609020204030204" pitchFamily="49" charset="0"/>
+            </a:endParaRPr>
+          </a:p>
+          <a:p>
+            <a:pPr marL="0" indent="0">
+              <a:buNone/>
+            </a:pPr>
+            <a:r>
+              <a:rPr lang="en-IE" sz="3200" dirty="0">
+                <a:solidFill>
+                  <a:srgbClr val="000000"/>
+                </a:solidFill>
+                <a:latin typeface="Consolas" panose="020B0609020204030204" pitchFamily="49" charset="0"/>
+              </a:rPr>
+              <a:t>  --resource-group </a:t>
+            </a:r>
+            <a:r>
+              <a:rPr lang="en-IE" sz="3200" dirty="0">
+                <a:solidFill>
+                  <a:srgbClr val="A31515"/>
+                </a:solidFill>
+                <a:latin typeface="Consolas" panose="020B0609020204030204" pitchFamily="49" charset="0"/>
+              </a:rPr>
+              <a:t>containers1 `</a:t>
+            </a:r>
+            <a:endParaRPr lang="en-IE" sz="3200" dirty="0">
+              <a:solidFill>
+                <a:srgbClr val="000000"/>
+              </a:solidFill>
+              <a:latin typeface="Consolas" panose="020B0609020204030204" pitchFamily="49" charset="0"/>
+            </a:endParaRPr>
+          </a:p>
+          <a:p>
+            <a:pPr marL="0" indent="0">
+              <a:buNone/>
+            </a:pPr>
+            <a:r>
+              <a:rPr lang="en-IE" sz="3200" dirty="0">
+                <a:solidFill>
+                  <a:srgbClr val="000000"/>
+                </a:solidFill>
+                <a:latin typeface="Consolas" panose="020B0609020204030204" pitchFamily="49" charset="0"/>
+              </a:rPr>
+              <a:t>	--image </a:t>
+            </a:r>
+            <a:r>
+              <a:rPr lang="en-IE" sz="3200" dirty="0">
+                <a:solidFill>
+                  <a:srgbClr val="A31515"/>
+                </a:solidFill>
+                <a:latin typeface="Consolas" panose="020B0609020204030204" pitchFamily="49" charset="0"/>
+              </a:rPr>
+              <a:t>testcontainerregistry01.azurecr.io/</a:t>
+            </a:r>
+            <a:r>
+              <a:rPr lang="en-IE" sz="3200" dirty="0" err="1">
+                <a:solidFill>
+                  <a:srgbClr val="A31515"/>
+                </a:solidFill>
+                <a:latin typeface="Consolas" panose="020B0609020204030204" pitchFamily="49" charset="0"/>
+              </a:rPr>
+              <a:t>devsqlimage:latest</a:t>
+            </a:r>
+            <a:r>
+              <a:rPr lang="en-IE" sz="3200" dirty="0">
+                <a:solidFill>
+                  <a:srgbClr val="A31515"/>
+                </a:solidFill>
+                <a:latin typeface="Consolas" panose="020B0609020204030204" pitchFamily="49" charset="0"/>
+              </a:rPr>
+              <a:t> `</a:t>
+            </a:r>
+            <a:endParaRPr lang="en-IE" sz="3200" dirty="0">
+              <a:solidFill>
+                <a:srgbClr val="000000"/>
+              </a:solidFill>
+              <a:latin typeface="Consolas" panose="020B0609020204030204" pitchFamily="49" charset="0"/>
+            </a:endParaRPr>
+          </a:p>
+          <a:p>
+            <a:pPr marL="0" indent="0">
+              <a:buNone/>
+            </a:pPr>
+            <a:r>
+              <a:rPr lang="en-IE" sz="3200" dirty="0">
+                <a:solidFill>
+                  <a:srgbClr val="000000"/>
+                </a:solidFill>
+                <a:latin typeface="Consolas" panose="020B0609020204030204" pitchFamily="49" charset="0"/>
+              </a:rPr>
+              <a:t>	  --registry-username </a:t>
+            </a:r>
+            <a:r>
+              <a:rPr lang="en-IE" sz="3200" i="1" dirty="0">
+                <a:solidFill>
+                  <a:srgbClr val="A31515"/>
+                </a:solidFill>
+                <a:latin typeface="Consolas" panose="020B0609020204030204" pitchFamily="49" charset="0"/>
+              </a:rPr>
+              <a:t>&lt;&lt;USERNAME&gt;&gt; </a:t>
+            </a:r>
+            <a:r>
+              <a:rPr lang="en-IE" sz="3200" dirty="0">
+                <a:solidFill>
+                  <a:srgbClr val="A31515"/>
+                </a:solidFill>
+                <a:latin typeface="Consolas" panose="020B0609020204030204" pitchFamily="49" charset="0"/>
+              </a:rPr>
+              <a:t>`</a:t>
+            </a:r>
+            <a:endParaRPr lang="en-IE" sz="3200" dirty="0">
+              <a:solidFill>
+                <a:srgbClr val="000000"/>
+              </a:solidFill>
+              <a:latin typeface="Consolas" panose="020B0609020204030204" pitchFamily="49" charset="0"/>
+            </a:endParaRPr>
+          </a:p>
+          <a:p>
+            <a:pPr marL="0" indent="0">
+              <a:buNone/>
+            </a:pPr>
+            <a:r>
+              <a:rPr lang="en-IE" sz="3200" dirty="0">
+                <a:solidFill>
+                  <a:srgbClr val="0000FF"/>
+                </a:solidFill>
+                <a:latin typeface="Consolas" panose="020B0609020204030204" pitchFamily="49" charset="0"/>
+              </a:rPr>
+              <a:t>		</a:t>
+            </a:r>
+            <a:r>
+              <a:rPr lang="en-IE" sz="3200" dirty="0">
+                <a:solidFill>
+                  <a:srgbClr val="000000"/>
+                </a:solidFill>
+                <a:latin typeface="Consolas" panose="020B0609020204030204" pitchFamily="49" charset="0"/>
+              </a:rPr>
+              <a:t>--registry-password </a:t>
+            </a:r>
+            <a:r>
+              <a:rPr lang="en-IE" sz="3200" i="1" dirty="0">
+                <a:solidFill>
+                  <a:srgbClr val="A31515"/>
+                </a:solidFill>
+                <a:latin typeface="Consolas" panose="020B0609020204030204" pitchFamily="49" charset="0"/>
+              </a:rPr>
+              <a:t>&lt;&lt;PASSWORD&gt;&gt; </a:t>
+            </a:r>
+            <a:r>
+              <a:rPr lang="en-IE" sz="3200" dirty="0">
+                <a:solidFill>
+                  <a:srgbClr val="A31515"/>
+                </a:solidFill>
+                <a:latin typeface="Consolas" panose="020B0609020204030204" pitchFamily="49" charset="0"/>
+              </a:rPr>
+              <a:t>`</a:t>
+            </a:r>
+            <a:endParaRPr lang="en-IE" sz="3200" dirty="0">
+              <a:solidFill>
+                <a:srgbClr val="000000"/>
+              </a:solidFill>
+              <a:latin typeface="Consolas" panose="020B0609020204030204" pitchFamily="49" charset="0"/>
+            </a:endParaRPr>
+          </a:p>
+          <a:p>
+            <a:pPr marL="0" indent="0">
+              <a:buNone/>
+            </a:pPr>
+            <a:r>
+              <a:rPr lang="en-IE" sz="3200" dirty="0">
+                <a:solidFill>
+                  <a:srgbClr val="0000FF"/>
+                </a:solidFill>
+                <a:latin typeface="Consolas" panose="020B0609020204030204" pitchFamily="49" charset="0"/>
+              </a:rPr>
+              <a:t>		  </a:t>
+            </a:r>
+            <a:r>
+              <a:rPr lang="en-IE" sz="3200" dirty="0">
+                <a:solidFill>
+                  <a:srgbClr val="000000"/>
+                </a:solidFill>
+                <a:latin typeface="Consolas" panose="020B0609020204030204" pitchFamily="49" charset="0"/>
+              </a:rPr>
+              <a:t>--name </a:t>
+            </a:r>
+            <a:r>
+              <a:rPr lang="en-IE" sz="3200" dirty="0">
+                <a:solidFill>
+                  <a:srgbClr val="A31515"/>
+                </a:solidFill>
+                <a:latin typeface="Consolas" panose="020B0609020204030204" pitchFamily="49" charset="0"/>
+              </a:rPr>
+              <a:t>testcontainer1 `</a:t>
+            </a:r>
+            <a:endParaRPr lang="en-IE" sz="3200" dirty="0">
+              <a:solidFill>
+                <a:srgbClr val="000000"/>
+              </a:solidFill>
+              <a:latin typeface="Consolas" panose="020B0609020204030204" pitchFamily="49" charset="0"/>
+            </a:endParaRPr>
+          </a:p>
+          <a:p>
+            <a:pPr marL="0" indent="0">
+              <a:buNone/>
+            </a:pPr>
+            <a:r>
+              <a:rPr lang="en-IE" sz="3200" dirty="0">
+                <a:solidFill>
+                  <a:srgbClr val="0000FF"/>
+                </a:solidFill>
+                <a:latin typeface="Consolas" panose="020B0609020204030204" pitchFamily="49" charset="0"/>
+              </a:rPr>
+              <a:t>		    </a:t>
+            </a:r>
+            <a:r>
+              <a:rPr lang="en-IE" sz="3200" dirty="0">
+                <a:solidFill>
+                  <a:srgbClr val="000000"/>
+                </a:solidFill>
+                <a:latin typeface="Consolas" panose="020B0609020204030204" pitchFamily="49" charset="0"/>
+              </a:rPr>
+              <a:t>--</a:t>
+            </a:r>
+            <a:r>
+              <a:rPr lang="en-IE" sz="3200" dirty="0" err="1">
+                <a:solidFill>
+                  <a:srgbClr val="000000"/>
+                </a:solidFill>
+                <a:latin typeface="Consolas" panose="020B0609020204030204" pitchFamily="49" charset="0"/>
+              </a:rPr>
+              <a:t>cpu</a:t>
+            </a:r>
+            <a:r>
+              <a:rPr lang="en-IE" sz="3200" dirty="0">
+                <a:solidFill>
+                  <a:srgbClr val="000000"/>
+                </a:solidFill>
+                <a:latin typeface="Consolas" panose="020B0609020204030204" pitchFamily="49" charset="0"/>
+              </a:rPr>
+              <a:t> </a:t>
+            </a:r>
+            <a:r>
+              <a:rPr lang="en-IE" sz="3200" dirty="0">
+                <a:solidFill>
+                  <a:srgbClr val="A31515"/>
+                </a:solidFill>
+                <a:latin typeface="Consolas" panose="020B0609020204030204" pitchFamily="49" charset="0"/>
+              </a:rPr>
+              <a:t>2 </a:t>
+            </a:r>
+            <a:r>
+              <a:rPr lang="en-IE" sz="3200" dirty="0">
+                <a:solidFill>
+                  <a:srgbClr val="000000"/>
+                </a:solidFill>
+                <a:latin typeface="Consolas" panose="020B0609020204030204" pitchFamily="49" charset="0"/>
+              </a:rPr>
+              <a:t>--memory </a:t>
+            </a:r>
+            <a:r>
+              <a:rPr lang="en-IE" sz="3200" dirty="0">
+                <a:solidFill>
+                  <a:srgbClr val="A31515"/>
+                </a:solidFill>
+                <a:latin typeface="Consolas" panose="020B0609020204030204" pitchFamily="49" charset="0"/>
+              </a:rPr>
+              <a:t>4 `</a:t>
+            </a:r>
+            <a:endParaRPr lang="en-IE" sz="3200" dirty="0">
+              <a:solidFill>
+                <a:srgbClr val="000000"/>
+              </a:solidFill>
+              <a:latin typeface="Consolas" panose="020B0609020204030204" pitchFamily="49" charset="0"/>
+            </a:endParaRPr>
+          </a:p>
+          <a:p>
+            <a:pPr marL="0" indent="0">
+              <a:buNone/>
+            </a:pPr>
+            <a:r>
+              <a:rPr lang="en-IE" sz="3200" dirty="0">
+                <a:solidFill>
+                  <a:srgbClr val="000000"/>
+                </a:solidFill>
+                <a:latin typeface="Consolas" panose="020B0609020204030204" pitchFamily="49" charset="0"/>
+              </a:rPr>
+              <a:t>--environment-variables </a:t>
+            </a:r>
+            <a:r>
+              <a:rPr lang="en-IE" sz="3200" dirty="0">
+                <a:solidFill>
+                  <a:srgbClr val="A31515"/>
+                </a:solidFill>
+                <a:latin typeface="Consolas" panose="020B0609020204030204" pitchFamily="49" charset="0"/>
+              </a:rPr>
+              <a:t>ACCEPT_EULA=Y SA_PASSWORD=Testing1122 `</a:t>
+            </a:r>
+            <a:endParaRPr lang="en-IE" sz="3200" dirty="0">
+              <a:solidFill>
+                <a:srgbClr val="000000"/>
+              </a:solidFill>
+              <a:latin typeface="Consolas" panose="020B0609020204030204" pitchFamily="49" charset="0"/>
+            </a:endParaRPr>
+          </a:p>
+          <a:p>
+            <a:pPr marL="0" indent="0">
+              <a:buNone/>
+            </a:pPr>
+            <a:r>
+              <a:rPr lang="en-IE" sz="3200" dirty="0">
+                <a:solidFill>
+                  <a:srgbClr val="000000"/>
+                </a:solidFill>
+                <a:latin typeface="Consolas" panose="020B0609020204030204" pitchFamily="49" charset="0"/>
+              </a:rPr>
+              <a:t>  --</a:t>
+            </a:r>
+            <a:r>
+              <a:rPr lang="en-IE" sz="3200" dirty="0" err="1">
+                <a:solidFill>
+                  <a:srgbClr val="000000"/>
+                </a:solidFill>
+                <a:latin typeface="Consolas" panose="020B0609020204030204" pitchFamily="49" charset="0"/>
+              </a:rPr>
+              <a:t>ip</a:t>
+            </a:r>
+            <a:r>
+              <a:rPr lang="en-IE" sz="3200" dirty="0">
+                <a:solidFill>
+                  <a:srgbClr val="000000"/>
+                </a:solidFill>
+                <a:latin typeface="Consolas" panose="020B0609020204030204" pitchFamily="49" charset="0"/>
+              </a:rPr>
+              <a:t>-address </a:t>
+            </a:r>
+            <a:r>
+              <a:rPr lang="en-IE" sz="3200" dirty="0">
+                <a:solidFill>
+                  <a:srgbClr val="A31515"/>
+                </a:solidFill>
+                <a:latin typeface="Consolas" panose="020B0609020204030204" pitchFamily="49" charset="0"/>
+              </a:rPr>
+              <a:t>public `</a:t>
+            </a:r>
+            <a:endParaRPr lang="en-IE" sz="3200" dirty="0">
+              <a:solidFill>
+                <a:srgbClr val="000000"/>
+              </a:solidFill>
+              <a:latin typeface="Consolas" panose="020B0609020204030204" pitchFamily="49" charset="0"/>
+            </a:endParaRPr>
+          </a:p>
+          <a:p>
+            <a:pPr marL="0" indent="0">
+              <a:buNone/>
+            </a:pPr>
+            <a:r>
+              <a:rPr lang="en-IE" sz="3200" dirty="0">
+                <a:solidFill>
+                  <a:srgbClr val="0000FF"/>
+                </a:solidFill>
+                <a:latin typeface="Consolas" panose="020B0609020204030204" pitchFamily="49" charset="0"/>
+              </a:rPr>
+              <a:t>	</a:t>
+            </a:r>
+            <a:r>
+              <a:rPr lang="en-IE" sz="3200" dirty="0">
+                <a:solidFill>
+                  <a:srgbClr val="000000"/>
+                </a:solidFill>
+                <a:latin typeface="Consolas" panose="020B0609020204030204" pitchFamily="49" charset="0"/>
+              </a:rPr>
+              <a:t>--ports </a:t>
+            </a:r>
+            <a:r>
+              <a:rPr lang="en-IE" sz="3200" dirty="0">
+                <a:solidFill>
+                  <a:srgbClr val="A31515"/>
+                </a:solidFill>
+                <a:latin typeface="Consolas" panose="020B0609020204030204" pitchFamily="49" charset="0"/>
+              </a:rPr>
+              <a:t>1433</a:t>
+            </a:r>
+            <a:endParaRPr lang="en-IE" sz="3200" dirty="0">
+              <a:solidFill>
+                <a:srgbClr val="000000"/>
+              </a:solidFill>
+              <a:latin typeface="Consolas" panose="020B0609020204030204" pitchFamily="49" charset="0"/>
+            </a:endParaRPr>
+          </a:p>
+          <a:p>
+            <a:pPr marL="0" indent="0">
+              <a:buNone/>
+            </a:pPr>
+            <a:endParaRPr lang="en-GB" sz="3200" dirty="0"/>
           </a:p>
         </p:txBody>
       </p:sp>
     </p:spTree>
     <p:extLst>
       <p:ext uri="{BB962C8B-B14F-4D97-AF65-F5344CB8AC3E}">
-        <p14:creationId xmlns:p14="http://schemas.microsoft.com/office/powerpoint/2010/main" val="2367277479"/>
+        <p14:creationId xmlns:p14="http://schemas.microsoft.com/office/powerpoint/2010/main" val="29742966"/>
       </p:ext>
     </p:extLst>
   </p:cSld>
@@ -8126,7 +8769,7 @@
       </p:grpSpPr>
       <p:sp>
         <p:nvSpPr>
-          <p:cNvPr id="4" name="Title 3"/>
+          <p:cNvPr id="6" name="Title 5"/>
           <p:cNvSpPr>
             <a:spLocks noGrp="1"/>
           </p:cNvSpPr>
@@ -8134,7 +8777,12 @@
             <p:ph type="title"/>
           </p:nvPr>
         </p:nvSpPr>
-        <p:spPr/>
+        <p:spPr>
+          <a:xfrm>
+            <a:off x="0" y="0"/>
+            <a:ext cx="10184004" cy="713433"/>
+          </a:xfrm>
+        </p:spPr>
         <p:txBody>
           <a:bodyPr>
             <a:normAutofit/>
@@ -8144,37 +8792,155 @@
             <a:r>
               <a:rPr lang="en-GB" dirty="0">
                 <a:solidFill>
-                  <a:schemeClr val="accent1"/>
-                </a:solidFill>
-              </a:rPr>
-              <a:t>Azure Container Services</a:t>
-            </a:r>
-          </a:p>
-        </p:txBody>
-      </p:sp>
-      <p:sp>
-        <p:nvSpPr>
-          <p:cNvPr id="2" name="Text Placeholder 1"/>
-          <p:cNvSpPr>
-            <a:spLocks noGrp="1"/>
-          </p:cNvSpPr>
-          <p:nvPr>
-            <p:ph type="body" idx="1"/>
-          </p:nvPr>
-        </p:nvSpPr>
-        <p:spPr/>
-        <p:txBody>
-          <a:bodyPr/>
-          <a:lstStyle/>
-          <a:p>
-            <a:endParaRPr lang="en-GB" dirty="0"/>
-          </a:p>
-        </p:txBody>
-      </p:sp>
+                  <a:schemeClr val="accent1">
+                    <a:lumMod val="75000"/>
+                  </a:schemeClr>
+                </a:solidFill>
+              </a:rPr>
+              <a:t>ACI – Get Container Status</a:t>
+            </a:r>
+          </a:p>
+        </p:txBody>
+      </p:sp>
+      <p:sp>
+        <p:nvSpPr>
+          <p:cNvPr id="4" name="TextBox 3">
+            <a:extLst>
+              <a:ext uri="{FF2B5EF4-FFF2-40B4-BE49-F238E27FC236}">
+                <a16:creationId xmlns:a16="http://schemas.microsoft.com/office/drawing/2014/main" id="{9978C84C-679C-4CDF-B0B0-5E115D1CC1F1}"/>
+              </a:ext>
+            </a:extLst>
+          </p:cNvPr>
+          <p:cNvSpPr txBox="1"/>
+          <p:nvPr/>
+        </p:nvSpPr>
+        <p:spPr>
+          <a:xfrm>
+            <a:off x="419450" y="3112315"/>
+            <a:ext cx="4840448" cy="923330"/>
+          </a:xfrm>
+          <a:prstGeom prst="rect">
+            <a:avLst/>
+          </a:prstGeom>
+          <a:noFill/>
+        </p:spPr>
+        <p:txBody>
+          <a:bodyPr wrap="square" rtlCol="0">
+            <a:spAutoFit/>
+          </a:bodyPr>
+          <a:lstStyle/>
+          <a:p>
+            <a:r>
+              <a:rPr lang="en-US" dirty="0" err="1">
+                <a:solidFill>
+                  <a:srgbClr val="0000FF"/>
+                </a:solidFill>
+                <a:latin typeface="Consolas" panose="020B0609020204030204" pitchFamily="49" charset="0"/>
+              </a:rPr>
+              <a:t>az</a:t>
+            </a:r>
+            <a:r>
+              <a:rPr lang="en-US" dirty="0">
+                <a:solidFill>
+                  <a:srgbClr val="0000FF"/>
+                </a:solidFill>
+                <a:latin typeface="Consolas" panose="020B0609020204030204" pitchFamily="49" charset="0"/>
+              </a:rPr>
+              <a:t> container show `</a:t>
+            </a:r>
+          </a:p>
+          <a:p>
+            <a:r>
+              <a:rPr lang="en-US" dirty="0">
+                <a:solidFill>
+                  <a:srgbClr val="0000FF"/>
+                </a:solidFill>
+                <a:latin typeface="Consolas" panose="020B0609020204030204" pitchFamily="49" charset="0"/>
+              </a:rPr>
+              <a:t>  </a:t>
+            </a:r>
+            <a:r>
+              <a:rPr lang="en-US" dirty="0">
+                <a:solidFill>
+                  <a:srgbClr val="000000"/>
+                </a:solidFill>
+                <a:latin typeface="Consolas" panose="020B0609020204030204" pitchFamily="49" charset="0"/>
+              </a:rPr>
+              <a:t>--name </a:t>
+            </a:r>
+            <a:r>
+              <a:rPr lang="en-US" dirty="0">
+                <a:solidFill>
+                  <a:srgbClr val="A31515"/>
+                </a:solidFill>
+                <a:latin typeface="Consolas" panose="020B0609020204030204" pitchFamily="49" charset="0"/>
+              </a:rPr>
+              <a:t>testcontainer1 </a:t>
+            </a:r>
+          </a:p>
+          <a:p>
+            <a:r>
+              <a:rPr lang="en-US" dirty="0">
+                <a:solidFill>
+                  <a:srgbClr val="000000"/>
+                </a:solidFill>
+                <a:latin typeface="Consolas" panose="020B0609020204030204" pitchFamily="49" charset="0"/>
+              </a:rPr>
+              <a:t>	--resource-group </a:t>
+            </a:r>
+            <a:r>
+              <a:rPr lang="en-US" dirty="0">
+                <a:solidFill>
+                  <a:srgbClr val="A31515"/>
+                </a:solidFill>
+                <a:latin typeface="Consolas" panose="020B0609020204030204" pitchFamily="49" charset="0"/>
+              </a:rPr>
+              <a:t>containers1</a:t>
+            </a:r>
+            <a:endParaRPr lang="en-US" b="0" dirty="0">
+              <a:solidFill>
+                <a:srgbClr val="000000"/>
+              </a:solidFill>
+              <a:effectLst/>
+              <a:latin typeface="Consolas" panose="020B0609020204030204" pitchFamily="49" charset="0"/>
+            </a:endParaRPr>
+          </a:p>
+        </p:txBody>
+      </p:sp>
+      <p:pic>
+        <p:nvPicPr>
+          <p:cNvPr id="11" name="Picture 10">
+            <a:extLst>
+              <a:ext uri="{FF2B5EF4-FFF2-40B4-BE49-F238E27FC236}">
+                <a16:creationId xmlns:a16="http://schemas.microsoft.com/office/drawing/2014/main" id="{923D0EAD-F838-4D55-BBD0-F9AF2765E16D}"/>
+              </a:ext>
+            </a:extLst>
+          </p:cNvPr>
+          <p:cNvPicPr>
+            <a:picLocks noChangeAspect="1"/>
+          </p:cNvPicPr>
+          <p:nvPr/>
+        </p:nvPicPr>
+        <p:blipFill>
+          <a:blip r:embed="rId2"/>
+          <a:stretch>
+            <a:fillRect/>
+          </a:stretch>
+        </p:blipFill>
+        <p:spPr>
+          <a:xfrm>
+            <a:off x="5240403" y="758799"/>
+            <a:ext cx="6820117" cy="5743601"/>
+          </a:xfrm>
+          <a:prstGeom prst="rect">
+            <a:avLst/>
+          </a:prstGeom>
+        </p:spPr>
+      </p:pic>
     </p:spTree>
     <p:extLst>
       <p:ext uri="{BB962C8B-B14F-4D97-AF65-F5344CB8AC3E}">
-        <p14:creationId xmlns:p14="http://schemas.microsoft.com/office/powerpoint/2010/main" val="1710832568"/>
+        <p14:creationId xmlns:p14="http://schemas.microsoft.com/office/powerpoint/2010/main" val="4260913970"/>
       </p:ext>
     </p:extLst>
   </p:cSld>
@@ -8231,84 +8997,47 @@
                   </a:schemeClr>
                 </a:solidFill>
               </a:rPr>
-              <a:t>Azure Container Services</a:t>
-            </a:r>
-          </a:p>
-        </p:txBody>
-      </p:sp>
-      <p:sp>
-        <p:nvSpPr>
-          <p:cNvPr id="3" name="Subtitle 2"/>
-          <p:cNvSpPr>
-            <a:spLocks noGrp="1"/>
-          </p:cNvSpPr>
+              <a:t>ACI – Connect to SQL Server</a:t>
+            </a:r>
+          </a:p>
+        </p:txBody>
+      </p:sp>
+      <p:pic>
+        <p:nvPicPr>
+          <p:cNvPr id="2" name="Content Placeholder 1">
+            <a:extLst>
+              <a:ext uri="{FF2B5EF4-FFF2-40B4-BE49-F238E27FC236}">
+                <a16:creationId xmlns:a16="http://schemas.microsoft.com/office/drawing/2014/main" id="{D66A7EA8-088A-4CED-9AD6-2AF9B163DAAE}"/>
+              </a:ext>
+            </a:extLst>
+          </p:cNvPr>
+          <p:cNvPicPr>
+            <a:picLocks noGrp="1" noChangeAspect="1"/>
+          </p:cNvPicPr>
           <p:nvPr>
             <p:ph idx="1"/>
           </p:nvPr>
-        </p:nvSpPr>
-        <p:spPr/>
-        <p:txBody>
-          <a:bodyPr>
-            <a:normAutofit/>
-          </a:bodyPr>
-          <a:lstStyle/>
-          <a:p>
-            <a:pPr marL="0" indent="0">
-              <a:buNone/>
-            </a:pPr>
-            <a:r>
-              <a:rPr lang="en-GB" sz="3200" dirty="0"/>
-              <a:t>Two flavours</a:t>
-            </a:r>
-          </a:p>
-          <a:p>
-            <a:pPr marL="0" indent="0">
-              <a:buNone/>
-            </a:pPr>
-            <a:r>
-              <a:rPr lang="en-GB" sz="3200" dirty="0"/>
-              <a:t>	Azure Container Services (ACS)</a:t>
-            </a:r>
-          </a:p>
-          <a:p>
-            <a:pPr marL="0" indent="0">
-              <a:buNone/>
-            </a:pPr>
-            <a:r>
-              <a:rPr lang="en-GB" sz="3200" dirty="0"/>
-              <a:t>	Azure Container Service (AKS)</a:t>
-            </a:r>
-          </a:p>
-          <a:p>
-            <a:pPr marL="0" indent="0">
-              <a:buNone/>
-            </a:pPr>
-            <a:endParaRPr lang="en-GB" sz="3200" dirty="0"/>
-          </a:p>
-          <a:p>
-            <a:pPr marL="0" indent="0">
-              <a:buNone/>
-            </a:pPr>
-            <a:r>
-              <a:rPr lang="en-GB" sz="3200" dirty="0"/>
-              <a:t>ACS provides container hosting using DC/OS, Swarm, or K8s</a:t>
-            </a:r>
-          </a:p>
-          <a:p>
-            <a:pPr marL="0" indent="0">
-              <a:buNone/>
-            </a:pPr>
-            <a:r>
-              <a:rPr lang="en-GB" sz="3200" dirty="0"/>
-              <a:t>AKS is specifically built to implement Kubernetes</a:t>
-            </a:r>
-          </a:p>
-        </p:txBody>
-      </p:sp>
+        </p:nvPicPr>
+        <p:blipFill>
+          <a:blip r:embed="rId2"/>
+          <a:stretch>
+            <a:fillRect/>
+          </a:stretch>
+        </p:blipFill>
+        <p:spPr>
+          <a:xfrm>
+            <a:off x="573596" y="1711624"/>
+            <a:ext cx="11147271" cy="3925778"/>
+          </a:xfrm>
+          <a:prstGeom prst="rect">
+            <a:avLst/>
+          </a:prstGeom>
+        </p:spPr>
+      </p:pic>
     </p:spTree>
     <p:extLst>
       <p:ext uri="{BB962C8B-B14F-4D97-AF65-F5344CB8AC3E}">
-        <p14:creationId xmlns:p14="http://schemas.microsoft.com/office/powerpoint/2010/main" val="3974016028"/>
+        <p14:creationId xmlns:p14="http://schemas.microsoft.com/office/powerpoint/2010/main" val="2662282580"/>
       </p:ext>
     </p:extLst>
   </p:cSld>
@@ -8337,7 +9066,7 @@
       </p:grpSpPr>
       <p:sp>
         <p:nvSpPr>
-          <p:cNvPr id="6" name="Title 5"/>
+          <p:cNvPr id="4" name="Title 3"/>
           <p:cNvSpPr>
             <a:spLocks noGrp="1"/>
           </p:cNvSpPr>
@@ -8345,12 +9074,7 @@
             <p:ph type="title"/>
           </p:nvPr>
         </p:nvSpPr>
-        <p:spPr>
-          <a:xfrm>
-            <a:off x="331596" y="562708"/>
-            <a:ext cx="10184004" cy="713433"/>
-          </a:xfrm>
-        </p:spPr>
+        <p:spPr/>
         <p:txBody>
           <a:bodyPr>
             <a:normAutofit/>
@@ -8360,88 +9084,37 @@
             <a:r>
               <a:rPr lang="en-GB" dirty="0">
                 <a:solidFill>
-                  <a:schemeClr val="accent1">
-                    <a:lumMod val="75000"/>
-                  </a:schemeClr>
-                </a:solidFill>
-              </a:rPr>
-              <a:t>Kubernetes</a:t>
-            </a:r>
-          </a:p>
-        </p:txBody>
-      </p:sp>
-      <p:sp>
-        <p:nvSpPr>
-          <p:cNvPr id="3" name="Subtitle 2"/>
-          <p:cNvSpPr>
-            <a:spLocks noGrp="1"/>
-          </p:cNvSpPr>
-          <p:nvPr>
-            <p:ph idx="1"/>
+                  <a:schemeClr val="accent1"/>
+                </a:solidFill>
+              </a:rPr>
+              <a:t>Demo</a:t>
+            </a:r>
+          </a:p>
+        </p:txBody>
+      </p:sp>
+      <p:sp>
+        <p:nvSpPr>
+          <p:cNvPr id="2" name="Text Placeholder 1"/>
+          <p:cNvSpPr>
+            <a:spLocks noGrp="1"/>
+          </p:cNvSpPr>
+          <p:nvPr>
+            <p:ph type="body" idx="1"/>
           </p:nvPr>
         </p:nvSpPr>
         <p:spPr/>
         <p:txBody>
-          <a:bodyPr>
-            <a:normAutofit/>
-          </a:bodyPr>
-          <a:lstStyle/>
-          <a:p>
-            <a:pPr marL="0" indent="0">
-              <a:buNone/>
-            </a:pPr>
-            <a:r>
-              <a:rPr lang="en-GB" sz="3200" dirty="0"/>
-              <a:t>Open Source system for managing containers</a:t>
-            </a:r>
-          </a:p>
-          <a:p>
-            <a:pPr marL="0" indent="0">
-              <a:buNone/>
-            </a:pPr>
-            <a:r>
-              <a:rPr lang="en-GB" sz="3200" dirty="0"/>
-              <a:t>Deployed as a cluster containing a master and multiple nodes</a:t>
-            </a:r>
-          </a:p>
-          <a:p>
-            <a:pPr marL="0" indent="0">
-              <a:buNone/>
-            </a:pPr>
-            <a:r>
-              <a:rPr lang="en-GB" sz="3200" dirty="0"/>
-              <a:t>Pods hold containers running on the nodes</a:t>
-            </a:r>
-          </a:p>
-          <a:p>
-            <a:pPr marL="0" indent="0">
-              <a:buNone/>
-            </a:pPr>
-            <a:r>
-              <a:rPr lang="en-GB" sz="3200" dirty="0"/>
-              <a:t>Services define/allow access to sets of pods</a:t>
-            </a:r>
-          </a:p>
-          <a:p>
-            <a:pPr marL="0" indent="0">
-              <a:buNone/>
-            </a:pPr>
-            <a:r>
-              <a:rPr lang="en-GB" sz="3200" dirty="0"/>
-              <a:t>Deployments created and managed via </a:t>
-            </a:r>
-            <a:r>
-              <a:rPr lang="en-GB" sz="3200" dirty="0" err="1"/>
-              <a:t>Kubectl</a:t>
-            </a:r>
-            <a:endParaRPr lang="en-GB" sz="3200" dirty="0"/>
+          <a:bodyPr/>
+          <a:lstStyle/>
+          <a:p>
+            <a:endParaRPr lang="en-GB" dirty="0"/>
           </a:p>
         </p:txBody>
       </p:sp>
     </p:spTree>
     <p:extLst>
       <p:ext uri="{BB962C8B-B14F-4D97-AF65-F5344CB8AC3E}">
-        <p14:creationId xmlns:p14="http://schemas.microsoft.com/office/powerpoint/2010/main" val="1834450055"/>
+        <p14:creationId xmlns:p14="http://schemas.microsoft.com/office/powerpoint/2010/main" val="2367277479"/>
       </p:ext>
     </p:extLst>
   </p:cSld>
@@ -8470,7 +9143,7 @@
       </p:grpSpPr>
       <p:sp>
         <p:nvSpPr>
-          <p:cNvPr id="6" name="Title 5"/>
+          <p:cNvPr id="4" name="Title 3"/>
           <p:cNvSpPr>
             <a:spLocks noGrp="1"/>
           </p:cNvSpPr>
@@ -8478,12 +9151,7 @@
             <p:ph type="title"/>
           </p:nvPr>
         </p:nvSpPr>
-        <p:spPr>
-          <a:xfrm>
-            <a:off x="331596" y="562708"/>
-            <a:ext cx="10184004" cy="713433"/>
-          </a:xfrm>
-        </p:spPr>
+        <p:spPr/>
         <p:txBody>
           <a:bodyPr>
             <a:normAutofit/>
@@ -8493,95 +9161,37 @@
             <a:r>
               <a:rPr lang="en-GB" dirty="0">
                 <a:solidFill>
-                  <a:schemeClr val="accent1">
-                    <a:lumMod val="75000"/>
-                  </a:schemeClr>
-                </a:solidFill>
-              </a:rPr>
-              <a:t>Azure Container Services (AKS)</a:t>
-            </a:r>
-          </a:p>
-        </p:txBody>
-      </p:sp>
-      <p:sp>
-        <p:nvSpPr>
-          <p:cNvPr id="3" name="Subtitle 2"/>
-          <p:cNvSpPr>
-            <a:spLocks noGrp="1"/>
-          </p:cNvSpPr>
-          <p:nvPr>
-            <p:ph idx="1"/>
+                  <a:schemeClr val="accent1"/>
+                </a:solidFill>
+              </a:rPr>
+              <a:t>Azure Container Services</a:t>
+            </a:r>
+          </a:p>
+        </p:txBody>
+      </p:sp>
+      <p:sp>
+        <p:nvSpPr>
+          <p:cNvPr id="2" name="Text Placeholder 1"/>
+          <p:cNvSpPr>
+            <a:spLocks noGrp="1"/>
+          </p:cNvSpPr>
+          <p:nvPr>
+            <p:ph type="body" idx="1"/>
           </p:nvPr>
         </p:nvSpPr>
         <p:spPr/>
         <p:txBody>
-          <a:bodyPr>
-            <a:normAutofit/>
-          </a:bodyPr>
-          <a:lstStyle/>
-          <a:p>
-            <a:pPr marL="0" indent="0">
-              <a:buNone/>
-            </a:pPr>
-            <a:r>
-              <a:rPr lang="en-GB" sz="3200" dirty="0"/>
-              <a:t>Simplifies deployment of Kubernetes clusters in Azure</a:t>
-            </a:r>
-          </a:p>
-          <a:p>
-            <a:pPr marL="0" indent="0">
-              <a:buNone/>
-            </a:pPr>
-            <a:r>
-              <a:rPr lang="en-GB" sz="3200" dirty="0"/>
-              <a:t>Cluster can be spun up with one line of code</a:t>
-            </a:r>
-          </a:p>
-          <a:p>
-            <a:pPr marL="0" indent="0">
-              <a:buNone/>
-            </a:pPr>
-            <a:r>
-              <a:rPr lang="en-GB" sz="3200" dirty="0"/>
-              <a:t>Applications deployed to cluster via </a:t>
-            </a:r>
-            <a:r>
-              <a:rPr lang="en-GB" sz="3200" dirty="0" err="1"/>
-              <a:t>yaml</a:t>
-            </a:r>
-            <a:r>
-              <a:rPr lang="en-GB" sz="3200" dirty="0"/>
-              <a:t> files</a:t>
-            </a:r>
-          </a:p>
-          <a:p>
-            <a:pPr marL="0" indent="0">
-              <a:buNone/>
-            </a:pPr>
-            <a:r>
-              <a:rPr lang="en-GB" sz="3200" dirty="0"/>
-              <a:t>Managed by Azure-CLI/</a:t>
-            </a:r>
-            <a:r>
-              <a:rPr lang="en-GB" sz="3200" dirty="0" err="1"/>
-              <a:t>powershell</a:t>
-            </a:r>
-            <a:r>
-              <a:rPr lang="en-GB" sz="3200" dirty="0"/>
-              <a:t> and </a:t>
-            </a:r>
-            <a:r>
-              <a:rPr lang="en-GB" sz="3200" dirty="0" err="1"/>
-              <a:t>kubectl</a:t>
-            </a:r>
-            <a:endParaRPr lang="en-GB" sz="3200" dirty="0"/>
+          <a:bodyPr/>
+          <a:lstStyle/>
+          <a:p>
+            <a:endParaRPr lang="en-GB" dirty="0"/>
           </a:p>
         </p:txBody>
       </p:sp>
     </p:spTree>
     <p:extLst>
       <p:ext uri="{BB962C8B-B14F-4D97-AF65-F5344CB8AC3E}">
-        <p14:creationId xmlns:p14="http://schemas.microsoft.com/office/powerpoint/2010/main" val="3069965736"/>
+        <p14:creationId xmlns:p14="http://schemas.microsoft.com/office/powerpoint/2010/main" val="1710832568"/>
       </p:ext>
     </p:extLst>
   </p:cSld>
@@ -8610,7 +9220,7 @@
       </p:grpSpPr>
       <p:sp>
         <p:nvSpPr>
-          <p:cNvPr id="4" name="Title 3"/>
+          <p:cNvPr id="6" name="Title 5"/>
           <p:cNvSpPr>
             <a:spLocks noGrp="1"/>
           </p:cNvSpPr>
@@ -8618,7 +9228,12 @@
             <p:ph type="title"/>
           </p:nvPr>
         </p:nvSpPr>
-        <p:spPr/>
+        <p:spPr>
+          <a:xfrm>
+            <a:off x="331596" y="562708"/>
+            <a:ext cx="10184004" cy="713433"/>
+          </a:xfrm>
+        </p:spPr>
         <p:txBody>
           <a:bodyPr>
             <a:normAutofit/>
@@ -8628,37 +9243,89 @@
             <a:r>
               <a:rPr lang="en-GB" dirty="0">
                 <a:solidFill>
-                  <a:schemeClr val="accent1"/>
-                </a:solidFill>
-              </a:rPr>
-              <a:t>Demo</a:t>
-            </a:r>
-          </a:p>
-        </p:txBody>
-      </p:sp>
-      <p:sp>
-        <p:nvSpPr>
-          <p:cNvPr id="2" name="Text Placeholder 1"/>
-          <p:cNvSpPr>
-            <a:spLocks noGrp="1"/>
-          </p:cNvSpPr>
-          <p:nvPr>
-            <p:ph type="body" idx="1"/>
+                  <a:schemeClr val="accent1">
+                    <a:lumMod val="75000"/>
+                  </a:schemeClr>
+                </a:solidFill>
+              </a:rPr>
+              <a:t>Azure Container Services</a:t>
+            </a:r>
+          </a:p>
+        </p:txBody>
+      </p:sp>
+      <p:sp>
+        <p:nvSpPr>
+          <p:cNvPr id="3" name="Subtitle 2"/>
+          <p:cNvSpPr>
+            <a:spLocks noGrp="1"/>
+          </p:cNvSpPr>
+          <p:nvPr>
+            <p:ph idx="1"/>
           </p:nvPr>
         </p:nvSpPr>
         <p:spPr/>
         <p:txBody>
-          <a:bodyPr/>
-          <a:lstStyle/>
-          <a:p>
-            <a:endParaRPr lang="en-GB" dirty="0"/>
+          <a:bodyPr>
+            <a:normAutofit/>
+          </a:bodyPr>
+          <a:lstStyle/>
+          <a:p>
+            <a:pPr marL="0" indent="0">
+              <a:buNone/>
+            </a:pPr>
+            <a:r>
+              <a:rPr lang="en-GB" sz="3200" dirty="0"/>
+              <a:t>Two flavours</a:t>
+            </a:r>
+          </a:p>
+          <a:p>
+            <a:pPr marL="0" indent="0">
+              <a:buNone/>
+            </a:pPr>
+            <a:r>
+              <a:rPr lang="en-GB" sz="3200" dirty="0"/>
+              <a:t>	Azure Container Services (ACS)</a:t>
+            </a:r>
+          </a:p>
+          <a:p>
+            <a:pPr marL="0" indent="0">
+              <a:buNone/>
+            </a:pPr>
+            <a:r>
+              <a:rPr lang="en-GB" sz="3200" dirty="0"/>
+              <a:t>	Azure Container Service (AKS)</a:t>
+            </a:r>
+          </a:p>
+          <a:p>
+            <a:pPr marL="0" indent="0">
+              <a:buNone/>
+            </a:pPr>
+            <a:endParaRPr lang="en-GB" sz="3200" dirty="0"/>
+          </a:p>
+          <a:p>
+            <a:pPr marL="0" indent="0">
+              <a:buNone/>
+            </a:pPr>
+            <a:r>
+              <a:rPr lang="en-GB" sz="3200" dirty="0"/>
+              <a:t>ACS provides container hosting using DC/OS, Swarm, or K8s</a:t>
+            </a:r>
+          </a:p>
+          <a:p>
+            <a:pPr marL="0" indent="0">
+              <a:buNone/>
+            </a:pPr>
+            <a:r>
+              <a:rPr lang="en-GB" sz="3200" dirty="0"/>
+              <a:t>AKS is specifically built to implement Kubernetes</a:t>
+            </a:r>
           </a:p>
         </p:txBody>
       </p:sp>
     </p:spTree>
     <p:extLst>
       <p:ext uri="{BB962C8B-B14F-4D97-AF65-F5344CB8AC3E}">
-        <p14:creationId xmlns:p14="http://schemas.microsoft.com/office/powerpoint/2010/main" val="2917938358"/>
+        <p14:creationId xmlns:p14="http://schemas.microsoft.com/office/powerpoint/2010/main" val="3974016028"/>
       </p:ext>
     </p:extLst>
   </p:cSld>
@@ -8687,7 +9354,7 @@
       </p:grpSpPr>
       <p:sp>
         <p:nvSpPr>
-          <p:cNvPr id="4" name="Title 3"/>
+          <p:cNvPr id="6" name="Title 5"/>
           <p:cNvSpPr>
             <a:spLocks noGrp="1"/>
           </p:cNvSpPr>
@@ -8695,7 +9362,12 @@
             <p:ph type="title"/>
           </p:nvPr>
         </p:nvSpPr>
-        <p:spPr/>
+        <p:spPr>
+          <a:xfrm>
+            <a:off x="331596" y="562708"/>
+            <a:ext cx="10184004" cy="713433"/>
+          </a:xfrm>
+        </p:spPr>
         <p:txBody>
           <a:bodyPr>
             <a:normAutofit/>
@@ -8705,50 +9377,88 @@
             <a:r>
               <a:rPr lang="en-GB" dirty="0">
                 <a:solidFill>
-                  <a:schemeClr val="accent1"/>
-                </a:solidFill>
-              </a:rPr>
-              <a:t>Docker EE for </a:t>
-            </a:r>
-            <a:r>
-              <a:rPr lang="en-GB" dirty="0" err="1">
-                <a:solidFill>
-                  <a:schemeClr val="accent1"/>
-                </a:solidFill>
-              </a:rPr>
-              <a:t>Azuzre</a:t>
-            </a:r>
-            <a:endParaRPr lang="en-GB" dirty="0">
-              <a:solidFill>
-                <a:schemeClr val="accent1"/>
-              </a:solidFill>
-            </a:endParaRPr>
-          </a:p>
-        </p:txBody>
-      </p:sp>
-      <p:sp>
-        <p:nvSpPr>
-          <p:cNvPr id="2" name="Text Placeholder 1"/>
-          <p:cNvSpPr>
-            <a:spLocks noGrp="1"/>
-          </p:cNvSpPr>
-          <p:nvPr>
-            <p:ph type="body" idx="1"/>
+                  <a:schemeClr val="accent1">
+                    <a:lumMod val="75000"/>
+                  </a:schemeClr>
+                </a:solidFill>
+              </a:rPr>
+              <a:t>Kubernetes</a:t>
+            </a:r>
+          </a:p>
+        </p:txBody>
+      </p:sp>
+      <p:sp>
+        <p:nvSpPr>
+          <p:cNvPr id="3" name="Subtitle 2"/>
+          <p:cNvSpPr>
+            <a:spLocks noGrp="1"/>
+          </p:cNvSpPr>
+          <p:nvPr>
+            <p:ph idx="1"/>
           </p:nvPr>
         </p:nvSpPr>
         <p:spPr/>
         <p:txBody>
-          <a:bodyPr/>
-          <a:lstStyle/>
-          <a:p>
-            <a:endParaRPr lang="en-GB" dirty="0"/>
+          <a:bodyPr>
+            <a:normAutofit/>
+          </a:bodyPr>
+          <a:lstStyle/>
+          <a:p>
+            <a:pPr marL="0" indent="0">
+              <a:buNone/>
+            </a:pPr>
+            <a:r>
+              <a:rPr lang="en-GB" sz="3200" dirty="0"/>
+              <a:t>Open Source system for managing containers</a:t>
+            </a:r>
+          </a:p>
+          <a:p>
+            <a:pPr marL="0" indent="0">
+              <a:buNone/>
+            </a:pPr>
+            <a:r>
+              <a:rPr lang="en-GB" sz="3200" dirty="0"/>
+              <a:t>Deployed as a cluster containing a master and multiple nodes</a:t>
+            </a:r>
+          </a:p>
+          <a:p>
+            <a:pPr marL="0" indent="0">
+              <a:buNone/>
+            </a:pPr>
+            <a:r>
+              <a:rPr lang="en-GB" sz="3200" dirty="0"/>
+              <a:t>Pods hold containers running on the nodes</a:t>
+            </a:r>
+          </a:p>
+          <a:p>
+            <a:pPr marL="0" indent="0">
+              <a:buNone/>
+            </a:pPr>
+            <a:r>
+              <a:rPr lang="en-GB" sz="3200" dirty="0"/>
+              <a:t>Services define/allow access to sets of pods</a:t>
+            </a:r>
+          </a:p>
+          <a:p>
+            <a:pPr marL="0" indent="0">
+              <a:buNone/>
+            </a:pPr>
+            <a:r>
+              <a:rPr lang="en-GB" sz="3200" dirty="0"/>
+              <a:t>Deployments created and managed via </a:t>
+            </a:r>
+            <a:r>
+              <a:rPr lang="en-GB" sz="3200" dirty="0" err="1"/>
+              <a:t>Kubectl</a:t>
+            </a:r>
+            <a:endParaRPr lang="en-GB" sz="3200" dirty="0"/>
           </a:p>
         </p:txBody>
       </p:sp>
     </p:spTree>
     <p:extLst>
       <p:ext uri="{BB962C8B-B14F-4D97-AF65-F5344CB8AC3E}">
-        <p14:creationId xmlns:p14="http://schemas.microsoft.com/office/powerpoint/2010/main" val="3610026559"/>
+        <p14:creationId xmlns:p14="http://schemas.microsoft.com/office/powerpoint/2010/main" val="1834450055"/>
       </p:ext>
     </p:extLst>
   </p:cSld>
@@ -8805,7 +9515,7 @@
                   </a:schemeClr>
                 </a:solidFill>
               </a:rPr>
-              <a:t>Docker EE for Azure</a:t>
+              <a:t>Azure Container Services (AKS)</a:t>
             </a:r>
           </a:p>
         </p:txBody>
@@ -8831,17 +9541,56 @@
               <a:buNone/>
             </a:pPr>
             <a:r>
-              <a:rPr lang="en-GB" sz="3200" dirty="0">
-                <a:hlinkClick r:id="rId2"/>
-              </a:rPr>
-              <a:t>https://store.docker.com/editions/enterprise/docker-ee-azure</a:t>
-            </a:r>
-            <a:endParaRPr lang="en-GB" sz="3200" dirty="0"/>
+              <a:rPr lang="en-GB" sz="3200" dirty="0"/>
+              <a:t>Simplifies deployment of Kubernetes clusters in Azure</a:t>
+            </a:r>
           </a:p>
           <a:p>
             <a:pPr marL="0" indent="0">
               <a:buNone/>
             </a:pPr>
+            <a:r>
+              <a:rPr lang="en-GB" sz="3200" dirty="0"/>
+              <a:t>Cluster can be spun up with one line of code</a:t>
+            </a:r>
+          </a:p>
+          <a:p>
+            <a:pPr marL="0" indent="0">
+              <a:buNone/>
+            </a:pPr>
+            <a:r>
+              <a:rPr lang="en-GB" sz="3200" dirty="0"/>
+              <a:t>Applications deployed to cluster via </a:t>
+            </a:r>
+            <a:r>
+              <a:rPr lang="en-GB" sz="3200" dirty="0" err="1"/>
+              <a:t>yaml</a:t>
+            </a:r>
+            <a:r>
+              <a:rPr lang="en-GB" sz="3200" dirty="0"/>
+              <a:t> files</a:t>
+            </a:r>
+          </a:p>
+          <a:p>
+            <a:pPr marL="0" indent="0">
+              <a:buNone/>
+            </a:pPr>
+            <a:r>
+              <a:rPr lang="en-GB" sz="3200" dirty="0"/>
+              <a:t>Managed by Azure-CLI/</a:t>
+            </a:r>
+            <a:r>
+              <a:rPr lang="en-GB" sz="3200" dirty="0" err="1"/>
+              <a:t>powershell</a:t>
+            </a:r>
+            <a:r>
+              <a:rPr lang="en-GB" sz="3200" dirty="0"/>
+              <a:t> and </a:t>
+            </a:r>
+            <a:r>
+              <a:rPr lang="en-GB" sz="3200" dirty="0" err="1"/>
+              <a:t>kubectl</a:t>
+            </a:r>
             <a:endParaRPr lang="en-GB" sz="3200" dirty="0"/>
           </a:p>
         </p:txBody>
@@ -8849,7 +9598,7 @@
     </p:spTree>
     <p:extLst>
       <p:ext uri="{BB962C8B-B14F-4D97-AF65-F5344CB8AC3E}">
-        <p14:creationId xmlns:p14="http://schemas.microsoft.com/office/powerpoint/2010/main" val="4113174784"/>
+        <p14:creationId xmlns:p14="http://schemas.microsoft.com/office/powerpoint/2010/main" val="3069965736"/>
       </p:ext>
     </p:extLst>
   </p:cSld>
@@ -9010,6 +9759,274 @@
       </p:grpSpPr>
       <p:sp>
         <p:nvSpPr>
+          <p:cNvPr id="4" name="Title 3"/>
+          <p:cNvSpPr>
+            <a:spLocks noGrp="1"/>
+          </p:cNvSpPr>
+          <p:nvPr>
+            <p:ph type="title"/>
+          </p:nvPr>
+        </p:nvSpPr>
+        <p:spPr/>
+        <p:txBody>
+          <a:bodyPr>
+            <a:normAutofit/>
+          </a:bodyPr>
+          <a:lstStyle/>
+          <a:p>
+            <a:r>
+              <a:rPr lang="en-GB" dirty="0">
+                <a:solidFill>
+                  <a:schemeClr val="accent1"/>
+                </a:solidFill>
+              </a:rPr>
+              <a:t>Demo</a:t>
+            </a:r>
+          </a:p>
+        </p:txBody>
+      </p:sp>
+      <p:sp>
+        <p:nvSpPr>
+          <p:cNvPr id="2" name="Text Placeholder 1"/>
+          <p:cNvSpPr>
+            <a:spLocks noGrp="1"/>
+          </p:cNvSpPr>
+          <p:nvPr>
+            <p:ph type="body" idx="1"/>
+          </p:nvPr>
+        </p:nvSpPr>
+        <p:spPr/>
+        <p:txBody>
+          <a:bodyPr/>
+          <a:lstStyle/>
+          <a:p>
+            <a:endParaRPr lang="en-GB" dirty="0"/>
+          </a:p>
+        </p:txBody>
+      </p:sp>
+    </p:spTree>
+    <p:extLst>
+      <p:ext uri="{BB962C8B-B14F-4D97-AF65-F5344CB8AC3E}">
+        <p14:creationId xmlns:p14="http://schemas.microsoft.com/office/powerpoint/2010/main" val="2917938358"/>
+      </p:ext>
+    </p:extLst>
+  </p:cSld>
+  <p:clrMapOvr>
+    <a:masterClrMapping/>
+  </p:clrMapOvr>
+</p:sld>
+</file>
+
+<file path=ppt/slides/slide41.xml><?xml version="1.0" encoding="utf-8"?>
+<p:sld xmlns:a="http://schemas.openxmlformats.org/drawingml/2006/main" xmlns:r="http://schemas.openxmlformats.org/officeDocument/2006/relationships" xmlns:p="http://schemas.openxmlformats.org/presentationml/2006/main">
+  <p:cSld>
+    <p:spTree>
+      <p:nvGrpSpPr>
+        <p:cNvPr id="1" name=""/>
+        <p:cNvGrpSpPr/>
+        <p:nvPr/>
+      </p:nvGrpSpPr>
+      <p:grpSpPr>
+        <a:xfrm>
+          <a:off x="0" y="0"/>
+          <a:ext cx="0" cy="0"/>
+          <a:chOff x="0" y="0"/>
+          <a:chExt cx="0" cy="0"/>
+        </a:xfrm>
+      </p:grpSpPr>
+      <p:sp>
+        <p:nvSpPr>
+          <p:cNvPr id="4" name="Title 3"/>
+          <p:cNvSpPr>
+            <a:spLocks noGrp="1"/>
+          </p:cNvSpPr>
+          <p:nvPr>
+            <p:ph type="title"/>
+          </p:nvPr>
+        </p:nvSpPr>
+        <p:spPr/>
+        <p:txBody>
+          <a:bodyPr>
+            <a:normAutofit/>
+          </a:bodyPr>
+          <a:lstStyle/>
+          <a:p>
+            <a:r>
+              <a:rPr lang="en-GB" dirty="0">
+                <a:solidFill>
+                  <a:schemeClr val="accent1"/>
+                </a:solidFill>
+              </a:rPr>
+              <a:t>Docker EE for </a:t>
+            </a:r>
+            <a:r>
+              <a:rPr lang="en-GB" dirty="0" err="1">
+                <a:solidFill>
+                  <a:schemeClr val="accent1"/>
+                </a:solidFill>
+              </a:rPr>
+              <a:t>Azuzre</a:t>
+            </a:r>
+            <a:endParaRPr lang="en-GB" dirty="0">
+              <a:solidFill>
+                <a:schemeClr val="accent1"/>
+              </a:solidFill>
+            </a:endParaRPr>
+          </a:p>
+        </p:txBody>
+      </p:sp>
+      <p:sp>
+        <p:nvSpPr>
+          <p:cNvPr id="2" name="Text Placeholder 1"/>
+          <p:cNvSpPr>
+            <a:spLocks noGrp="1"/>
+          </p:cNvSpPr>
+          <p:nvPr>
+            <p:ph type="body" idx="1"/>
+          </p:nvPr>
+        </p:nvSpPr>
+        <p:spPr/>
+        <p:txBody>
+          <a:bodyPr/>
+          <a:lstStyle/>
+          <a:p>
+            <a:endParaRPr lang="en-GB" dirty="0"/>
+          </a:p>
+        </p:txBody>
+      </p:sp>
+    </p:spTree>
+    <p:extLst>
+      <p:ext uri="{BB962C8B-B14F-4D97-AF65-F5344CB8AC3E}">
+        <p14:creationId xmlns:p14="http://schemas.microsoft.com/office/powerpoint/2010/main" val="3610026559"/>
+      </p:ext>
+    </p:extLst>
+  </p:cSld>
+  <p:clrMapOvr>
+    <a:masterClrMapping/>
+  </p:clrMapOvr>
+</p:sld>
+</file>
+
+<file path=ppt/slides/slide42.xml><?xml version="1.0" encoding="utf-8"?>
+<p:sld xmlns:a="http://schemas.openxmlformats.org/drawingml/2006/main" xmlns:r="http://schemas.openxmlformats.org/officeDocument/2006/relationships" xmlns:p="http://schemas.openxmlformats.org/presentationml/2006/main">
+  <p:cSld>
+    <p:spTree>
+      <p:nvGrpSpPr>
+        <p:cNvPr id="1" name=""/>
+        <p:cNvGrpSpPr/>
+        <p:nvPr/>
+      </p:nvGrpSpPr>
+      <p:grpSpPr>
+        <a:xfrm>
+          <a:off x="0" y="0"/>
+          <a:ext cx="0" cy="0"/>
+          <a:chOff x="0" y="0"/>
+          <a:chExt cx="0" cy="0"/>
+        </a:xfrm>
+      </p:grpSpPr>
+      <p:sp>
+        <p:nvSpPr>
+          <p:cNvPr id="6" name="Title 5"/>
+          <p:cNvSpPr>
+            <a:spLocks noGrp="1"/>
+          </p:cNvSpPr>
+          <p:nvPr>
+            <p:ph type="title"/>
+          </p:nvPr>
+        </p:nvSpPr>
+        <p:spPr>
+          <a:xfrm>
+            <a:off x="331596" y="562708"/>
+            <a:ext cx="10184004" cy="713433"/>
+          </a:xfrm>
+        </p:spPr>
+        <p:txBody>
+          <a:bodyPr>
+            <a:normAutofit/>
+          </a:bodyPr>
+          <a:lstStyle/>
+          <a:p>
+            <a:r>
+              <a:rPr lang="en-GB" dirty="0">
+                <a:solidFill>
+                  <a:schemeClr val="accent1">
+                    <a:lumMod val="75000"/>
+                  </a:schemeClr>
+                </a:solidFill>
+              </a:rPr>
+              <a:t>Docker EE for Azure</a:t>
+            </a:r>
+          </a:p>
+        </p:txBody>
+      </p:sp>
+      <p:sp>
+        <p:nvSpPr>
+          <p:cNvPr id="3" name="Subtitle 2"/>
+          <p:cNvSpPr>
+            <a:spLocks noGrp="1"/>
+          </p:cNvSpPr>
+          <p:nvPr>
+            <p:ph idx="1"/>
+          </p:nvPr>
+        </p:nvSpPr>
+        <p:spPr/>
+        <p:txBody>
+          <a:bodyPr>
+            <a:normAutofit/>
+          </a:bodyPr>
+          <a:lstStyle/>
+          <a:p>
+            <a:pPr marL="0" indent="0">
+              <a:buNone/>
+            </a:pPr>
+            <a:r>
+              <a:rPr lang="en-GB" sz="3200" dirty="0">
+                <a:hlinkClick r:id="rId2"/>
+              </a:rPr>
+              <a:t>https://store.docker.com/editions/enterprise/docker-ee-azure</a:t>
+            </a:r>
+            <a:endParaRPr lang="en-GB" sz="3200" dirty="0"/>
+          </a:p>
+          <a:p>
+            <a:pPr marL="0" indent="0">
+              <a:buNone/>
+            </a:pPr>
+            <a:endParaRPr lang="en-GB" sz="3200" dirty="0"/>
+          </a:p>
+        </p:txBody>
+      </p:sp>
+    </p:spTree>
+    <p:extLst>
+      <p:ext uri="{BB962C8B-B14F-4D97-AF65-F5344CB8AC3E}">
+        <p14:creationId xmlns:p14="http://schemas.microsoft.com/office/powerpoint/2010/main" val="4113174784"/>
+      </p:ext>
+    </p:extLst>
+  </p:cSld>
+  <p:clrMapOvr>
+    <a:masterClrMapping/>
+  </p:clrMapOvr>
+</p:sld>
+</file>
+
+<file path=ppt/slides/slide43.xml><?xml version="1.0" encoding="utf-8"?>
+<p:sld xmlns:a="http://schemas.openxmlformats.org/drawingml/2006/main" xmlns:r="http://schemas.openxmlformats.org/officeDocument/2006/relationships" xmlns:p="http://schemas.openxmlformats.org/presentationml/2006/main">
+  <p:cSld>
+    <p:spTree>
+      <p:nvGrpSpPr>
+        <p:cNvPr id="1" name=""/>
+        <p:cNvGrpSpPr/>
+        <p:nvPr/>
+      </p:nvGrpSpPr>
+      <p:grpSpPr>
+        <a:xfrm>
+          <a:off x="0" y="0"/>
+          <a:ext cx="0" cy="0"/>
+          <a:chOff x="0" y="0"/>
+          <a:chExt cx="0" cy="0"/>
+        </a:xfrm>
+      </p:grpSpPr>
+      <p:sp>
+        <p:nvSpPr>
           <p:cNvPr id="2" name="Title 1">
             <a:extLst>
               <a:ext uri="{FF2B5EF4-FFF2-40B4-BE49-F238E27FC236}">
@@ -9106,7 +10123,7 @@
 </p:sld>
 </file>
 
-<file path=ppt/slides/slide41.xml><?xml version="1.0" encoding="utf-8"?>
+<file path=ppt/slides/slide44.xml><?xml version="1.0" encoding="utf-8"?>
 <p:sld xmlns:a="http://schemas.openxmlformats.org/drawingml/2006/main" xmlns:r="http://schemas.openxmlformats.org/officeDocument/2006/relationships" xmlns:p="http://schemas.openxmlformats.org/presentationml/2006/main">
   <p:cSld>
     <p:spTree>

--- a/ContainersInTheCloud.pptx
+++ b/ContainersInTheCloud.pptx
@@ -5,7 +5,7 @@
     <p:sldMasterId id="2147483648" r:id="rId1"/>
   </p:sldMasterIdLst>
   <p:notesMasterIdLst>
-    <p:notesMasterId r:id="rId46"/>
+    <p:notesMasterId r:id="rId57"/>
   </p:notesMasterIdLst>
   <p:sldIdLst>
     <p:sldId id="256" r:id="rId2"/>
@@ -16,42 +16,53 @@
     <p:sldId id="347" r:id="rId7"/>
     <p:sldId id="341" r:id="rId8"/>
     <p:sldId id="342" r:id="rId9"/>
-    <p:sldId id="313" r:id="rId10"/>
-    <p:sldId id="331" r:id="rId11"/>
-    <p:sldId id="327" r:id="rId12"/>
-    <p:sldId id="333" r:id="rId13"/>
-    <p:sldId id="340" r:id="rId14"/>
-    <p:sldId id="365" r:id="rId15"/>
-    <p:sldId id="351" r:id="rId16"/>
-    <p:sldId id="354" r:id="rId17"/>
-    <p:sldId id="361" r:id="rId18"/>
-    <p:sldId id="360" r:id="rId19"/>
-    <p:sldId id="358" r:id="rId20"/>
-    <p:sldId id="359" r:id="rId21"/>
-    <p:sldId id="357" r:id="rId22"/>
-    <p:sldId id="356" r:id="rId23"/>
-    <p:sldId id="355" r:id="rId24"/>
-    <p:sldId id="364" r:id="rId25"/>
-    <p:sldId id="363" r:id="rId26"/>
-    <p:sldId id="362" r:id="rId27"/>
-    <p:sldId id="328" r:id="rId28"/>
-    <p:sldId id="326" r:id="rId29"/>
-    <p:sldId id="334" r:id="rId30"/>
-    <p:sldId id="345" r:id="rId31"/>
-    <p:sldId id="352" r:id="rId32"/>
-    <p:sldId id="367" r:id="rId33"/>
-    <p:sldId id="368" r:id="rId34"/>
-    <p:sldId id="366" r:id="rId35"/>
-    <p:sldId id="314" r:id="rId36"/>
-    <p:sldId id="335" r:id="rId37"/>
-    <p:sldId id="348" r:id="rId38"/>
-    <p:sldId id="336" r:id="rId39"/>
-    <p:sldId id="349" r:id="rId40"/>
-    <p:sldId id="337" r:id="rId41"/>
-    <p:sldId id="325" r:id="rId42"/>
-    <p:sldId id="332" r:id="rId43"/>
-    <p:sldId id="284" r:id="rId44"/>
-    <p:sldId id="290" r:id="rId45"/>
+    <p:sldId id="327" r:id="rId10"/>
+    <p:sldId id="333" r:id="rId11"/>
+    <p:sldId id="340" r:id="rId12"/>
+    <p:sldId id="365" r:id="rId13"/>
+    <p:sldId id="351" r:id="rId14"/>
+    <p:sldId id="354" r:id="rId15"/>
+    <p:sldId id="361" r:id="rId16"/>
+    <p:sldId id="360" r:id="rId17"/>
+    <p:sldId id="358" r:id="rId18"/>
+    <p:sldId id="359" r:id="rId19"/>
+    <p:sldId id="357" r:id="rId20"/>
+    <p:sldId id="356" r:id="rId21"/>
+    <p:sldId id="355" r:id="rId22"/>
+    <p:sldId id="364" r:id="rId23"/>
+    <p:sldId id="363" r:id="rId24"/>
+    <p:sldId id="362" r:id="rId25"/>
+    <p:sldId id="328" r:id="rId26"/>
+    <p:sldId id="326" r:id="rId27"/>
+    <p:sldId id="334" r:id="rId28"/>
+    <p:sldId id="345" r:id="rId29"/>
+    <p:sldId id="352" r:id="rId30"/>
+    <p:sldId id="367" r:id="rId31"/>
+    <p:sldId id="368" r:id="rId32"/>
+    <p:sldId id="366" r:id="rId33"/>
+    <p:sldId id="314" r:id="rId34"/>
+    <p:sldId id="335" r:id="rId35"/>
+    <p:sldId id="348" r:id="rId36"/>
+    <p:sldId id="336" r:id="rId37"/>
+    <p:sldId id="349" r:id="rId38"/>
+    <p:sldId id="374" r:id="rId39"/>
+    <p:sldId id="373" r:id="rId40"/>
+    <p:sldId id="377" r:id="rId41"/>
+    <p:sldId id="378" r:id="rId42"/>
+    <p:sldId id="382" r:id="rId43"/>
+    <p:sldId id="383" r:id="rId44"/>
+    <p:sldId id="371" r:id="rId45"/>
+    <p:sldId id="372" r:id="rId46"/>
+    <p:sldId id="375" r:id="rId47"/>
+    <p:sldId id="379" r:id="rId48"/>
+    <p:sldId id="376" r:id="rId49"/>
+    <p:sldId id="384" r:id="rId50"/>
+    <p:sldId id="337" r:id="rId51"/>
+    <p:sldId id="325" r:id="rId52"/>
+    <p:sldId id="331" r:id="rId53"/>
+    <p:sldId id="332" r:id="rId54"/>
+    <p:sldId id="284" r:id="rId55"/>
+    <p:sldId id="290" r:id="rId56"/>
   </p:sldIdLst>
   <p:sldSz cx="12192000" cy="6858000"/>
   <p:notesSz cx="6858000" cy="9144000"/>
@@ -3481,244 +3492,6 @@
         </p:nvSpPr>
         <p:spPr>
           <a:xfrm>
-            <a:off x="0" y="0"/>
-            <a:ext cx="10184004" cy="713433"/>
-          </a:xfrm>
-        </p:spPr>
-        <p:txBody>
-          <a:bodyPr>
-            <a:normAutofit/>
-          </a:bodyPr>
-          <a:lstStyle/>
-          <a:p>
-            <a:r>
-              <a:rPr lang="en-GB" dirty="0">
-                <a:solidFill>
-                  <a:schemeClr val="accent1">
-                    <a:lumMod val="75000"/>
-                  </a:schemeClr>
-                </a:solidFill>
-              </a:rPr>
-              <a:t>VM Templates</a:t>
-            </a:r>
-          </a:p>
-        </p:txBody>
-      </p:sp>
-      <p:sp>
-        <p:nvSpPr>
-          <p:cNvPr id="3" name="Subtitle 2"/>
-          <p:cNvSpPr>
-            <a:spLocks noGrp="1"/>
-          </p:cNvSpPr>
-          <p:nvPr>
-            <p:ph idx="1"/>
-          </p:nvPr>
-        </p:nvSpPr>
-        <p:spPr>
-          <a:xfrm>
-            <a:off x="315411" y="919538"/>
-            <a:ext cx="10515600" cy="1674033"/>
-          </a:xfrm>
-        </p:spPr>
-        <p:txBody>
-          <a:bodyPr>
-            <a:normAutofit/>
-          </a:bodyPr>
-          <a:lstStyle/>
-          <a:p>
-            <a:pPr marL="0" indent="0">
-              <a:buNone/>
-            </a:pPr>
-            <a:r>
-              <a:rPr lang="en-GB" sz="3200" dirty="0"/>
-              <a:t>Windows </a:t>
-            </a:r>
-            <a:r>
-              <a:rPr lang="en-GB" sz="3200" dirty="0" err="1"/>
-              <a:t>Datacenter</a:t>
-            </a:r>
-            <a:r>
-              <a:rPr lang="en-GB" sz="3200" dirty="0"/>
-              <a:t> with Containers</a:t>
-            </a:r>
-          </a:p>
-          <a:p>
-            <a:pPr marL="0" indent="0">
-              <a:buNone/>
-            </a:pPr>
-            <a:r>
-              <a:rPr lang="en-GB" dirty="0"/>
-              <a:t>	Docker pre-installed</a:t>
-            </a:r>
-          </a:p>
-          <a:p>
-            <a:pPr marL="0" indent="0">
-              <a:buNone/>
-            </a:pPr>
-            <a:r>
-              <a:rPr lang="en-GB" dirty="0"/>
-              <a:t>	Images pre-pulled (server core &amp; </a:t>
-            </a:r>
-            <a:r>
-              <a:rPr lang="en-GB" dirty="0" err="1"/>
-              <a:t>nano</a:t>
-            </a:r>
-            <a:r>
-              <a:rPr lang="en-GB" dirty="0"/>
-              <a:t> server)</a:t>
-            </a:r>
-          </a:p>
-        </p:txBody>
-      </p:sp>
-      <p:pic>
-        <p:nvPicPr>
-          <p:cNvPr id="2" name="Picture 1">
-            <a:extLst>
-              <a:ext uri="{FF2B5EF4-FFF2-40B4-BE49-F238E27FC236}">
-                <a16:creationId xmlns:a16="http://schemas.microsoft.com/office/drawing/2014/main" id="{7DB6273A-4FB9-463F-8CFE-000D3C81470E}"/>
-              </a:ext>
-            </a:extLst>
-          </p:cNvPr>
-          <p:cNvPicPr>
-            <a:picLocks noChangeAspect="1"/>
-          </p:cNvPicPr>
-          <p:nvPr/>
-        </p:nvPicPr>
-        <p:blipFill>
-          <a:blip r:embed="rId2"/>
-          <a:stretch>
-            <a:fillRect/>
-          </a:stretch>
-        </p:blipFill>
-        <p:spPr>
-          <a:xfrm>
-            <a:off x="4694660" y="2799676"/>
-            <a:ext cx="6136351" cy="3073997"/>
-          </a:xfrm>
-          <a:prstGeom prst="rect">
-            <a:avLst/>
-          </a:prstGeom>
-        </p:spPr>
-      </p:pic>
-    </p:spTree>
-    <p:extLst>
-      <p:ext uri="{BB962C8B-B14F-4D97-AF65-F5344CB8AC3E}">
-        <p14:creationId xmlns:p14="http://schemas.microsoft.com/office/powerpoint/2010/main" val="1081040829"/>
-      </p:ext>
-    </p:extLst>
-  </p:cSld>
-  <p:clrMapOvr>
-    <a:masterClrMapping/>
-  </p:clrMapOvr>
-</p:sld>
-</file>
-
-<file path=ppt/slides/slide11.xml><?xml version="1.0" encoding="utf-8"?>
-<p:sld xmlns:a="http://schemas.openxmlformats.org/drawingml/2006/main" xmlns:r="http://schemas.openxmlformats.org/officeDocument/2006/relationships" xmlns:p="http://schemas.openxmlformats.org/presentationml/2006/main">
-  <p:cSld>
-    <p:spTree>
-      <p:nvGrpSpPr>
-        <p:cNvPr id="1" name=""/>
-        <p:cNvGrpSpPr/>
-        <p:nvPr/>
-      </p:nvGrpSpPr>
-      <p:grpSpPr>
-        <a:xfrm>
-          <a:off x="0" y="0"/>
-          <a:ext cx="0" cy="0"/>
-          <a:chOff x="0" y="0"/>
-          <a:chExt cx="0" cy="0"/>
-        </a:xfrm>
-      </p:grpSpPr>
-      <p:sp>
-        <p:nvSpPr>
-          <p:cNvPr id="4" name="Title 3"/>
-          <p:cNvSpPr>
-            <a:spLocks noGrp="1"/>
-          </p:cNvSpPr>
-          <p:nvPr>
-            <p:ph type="title"/>
-          </p:nvPr>
-        </p:nvSpPr>
-        <p:spPr/>
-        <p:txBody>
-          <a:bodyPr>
-            <a:normAutofit/>
-          </a:bodyPr>
-          <a:lstStyle/>
-          <a:p>
-            <a:r>
-              <a:rPr lang="en-GB" dirty="0">
-                <a:solidFill>
-                  <a:schemeClr val="accent1"/>
-                </a:solidFill>
-              </a:rPr>
-              <a:t>Azure Container Registry</a:t>
-            </a:r>
-          </a:p>
-        </p:txBody>
-      </p:sp>
-      <p:sp>
-        <p:nvSpPr>
-          <p:cNvPr id="2" name="Text Placeholder 1"/>
-          <p:cNvSpPr>
-            <a:spLocks noGrp="1"/>
-          </p:cNvSpPr>
-          <p:nvPr>
-            <p:ph type="body" idx="1"/>
-          </p:nvPr>
-        </p:nvSpPr>
-        <p:spPr/>
-        <p:txBody>
-          <a:bodyPr/>
-          <a:lstStyle/>
-          <a:p>
-            <a:endParaRPr lang="en-GB" dirty="0"/>
-          </a:p>
-        </p:txBody>
-      </p:sp>
-    </p:spTree>
-    <p:extLst>
-      <p:ext uri="{BB962C8B-B14F-4D97-AF65-F5344CB8AC3E}">
-        <p14:creationId xmlns:p14="http://schemas.microsoft.com/office/powerpoint/2010/main" val="878579766"/>
-      </p:ext>
-    </p:extLst>
-  </p:cSld>
-  <p:clrMapOvr>
-    <a:masterClrMapping/>
-  </p:clrMapOvr>
-</p:sld>
-</file>
-
-<file path=ppt/slides/slide12.xml><?xml version="1.0" encoding="utf-8"?>
-<p:sld xmlns:a="http://schemas.openxmlformats.org/drawingml/2006/main" xmlns:r="http://schemas.openxmlformats.org/officeDocument/2006/relationships" xmlns:p="http://schemas.openxmlformats.org/presentationml/2006/main">
-  <p:cSld>
-    <p:spTree>
-      <p:nvGrpSpPr>
-        <p:cNvPr id="1" name=""/>
-        <p:cNvGrpSpPr/>
-        <p:nvPr/>
-      </p:nvGrpSpPr>
-      <p:grpSpPr>
-        <a:xfrm>
-          <a:off x="0" y="0"/>
-          <a:ext cx="0" cy="0"/>
-          <a:chOff x="0" y="0"/>
-          <a:chExt cx="0" cy="0"/>
-        </a:xfrm>
-      </p:grpSpPr>
-      <p:sp>
-        <p:nvSpPr>
-          <p:cNvPr id="6" name="Title 5"/>
-          <p:cNvSpPr>
-            <a:spLocks noGrp="1"/>
-          </p:cNvSpPr>
-          <p:nvPr>
-            <p:ph type="title"/>
-          </p:nvPr>
-        </p:nvSpPr>
-        <p:spPr>
-          <a:xfrm>
             <a:off x="331596" y="562708"/>
             <a:ext cx="10184004" cy="713433"/>
           </a:xfrm>
@@ -3824,7 +3597,7 @@
 </p:sld>
 </file>
 
-<file path=ppt/slides/slide13.xml><?xml version="1.0" encoding="utf-8"?>
+<file path=ppt/slides/slide11.xml><?xml version="1.0" encoding="utf-8"?>
 <p:sld xmlns:a="http://schemas.openxmlformats.org/drawingml/2006/main" xmlns:r="http://schemas.openxmlformats.org/officeDocument/2006/relationships" xmlns:p="http://schemas.openxmlformats.org/presentationml/2006/main">
   <p:cSld>
     <p:spTree>
@@ -4301,7 +4074,7 @@
 </p:sld>
 </file>
 
-<file path=ppt/slides/slide14.xml><?xml version="1.0" encoding="utf-8"?>
+<file path=ppt/slides/slide12.xml><?xml version="1.0" encoding="utf-8"?>
 <p:sld xmlns:a="http://schemas.openxmlformats.org/drawingml/2006/main" xmlns:r="http://schemas.openxmlformats.org/officeDocument/2006/relationships" xmlns:p="http://schemas.openxmlformats.org/presentationml/2006/main">
   <p:cSld>
     <p:spTree>
@@ -4452,7 +4225,7 @@
 </p:sld>
 </file>
 
-<file path=ppt/slides/slide15.xml><?xml version="1.0" encoding="utf-8"?>
+<file path=ppt/slides/slide13.xml><?xml version="1.0" encoding="utf-8"?>
 <p:sld xmlns:a="http://schemas.openxmlformats.org/drawingml/2006/main" xmlns:r="http://schemas.openxmlformats.org/officeDocument/2006/relationships" xmlns:p="http://schemas.openxmlformats.org/presentationml/2006/main">
   <p:cSld>
     <p:spTree>
@@ -4615,7 +4388,7 @@
 </p:sld>
 </file>
 
-<file path=ppt/slides/slide16.xml><?xml version="1.0" encoding="utf-8"?>
+<file path=ppt/slides/slide14.xml><?xml version="1.0" encoding="utf-8"?>
 <p:sld xmlns:a="http://schemas.openxmlformats.org/drawingml/2006/main" xmlns:r="http://schemas.openxmlformats.org/officeDocument/2006/relationships" xmlns:p="http://schemas.openxmlformats.org/presentationml/2006/main">
   <p:cSld>
     <p:spTree>
@@ -4738,13 +4511,13 @@
               <a:t>--location </a:t>
             </a:r>
             <a:r>
-              <a:rPr lang="en-US" sz="2400" dirty="0">
+              <a:rPr lang="en-US" sz="2400" dirty="0" err="1">
                 <a:solidFill>
                   <a:srgbClr val="A31515"/>
                 </a:solidFill>
                 <a:latin typeface="Consolas" panose="020B0609020204030204" pitchFamily="49" charset="0"/>
               </a:rPr>
-              <a:t>westus2</a:t>
+              <a:t>eastus</a:t>
             </a:r>
             <a:endParaRPr lang="en-US" sz="2400" dirty="0">
               <a:solidFill>
@@ -4763,10 +4536,10 @@
       </p:sp>
       <p:pic>
         <p:nvPicPr>
-          <p:cNvPr id="5" name="Picture 4">
+          <p:cNvPr id="4" name="Picture 3" descr="A screenshot of a cell phone&#10;&#10;Description generated with very high confidence">
             <a:extLst>
               <a:ext uri="{FF2B5EF4-FFF2-40B4-BE49-F238E27FC236}">
-                <a16:creationId xmlns:a16="http://schemas.microsoft.com/office/drawing/2014/main" id="{4FD4C7E1-BF4E-4E38-B512-72EC02AA6AC9}"/>
+                <a16:creationId xmlns:a16="http://schemas.microsoft.com/office/drawing/2014/main" id="{7B0EBB1D-C978-4B2E-8290-9C9864590B91}"/>
               </a:ext>
             </a:extLst>
           </p:cNvPr>
@@ -4776,15 +4549,21 @@
           <p:nvPr/>
         </p:nvPicPr>
         <p:blipFill>
-          <a:blip r:embed="rId2"/>
+          <a:blip r:embed="rId2">
+            <a:extLst>
+              <a:ext uri="{28A0092B-C50C-407E-A947-70E740481C1C}">
+                <a14:useLocalDpi xmlns:a14="http://schemas.microsoft.com/office/drawing/2010/main" val="0"/>
+              </a:ext>
+            </a:extLst>
+          </a:blip>
           <a:stretch>
             <a:fillRect/>
           </a:stretch>
         </p:blipFill>
         <p:spPr>
           <a:xfrm>
-            <a:off x="1160049" y="2057098"/>
-            <a:ext cx="9871901" cy="3416162"/>
+            <a:off x="460681" y="2057098"/>
+            <a:ext cx="11121003" cy="3540019"/>
           </a:xfrm>
           <a:prstGeom prst="rect">
             <a:avLst/>
@@ -4809,7 +4588,7 @@
 </p:sld>
 </file>
 
-<file path=ppt/slides/slide17.xml><?xml version="1.0" encoding="utf-8"?>
+<file path=ppt/slides/slide15.xml><?xml version="1.0" encoding="utf-8"?>
 <p:sld xmlns:a="http://schemas.openxmlformats.org/drawingml/2006/main" xmlns:r="http://schemas.openxmlformats.org/officeDocument/2006/relationships" xmlns:p="http://schemas.openxmlformats.org/presentationml/2006/main">
   <p:cSld>
     <p:spTree>
@@ -5101,7 +4880,7 @@
 </p:sld>
 </file>
 
-<file path=ppt/slides/slide18.xml><?xml version="1.0" encoding="utf-8"?>
+<file path=ppt/slides/slide16.xml><?xml version="1.0" encoding="utf-8"?>
 <p:sld xmlns:a="http://schemas.openxmlformats.org/drawingml/2006/main" xmlns:r="http://schemas.openxmlformats.org/officeDocument/2006/relationships" xmlns:p="http://schemas.openxmlformats.org/presentationml/2006/main">
   <p:cSld>
     <p:spTree>
@@ -5290,7 +5069,7 @@
 </p:sld>
 </file>
 
-<file path=ppt/slides/slide19.xml><?xml version="1.0" encoding="utf-8"?>
+<file path=ppt/slides/slide17.xml><?xml version="1.0" encoding="utf-8"?>
 <p:sld xmlns:a="http://schemas.openxmlformats.org/drawingml/2006/main" xmlns:r="http://schemas.openxmlformats.org/officeDocument/2006/relationships" xmlns:p="http://schemas.openxmlformats.org/presentationml/2006/main">
   <p:cSld>
     <p:spTree>
@@ -5486,192 +5265,7 @@
 </p:sld>
 </file>
 
-<file path=ppt/slides/slide2.xml><?xml version="1.0" encoding="utf-8"?>
-<p:sld xmlns:a="http://schemas.openxmlformats.org/drawingml/2006/main" xmlns:r="http://schemas.openxmlformats.org/officeDocument/2006/relationships" xmlns:p="http://schemas.openxmlformats.org/presentationml/2006/main">
-  <p:cSld>
-    <p:spTree>
-      <p:nvGrpSpPr>
-        <p:cNvPr id="1" name=""/>
-        <p:cNvGrpSpPr/>
-        <p:nvPr/>
-      </p:nvGrpSpPr>
-      <p:grpSpPr>
-        <a:xfrm>
-          <a:off x="0" y="0"/>
-          <a:ext cx="0" cy="0"/>
-          <a:chOff x="0" y="0"/>
-          <a:chExt cx="0" cy="0"/>
-        </a:xfrm>
-      </p:grpSpPr>
-      <p:sp>
-        <p:nvSpPr>
-          <p:cNvPr id="3" name="Content Placeholder 2"/>
-          <p:cNvSpPr>
-            <a:spLocks noGrp="1"/>
-          </p:cNvSpPr>
-          <p:nvPr>
-            <p:ph type="body" sz="half" idx="2"/>
-          </p:nvPr>
-        </p:nvSpPr>
-        <p:spPr>
-          <a:xfrm>
-            <a:off x="332496" y="1507253"/>
-            <a:ext cx="5687877" cy="4871940"/>
-          </a:xfrm>
-        </p:spPr>
-        <p:txBody>
-          <a:bodyPr>
-            <a:noAutofit/>
-          </a:bodyPr>
-          <a:lstStyle/>
-          <a:p>
-            <a:r>
-              <a:rPr lang="en-GB" sz="3200" b="1" dirty="0"/>
-              <a:t>Andrew Pruski</a:t>
-            </a:r>
-          </a:p>
-          <a:p>
-            <a:endParaRPr lang="en-GB" sz="2000" b="1" dirty="0"/>
-          </a:p>
-          <a:p>
-            <a:r>
-              <a:rPr lang="en-GB" sz="2000" dirty="0"/>
-              <a:t>@</a:t>
-            </a:r>
-            <a:r>
-              <a:rPr lang="en-GB" sz="2000" dirty="0" err="1"/>
-              <a:t>dbafromthecold</a:t>
-            </a:r>
-            <a:endParaRPr lang="en-GB" sz="2000" dirty="0"/>
-          </a:p>
-          <a:p>
-            <a:r>
-              <a:rPr lang="en-GB" sz="2000" dirty="0"/>
-              <a:t>dbafromthecold@gmail.com </a:t>
-            </a:r>
-          </a:p>
-          <a:p>
-            <a:r>
-              <a:rPr lang="en-GB" sz="2000" dirty="0">
-                <a:hlinkClick r:id="rId2"/>
-              </a:rPr>
-              <a:t>www.dbafromthecold.com</a:t>
-            </a:r>
-            <a:r>
-              <a:rPr lang="en-GB" sz="2000" dirty="0"/>
-              <a:t> </a:t>
-            </a:r>
-          </a:p>
-          <a:p>
-            <a:endParaRPr lang="en-GB" sz="2000" dirty="0"/>
-          </a:p>
-          <a:p>
-            <a:r>
-              <a:rPr lang="en-GB" sz="2000" dirty="0"/>
-              <a:t>SQL Server DBA &amp; Data Platform MVP</a:t>
-            </a:r>
-          </a:p>
-          <a:p>
-            <a:endParaRPr lang="en-GB" sz="2000" dirty="0"/>
-          </a:p>
-          <a:p>
-            <a:r>
-              <a:rPr lang="en-GB" sz="2000" dirty="0"/>
-              <a:t>Originally from Wales, now living in Dublin</a:t>
-            </a:r>
-          </a:p>
-        </p:txBody>
-      </p:sp>
-      <p:pic>
-        <p:nvPicPr>
-          <p:cNvPr id="11" name="Picture Placeholder 10">
-            <a:extLst>
-              <a:ext uri="{FF2B5EF4-FFF2-40B4-BE49-F238E27FC236}">
-                <a16:creationId xmlns:a16="http://schemas.microsoft.com/office/drawing/2014/main" id="{91456E69-669B-4B3F-8F79-98E110A2EBC9}"/>
-              </a:ext>
-            </a:extLst>
-          </p:cNvPr>
-          <p:cNvPicPr preferRelativeResize="0">
-            <a:picLocks noGrp="1" noChangeAspect="1"/>
-          </p:cNvPicPr>
-          <p:nvPr>
-            <p:ph type="pic" idx="1"/>
-          </p:nvPr>
-        </p:nvPicPr>
-        <p:blipFill>
-          <a:blip r:embed="rId3">
-            <a:extLst>
-              <a:ext uri="{28A0092B-C50C-407E-A947-70E740481C1C}">
-                <a14:useLocalDpi xmlns:a14="http://schemas.microsoft.com/office/drawing/2010/main" val="0"/>
-              </a:ext>
-            </a:extLst>
-          </a:blip>
-          <a:stretch>
-            <a:fillRect/>
-          </a:stretch>
-        </p:blipFill>
-        <p:spPr>
-          <a:xfrm>
-            <a:off x="6171629" y="1125933"/>
-            <a:ext cx="5033706" cy="4606133"/>
-          </a:xfrm>
-        </p:spPr>
-      </p:pic>
-      <p:sp>
-        <p:nvSpPr>
-          <p:cNvPr id="4" name="Title 5">
-            <a:extLst>
-              <a:ext uri="{FF2B5EF4-FFF2-40B4-BE49-F238E27FC236}">
-                <a16:creationId xmlns:a16="http://schemas.microsoft.com/office/drawing/2014/main" id="{70869C8A-19C3-4106-8ABE-A0D1E3A2EB00}"/>
-              </a:ext>
-            </a:extLst>
-          </p:cNvPr>
-          <p:cNvSpPr>
-            <a:spLocks noGrp="1"/>
-          </p:cNvSpPr>
-          <p:nvPr>
-            <p:ph type="title"/>
-          </p:nvPr>
-        </p:nvSpPr>
-        <p:spPr>
-          <a:xfrm>
-            <a:off x="332496" y="552658"/>
-            <a:ext cx="10184004" cy="693337"/>
-          </a:xfrm>
-        </p:spPr>
-        <p:txBody>
-          <a:bodyPr>
-            <a:noAutofit/>
-          </a:bodyPr>
-          <a:lstStyle/>
-          <a:p>
-            <a:r>
-              <a:rPr lang="en-US" altLang="en-US" sz="4400" dirty="0">
-                <a:solidFill>
-                  <a:schemeClr val="accent1">
-                    <a:lumMod val="75000"/>
-                  </a:schemeClr>
-                </a:solidFill>
-              </a:rPr>
-              <a:t>About Me</a:t>
-            </a:r>
-          </a:p>
-        </p:txBody>
-      </p:sp>
-    </p:spTree>
-    <p:extLst>
-      <p:ext uri="{BB962C8B-B14F-4D97-AF65-F5344CB8AC3E}">
-        <p14:creationId xmlns:p14="http://schemas.microsoft.com/office/powerpoint/2010/main" val="716322671"/>
-      </p:ext>
-    </p:extLst>
-  </p:cSld>
-  <p:clrMapOvr>
-    <a:masterClrMapping/>
-  </p:clrMapOvr>
-</p:sld>
-</file>
-
-<file path=ppt/slides/slide20.xml><?xml version="1.0" encoding="utf-8"?>
+<file path=ppt/slides/slide18.xml><?xml version="1.0" encoding="utf-8"?>
 <p:sld xmlns:a="http://schemas.openxmlformats.org/drawingml/2006/main" xmlns:r="http://schemas.openxmlformats.org/officeDocument/2006/relationships" xmlns:p="http://schemas.openxmlformats.org/presentationml/2006/main">
   <p:cSld>
     <p:spTree>
@@ -6166,7 +5760,7 @@
 </p:sld>
 </file>
 
-<file path=ppt/slides/slide21.xml><?xml version="1.0" encoding="utf-8"?>
+<file path=ppt/slides/slide19.xml><?xml version="1.0" encoding="utf-8"?>
 <p:sld xmlns:a="http://schemas.openxmlformats.org/drawingml/2006/main" xmlns:r="http://schemas.openxmlformats.org/officeDocument/2006/relationships" xmlns:p="http://schemas.openxmlformats.org/presentationml/2006/main">
   <p:cSld>
     <p:spTree>
@@ -6334,7 +5928,192 @@
 </p:sld>
 </file>
 
-<file path=ppt/slides/slide22.xml><?xml version="1.0" encoding="utf-8"?>
+<file path=ppt/slides/slide2.xml><?xml version="1.0" encoding="utf-8"?>
+<p:sld xmlns:a="http://schemas.openxmlformats.org/drawingml/2006/main" xmlns:r="http://schemas.openxmlformats.org/officeDocument/2006/relationships" xmlns:p="http://schemas.openxmlformats.org/presentationml/2006/main">
+  <p:cSld>
+    <p:spTree>
+      <p:nvGrpSpPr>
+        <p:cNvPr id="1" name=""/>
+        <p:cNvGrpSpPr/>
+        <p:nvPr/>
+      </p:nvGrpSpPr>
+      <p:grpSpPr>
+        <a:xfrm>
+          <a:off x="0" y="0"/>
+          <a:ext cx="0" cy="0"/>
+          <a:chOff x="0" y="0"/>
+          <a:chExt cx="0" cy="0"/>
+        </a:xfrm>
+      </p:grpSpPr>
+      <p:sp>
+        <p:nvSpPr>
+          <p:cNvPr id="3" name="Content Placeholder 2"/>
+          <p:cNvSpPr>
+            <a:spLocks noGrp="1"/>
+          </p:cNvSpPr>
+          <p:nvPr>
+            <p:ph type="body" sz="half" idx="2"/>
+          </p:nvPr>
+        </p:nvSpPr>
+        <p:spPr>
+          <a:xfrm>
+            <a:off x="332496" y="1507253"/>
+            <a:ext cx="5687877" cy="4871940"/>
+          </a:xfrm>
+        </p:spPr>
+        <p:txBody>
+          <a:bodyPr>
+            <a:noAutofit/>
+          </a:bodyPr>
+          <a:lstStyle/>
+          <a:p>
+            <a:r>
+              <a:rPr lang="en-GB" sz="3200" b="1" dirty="0"/>
+              <a:t>Andrew Pruski</a:t>
+            </a:r>
+          </a:p>
+          <a:p>
+            <a:endParaRPr lang="en-GB" sz="2000" b="1" dirty="0"/>
+          </a:p>
+          <a:p>
+            <a:r>
+              <a:rPr lang="en-GB" sz="2000" dirty="0"/>
+              <a:t>@</a:t>
+            </a:r>
+            <a:r>
+              <a:rPr lang="en-GB" sz="2000" dirty="0" err="1"/>
+              <a:t>dbafromthecold</a:t>
+            </a:r>
+            <a:endParaRPr lang="en-GB" sz="2000" dirty="0"/>
+          </a:p>
+          <a:p>
+            <a:r>
+              <a:rPr lang="en-GB" sz="2000" dirty="0"/>
+              <a:t>dbafromthecold@gmail.com </a:t>
+            </a:r>
+          </a:p>
+          <a:p>
+            <a:r>
+              <a:rPr lang="en-GB" sz="2000" dirty="0">
+                <a:hlinkClick r:id="rId2"/>
+              </a:rPr>
+              <a:t>www.dbafromthecold.com</a:t>
+            </a:r>
+            <a:r>
+              <a:rPr lang="en-GB" sz="2000" dirty="0"/>
+              <a:t> </a:t>
+            </a:r>
+          </a:p>
+          <a:p>
+            <a:endParaRPr lang="en-GB" sz="2000" dirty="0"/>
+          </a:p>
+          <a:p>
+            <a:r>
+              <a:rPr lang="en-GB" sz="2000" dirty="0"/>
+              <a:t>SQL Server DBA &amp; Data Platform MVP</a:t>
+            </a:r>
+          </a:p>
+          <a:p>
+            <a:endParaRPr lang="en-GB" sz="2000" dirty="0"/>
+          </a:p>
+          <a:p>
+            <a:r>
+              <a:rPr lang="en-GB" sz="2000" dirty="0"/>
+              <a:t>Originally from Wales, now living in Dublin</a:t>
+            </a:r>
+          </a:p>
+        </p:txBody>
+      </p:sp>
+      <p:pic>
+        <p:nvPicPr>
+          <p:cNvPr id="11" name="Picture Placeholder 10">
+            <a:extLst>
+              <a:ext uri="{FF2B5EF4-FFF2-40B4-BE49-F238E27FC236}">
+                <a16:creationId xmlns:a16="http://schemas.microsoft.com/office/drawing/2014/main" id="{91456E69-669B-4B3F-8F79-98E110A2EBC9}"/>
+              </a:ext>
+            </a:extLst>
+          </p:cNvPr>
+          <p:cNvPicPr preferRelativeResize="0">
+            <a:picLocks noGrp="1" noChangeAspect="1"/>
+          </p:cNvPicPr>
+          <p:nvPr>
+            <p:ph type="pic" idx="1"/>
+          </p:nvPr>
+        </p:nvPicPr>
+        <p:blipFill>
+          <a:blip r:embed="rId3">
+            <a:extLst>
+              <a:ext uri="{28A0092B-C50C-407E-A947-70E740481C1C}">
+                <a14:useLocalDpi xmlns:a14="http://schemas.microsoft.com/office/drawing/2010/main" val="0"/>
+              </a:ext>
+            </a:extLst>
+          </a:blip>
+          <a:stretch>
+            <a:fillRect/>
+          </a:stretch>
+        </p:blipFill>
+        <p:spPr>
+          <a:xfrm>
+            <a:off x="6171629" y="1125933"/>
+            <a:ext cx="5033706" cy="4606133"/>
+          </a:xfrm>
+        </p:spPr>
+      </p:pic>
+      <p:sp>
+        <p:nvSpPr>
+          <p:cNvPr id="4" name="Title 5">
+            <a:extLst>
+              <a:ext uri="{FF2B5EF4-FFF2-40B4-BE49-F238E27FC236}">
+                <a16:creationId xmlns:a16="http://schemas.microsoft.com/office/drawing/2014/main" id="{70869C8A-19C3-4106-8ABE-A0D1E3A2EB00}"/>
+              </a:ext>
+            </a:extLst>
+          </p:cNvPr>
+          <p:cNvSpPr>
+            <a:spLocks noGrp="1"/>
+          </p:cNvSpPr>
+          <p:nvPr>
+            <p:ph type="title"/>
+          </p:nvPr>
+        </p:nvSpPr>
+        <p:spPr>
+          <a:xfrm>
+            <a:off x="332496" y="552658"/>
+            <a:ext cx="10184004" cy="693337"/>
+          </a:xfrm>
+        </p:spPr>
+        <p:txBody>
+          <a:bodyPr>
+            <a:noAutofit/>
+          </a:bodyPr>
+          <a:lstStyle/>
+          <a:p>
+            <a:r>
+              <a:rPr lang="en-US" altLang="en-US" sz="4400" dirty="0">
+                <a:solidFill>
+                  <a:schemeClr val="accent1">
+                    <a:lumMod val="75000"/>
+                  </a:schemeClr>
+                </a:solidFill>
+              </a:rPr>
+              <a:t>About Me</a:t>
+            </a:r>
+          </a:p>
+        </p:txBody>
+      </p:sp>
+    </p:spTree>
+    <p:extLst>
+      <p:ext uri="{BB962C8B-B14F-4D97-AF65-F5344CB8AC3E}">
+        <p14:creationId xmlns:p14="http://schemas.microsoft.com/office/powerpoint/2010/main" val="716322671"/>
+      </p:ext>
+    </p:extLst>
+  </p:cSld>
+  <p:clrMapOvr>
+    <a:masterClrMapping/>
+  </p:clrMapOvr>
+</p:sld>
+</file>
+
+<file path=ppt/slides/slide20.xml><?xml version="1.0" encoding="utf-8"?>
 <p:sld xmlns:a="http://schemas.openxmlformats.org/drawingml/2006/main" xmlns:r="http://schemas.openxmlformats.org/officeDocument/2006/relationships" xmlns:p="http://schemas.openxmlformats.org/presentationml/2006/main">
   <p:cSld>
     <p:spTree>
@@ -6507,7 +6286,7 @@
 </p:sld>
 </file>
 
-<file path=ppt/slides/slide23.xml><?xml version="1.0" encoding="utf-8"?>
+<file path=ppt/slides/slide21.xml><?xml version="1.0" encoding="utf-8"?>
 <p:sld xmlns:a="http://schemas.openxmlformats.org/drawingml/2006/main" xmlns:r="http://schemas.openxmlformats.org/officeDocument/2006/relationships" xmlns:p="http://schemas.openxmlformats.org/presentationml/2006/main">
   <p:cSld>
     <p:spTree>
@@ -6675,7 +6454,7 @@
 </p:sld>
 </file>
 
-<file path=ppt/slides/slide24.xml><?xml version="1.0" encoding="utf-8"?>
+<file path=ppt/slides/slide22.xml><?xml version="1.0" encoding="utf-8"?>
 <p:sld xmlns:a="http://schemas.openxmlformats.org/drawingml/2006/main" xmlns:r="http://schemas.openxmlformats.org/officeDocument/2006/relationships" xmlns:p="http://schemas.openxmlformats.org/presentationml/2006/main">
   <p:cSld>
     <p:spTree>
@@ -6887,7 +6666,7 @@
 </p:sld>
 </file>
 
-<file path=ppt/slides/slide25.xml><?xml version="1.0" encoding="utf-8"?>
+<file path=ppt/slides/slide23.xml><?xml version="1.0" encoding="utf-8"?>
 <p:sld xmlns:a="http://schemas.openxmlformats.org/drawingml/2006/main" xmlns:r="http://schemas.openxmlformats.org/officeDocument/2006/relationships" xmlns:p="http://schemas.openxmlformats.org/presentationml/2006/main">
   <p:cSld>
     <p:spTree>
@@ -7139,7 +6918,7 @@
 </p:sld>
 </file>
 
-<file path=ppt/slides/slide26.xml><?xml version="1.0" encoding="utf-8"?>
+<file path=ppt/slides/slide24.xml><?xml version="1.0" encoding="utf-8"?>
 <p:sld xmlns:a="http://schemas.openxmlformats.org/drawingml/2006/main" xmlns:r="http://schemas.openxmlformats.org/officeDocument/2006/relationships" xmlns:p="http://schemas.openxmlformats.org/presentationml/2006/main">
   <p:cSld>
     <p:spTree>
@@ -7391,6 +7170,160 @@
 </p:sld>
 </file>
 
+<file path=ppt/slides/slide25.xml><?xml version="1.0" encoding="utf-8"?>
+<p:sld xmlns:a="http://schemas.openxmlformats.org/drawingml/2006/main" xmlns:r="http://schemas.openxmlformats.org/officeDocument/2006/relationships" xmlns:p="http://schemas.openxmlformats.org/presentationml/2006/main">
+  <p:cSld>
+    <p:spTree>
+      <p:nvGrpSpPr>
+        <p:cNvPr id="1" name=""/>
+        <p:cNvGrpSpPr/>
+        <p:nvPr/>
+      </p:nvGrpSpPr>
+      <p:grpSpPr>
+        <a:xfrm>
+          <a:off x="0" y="0"/>
+          <a:ext cx="0" cy="0"/>
+          <a:chOff x="0" y="0"/>
+          <a:chExt cx="0" cy="0"/>
+        </a:xfrm>
+      </p:grpSpPr>
+      <p:sp>
+        <p:nvSpPr>
+          <p:cNvPr id="4" name="Title 3"/>
+          <p:cNvSpPr>
+            <a:spLocks noGrp="1"/>
+          </p:cNvSpPr>
+          <p:nvPr>
+            <p:ph type="title"/>
+          </p:nvPr>
+        </p:nvSpPr>
+        <p:spPr/>
+        <p:txBody>
+          <a:bodyPr>
+            <a:normAutofit/>
+          </a:bodyPr>
+          <a:lstStyle/>
+          <a:p>
+            <a:r>
+              <a:rPr lang="en-GB" dirty="0">
+                <a:solidFill>
+                  <a:schemeClr val="accent1"/>
+                </a:solidFill>
+              </a:rPr>
+              <a:t>Demo</a:t>
+            </a:r>
+          </a:p>
+        </p:txBody>
+      </p:sp>
+      <p:sp>
+        <p:nvSpPr>
+          <p:cNvPr id="2" name="Text Placeholder 1"/>
+          <p:cNvSpPr>
+            <a:spLocks noGrp="1"/>
+          </p:cNvSpPr>
+          <p:nvPr>
+            <p:ph type="body" idx="1"/>
+          </p:nvPr>
+        </p:nvSpPr>
+        <p:spPr/>
+        <p:txBody>
+          <a:bodyPr/>
+          <a:lstStyle/>
+          <a:p>
+            <a:endParaRPr lang="en-GB" dirty="0"/>
+          </a:p>
+        </p:txBody>
+      </p:sp>
+    </p:spTree>
+    <p:extLst>
+      <p:ext uri="{BB962C8B-B14F-4D97-AF65-F5344CB8AC3E}">
+        <p14:creationId xmlns:p14="http://schemas.microsoft.com/office/powerpoint/2010/main" val="2593481242"/>
+      </p:ext>
+    </p:extLst>
+  </p:cSld>
+  <p:clrMapOvr>
+    <a:masterClrMapping/>
+  </p:clrMapOvr>
+</p:sld>
+</file>
+
+<file path=ppt/slides/slide26.xml><?xml version="1.0" encoding="utf-8"?>
+<p:sld xmlns:a="http://schemas.openxmlformats.org/drawingml/2006/main" xmlns:r="http://schemas.openxmlformats.org/officeDocument/2006/relationships" xmlns:p="http://schemas.openxmlformats.org/presentationml/2006/main">
+  <p:cSld>
+    <p:spTree>
+      <p:nvGrpSpPr>
+        <p:cNvPr id="1" name=""/>
+        <p:cNvGrpSpPr/>
+        <p:nvPr/>
+      </p:nvGrpSpPr>
+      <p:grpSpPr>
+        <a:xfrm>
+          <a:off x="0" y="0"/>
+          <a:ext cx="0" cy="0"/>
+          <a:chOff x="0" y="0"/>
+          <a:chExt cx="0" cy="0"/>
+        </a:xfrm>
+      </p:grpSpPr>
+      <p:sp>
+        <p:nvSpPr>
+          <p:cNvPr id="4" name="Title 3"/>
+          <p:cNvSpPr>
+            <a:spLocks noGrp="1"/>
+          </p:cNvSpPr>
+          <p:nvPr>
+            <p:ph type="title"/>
+          </p:nvPr>
+        </p:nvSpPr>
+        <p:spPr/>
+        <p:txBody>
+          <a:bodyPr>
+            <a:normAutofit/>
+          </a:bodyPr>
+          <a:lstStyle/>
+          <a:p>
+            <a:r>
+              <a:rPr lang="en-GB" dirty="0">
+                <a:solidFill>
+                  <a:schemeClr val="accent1"/>
+                </a:solidFill>
+              </a:rPr>
+              <a:t>Azure Container Instances</a:t>
+            </a:r>
+          </a:p>
+        </p:txBody>
+      </p:sp>
+      <p:sp>
+        <p:nvSpPr>
+          <p:cNvPr id="2" name="Text Placeholder 1"/>
+          <p:cNvSpPr>
+            <a:spLocks noGrp="1"/>
+          </p:cNvSpPr>
+          <p:nvPr>
+            <p:ph type="body" idx="1"/>
+          </p:nvPr>
+        </p:nvSpPr>
+        <p:spPr/>
+        <p:txBody>
+          <a:bodyPr/>
+          <a:lstStyle/>
+          <a:p>
+            <a:endParaRPr lang="en-GB" dirty="0"/>
+          </a:p>
+        </p:txBody>
+      </p:sp>
+    </p:spTree>
+    <p:extLst>
+      <p:ext uri="{BB962C8B-B14F-4D97-AF65-F5344CB8AC3E}">
+        <p14:creationId xmlns:p14="http://schemas.microsoft.com/office/powerpoint/2010/main" val="3077493872"/>
+      </p:ext>
+    </p:extLst>
+  </p:cSld>
+  <p:clrMapOvr>
+    <a:masterClrMapping/>
+  </p:clrMapOvr>
+</p:sld>
+</file>
+
 <file path=ppt/slides/slide27.xml><?xml version="1.0" encoding="utf-8"?>
 <p:sld xmlns:a="http://schemas.openxmlformats.org/drawingml/2006/main" xmlns:r="http://schemas.openxmlformats.org/officeDocument/2006/relationships" xmlns:p="http://schemas.openxmlformats.org/presentationml/2006/main">
   <p:cSld>
@@ -7410,7 +7343,7 @@
       </p:grpSpPr>
       <p:sp>
         <p:nvSpPr>
-          <p:cNvPr id="4" name="Title 3"/>
+          <p:cNvPr id="6" name="Title 5"/>
           <p:cNvSpPr>
             <a:spLocks noGrp="1"/>
           </p:cNvSpPr>
@@ -7418,7 +7351,12 @@
             <p:ph type="title"/>
           </p:nvPr>
         </p:nvSpPr>
-        <p:spPr/>
+        <p:spPr>
+          <a:xfrm>
+            <a:off x="331596" y="562708"/>
+            <a:ext cx="10184004" cy="713433"/>
+          </a:xfrm>
+        </p:spPr>
         <p:txBody>
           <a:bodyPr>
             <a:normAutofit/>
@@ -7428,37 +7366,97 @@
             <a:r>
               <a:rPr lang="en-GB" dirty="0">
                 <a:solidFill>
-                  <a:schemeClr val="accent1"/>
-                </a:solidFill>
-              </a:rPr>
-              <a:t>Demo</a:t>
-            </a:r>
-          </a:p>
-        </p:txBody>
-      </p:sp>
-      <p:sp>
-        <p:nvSpPr>
-          <p:cNvPr id="2" name="Text Placeholder 1"/>
-          <p:cNvSpPr>
-            <a:spLocks noGrp="1"/>
-          </p:cNvSpPr>
-          <p:nvPr>
-            <p:ph type="body" idx="1"/>
+                  <a:schemeClr val="accent1">
+                    <a:lumMod val="75000"/>
+                  </a:schemeClr>
+                </a:solidFill>
+              </a:rPr>
+              <a:t>Azure Container Instances</a:t>
+            </a:r>
+          </a:p>
+        </p:txBody>
+      </p:sp>
+      <p:sp>
+        <p:nvSpPr>
+          <p:cNvPr id="3" name="Subtitle 2"/>
+          <p:cNvSpPr>
+            <a:spLocks noGrp="1"/>
+          </p:cNvSpPr>
+          <p:nvPr>
+            <p:ph idx="1"/>
           </p:nvPr>
         </p:nvSpPr>
         <p:spPr/>
         <p:txBody>
-          <a:bodyPr/>
-          <a:lstStyle/>
-          <a:p>
-            <a:endParaRPr lang="en-GB" dirty="0"/>
+          <a:bodyPr>
+            <a:normAutofit/>
+          </a:bodyPr>
+          <a:lstStyle/>
+          <a:p>
+            <a:pPr marL="0" indent="0">
+              <a:buNone/>
+            </a:pPr>
+            <a:r>
+              <a:rPr lang="en-GB" sz="3200" dirty="0"/>
+              <a:t>Running containers without servers</a:t>
+            </a:r>
+          </a:p>
+          <a:p>
+            <a:pPr marL="0" indent="0">
+              <a:buNone/>
+            </a:pPr>
+            <a:r>
+              <a:rPr lang="en-GB" sz="3200" dirty="0"/>
+              <a:t>No need to manage VMs</a:t>
+            </a:r>
+          </a:p>
+          <a:p>
+            <a:pPr marL="0" indent="0">
+              <a:buNone/>
+            </a:pPr>
+            <a:r>
+              <a:rPr lang="en-GB" sz="3200" dirty="0"/>
+              <a:t>Spin up in seconds</a:t>
+            </a:r>
+          </a:p>
+          <a:p>
+            <a:pPr marL="0" indent="0">
+              <a:buNone/>
+            </a:pPr>
+            <a:r>
+              <a:rPr lang="en-GB" sz="3200" dirty="0"/>
+              <a:t>Deployed via the CLI, </a:t>
+            </a:r>
+            <a:r>
+              <a:rPr lang="en-GB" sz="3200" dirty="0" err="1"/>
+              <a:t>powershell</a:t>
+            </a:r>
+            <a:r>
+              <a:rPr lang="en-GB" sz="3200" dirty="0"/>
+              <a:t>, or Azure Portal</a:t>
+            </a:r>
+          </a:p>
+          <a:p>
+            <a:pPr marL="0" indent="0">
+              <a:buNone/>
+            </a:pPr>
+            <a:r>
+              <a:rPr lang="en-GB" sz="3200" dirty="0"/>
+              <a:t>Billed by the second</a:t>
+            </a:r>
+          </a:p>
+          <a:p>
+            <a:pPr marL="0" indent="0">
+              <a:buNone/>
+            </a:pPr>
+            <a:endParaRPr lang="en-GB" sz="3200" dirty="0"/>
           </a:p>
         </p:txBody>
       </p:sp>
     </p:spTree>
     <p:extLst>
       <p:ext uri="{BB962C8B-B14F-4D97-AF65-F5344CB8AC3E}">
-        <p14:creationId xmlns:p14="http://schemas.microsoft.com/office/powerpoint/2010/main" val="2593481242"/>
+        <p14:creationId xmlns:p14="http://schemas.microsoft.com/office/powerpoint/2010/main" val="2590341702"/>
       </p:ext>
     </p:extLst>
   </p:cSld>
@@ -7487,7 +7485,7 @@
       </p:grpSpPr>
       <p:sp>
         <p:nvSpPr>
-          <p:cNvPr id="4" name="Title 3"/>
+          <p:cNvPr id="6" name="Title 5"/>
           <p:cNvSpPr>
             <a:spLocks noGrp="1"/>
           </p:cNvSpPr>
@@ -7495,7 +7493,12 @@
             <p:ph type="title"/>
           </p:nvPr>
         </p:nvSpPr>
-        <p:spPr/>
+        <p:spPr>
+          <a:xfrm>
+            <a:off x="331596" y="562708"/>
+            <a:ext cx="10184004" cy="713433"/>
+          </a:xfrm>
+        </p:spPr>
         <p:txBody>
           <a:bodyPr>
             <a:normAutofit/>
@@ -7505,37 +7508,115 @@
             <a:r>
               <a:rPr lang="en-GB" dirty="0">
                 <a:solidFill>
-                  <a:schemeClr val="accent1"/>
-                </a:solidFill>
-              </a:rPr>
-              <a:t>Azure Container Instances</a:t>
-            </a:r>
-          </a:p>
-        </p:txBody>
-      </p:sp>
-      <p:sp>
-        <p:nvSpPr>
-          <p:cNvPr id="2" name="Text Placeholder 1"/>
-          <p:cNvSpPr>
-            <a:spLocks noGrp="1"/>
-          </p:cNvSpPr>
-          <p:nvPr>
-            <p:ph type="body" idx="1"/>
+                  <a:schemeClr val="accent1">
+                    <a:lumMod val="75000"/>
+                  </a:schemeClr>
+                </a:solidFill>
+              </a:rPr>
+              <a:t>ACI - Options</a:t>
+            </a:r>
+          </a:p>
+        </p:txBody>
+      </p:sp>
+      <p:sp>
+        <p:nvSpPr>
+          <p:cNvPr id="3" name="Subtitle 2"/>
+          <p:cNvSpPr>
+            <a:spLocks noGrp="1"/>
+          </p:cNvSpPr>
+          <p:nvPr>
+            <p:ph idx="1"/>
           </p:nvPr>
         </p:nvSpPr>
         <p:spPr/>
         <p:txBody>
-          <a:bodyPr/>
-          <a:lstStyle/>
-          <a:p>
-            <a:endParaRPr lang="en-GB" dirty="0"/>
+          <a:bodyPr>
+            <a:normAutofit/>
+          </a:bodyPr>
+          <a:lstStyle/>
+          <a:p>
+            <a:pPr marL="0" indent="0">
+              <a:buNone/>
+            </a:pPr>
+            <a:r>
+              <a:rPr lang="en-GB" sz="3200" dirty="0"/>
+              <a:t>Linux &amp; Windows containers</a:t>
+            </a:r>
+          </a:p>
+          <a:p>
+            <a:pPr marL="0" indent="0">
+              <a:buNone/>
+            </a:pPr>
+            <a:r>
+              <a:rPr lang="en-GB" sz="3200" dirty="0"/>
+              <a:t>Containers exposed directly to the internet</a:t>
+            </a:r>
+          </a:p>
+          <a:p>
+            <a:pPr marL="0" indent="0">
+              <a:buNone/>
+            </a:pPr>
+            <a:r>
+              <a:rPr lang="en-GB" sz="3200" dirty="0"/>
+              <a:t>	</a:t>
+            </a:r>
+            <a:r>
+              <a:rPr lang="en-GB" dirty="0"/>
+              <a:t>IP Address and FQDN</a:t>
+            </a:r>
+          </a:p>
+          <a:p>
+            <a:pPr marL="0" indent="0">
+              <a:buNone/>
+            </a:pPr>
+            <a:r>
+              <a:rPr lang="en-GB" sz="3200" dirty="0"/>
+              <a:t>Hypervisor level isolation</a:t>
+            </a:r>
+          </a:p>
+          <a:p>
+            <a:pPr marL="0" indent="0">
+              <a:buNone/>
+            </a:pPr>
+            <a:r>
+              <a:rPr lang="en-GB" sz="3200" dirty="0"/>
+              <a:t>Persistent storage</a:t>
+            </a:r>
+          </a:p>
+          <a:p>
+            <a:pPr marL="0" indent="0">
+              <a:buNone/>
+            </a:pPr>
+            <a:r>
+              <a:rPr lang="en-GB" sz="3200" dirty="0"/>
+              <a:t>	</a:t>
+            </a:r>
+            <a:r>
+              <a:rPr lang="en-GB" dirty="0"/>
+              <a:t>Azure files shares</a:t>
+            </a:r>
+          </a:p>
+          <a:p>
+            <a:pPr marL="0" indent="0">
+              <a:buNone/>
+            </a:pPr>
+            <a:r>
+              <a:rPr lang="en-GB" sz="3200" dirty="0"/>
+              <a:t>Container Groups</a:t>
+            </a:r>
+          </a:p>
+          <a:p>
+            <a:pPr marL="0" indent="0">
+              <a:buNone/>
+            </a:pPr>
+            <a:endParaRPr lang="en-GB" sz="3200" dirty="0"/>
           </a:p>
         </p:txBody>
       </p:sp>
     </p:spTree>
     <p:extLst>
       <p:ext uri="{BB962C8B-B14F-4D97-AF65-F5344CB8AC3E}">
-        <p14:creationId xmlns:p14="http://schemas.microsoft.com/office/powerpoint/2010/main" val="3077493872"/>
+        <p14:creationId xmlns:p14="http://schemas.microsoft.com/office/powerpoint/2010/main" val="334400448"/>
       </p:ext>
     </p:extLst>
   </p:cSld>
@@ -7592,7 +7673,7 @@
                   </a:schemeClr>
                 </a:solidFill>
               </a:rPr>
-              <a:t>Azure Container Instances</a:t>
+              <a:t>ACI – Get ACR Credentials</a:t>
             </a:r>
           </a:p>
         </p:txBody>
@@ -7618,53 +7699,207 @@
               <a:buNone/>
             </a:pPr>
             <a:r>
-              <a:rPr lang="en-GB" sz="3200" dirty="0"/>
-              <a:t>Running containers without servers</a:t>
-            </a:r>
-          </a:p>
-          <a:p>
-            <a:pPr marL="0" indent="0">
-              <a:buNone/>
-            </a:pPr>
-            <a:r>
-              <a:rPr lang="en-GB" sz="3200" dirty="0"/>
-              <a:t>No need to manage VMs</a:t>
-            </a:r>
-          </a:p>
-          <a:p>
-            <a:pPr marL="0" indent="0">
-              <a:buNone/>
-            </a:pPr>
-            <a:r>
-              <a:rPr lang="en-GB" sz="3200" dirty="0"/>
-              <a:t>Spin up in seconds</a:t>
-            </a:r>
-          </a:p>
-          <a:p>
-            <a:pPr marL="0" indent="0">
-              <a:buNone/>
-            </a:pPr>
-            <a:r>
-              <a:rPr lang="en-GB" sz="3200" dirty="0"/>
-              <a:t>Deployed via the CLI, </a:t>
-            </a:r>
-            <a:r>
-              <a:rPr lang="en-GB" sz="3200" dirty="0" err="1"/>
-              <a:t>powershell</a:t>
-            </a:r>
-            <a:r>
-              <a:rPr lang="en-GB" sz="3200" dirty="0"/>
-              <a:t>, or Azure Portal</a:t>
-            </a:r>
-          </a:p>
-          <a:p>
-            <a:pPr marL="0" indent="0">
-              <a:buNone/>
-            </a:pPr>
-            <a:r>
-              <a:rPr lang="en-GB" sz="3200" dirty="0"/>
-              <a:t>Billed by the second</a:t>
-            </a:r>
+              <a:rPr lang="en-IE" sz="2400" dirty="0">
+                <a:solidFill>
+                  <a:srgbClr val="008000"/>
+                </a:solidFill>
+                <a:latin typeface="Consolas" panose="020B0609020204030204" pitchFamily="49" charset="0"/>
+              </a:rPr>
+              <a:t># enable admin</a:t>
+            </a:r>
+            <a:endParaRPr lang="en-IE" sz="2400" dirty="0">
+              <a:solidFill>
+                <a:srgbClr val="000000"/>
+              </a:solidFill>
+              <a:latin typeface="Consolas" panose="020B0609020204030204" pitchFamily="49" charset="0"/>
+            </a:endParaRPr>
+          </a:p>
+          <a:p>
+            <a:pPr marL="0" indent="0">
+              <a:buNone/>
+            </a:pPr>
+            <a:r>
+              <a:rPr lang="en-IE" sz="2400" dirty="0" err="1">
+                <a:solidFill>
+                  <a:srgbClr val="0000FF"/>
+                </a:solidFill>
+                <a:latin typeface="Consolas" panose="020B0609020204030204" pitchFamily="49" charset="0"/>
+              </a:rPr>
+              <a:t>az</a:t>
+            </a:r>
+            <a:r>
+              <a:rPr lang="en-IE" sz="2400" dirty="0">
+                <a:solidFill>
+                  <a:srgbClr val="0000FF"/>
+                </a:solidFill>
+                <a:latin typeface="Consolas" panose="020B0609020204030204" pitchFamily="49" charset="0"/>
+              </a:rPr>
+              <a:t> </a:t>
+            </a:r>
+            <a:r>
+              <a:rPr lang="en-IE" sz="2400" dirty="0" err="1">
+                <a:solidFill>
+                  <a:srgbClr val="0000FF"/>
+                </a:solidFill>
+                <a:latin typeface="Consolas" panose="020B0609020204030204" pitchFamily="49" charset="0"/>
+              </a:rPr>
+              <a:t>acr</a:t>
+            </a:r>
+            <a:r>
+              <a:rPr lang="en-IE" sz="2400" dirty="0">
+                <a:solidFill>
+                  <a:srgbClr val="0000FF"/>
+                </a:solidFill>
+                <a:latin typeface="Consolas" panose="020B0609020204030204" pitchFamily="49" charset="0"/>
+              </a:rPr>
+              <a:t> update </a:t>
+            </a:r>
+            <a:r>
+              <a:rPr lang="en-IE" sz="2400" dirty="0">
+                <a:solidFill>
+                  <a:srgbClr val="000000"/>
+                </a:solidFill>
+                <a:latin typeface="Consolas" panose="020B0609020204030204" pitchFamily="49" charset="0"/>
+              </a:rPr>
+              <a:t>-n </a:t>
+            </a:r>
+            <a:r>
+              <a:rPr lang="en-IE" sz="2400" dirty="0">
+                <a:solidFill>
+                  <a:srgbClr val="A31515"/>
+                </a:solidFill>
+                <a:latin typeface="Consolas" panose="020B0609020204030204" pitchFamily="49" charset="0"/>
+              </a:rPr>
+              <a:t>TestContainerRegistry01 </a:t>
+            </a:r>
+            <a:r>
+              <a:rPr lang="en-IE" sz="2400" dirty="0">
+                <a:solidFill>
+                  <a:srgbClr val="000000"/>
+                </a:solidFill>
+                <a:latin typeface="Consolas" panose="020B0609020204030204" pitchFamily="49" charset="0"/>
+              </a:rPr>
+              <a:t>--admin-enabled </a:t>
+            </a:r>
+            <a:r>
+              <a:rPr lang="en-IE" sz="2400" dirty="0">
+                <a:solidFill>
+                  <a:srgbClr val="A31515"/>
+                </a:solidFill>
+                <a:latin typeface="Consolas" panose="020B0609020204030204" pitchFamily="49" charset="0"/>
+              </a:rPr>
+              <a:t>true</a:t>
+            </a:r>
+            <a:endParaRPr lang="en-IE" sz="2400" dirty="0">
+              <a:solidFill>
+                <a:srgbClr val="000000"/>
+              </a:solidFill>
+              <a:latin typeface="Consolas" panose="020B0609020204030204" pitchFamily="49" charset="0"/>
+            </a:endParaRPr>
+          </a:p>
+          <a:p>
+            <a:pPr marL="0" indent="0">
+              <a:buNone/>
+            </a:pPr>
+            <a:endParaRPr lang="en-IE" sz="2400" dirty="0">
+              <a:solidFill>
+                <a:srgbClr val="000000"/>
+              </a:solidFill>
+              <a:latin typeface="Consolas" panose="020B0609020204030204" pitchFamily="49" charset="0"/>
+            </a:endParaRPr>
+          </a:p>
+          <a:p>
+            <a:pPr marL="0" indent="0">
+              <a:buNone/>
+            </a:pPr>
+            <a:br>
+              <a:rPr lang="en-IE" sz="2400" dirty="0">
+                <a:solidFill>
+                  <a:srgbClr val="000000"/>
+                </a:solidFill>
+                <a:latin typeface="Consolas" panose="020B0609020204030204" pitchFamily="49" charset="0"/>
+              </a:rPr>
+            </a:br>
+            <a:r>
+              <a:rPr lang="en-IE" sz="2400" dirty="0">
+                <a:solidFill>
+                  <a:srgbClr val="008000"/>
+                </a:solidFill>
+                <a:latin typeface="Consolas" panose="020B0609020204030204" pitchFamily="49" charset="0"/>
+              </a:rPr>
+              <a:t># get credentials</a:t>
+            </a:r>
+            <a:endParaRPr lang="en-IE" sz="2400" dirty="0">
+              <a:solidFill>
+                <a:srgbClr val="000000"/>
+              </a:solidFill>
+              <a:latin typeface="Consolas" panose="020B0609020204030204" pitchFamily="49" charset="0"/>
+            </a:endParaRPr>
+          </a:p>
+          <a:p>
+            <a:pPr marL="0" indent="0">
+              <a:buNone/>
+            </a:pPr>
+            <a:r>
+              <a:rPr lang="en-IE" sz="2400" dirty="0" err="1">
+                <a:solidFill>
+                  <a:srgbClr val="0000FF"/>
+                </a:solidFill>
+                <a:latin typeface="Consolas" panose="020B0609020204030204" pitchFamily="49" charset="0"/>
+              </a:rPr>
+              <a:t>az</a:t>
+            </a:r>
+            <a:r>
+              <a:rPr lang="en-IE" sz="2400" dirty="0">
+                <a:solidFill>
+                  <a:srgbClr val="0000FF"/>
+                </a:solidFill>
+                <a:latin typeface="Consolas" panose="020B0609020204030204" pitchFamily="49" charset="0"/>
+              </a:rPr>
+              <a:t> </a:t>
+            </a:r>
+            <a:r>
+              <a:rPr lang="en-IE" sz="2400" dirty="0" err="1">
+                <a:solidFill>
+                  <a:srgbClr val="0000FF"/>
+                </a:solidFill>
+                <a:latin typeface="Consolas" panose="020B0609020204030204" pitchFamily="49" charset="0"/>
+              </a:rPr>
+              <a:t>acr</a:t>
+            </a:r>
+            <a:r>
+              <a:rPr lang="en-IE" sz="2400" dirty="0">
+                <a:solidFill>
+                  <a:srgbClr val="0000FF"/>
+                </a:solidFill>
+                <a:latin typeface="Consolas" panose="020B0609020204030204" pitchFamily="49" charset="0"/>
+              </a:rPr>
+              <a:t> credential show </a:t>
+            </a:r>
+            <a:r>
+              <a:rPr lang="en-IE" sz="2400" dirty="0">
+                <a:solidFill>
+                  <a:srgbClr val="000000"/>
+                </a:solidFill>
+                <a:latin typeface="Consolas" panose="020B0609020204030204" pitchFamily="49" charset="0"/>
+              </a:rPr>
+              <a:t>-n </a:t>
+            </a:r>
+            <a:r>
+              <a:rPr lang="en-IE" sz="2400" dirty="0">
+                <a:solidFill>
+                  <a:srgbClr val="A31515"/>
+                </a:solidFill>
+                <a:latin typeface="Consolas" panose="020B0609020204030204" pitchFamily="49" charset="0"/>
+              </a:rPr>
+              <a:t>TestContainerRegistry01</a:t>
+            </a:r>
+            <a:endParaRPr lang="en-IE" sz="2400" dirty="0">
+              <a:solidFill>
+                <a:srgbClr val="000000"/>
+              </a:solidFill>
+              <a:latin typeface="Consolas" panose="020B0609020204030204" pitchFamily="49" charset="0"/>
+            </a:endParaRPr>
           </a:p>
           <a:p>
             <a:pPr marL="0" indent="0">
@@ -7677,7 +7912,7 @@
     </p:spTree>
     <p:extLst>
       <p:ext uri="{BB962C8B-B14F-4D97-AF65-F5344CB8AC3E}">
-        <p14:creationId xmlns:p14="http://schemas.microsoft.com/office/powerpoint/2010/main" val="2590341702"/>
+        <p14:creationId xmlns:p14="http://schemas.microsoft.com/office/powerpoint/2010/main" val="700758029"/>
       </p:ext>
     </p:extLst>
   </p:cSld>
@@ -7831,7 +8066,7 @@
                   </a:schemeClr>
                 </a:solidFill>
               </a:rPr>
-              <a:t>ACI - Options</a:t>
+              <a:t>ACI – Create Container</a:t>
             </a:r>
           </a:p>
         </p:txBody>
@@ -7846,10 +8081,15 @@
             <p:ph idx="1"/>
           </p:nvPr>
         </p:nvSpPr>
-        <p:spPr/>
+        <p:spPr>
+          <a:xfrm>
+            <a:off x="838199" y="1825625"/>
+            <a:ext cx="10973499" cy="4351338"/>
+          </a:xfrm>
+        </p:spPr>
         <p:txBody>
           <a:bodyPr>
-            <a:normAutofit/>
+            <a:normAutofit fontScale="70000" lnSpcReduction="20000"/>
           </a:bodyPr>
           <a:lstStyle/>
           <a:p>
@@ -7857,71 +8097,398 @@
               <a:buNone/>
             </a:pPr>
             <a:r>
-              <a:rPr lang="en-GB" sz="3200" dirty="0"/>
-              <a:t>Linux &amp; Windows containers</a:t>
-            </a:r>
-          </a:p>
-          <a:p>
-            <a:pPr marL="0" indent="0">
-              <a:buNone/>
-            </a:pPr>
-            <a:r>
-              <a:rPr lang="en-GB" sz="3200" dirty="0"/>
-              <a:t>Containers exposed directly to the internet</a:t>
-            </a:r>
-          </a:p>
-          <a:p>
-            <a:pPr marL="0" indent="0">
-              <a:buNone/>
-            </a:pPr>
-            <a:r>
-              <a:rPr lang="en-GB" sz="3200" dirty="0"/>
+              <a:rPr lang="en-IE" sz="3200" dirty="0" err="1">
+                <a:solidFill>
+                  <a:srgbClr val="0000FF"/>
+                </a:solidFill>
+                <a:latin typeface="Consolas" panose="020B0609020204030204" pitchFamily="49" charset="0"/>
+              </a:rPr>
+              <a:t>az</a:t>
+            </a:r>
+            <a:r>
+              <a:rPr lang="en-IE" sz="3200" dirty="0">
+                <a:solidFill>
+                  <a:srgbClr val="0000FF"/>
+                </a:solidFill>
+                <a:latin typeface="Consolas" panose="020B0609020204030204" pitchFamily="49" charset="0"/>
+              </a:rPr>
+              <a:t> container create </a:t>
+            </a:r>
+            <a:r>
+              <a:rPr lang="en-IE" sz="3200" dirty="0">
+                <a:latin typeface="Consolas" panose="020B0609020204030204" pitchFamily="49" charset="0"/>
+              </a:rPr>
+              <a:t>`</a:t>
+            </a:r>
+          </a:p>
+          <a:p>
+            <a:pPr marL="0" indent="0">
+              <a:buNone/>
+            </a:pPr>
+            <a:r>
+              <a:rPr lang="en-IE" sz="3200" dirty="0">
+                <a:solidFill>
+                  <a:srgbClr val="000000"/>
+                </a:solidFill>
+                <a:latin typeface="Consolas" panose="020B0609020204030204" pitchFamily="49" charset="0"/>
+              </a:rPr>
+              <a:t>  --resource-group </a:t>
+            </a:r>
+            <a:r>
+              <a:rPr lang="en-IE" sz="3200" dirty="0">
+                <a:solidFill>
+                  <a:srgbClr val="A31515"/>
+                </a:solidFill>
+                <a:latin typeface="Consolas" panose="020B0609020204030204" pitchFamily="49" charset="0"/>
+              </a:rPr>
+              <a:t>containers1 </a:t>
+            </a:r>
+            <a:r>
+              <a:rPr lang="en-IE" sz="3200" dirty="0">
+                <a:latin typeface="Consolas" panose="020B0609020204030204" pitchFamily="49" charset="0"/>
+              </a:rPr>
+              <a:t>`</a:t>
+            </a:r>
+          </a:p>
+          <a:p>
+            <a:pPr marL="0" indent="0">
+              <a:buNone/>
+            </a:pPr>
+            <a:r>
+              <a:rPr lang="en-IE" sz="3200" dirty="0">
+                <a:solidFill>
+                  <a:srgbClr val="000000"/>
+                </a:solidFill>
+                <a:latin typeface="Consolas" panose="020B0609020204030204" pitchFamily="49" charset="0"/>
+              </a:rPr>
+              <a:t>	--image </a:t>
+            </a:r>
+            <a:r>
+              <a:rPr lang="en-IE" sz="3200" dirty="0">
+                <a:solidFill>
+                  <a:srgbClr val="A31515"/>
+                </a:solidFill>
+                <a:latin typeface="Consolas" panose="020B0609020204030204" pitchFamily="49" charset="0"/>
+              </a:rPr>
+              <a:t>testcontainerregistry01.azurecr.io/</a:t>
+            </a:r>
+            <a:r>
+              <a:rPr lang="en-IE" sz="3200" dirty="0" err="1">
+                <a:solidFill>
+                  <a:srgbClr val="A31515"/>
+                </a:solidFill>
+                <a:latin typeface="Consolas" panose="020B0609020204030204" pitchFamily="49" charset="0"/>
+              </a:rPr>
+              <a:t>devsqlimage:latest</a:t>
+            </a:r>
+            <a:r>
+              <a:rPr lang="en-IE" sz="3200" dirty="0">
+                <a:solidFill>
+                  <a:srgbClr val="A31515"/>
+                </a:solidFill>
+                <a:latin typeface="Consolas" panose="020B0609020204030204" pitchFamily="49" charset="0"/>
+              </a:rPr>
+              <a:t> </a:t>
+            </a:r>
+            <a:r>
+              <a:rPr lang="en-IE" sz="3200" dirty="0">
+                <a:latin typeface="Consolas" panose="020B0609020204030204" pitchFamily="49" charset="0"/>
+              </a:rPr>
+              <a:t>`</a:t>
+            </a:r>
+          </a:p>
+          <a:p>
+            <a:pPr marL="0" indent="0">
+              <a:buNone/>
+            </a:pPr>
+            <a:r>
+              <a:rPr lang="en-IE" sz="3200" dirty="0">
+                <a:solidFill>
+                  <a:srgbClr val="000000"/>
+                </a:solidFill>
+                <a:latin typeface="Consolas" panose="020B0609020204030204" pitchFamily="49" charset="0"/>
+              </a:rPr>
+              <a:t>	  --registry-username </a:t>
+            </a:r>
+            <a:r>
+              <a:rPr lang="en-IE" sz="3200" i="1" dirty="0">
+                <a:solidFill>
+                  <a:srgbClr val="A31515"/>
+                </a:solidFill>
+                <a:latin typeface="Consolas" panose="020B0609020204030204" pitchFamily="49" charset="0"/>
+              </a:rPr>
+              <a:t>&lt;&lt;USERNAME&gt;&gt; </a:t>
+            </a:r>
+            <a:r>
+              <a:rPr lang="en-IE" sz="3200" dirty="0">
+                <a:latin typeface="Consolas" panose="020B0609020204030204" pitchFamily="49" charset="0"/>
+              </a:rPr>
+              <a:t>`</a:t>
+            </a:r>
+          </a:p>
+          <a:p>
+            <a:pPr marL="0" indent="0">
+              <a:buNone/>
+            </a:pPr>
+            <a:r>
+              <a:rPr lang="en-IE" sz="3200" dirty="0">
+                <a:solidFill>
+                  <a:srgbClr val="0000FF"/>
+                </a:solidFill>
+                <a:latin typeface="Consolas" panose="020B0609020204030204" pitchFamily="49" charset="0"/>
+              </a:rPr>
+              <a:t>		</a:t>
+            </a:r>
+            <a:r>
+              <a:rPr lang="en-IE" sz="3200" dirty="0">
+                <a:solidFill>
+                  <a:srgbClr val="000000"/>
+                </a:solidFill>
+                <a:latin typeface="Consolas" panose="020B0609020204030204" pitchFamily="49" charset="0"/>
+              </a:rPr>
+              <a:t>--registry-password </a:t>
+            </a:r>
+            <a:r>
+              <a:rPr lang="en-IE" sz="3200" i="1" dirty="0">
+                <a:solidFill>
+                  <a:srgbClr val="A31515"/>
+                </a:solidFill>
+                <a:latin typeface="Consolas" panose="020B0609020204030204" pitchFamily="49" charset="0"/>
+              </a:rPr>
+              <a:t>&lt;&lt;PASSWORD&gt;&gt; </a:t>
+            </a:r>
+            <a:r>
+              <a:rPr lang="en-IE" sz="3200" dirty="0">
+                <a:latin typeface="Consolas" panose="020B0609020204030204" pitchFamily="49" charset="0"/>
+              </a:rPr>
+              <a:t>`</a:t>
+            </a:r>
+          </a:p>
+          <a:p>
+            <a:pPr marL="0" indent="0">
+              <a:buNone/>
+            </a:pPr>
+            <a:r>
+              <a:rPr lang="en-IE" sz="3200" dirty="0">
+                <a:solidFill>
+                  <a:srgbClr val="0000FF"/>
+                </a:solidFill>
+                <a:latin typeface="Consolas" panose="020B0609020204030204" pitchFamily="49" charset="0"/>
+              </a:rPr>
+              <a:t>		  </a:t>
+            </a:r>
+            <a:r>
+              <a:rPr lang="en-IE" sz="3200" dirty="0">
+                <a:solidFill>
+                  <a:srgbClr val="000000"/>
+                </a:solidFill>
+                <a:latin typeface="Consolas" panose="020B0609020204030204" pitchFamily="49" charset="0"/>
+              </a:rPr>
+              <a:t>--name </a:t>
+            </a:r>
+            <a:r>
+              <a:rPr lang="en-IE" sz="3200" dirty="0">
+                <a:solidFill>
+                  <a:srgbClr val="A31515"/>
+                </a:solidFill>
+                <a:latin typeface="Consolas" panose="020B0609020204030204" pitchFamily="49" charset="0"/>
+              </a:rPr>
+              <a:t>testcontainer1 </a:t>
+            </a:r>
+            <a:r>
+              <a:rPr lang="en-IE" sz="3200" dirty="0">
+                <a:latin typeface="Consolas" panose="020B0609020204030204" pitchFamily="49" charset="0"/>
+              </a:rPr>
+              <a:t>`</a:t>
+            </a:r>
+          </a:p>
+          <a:p>
+            <a:pPr marL="0" indent="0">
+              <a:buNone/>
+            </a:pPr>
+            <a:r>
+              <a:rPr lang="en-IE" sz="3200" dirty="0">
+                <a:solidFill>
+                  <a:srgbClr val="0000FF"/>
+                </a:solidFill>
+                <a:latin typeface="Consolas" panose="020B0609020204030204" pitchFamily="49" charset="0"/>
+              </a:rPr>
+              <a:t>		    </a:t>
+            </a:r>
+            <a:r>
+              <a:rPr lang="en-IE" sz="3200" dirty="0">
+                <a:solidFill>
+                  <a:srgbClr val="000000"/>
+                </a:solidFill>
+                <a:latin typeface="Consolas" panose="020B0609020204030204" pitchFamily="49" charset="0"/>
+              </a:rPr>
+              <a:t>--</a:t>
+            </a:r>
+            <a:r>
+              <a:rPr lang="en-IE" sz="3200" dirty="0" err="1">
+                <a:solidFill>
+                  <a:srgbClr val="000000"/>
+                </a:solidFill>
+                <a:latin typeface="Consolas" panose="020B0609020204030204" pitchFamily="49" charset="0"/>
+              </a:rPr>
+              <a:t>cpu</a:t>
+            </a:r>
+            <a:r>
+              <a:rPr lang="en-IE" sz="3200" dirty="0">
+                <a:solidFill>
+                  <a:srgbClr val="000000"/>
+                </a:solidFill>
+                <a:latin typeface="Consolas" panose="020B0609020204030204" pitchFamily="49" charset="0"/>
+              </a:rPr>
+              <a:t> </a:t>
+            </a:r>
+            <a:r>
+              <a:rPr lang="en-IE" sz="3200" dirty="0">
+                <a:solidFill>
+                  <a:srgbClr val="A31515"/>
+                </a:solidFill>
+                <a:latin typeface="Consolas" panose="020B0609020204030204" pitchFamily="49" charset="0"/>
+              </a:rPr>
+              <a:t>2 </a:t>
+            </a:r>
+            <a:r>
+              <a:rPr lang="en-IE" sz="3200" dirty="0">
+                <a:solidFill>
+                  <a:srgbClr val="000000"/>
+                </a:solidFill>
+                <a:latin typeface="Consolas" panose="020B0609020204030204" pitchFamily="49" charset="0"/>
+              </a:rPr>
+              <a:t>--memory </a:t>
+            </a:r>
+            <a:r>
+              <a:rPr lang="en-IE" sz="3200" dirty="0">
+                <a:solidFill>
+                  <a:srgbClr val="A31515"/>
+                </a:solidFill>
+                <a:latin typeface="Consolas" panose="020B0609020204030204" pitchFamily="49" charset="0"/>
+              </a:rPr>
+              <a:t>4 </a:t>
+            </a:r>
+            <a:r>
+              <a:rPr lang="en-IE" sz="3200" dirty="0">
+                <a:latin typeface="Consolas" panose="020B0609020204030204" pitchFamily="49" charset="0"/>
+              </a:rPr>
+              <a:t>`</a:t>
+            </a:r>
+          </a:p>
+          <a:p>
+            <a:pPr marL="0" indent="0">
+              <a:buNone/>
+            </a:pPr>
+            <a:r>
+              <a:rPr lang="en-IE" sz="3200" dirty="0">
+                <a:solidFill>
+                  <a:srgbClr val="000000"/>
+                </a:solidFill>
+                <a:latin typeface="Consolas" panose="020B0609020204030204" pitchFamily="49" charset="0"/>
+              </a:rPr>
+              <a:t>--environment-variables </a:t>
+            </a:r>
+            <a:r>
+              <a:rPr lang="en-IE" sz="3200" dirty="0">
+                <a:solidFill>
+                  <a:srgbClr val="A31515"/>
+                </a:solidFill>
+                <a:latin typeface="Consolas" panose="020B0609020204030204" pitchFamily="49" charset="0"/>
+              </a:rPr>
+              <a:t>ACCEPT_EULA=Y SA_PASSWORD=Testing1122 </a:t>
+            </a:r>
+            <a:r>
+              <a:rPr lang="en-IE" sz="3200" dirty="0">
+                <a:latin typeface="Consolas" panose="020B0609020204030204" pitchFamily="49" charset="0"/>
+              </a:rPr>
+              <a:t>`</a:t>
+            </a:r>
+          </a:p>
+          <a:p>
+            <a:pPr marL="0" indent="0">
+              <a:buNone/>
+            </a:pPr>
+            <a:r>
+              <a:rPr lang="en-IE" sz="3200" dirty="0">
+                <a:solidFill>
+                  <a:srgbClr val="000000"/>
+                </a:solidFill>
+                <a:latin typeface="Consolas" panose="020B0609020204030204" pitchFamily="49" charset="0"/>
+              </a:rPr>
+              <a:t>  --</a:t>
+            </a:r>
+            <a:r>
+              <a:rPr lang="en-IE" sz="3200" dirty="0" err="1">
+                <a:solidFill>
+                  <a:srgbClr val="000000"/>
+                </a:solidFill>
+                <a:latin typeface="Consolas" panose="020B0609020204030204" pitchFamily="49" charset="0"/>
+              </a:rPr>
+              <a:t>ip</a:t>
+            </a:r>
+            <a:r>
+              <a:rPr lang="en-IE" sz="3200" dirty="0">
+                <a:solidFill>
+                  <a:srgbClr val="000000"/>
+                </a:solidFill>
+                <a:latin typeface="Consolas" panose="020B0609020204030204" pitchFamily="49" charset="0"/>
+              </a:rPr>
+              <a:t>-address </a:t>
+            </a:r>
+            <a:r>
+              <a:rPr lang="en-IE" sz="3200" dirty="0">
+                <a:solidFill>
+                  <a:srgbClr val="A31515"/>
+                </a:solidFill>
+                <a:latin typeface="Consolas" panose="020B0609020204030204" pitchFamily="49" charset="0"/>
+              </a:rPr>
+              <a:t>public </a:t>
+            </a:r>
+            <a:r>
+              <a:rPr lang="en-IE" sz="3200" dirty="0">
+                <a:latin typeface="Consolas" panose="020B0609020204030204" pitchFamily="49" charset="0"/>
+              </a:rPr>
+              <a:t>`</a:t>
+            </a:r>
+          </a:p>
+          <a:p>
+            <a:pPr marL="0" indent="0">
+              <a:buNone/>
+            </a:pPr>
+            <a:r>
+              <a:rPr lang="en-IE" sz="3200" dirty="0">
+                <a:solidFill>
+                  <a:srgbClr val="0000FF"/>
+                </a:solidFill>
+                <a:latin typeface="Consolas" panose="020B0609020204030204" pitchFamily="49" charset="0"/>
+              </a:rPr>
               <a:t>	</a:t>
             </a:r>
             <a:r>
-              <a:rPr lang="en-GB" dirty="0"/>
-              <a:t>IP Address and FQDN</a:t>
-            </a:r>
-          </a:p>
-          <a:p>
-            <a:pPr marL="0" indent="0">
-              <a:buNone/>
-            </a:pPr>
-            <a:r>
-              <a:rPr lang="en-GB" sz="3200" dirty="0"/>
-              <a:t>Hypervisor level isolation</a:t>
-            </a:r>
-          </a:p>
-          <a:p>
-            <a:pPr marL="0" indent="0">
-              <a:buNone/>
-            </a:pPr>
-            <a:r>
-              <a:rPr lang="en-GB" sz="3200" dirty="0"/>
-              <a:t>Persistent storage</a:t>
-            </a:r>
-          </a:p>
-          <a:p>
-            <a:pPr marL="0" indent="0">
-              <a:buNone/>
-            </a:pPr>
-            <a:r>
-              <a:rPr lang="en-GB" sz="3200" dirty="0"/>
-              <a:t>	</a:t>
-            </a:r>
-            <a:r>
-              <a:rPr lang="en-GB" dirty="0"/>
-              <a:t>Azure files shares</a:t>
-            </a:r>
-          </a:p>
-          <a:p>
-            <a:pPr marL="0" indent="0">
-              <a:buNone/>
-            </a:pPr>
-            <a:r>
-              <a:rPr lang="en-GB" sz="3200" dirty="0"/>
-              <a:t>Container Groups</a:t>
-            </a:r>
+              <a:rPr lang="en-IE" sz="3200" dirty="0">
+                <a:solidFill>
+                  <a:srgbClr val="000000"/>
+                </a:solidFill>
+                <a:latin typeface="Consolas" panose="020B0609020204030204" pitchFamily="49" charset="0"/>
+              </a:rPr>
+              <a:t>--ports </a:t>
+            </a:r>
+            <a:r>
+              <a:rPr lang="en-IE" sz="3200" dirty="0">
+                <a:solidFill>
+                  <a:srgbClr val="A31515"/>
+                </a:solidFill>
+                <a:latin typeface="Consolas" panose="020B0609020204030204" pitchFamily="49" charset="0"/>
+              </a:rPr>
+              <a:t>1433</a:t>
+            </a:r>
+            <a:endParaRPr lang="en-IE" sz="3200" dirty="0">
+              <a:solidFill>
+                <a:srgbClr val="000000"/>
+              </a:solidFill>
+              <a:latin typeface="Consolas" panose="020B0609020204030204" pitchFamily="49" charset="0"/>
+            </a:endParaRPr>
           </a:p>
           <a:p>
             <a:pPr marL="0" indent="0">
@@ -7934,7 +8501,7 @@
     </p:spTree>
     <p:extLst>
       <p:ext uri="{BB962C8B-B14F-4D97-AF65-F5344CB8AC3E}">
-        <p14:creationId xmlns:p14="http://schemas.microsoft.com/office/powerpoint/2010/main" val="334400448"/>
+        <p14:creationId xmlns:p14="http://schemas.microsoft.com/office/powerpoint/2010/main" val="29742966"/>
       </p:ext>
     </p:extLst>
   </p:cSld>
@@ -7973,812 +8540,6 @@
         </p:nvSpPr>
         <p:spPr>
           <a:xfrm>
-            <a:off x="331596" y="562708"/>
-            <a:ext cx="10184004" cy="713433"/>
-          </a:xfrm>
-        </p:spPr>
-        <p:txBody>
-          <a:bodyPr>
-            <a:normAutofit/>
-          </a:bodyPr>
-          <a:lstStyle/>
-          <a:p>
-            <a:r>
-              <a:rPr lang="en-GB" dirty="0">
-                <a:solidFill>
-                  <a:schemeClr val="accent1">
-                    <a:lumMod val="75000"/>
-                  </a:schemeClr>
-                </a:solidFill>
-              </a:rPr>
-              <a:t>ACI – Get ACR Credentials</a:t>
-            </a:r>
-          </a:p>
-        </p:txBody>
-      </p:sp>
-      <p:sp>
-        <p:nvSpPr>
-          <p:cNvPr id="3" name="Subtitle 2"/>
-          <p:cNvSpPr>
-            <a:spLocks noGrp="1"/>
-          </p:cNvSpPr>
-          <p:nvPr>
-            <p:ph idx="1"/>
-          </p:nvPr>
-        </p:nvSpPr>
-        <p:spPr/>
-        <p:txBody>
-          <a:bodyPr>
-            <a:normAutofit/>
-          </a:bodyPr>
-          <a:lstStyle/>
-          <a:p>
-            <a:pPr marL="0" indent="0">
-              <a:buNone/>
-            </a:pPr>
-            <a:r>
-              <a:rPr lang="en-IE" sz="2400" dirty="0">
-                <a:solidFill>
-                  <a:srgbClr val="008000"/>
-                </a:solidFill>
-                <a:latin typeface="Consolas" panose="020B0609020204030204" pitchFamily="49" charset="0"/>
-              </a:rPr>
-              <a:t># enable admin</a:t>
-            </a:r>
-            <a:endParaRPr lang="en-IE" sz="2400" dirty="0">
-              <a:solidFill>
-                <a:srgbClr val="000000"/>
-              </a:solidFill>
-              <a:latin typeface="Consolas" panose="020B0609020204030204" pitchFamily="49" charset="0"/>
-            </a:endParaRPr>
-          </a:p>
-          <a:p>
-            <a:pPr marL="0" indent="0">
-              <a:buNone/>
-            </a:pPr>
-            <a:r>
-              <a:rPr lang="en-IE" sz="2400" dirty="0" err="1">
-                <a:solidFill>
-                  <a:srgbClr val="0000FF"/>
-                </a:solidFill>
-                <a:latin typeface="Consolas" panose="020B0609020204030204" pitchFamily="49" charset="0"/>
-              </a:rPr>
-              <a:t>az</a:t>
-            </a:r>
-            <a:r>
-              <a:rPr lang="en-IE" sz="2400" dirty="0">
-                <a:solidFill>
-                  <a:srgbClr val="0000FF"/>
-                </a:solidFill>
-                <a:latin typeface="Consolas" panose="020B0609020204030204" pitchFamily="49" charset="0"/>
-              </a:rPr>
-              <a:t> </a:t>
-            </a:r>
-            <a:r>
-              <a:rPr lang="en-IE" sz="2400" dirty="0" err="1">
-                <a:solidFill>
-                  <a:srgbClr val="0000FF"/>
-                </a:solidFill>
-                <a:latin typeface="Consolas" panose="020B0609020204030204" pitchFamily="49" charset="0"/>
-              </a:rPr>
-              <a:t>acr</a:t>
-            </a:r>
-            <a:r>
-              <a:rPr lang="en-IE" sz="2400" dirty="0">
-                <a:solidFill>
-                  <a:srgbClr val="0000FF"/>
-                </a:solidFill>
-                <a:latin typeface="Consolas" panose="020B0609020204030204" pitchFamily="49" charset="0"/>
-              </a:rPr>
-              <a:t> update </a:t>
-            </a:r>
-            <a:r>
-              <a:rPr lang="en-IE" sz="2400" dirty="0">
-                <a:solidFill>
-                  <a:srgbClr val="000000"/>
-                </a:solidFill>
-                <a:latin typeface="Consolas" panose="020B0609020204030204" pitchFamily="49" charset="0"/>
-              </a:rPr>
-              <a:t>-n </a:t>
-            </a:r>
-            <a:r>
-              <a:rPr lang="en-IE" sz="2400" dirty="0">
-                <a:solidFill>
-                  <a:srgbClr val="A31515"/>
-                </a:solidFill>
-                <a:latin typeface="Consolas" panose="020B0609020204030204" pitchFamily="49" charset="0"/>
-              </a:rPr>
-              <a:t>TestContainerRegistry01 </a:t>
-            </a:r>
-            <a:r>
-              <a:rPr lang="en-IE" sz="2400" dirty="0">
-                <a:solidFill>
-                  <a:srgbClr val="000000"/>
-                </a:solidFill>
-                <a:latin typeface="Consolas" panose="020B0609020204030204" pitchFamily="49" charset="0"/>
-              </a:rPr>
-              <a:t>--admin-enabled </a:t>
-            </a:r>
-            <a:r>
-              <a:rPr lang="en-IE" sz="2400" dirty="0">
-                <a:solidFill>
-                  <a:srgbClr val="A31515"/>
-                </a:solidFill>
-                <a:latin typeface="Consolas" panose="020B0609020204030204" pitchFamily="49" charset="0"/>
-              </a:rPr>
-              <a:t>true</a:t>
-            </a:r>
-            <a:endParaRPr lang="en-IE" sz="2400" dirty="0">
-              <a:solidFill>
-                <a:srgbClr val="000000"/>
-              </a:solidFill>
-              <a:latin typeface="Consolas" panose="020B0609020204030204" pitchFamily="49" charset="0"/>
-            </a:endParaRPr>
-          </a:p>
-          <a:p>
-            <a:pPr marL="0" indent="0">
-              <a:buNone/>
-            </a:pPr>
-            <a:endParaRPr lang="en-IE" sz="2400" dirty="0">
-              <a:solidFill>
-                <a:srgbClr val="000000"/>
-              </a:solidFill>
-              <a:latin typeface="Consolas" panose="020B0609020204030204" pitchFamily="49" charset="0"/>
-            </a:endParaRPr>
-          </a:p>
-          <a:p>
-            <a:pPr marL="0" indent="0">
-              <a:buNone/>
-            </a:pPr>
-            <a:br>
-              <a:rPr lang="en-IE" sz="2400" dirty="0">
-                <a:solidFill>
-                  <a:srgbClr val="000000"/>
-                </a:solidFill>
-                <a:latin typeface="Consolas" panose="020B0609020204030204" pitchFamily="49" charset="0"/>
-              </a:rPr>
-            </a:br>
-            <a:r>
-              <a:rPr lang="en-IE" sz="2400" dirty="0">
-                <a:solidFill>
-                  <a:srgbClr val="008000"/>
-                </a:solidFill>
-                <a:latin typeface="Consolas" panose="020B0609020204030204" pitchFamily="49" charset="0"/>
-              </a:rPr>
-              <a:t># get credentials</a:t>
-            </a:r>
-            <a:endParaRPr lang="en-IE" sz="2400" dirty="0">
-              <a:solidFill>
-                <a:srgbClr val="000000"/>
-              </a:solidFill>
-              <a:latin typeface="Consolas" panose="020B0609020204030204" pitchFamily="49" charset="0"/>
-            </a:endParaRPr>
-          </a:p>
-          <a:p>
-            <a:pPr marL="0" indent="0">
-              <a:buNone/>
-            </a:pPr>
-            <a:r>
-              <a:rPr lang="en-IE" sz="2400" dirty="0" err="1">
-                <a:solidFill>
-                  <a:srgbClr val="0000FF"/>
-                </a:solidFill>
-                <a:latin typeface="Consolas" panose="020B0609020204030204" pitchFamily="49" charset="0"/>
-              </a:rPr>
-              <a:t>az</a:t>
-            </a:r>
-            <a:r>
-              <a:rPr lang="en-IE" sz="2400" dirty="0">
-                <a:solidFill>
-                  <a:srgbClr val="0000FF"/>
-                </a:solidFill>
-                <a:latin typeface="Consolas" panose="020B0609020204030204" pitchFamily="49" charset="0"/>
-              </a:rPr>
-              <a:t> </a:t>
-            </a:r>
-            <a:r>
-              <a:rPr lang="en-IE" sz="2400" dirty="0" err="1">
-                <a:solidFill>
-                  <a:srgbClr val="0000FF"/>
-                </a:solidFill>
-                <a:latin typeface="Consolas" panose="020B0609020204030204" pitchFamily="49" charset="0"/>
-              </a:rPr>
-              <a:t>acr</a:t>
-            </a:r>
-            <a:r>
-              <a:rPr lang="en-IE" sz="2400" dirty="0">
-                <a:solidFill>
-                  <a:srgbClr val="0000FF"/>
-                </a:solidFill>
-                <a:latin typeface="Consolas" panose="020B0609020204030204" pitchFamily="49" charset="0"/>
-              </a:rPr>
-              <a:t> credential show </a:t>
-            </a:r>
-            <a:r>
-              <a:rPr lang="en-IE" sz="2400" dirty="0">
-                <a:solidFill>
-                  <a:srgbClr val="000000"/>
-                </a:solidFill>
-                <a:latin typeface="Consolas" panose="020B0609020204030204" pitchFamily="49" charset="0"/>
-              </a:rPr>
-              <a:t>-n </a:t>
-            </a:r>
-            <a:r>
-              <a:rPr lang="en-IE" sz="2400" dirty="0">
-                <a:solidFill>
-                  <a:srgbClr val="A31515"/>
-                </a:solidFill>
-                <a:latin typeface="Consolas" panose="020B0609020204030204" pitchFamily="49" charset="0"/>
-              </a:rPr>
-              <a:t>TestContainerRegistry01</a:t>
-            </a:r>
-            <a:endParaRPr lang="en-IE" sz="2400" dirty="0">
-              <a:solidFill>
-                <a:srgbClr val="000000"/>
-              </a:solidFill>
-              <a:latin typeface="Consolas" panose="020B0609020204030204" pitchFamily="49" charset="0"/>
-            </a:endParaRPr>
-          </a:p>
-          <a:p>
-            <a:pPr marL="0" indent="0">
-              <a:buNone/>
-            </a:pPr>
-            <a:endParaRPr lang="en-GB" sz="3200" dirty="0"/>
-          </a:p>
-        </p:txBody>
-      </p:sp>
-    </p:spTree>
-    <p:extLst>
-      <p:ext uri="{BB962C8B-B14F-4D97-AF65-F5344CB8AC3E}">
-        <p14:creationId xmlns:p14="http://schemas.microsoft.com/office/powerpoint/2010/main" val="700758029"/>
-      </p:ext>
-    </p:extLst>
-  </p:cSld>
-  <p:clrMapOvr>
-    <a:masterClrMapping/>
-  </p:clrMapOvr>
-</p:sld>
-</file>
-
-<file path=ppt/slides/slide32.xml><?xml version="1.0" encoding="utf-8"?>
-<p:sld xmlns:a="http://schemas.openxmlformats.org/drawingml/2006/main" xmlns:r="http://schemas.openxmlformats.org/officeDocument/2006/relationships" xmlns:p="http://schemas.openxmlformats.org/presentationml/2006/main">
-  <p:cSld>
-    <p:spTree>
-      <p:nvGrpSpPr>
-        <p:cNvPr id="1" name=""/>
-        <p:cNvGrpSpPr/>
-        <p:nvPr/>
-      </p:nvGrpSpPr>
-      <p:grpSpPr>
-        <a:xfrm>
-          <a:off x="0" y="0"/>
-          <a:ext cx="0" cy="0"/>
-          <a:chOff x="0" y="0"/>
-          <a:chExt cx="0" cy="0"/>
-        </a:xfrm>
-      </p:grpSpPr>
-      <p:sp>
-        <p:nvSpPr>
-          <p:cNvPr id="6" name="Title 5"/>
-          <p:cNvSpPr>
-            <a:spLocks noGrp="1"/>
-          </p:cNvSpPr>
-          <p:nvPr>
-            <p:ph type="title"/>
-          </p:nvPr>
-        </p:nvSpPr>
-        <p:spPr>
-          <a:xfrm>
-            <a:off x="331596" y="562708"/>
-            <a:ext cx="10184004" cy="713433"/>
-          </a:xfrm>
-        </p:spPr>
-        <p:txBody>
-          <a:bodyPr>
-            <a:normAutofit/>
-          </a:bodyPr>
-          <a:lstStyle/>
-          <a:p>
-            <a:r>
-              <a:rPr lang="en-GB" dirty="0">
-                <a:solidFill>
-                  <a:schemeClr val="accent1">
-                    <a:lumMod val="75000"/>
-                  </a:schemeClr>
-                </a:solidFill>
-              </a:rPr>
-              <a:t>ACI – Create Container</a:t>
-            </a:r>
-          </a:p>
-        </p:txBody>
-      </p:sp>
-      <p:sp>
-        <p:nvSpPr>
-          <p:cNvPr id="3" name="Subtitle 2"/>
-          <p:cNvSpPr>
-            <a:spLocks noGrp="1"/>
-          </p:cNvSpPr>
-          <p:nvPr>
-            <p:ph idx="1"/>
-          </p:nvPr>
-        </p:nvSpPr>
-        <p:spPr>
-          <a:xfrm>
-            <a:off x="838199" y="1825625"/>
-            <a:ext cx="10973499" cy="4351338"/>
-          </a:xfrm>
-        </p:spPr>
-        <p:txBody>
-          <a:bodyPr>
-            <a:normAutofit fontScale="70000" lnSpcReduction="20000"/>
-          </a:bodyPr>
-          <a:lstStyle/>
-          <a:p>
-            <a:pPr marL="0" indent="0">
-              <a:buNone/>
-            </a:pPr>
-            <a:r>
-              <a:rPr lang="en-IE" sz="3200" dirty="0" err="1">
-                <a:solidFill>
-                  <a:srgbClr val="0000FF"/>
-                </a:solidFill>
-                <a:latin typeface="Consolas" panose="020B0609020204030204" pitchFamily="49" charset="0"/>
-              </a:rPr>
-              <a:t>az</a:t>
-            </a:r>
-            <a:r>
-              <a:rPr lang="en-IE" sz="3200" dirty="0">
-                <a:solidFill>
-                  <a:srgbClr val="0000FF"/>
-                </a:solidFill>
-                <a:latin typeface="Consolas" panose="020B0609020204030204" pitchFamily="49" charset="0"/>
-              </a:rPr>
-              <a:t> container create `</a:t>
-            </a:r>
-            <a:endParaRPr lang="en-IE" sz="3200" dirty="0">
-              <a:solidFill>
-                <a:srgbClr val="000000"/>
-              </a:solidFill>
-              <a:latin typeface="Consolas" panose="020B0609020204030204" pitchFamily="49" charset="0"/>
-            </a:endParaRPr>
-          </a:p>
-          <a:p>
-            <a:pPr marL="0" indent="0">
-              <a:buNone/>
-            </a:pPr>
-            <a:r>
-              <a:rPr lang="en-IE" sz="3200" dirty="0">
-                <a:solidFill>
-                  <a:srgbClr val="000000"/>
-                </a:solidFill>
-                <a:latin typeface="Consolas" panose="020B0609020204030204" pitchFamily="49" charset="0"/>
-              </a:rPr>
-              <a:t>  --resource-group </a:t>
-            </a:r>
-            <a:r>
-              <a:rPr lang="en-IE" sz="3200" dirty="0">
-                <a:solidFill>
-                  <a:srgbClr val="A31515"/>
-                </a:solidFill>
-                <a:latin typeface="Consolas" panose="020B0609020204030204" pitchFamily="49" charset="0"/>
-              </a:rPr>
-              <a:t>containers1 `</a:t>
-            </a:r>
-            <a:endParaRPr lang="en-IE" sz="3200" dirty="0">
-              <a:solidFill>
-                <a:srgbClr val="000000"/>
-              </a:solidFill>
-              <a:latin typeface="Consolas" panose="020B0609020204030204" pitchFamily="49" charset="0"/>
-            </a:endParaRPr>
-          </a:p>
-          <a:p>
-            <a:pPr marL="0" indent="0">
-              <a:buNone/>
-            </a:pPr>
-            <a:r>
-              <a:rPr lang="en-IE" sz="3200" dirty="0">
-                <a:solidFill>
-                  <a:srgbClr val="000000"/>
-                </a:solidFill>
-                <a:latin typeface="Consolas" panose="020B0609020204030204" pitchFamily="49" charset="0"/>
-              </a:rPr>
-              <a:t>	--image </a:t>
-            </a:r>
-            <a:r>
-              <a:rPr lang="en-IE" sz="3200" dirty="0">
-                <a:solidFill>
-                  <a:srgbClr val="A31515"/>
-                </a:solidFill>
-                <a:latin typeface="Consolas" panose="020B0609020204030204" pitchFamily="49" charset="0"/>
-              </a:rPr>
-              <a:t>testcontainerregistry01.azurecr.io/</a:t>
-            </a:r>
-            <a:r>
-              <a:rPr lang="en-IE" sz="3200" dirty="0" err="1">
-                <a:solidFill>
-                  <a:srgbClr val="A31515"/>
-                </a:solidFill>
-                <a:latin typeface="Consolas" panose="020B0609020204030204" pitchFamily="49" charset="0"/>
-              </a:rPr>
-              <a:t>devsqlimage:latest</a:t>
-            </a:r>
-            <a:r>
-              <a:rPr lang="en-IE" sz="3200" dirty="0">
-                <a:solidFill>
-                  <a:srgbClr val="A31515"/>
-                </a:solidFill>
-                <a:latin typeface="Consolas" panose="020B0609020204030204" pitchFamily="49" charset="0"/>
-              </a:rPr>
-              <a:t> `</a:t>
-            </a:r>
-            <a:endParaRPr lang="en-IE" sz="3200" dirty="0">
-              <a:solidFill>
-                <a:srgbClr val="000000"/>
-              </a:solidFill>
-              <a:latin typeface="Consolas" panose="020B0609020204030204" pitchFamily="49" charset="0"/>
-            </a:endParaRPr>
-          </a:p>
-          <a:p>
-            <a:pPr marL="0" indent="0">
-              <a:buNone/>
-            </a:pPr>
-            <a:r>
-              <a:rPr lang="en-IE" sz="3200" dirty="0">
-                <a:solidFill>
-                  <a:srgbClr val="000000"/>
-                </a:solidFill>
-                <a:latin typeface="Consolas" panose="020B0609020204030204" pitchFamily="49" charset="0"/>
-              </a:rPr>
-              <a:t>	  --registry-username </a:t>
-            </a:r>
-            <a:r>
-              <a:rPr lang="en-IE" sz="3200" i="1" dirty="0">
-                <a:solidFill>
-                  <a:srgbClr val="A31515"/>
-                </a:solidFill>
-                <a:latin typeface="Consolas" panose="020B0609020204030204" pitchFamily="49" charset="0"/>
-              </a:rPr>
-              <a:t>&lt;&lt;USERNAME&gt;&gt; </a:t>
-            </a:r>
-            <a:r>
-              <a:rPr lang="en-IE" sz="3200" dirty="0">
-                <a:solidFill>
-                  <a:srgbClr val="A31515"/>
-                </a:solidFill>
-                <a:latin typeface="Consolas" panose="020B0609020204030204" pitchFamily="49" charset="0"/>
-              </a:rPr>
-              <a:t>`</a:t>
-            </a:r>
-            <a:endParaRPr lang="en-IE" sz="3200" dirty="0">
-              <a:solidFill>
-                <a:srgbClr val="000000"/>
-              </a:solidFill>
-              <a:latin typeface="Consolas" panose="020B0609020204030204" pitchFamily="49" charset="0"/>
-            </a:endParaRPr>
-          </a:p>
-          <a:p>
-            <a:pPr marL="0" indent="0">
-              <a:buNone/>
-            </a:pPr>
-            <a:r>
-              <a:rPr lang="en-IE" sz="3200" dirty="0">
-                <a:solidFill>
-                  <a:srgbClr val="0000FF"/>
-                </a:solidFill>
-                <a:latin typeface="Consolas" panose="020B0609020204030204" pitchFamily="49" charset="0"/>
-              </a:rPr>
-              <a:t>		</a:t>
-            </a:r>
-            <a:r>
-              <a:rPr lang="en-IE" sz="3200" dirty="0">
-                <a:solidFill>
-                  <a:srgbClr val="000000"/>
-                </a:solidFill>
-                <a:latin typeface="Consolas" panose="020B0609020204030204" pitchFamily="49" charset="0"/>
-              </a:rPr>
-              <a:t>--registry-password </a:t>
-            </a:r>
-            <a:r>
-              <a:rPr lang="en-IE" sz="3200" i="1" dirty="0">
-                <a:solidFill>
-                  <a:srgbClr val="A31515"/>
-                </a:solidFill>
-                <a:latin typeface="Consolas" panose="020B0609020204030204" pitchFamily="49" charset="0"/>
-              </a:rPr>
-              <a:t>&lt;&lt;PASSWORD&gt;&gt; </a:t>
-            </a:r>
-            <a:r>
-              <a:rPr lang="en-IE" sz="3200" dirty="0">
-                <a:solidFill>
-                  <a:srgbClr val="A31515"/>
-                </a:solidFill>
-                <a:latin typeface="Consolas" panose="020B0609020204030204" pitchFamily="49" charset="0"/>
-              </a:rPr>
-              <a:t>`</a:t>
-            </a:r>
-            <a:endParaRPr lang="en-IE" sz="3200" dirty="0">
-              <a:solidFill>
-                <a:srgbClr val="000000"/>
-              </a:solidFill>
-              <a:latin typeface="Consolas" panose="020B0609020204030204" pitchFamily="49" charset="0"/>
-            </a:endParaRPr>
-          </a:p>
-          <a:p>
-            <a:pPr marL="0" indent="0">
-              <a:buNone/>
-            </a:pPr>
-            <a:r>
-              <a:rPr lang="en-IE" sz="3200" dirty="0">
-                <a:solidFill>
-                  <a:srgbClr val="0000FF"/>
-                </a:solidFill>
-                <a:latin typeface="Consolas" panose="020B0609020204030204" pitchFamily="49" charset="0"/>
-              </a:rPr>
-              <a:t>		  </a:t>
-            </a:r>
-            <a:r>
-              <a:rPr lang="en-IE" sz="3200" dirty="0">
-                <a:solidFill>
-                  <a:srgbClr val="000000"/>
-                </a:solidFill>
-                <a:latin typeface="Consolas" panose="020B0609020204030204" pitchFamily="49" charset="0"/>
-              </a:rPr>
-              <a:t>--name </a:t>
-            </a:r>
-            <a:r>
-              <a:rPr lang="en-IE" sz="3200" dirty="0">
-                <a:solidFill>
-                  <a:srgbClr val="A31515"/>
-                </a:solidFill>
-                <a:latin typeface="Consolas" panose="020B0609020204030204" pitchFamily="49" charset="0"/>
-              </a:rPr>
-              <a:t>testcontainer1 `</a:t>
-            </a:r>
-            <a:endParaRPr lang="en-IE" sz="3200" dirty="0">
-              <a:solidFill>
-                <a:srgbClr val="000000"/>
-              </a:solidFill>
-              <a:latin typeface="Consolas" panose="020B0609020204030204" pitchFamily="49" charset="0"/>
-            </a:endParaRPr>
-          </a:p>
-          <a:p>
-            <a:pPr marL="0" indent="0">
-              <a:buNone/>
-            </a:pPr>
-            <a:r>
-              <a:rPr lang="en-IE" sz="3200" dirty="0">
-                <a:solidFill>
-                  <a:srgbClr val="0000FF"/>
-                </a:solidFill>
-                <a:latin typeface="Consolas" panose="020B0609020204030204" pitchFamily="49" charset="0"/>
-              </a:rPr>
-              <a:t>		    </a:t>
-            </a:r>
-            <a:r>
-              <a:rPr lang="en-IE" sz="3200" dirty="0">
-                <a:solidFill>
-                  <a:srgbClr val="000000"/>
-                </a:solidFill>
-                <a:latin typeface="Consolas" panose="020B0609020204030204" pitchFamily="49" charset="0"/>
-              </a:rPr>
-              <a:t>--</a:t>
-            </a:r>
-            <a:r>
-              <a:rPr lang="en-IE" sz="3200" dirty="0" err="1">
-                <a:solidFill>
-                  <a:srgbClr val="000000"/>
-                </a:solidFill>
-                <a:latin typeface="Consolas" panose="020B0609020204030204" pitchFamily="49" charset="0"/>
-              </a:rPr>
-              <a:t>cpu</a:t>
-            </a:r>
-            <a:r>
-              <a:rPr lang="en-IE" sz="3200" dirty="0">
-                <a:solidFill>
-                  <a:srgbClr val="000000"/>
-                </a:solidFill>
-                <a:latin typeface="Consolas" panose="020B0609020204030204" pitchFamily="49" charset="0"/>
-              </a:rPr>
-              <a:t> </a:t>
-            </a:r>
-            <a:r>
-              <a:rPr lang="en-IE" sz="3200" dirty="0">
-                <a:solidFill>
-                  <a:srgbClr val="A31515"/>
-                </a:solidFill>
-                <a:latin typeface="Consolas" panose="020B0609020204030204" pitchFamily="49" charset="0"/>
-              </a:rPr>
-              <a:t>2 </a:t>
-            </a:r>
-            <a:r>
-              <a:rPr lang="en-IE" sz="3200" dirty="0">
-                <a:solidFill>
-                  <a:srgbClr val="000000"/>
-                </a:solidFill>
-                <a:latin typeface="Consolas" panose="020B0609020204030204" pitchFamily="49" charset="0"/>
-              </a:rPr>
-              <a:t>--memory </a:t>
-            </a:r>
-            <a:r>
-              <a:rPr lang="en-IE" sz="3200" dirty="0">
-                <a:solidFill>
-                  <a:srgbClr val="A31515"/>
-                </a:solidFill>
-                <a:latin typeface="Consolas" panose="020B0609020204030204" pitchFamily="49" charset="0"/>
-              </a:rPr>
-              <a:t>4 `</a:t>
-            </a:r>
-            <a:endParaRPr lang="en-IE" sz="3200" dirty="0">
-              <a:solidFill>
-                <a:srgbClr val="000000"/>
-              </a:solidFill>
-              <a:latin typeface="Consolas" panose="020B0609020204030204" pitchFamily="49" charset="0"/>
-            </a:endParaRPr>
-          </a:p>
-          <a:p>
-            <a:pPr marL="0" indent="0">
-              <a:buNone/>
-            </a:pPr>
-            <a:r>
-              <a:rPr lang="en-IE" sz="3200" dirty="0">
-                <a:solidFill>
-                  <a:srgbClr val="000000"/>
-                </a:solidFill>
-                <a:latin typeface="Consolas" panose="020B0609020204030204" pitchFamily="49" charset="0"/>
-              </a:rPr>
-              <a:t>--environment-variables </a:t>
-            </a:r>
-            <a:r>
-              <a:rPr lang="en-IE" sz="3200" dirty="0">
-                <a:solidFill>
-                  <a:srgbClr val="A31515"/>
-                </a:solidFill>
-                <a:latin typeface="Consolas" panose="020B0609020204030204" pitchFamily="49" charset="0"/>
-              </a:rPr>
-              <a:t>ACCEPT_EULA=Y SA_PASSWORD=Testing1122 `</a:t>
-            </a:r>
-            <a:endParaRPr lang="en-IE" sz="3200" dirty="0">
-              <a:solidFill>
-                <a:srgbClr val="000000"/>
-              </a:solidFill>
-              <a:latin typeface="Consolas" panose="020B0609020204030204" pitchFamily="49" charset="0"/>
-            </a:endParaRPr>
-          </a:p>
-          <a:p>
-            <a:pPr marL="0" indent="0">
-              <a:buNone/>
-            </a:pPr>
-            <a:r>
-              <a:rPr lang="en-IE" sz="3200" dirty="0">
-                <a:solidFill>
-                  <a:srgbClr val="000000"/>
-                </a:solidFill>
-                <a:latin typeface="Consolas" panose="020B0609020204030204" pitchFamily="49" charset="0"/>
-              </a:rPr>
-              <a:t>  --</a:t>
-            </a:r>
-            <a:r>
-              <a:rPr lang="en-IE" sz="3200" dirty="0" err="1">
-                <a:solidFill>
-                  <a:srgbClr val="000000"/>
-                </a:solidFill>
-                <a:latin typeface="Consolas" panose="020B0609020204030204" pitchFamily="49" charset="0"/>
-              </a:rPr>
-              <a:t>ip</a:t>
-            </a:r>
-            <a:r>
-              <a:rPr lang="en-IE" sz="3200" dirty="0">
-                <a:solidFill>
-                  <a:srgbClr val="000000"/>
-                </a:solidFill>
-                <a:latin typeface="Consolas" panose="020B0609020204030204" pitchFamily="49" charset="0"/>
-              </a:rPr>
-              <a:t>-address </a:t>
-            </a:r>
-            <a:r>
-              <a:rPr lang="en-IE" sz="3200" dirty="0">
-                <a:solidFill>
-                  <a:srgbClr val="A31515"/>
-                </a:solidFill>
-                <a:latin typeface="Consolas" panose="020B0609020204030204" pitchFamily="49" charset="0"/>
-              </a:rPr>
-              <a:t>public `</a:t>
-            </a:r>
-            <a:endParaRPr lang="en-IE" sz="3200" dirty="0">
-              <a:solidFill>
-                <a:srgbClr val="000000"/>
-              </a:solidFill>
-              <a:latin typeface="Consolas" panose="020B0609020204030204" pitchFamily="49" charset="0"/>
-            </a:endParaRPr>
-          </a:p>
-          <a:p>
-            <a:pPr marL="0" indent="0">
-              <a:buNone/>
-            </a:pPr>
-            <a:r>
-              <a:rPr lang="en-IE" sz="3200" dirty="0">
-                <a:solidFill>
-                  <a:srgbClr val="0000FF"/>
-                </a:solidFill>
-                <a:latin typeface="Consolas" panose="020B0609020204030204" pitchFamily="49" charset="0"/>
-              </a:rPr>
-              <a:t>	</a:t>
-            </a:r>
-            <a:r>
-              <a:rPr lang="en-IE" sz="3200" dirty="0">
-                <a:solidFill>
-                  <a:srgbClr val="000000"/>
-                </a:solidFill>
-                <a:latin typeface="Consolas" panose="020B0609020204030204" pitchFamily="49" charset="0"/>
-              </a:rPr>
-              <a:t>--ports </a:t>
-            </a:r>
-            <a:r>
-              <a:rPr lang="en-IE" sz="3200" dirty="0">
-                <a:solidFill>
-                  <a:srgbClr val="A31515"/>
-                </a:solidFill>
-                <a:latin typeface="Consolas" panose="020B0609020204030204" pitchFamily="49" charset="0"/>
-              </a:rPr>
-              <a:t>1433</a:t>
-            </a:r>
-            <a:endParaRPr lang="en-IE" sz="3200" dirty="0">
-              <a:solidFill>
-                <a:srgbClr val="000000"/>
-              </a:solidFill>
-              <a:latin typeface="Consolas" panose="020B0609020204030204" pitchFamily="49" charset="0"/>
-            </a:endParaRPr>
-          </a:p>
-          <a:p>
-            <a:pPr marL="0" indent="0">
-              <a:buNone/>
-            </a:pPr>
-            <a:endParaRPr lang="en-GB" sz="3200" dirty="0"/>
-          </a:p>
-        </p:txBody>
-      </p:sp>
-    </p:spTree>
-    <p:extLst>
-      <p:ext uri="{BB962C8B-B14F-4D97-AF65-F5344CB8AC3E}">
-        <p14:creationId xmlns:p14="http://schemas.microsoft.com/office/powerpoint/2010/main" val="29742966"/>
-      </p:ext>
-    </p:extLst>
-  </p:cSld>
-  <p:clrMapOvr>
-    <a:masterClrMapping/>
-  </p:clrMapOvr>
-</p:sld>
-</file>
-
-<file path=ppt/slides/slide33.xml><?xml version="1.0" encoding="utf-8"?>
-<p:sld xmlns:a="http://schemas.openxmlformats.org/drawingml/2006/main" xmlns:r="http://schemas.openxmlformats.org/officeDocument/2006/relationships" xmlns:p="http://schemas.openxmlformats.org/presentationml/2006/main">
-  <p:cSld>
-    <p:spTree>
-      <p:nvGrpSpPr>
-        <p:cNvPr id="1" name=""/>
-        <p:cNvGrpSpPr/>
-        <p:nvPr/>
-      </p:nvGrpSpPr>
-      <p:grpSpPr>
-        <a:xfrm>
-          <a:off x="0" y="0"/>
-          <a:ext cx="0" cy="0"/>
-          <a:chOff x="0" y="0"/>
-          <a:chExt cx="0" cy="0"/>
-        </a:xfrm>
-      </p:grpSpPr>
-      <p:sp>
-        <p:nvSpPr>
-          <p:cNvPr id="6" name="Title 5"/>
-          <p:cNvSpPr>
-            <a:spLocks noGrp="1"/>
-          </p:cNvSpPr>
-          <p:nvPr>
-            <p:ph type="title"/>
-          </p:nvPr>
-        </p:nvSpPr>
-        <p:spPr>
-          <a:xfrm>
             <a:off x="0" y="0"/>
             <a:ext cx="10184004" cy="713433"/>
           </a:xfrm>
@@ -8846,7 +8607,13 @@
                 </a:solidFill>
                 <a:latin typeface="Consolas" panose="020B0609020204030204" pitchFamily="49" charset="0"/>
               </a:rPr>
-              <a:t> container show `</a:t>
+              <a:t> container show </a:t>
+            </a:r>
+            <a:r>
+              <a:rPr lang="en-US" dirty="0">
+                <a:latin typeface="Consolas" panose="020B0609020204030204" pitchFamily="49" charset="0"/>
+              </a:rPr>
+              <a:t>`</a:t>
             </a:r>
           </a:p>
           <a:p>
@@ -8950,7 +8717,7 @@
 </p:sld>
 </file>
 
-<file path=ppt/slides/slide34.xml><?xml version="1.0" encoding="utf-8"?>
+<file path=ppt/slides/slide32.xml><?xml version="1.0" encoding="utf-8"?>
 <p:sld xmlns:a="http://schemas.openxmlformats.org/drawingml/2006/main" xmlns:r="http://schemas.openxmlformats.org/officeDocument/2006/relationships" xmlns:p="http://schemas.openxmlformats.org/presentationml/2006/main">
   <p:cSld>
     <p:spTree>
@@ -9047,6 +8814,160 @@
 </p:sld>
 </file>
 
+<file path=ppt/slides/slide33.xml><?xml version="1.0" encoding="utf-8"?>
+<p:sld xmlns:a="http://schemas.openxmlformats.org/drawingml/2006/main" xmlns:r="http://schemas.openxmlformats.org/officeDocument/2006/relationships" xmlns:p="http://schemas.openxmlformats.org/presentationml/2006/main">
+  <p:cSld>
+    <p:spTree>
+      <p:nvGrpSpPr>
+        <p:cNvPr id="1" name=""/>
+        <p:cNvGrpSpPr/>
+        <p:nvPr/>
+      </p:nvGrpSpPr>
+      <p:grpSpPr>
+        <a:xfrm>
+          <a:off x="0" y="0"/>
+          <a:ext cx="0" cy="0"/>
+          <a:chOff x="0" y="0"/>
+          <a:chExt cx="0" cy="0"/>
+        </a:xfrm>
+      </p:grpSpPr>
+      <p:sp>
+        <p:nvSpPr>
+          <p:cNvPr id="4" name="Title 3"/>
+          <p:cNvSpPr>
+            <a:spLocks noGrp="1"/>
+          </p:cNvSpPr>
+          <p:nvPr>
+            <p:ph type="title"/>
+          </p:nvPr>
+        </p:nvSpPr>
+        <p:spPr/>
+        <p:txBody>
+          <a:bodyPr>
+            <a:normAutofit/>
+          </a:bodyPr>
+          <a:lstStyle/>
+          <a:p>
+            <a:r>
+              <a:rPr lang="en-GB" dirty="0">
+                <a:solidFill>
+                  <a:schemeClr val="accent1"/>
+                </a:solidFill>
+              </a:rPr>
+              <a:t>Demo</a:t>
+            </a:r>
+          </a:p>
+        </p:txBody>
+      </p:sp>
+      <p:sp>
+        <p:nvSpPr>
+          <p:cNvPr id="2" name="Text Placeholder 1"/>
+          <p:cNvSpPr>
+            <a:spLocks noGrp="1"/>
+          </p:cNvSpPr>
+          <p:nvPr>
+            <p:ph type="body" idx="1"/>
+          </p:nvPr>
+        </p:nvSpPr>
+        <p:spPr/>
+        <p:txBody>
+          <a:bodyPr/>
+          <a:lstStyle/>
+          <a:p>
+            <a:endParaRPr lang="en-GB" dirty="0"/>
+          </a:p>
+        </p:txBody>
+      </p:sp>
+    </p:spTree>
+    <p:extLst>
+      <p:ext uri="{BB962C8B-B14F-4D97-AF65-F5344CB8AC3E}">
+        <p14:creationId xmlns:p14="http://schemas.microsoft.com/office/powerpoint/2010/main" val="2367277479"/>
+      </p:ext>
+    </p:extLst>
+  </p:cSld>
+  <p:clrMapOvr>
+    <a:masterClrMapping/>
+  </p:clrMapOvr>
+</p:sld>
+</file>
+
+<file path=ppt/slides/slide34.xml><?xml version="1.0" encoding="utf-8"?>
+<p:sld xmlns:a="http://schemas.openxmlformats.org/drawingml/2006/main" xmlns:r="http://schemas.openxmlformats.org/officeDocument/2006/relationships" xmlns:p="http://schemas.openxmlformats.org/presentationml/2006/main">
+  <p:cSld>
+    <p:spTree>
+      <p:nvGrpSpPr>
+        <p:cNvPr id="1" name=""/>
+        <p:cNvGrpSpPr/>
+        <p:nvPr/>
+      </p:nvGrpSpPr>
+      <p:grpSpPr>
+        <a:xfrm>
+          <a:off x="0" y="0"/>
+          <a:ext cx="0" cy="0"/>
+          <a:chOff x="0" y="0"/>
+          <a:chExt cx="0" cy="0"/>
+        </a:xfrm>
+      </p:grpSpPr>
+      <p:sp>
+        <p:nvSpPr>
+          <p:cNvPr id="4" name="Title 3"/>
+          <p:cNvSpPr>
+            <a:spLocks noGrp="1"/>
+          </p:cNvSpPr>
+          <p:nvPr>
+            <p:ph type="title"/>
+          </p:nvPr>
+        </p:nvSpPr>
+        <p:spPr/>
+        <p:txBody>
+          <a:bodyPr>
+            <a:normAutofit/>
+          </a:bodyPr>
+          <a:lstStyle/>
+          <a:p>
+            <a:r>
+              <a:rPr lang="en-GB" dirty="0">
+                <a:solidFill>
+                  <a:schemeClr val="accent1"/>
+                </a:solidFill>
+              </a:rPr>
+              <a:t>Azure Container Services</a:t>
+            </a:r>
+          </a:p>
+        </p:txBody>
+      </p:sp>
+      <p:sp>
+        <p:nvSpPr>
+          <p:cNvPr id="2" name="Text Placeholder 1"/>
+          <p:cNvSpPr>
+            <a:spLocks noGrp="1"/>
+          </p:cNvSpPr>
+          <p:nvPr>
+            <p:ph type="body" idx="1"/>
+          </p:nvPr>
+        </p:nvSpPr>
+        <p:spPr/>
+        <p:txBody>
+          <a:bodyPr/>
+          <a:lstStyle/>
+          <a:p>
+            <a:endParaRPr lang="en-GB" dirty="0"/>
+          </a:p>
+        </p:txBody>
+      </p:sp>
+    </p:spTree>
+    <p:extLst>
+      <p:ext uri="{BB962C8B-B14F-4D97-AF65-F5344CB8AC3E}">
+        <p14:creationId xmlns:p14="http://schemas.microsoft.com/office/powerpoint/2010/main" val="1710832568"/>
+      </p:ext>
+    </p:extLst>
+  </p:cSld>
+  <p:clrMapOvr>
+    <a:masterClrMapping/>
+  </p:clrMapOvr>
+</p:sld>
+</file>
+
 <file path=ppt/slides/slide35.xml><?xml version="1.0" encoding="utf-8"?>
 <p:sld xmlns:a="http://schemas.openxmlformats.org/drawingml/2006/main" xmlns:r="http://schemas.openxmlformats.org/officeDocument/2006/relationships" xmlns:p="http://schemas.openxmlformats.org/presentationml/2006/main">
   <p:cSld>
@@ -9066,7 +8987,7 @@
       </p:grpSpPr>
       <p:sp>
         <p:nvSpPr>
-          <p:cNvPr id="4" name="Title 3"/>
+          <p:cNvPr id="6" name="Title 5"/>
           <p:cNvSpPr>
             <a:spLocks noGrp="1"/>
           </p:cNvSpPr>
@@ -9074,7 +8995,12 @@
             <p:ph type="title"/>
           </p:nvPr>
         </p:nvSpPr>
-        <p:spPr/>
+        <p:spPr>
+          <a:xfrm>
+            <a:off x="331596" y="562708"/>
+            <a:ext cx="10184004" cy="713433"/>
+          </a:xfrm>
+        </p:spPr>
         <p:txBody>
           <a:bodyPr>
             <a:normAutofit/>
@@ -9084,37 +9010,89 @@
             <a:r>
               <a:rPr lang="en-GB" dirty="0">
                 <a:solidFill>
-                  <a:schemeClr val="accent1"/>
-                </a:solidFill>
-              </a:rPr>
-              <a:t>Demo</a:t>
-            </a:r>
-          </a:p>
-        </p:txBody>
-      </p:sp>
-      <p:sp>
-        <p:nvSpPr>
-          <p:cNvPr id="2" name="Text Placeholder 1"/>
-          <p:cNvSpPr>
-            <a:spLocks noGrp="1"/>
-          </p:cNvSpPr>
-          <p:nvPr>
-            <p:ph type="body" idx="1"/>
+                  <a:schemeClr val="accent1">
+                    <a:lumMod val="75000"/>
+                  </a:schemeClr>
+                </a:solidFill>
+              </a:rPr>
+              <a:t>Azure Container Services</a:t>
+            </a:r>
+          </a:p>
+        </p:txBody>
+      </p:sp>
+      <p:sp>
+        <p:nvSpPr>
+          <p:cNvPr id="3" name="Subtitle 2"/>
+          <p:cNvSpPr>
+            <a:spLocks noGrp="1"/>
+          </p:cNvSpPr>
+          <p:nvPr>
+            <p:ph idx="1"/>
           </p:nvPr>
         </p:nvSpPr>
         <p:spPr/>
         <p:txBody>
-          <a:bodyPr/>
-          <a:lstStyle/>
-          <a:p>
-            <a:endParaRPr lang="en-GB" dirty="0"/>
+          <a:bodyPr>
+            <a:normAutofit/>
+          </a:bodyPr>
+          <a:lstStyle/>
+          <a:p>
+            <a:pPr marL="0" indent="0">
+              <a:buNone/>
+            </a:pPr>
+            <a:r>
+              <a:rPr lang="en-GB" sz="3200" dirty="0"/>
+              <a:t>Two flavours</a:t>
+            </a:r>
+          </a:p>
+          <a:p>
+            <a:pPr marL="0" indent="0">
+              <a:buNone/>
+            </a:pPr>
+            <a:r>
+              <a:rPr lang="en-GB" sz="3200" dirty="0"/>
+              <a:t>	Azure Container Services (ACS)</a:t>
+            </a:r>
+          </a:p>
+          <a:p>
+            <a:pPr marL="0" indent="0">
+              <a:buNone/>
+            </a:pPr>
+            <a:r>
+              <a:rPr lang="en-GB" sz="3200" dirty="0"/>
+              <a:t>	Azure Container Service (AKS)</a:t>
+            </a:r>
+          </a:p>
+          <a:p>
+            <a:pPr marL="0" indent="0">
+              <a:buNone/>
+            </a:pPr>
+            <a:endParaRPr lang="en-GB" sz="3200" dirty="0"/>
+          </a:p>
+          <a:p>
+            <a:pPr marL="0" indent="0">
+              <a:buNone/>
+            </a:pPr>
+            <a:r>
+              <a:rPr lang="en-GB" sz="3200" dirty="0"/>
+              <a:t>ACS provides container hosting using DC/OS, Swarm, or K8s</a:t>
+            </a:r>
+          </a:p>
+          <a:p>
+            <a:pPr marL="0" indent="0">
+              <a:buNone/>
+            </a:pPr>
+            <a:r>
+              <a:rPr lang="en-GB" sz="3200" dirty="0"/>
+              <a:t>AKS is specifically built to implement Kubernetes</a:t>
+            </a:r>
           </a:p>
         </p:txBody>
       </p:sp>
     </p:spTree>
     <p:extLst>
       <p:ext uri="{BB962C8B-B14F-4D97-AF65-F5344CB8AC3E}">
-        <p14:creationId xmlns:p14="http://schemas.microsoft.com/office/powerpoint/2010/main" val="2367277479"/>
+        <p14:creationId xmlns:p14="http://schemas.microsoft.com/office/powerpoint/2010/main" val="3974016028"/>
       </p:ext>
     </p:extLst>
   </p:cSld>
@@ -9143,7 +9121,7 @@
       </p:grpSpPr>
       <p:sp>
         <p:nvSpPr>
-          <p:cNvPr id="4" name="Title 3"/>
+          <p:cNvPr id="6" name="Title 5"/>
           <p:cNvSpPr>
             <a:spLocks noGrp="1"/>
           </p:cNvSpPr>
@@ -9151,7 +9129,12 @@
             <p:ph type="title"/>
           </p:nvPr>
         </p:nvSpPr>
-        <p:spPr/>
+        <p:spPr>
+          <a:xfrm>
+            <a:off x="331596" y="562708"/>
+            <a:ext cx="10184004" cy="713433"/>
+          </a:xfrm>
+        </p:spPr>
         <p:txBody>
           <a:bodyPr>
             <a:normAutofit/>
@@ -9161,37 +9144,88 @@
             <a:r>
               <a:rPr lang="en-GB" dirty="0">
                 <a:solidFill>
-                  <a:schemeClr val="accent1"/>
-                </a:solidFill>
-              </a:rPr>
-              <a:t>Azure Container Services</a:t>
-            </a:r>
-          </a:p>
-        </p:txBody>
-      </p:sp>
-      <p:sp>
-        <p:nvSpPr>
-          <p:cNvPr id="2" name="Text Placeholder 1"/>
-          <p:cNvSpPr>
-            <a:spLocks noGrp="1"/>
-          </p:cNvSpPr>
-          <p:nvPr>
-            <p:ph type="body" idx="1"/>
+                  <a:schemeClr val="accent1">
+                    <a:lumMod val="75000"/>
+                  </a:schemeClr>
+                </a:solidFill>
+              </a:rPr>
+              <a:t>Kubernetes</a:t>
+            </a:r>
+          </a:p>
+        </p:txBody>
+      </p:sp>
+      <p:sp>
+        <p:nvSpPr>
+          <p:cNvPr id="3" name="Subtitle 2"/>
+          <p:cNvSpPr>
+            <a:spLocks noGrp="1"/>
+          </p:cNvSpPr>
+          <p:nvPr>
+            <p:ph idx="1"/>
           </p:nvPr>
         </p:nvSpPr>
         <p:spPr/>
         <p:txBody>
-          <a:bodyPr/>
-          <a:lstStyle/>
-          <a:p>
-            <a:endParaRPr lang="en-GB" dirty="0"/>
+          <a:bodyPr>
+            <a:normAutofit/>
+          </a:bodyPr>
+          <a:lstStyle/>
+          <a:p>
+            <a:pPr marL="0" indent="0">
+              <a:buNone/>
+            </a:pPr>
+            <a:r>
+              <a:rPr lang="en-GB" sz="3200" dirty="0"/>
+              <a:t>Open Source system for managing containers</a:t>
+            </a:r>
+          </a:p>
+          <a:p>
+            <a:pPr marL="0" indent="0">
+              <a:buNone/>
+            </a:pPr>
+            <a:r>
+              <a:rPr lang="en-GB" sz="3200" dirty="0"/>
+              <a:t>Deployed as a cluster containing a master and multiple nodes</a:t>
+            </a:r>
+          </a:p>
+          <a:p>
+            <a:pPr marL="0" indent="0">
+              <a:buNone/>
+            </a:pPr>
+            <a:r>
+              <a:rPr lang="en-GB" sz="3200" dirty="0"/>
+              <a:t>Pods hold containers running on the nodes</a:t>
+            </a:r>
+          </a:p>
+          <a:p>
+            <a:pPr marL="0" indent="0">
+              <a:buNone/>
+            </a:pPr>
+            <a:r>
+              <a:rPr lang="en-GB" sz="3200" dirty="0"/>
+              <a:t>Services define/allow access to sets of pods</a:t>
+            </a:r>
+          </a:p>
+          <a:p>
+            <a:pPr marL="0" indent="0">
+              <a:buNone/>
+            </a:pPr>
+            <a:r>
+              <a:rPr lang="en-GB" sz="3200" dirty="0"/>
+              <a:t>Deployments created and managed via </a:t>
+            </a:r>
+            <a:r>
+              <a:rPr lang="en-GB" sz="3200" dirty="0" err="1"/>
+              <a:t>Kubectl</a:t>
+            </a:r>
+            <a:endParaRPr lang="en-GB" sz="3200" dirty="0"/>
           </a:p>
         </p:txBody>
       </p:sp>
     </p:spTree>
     <p:extLst>
       <p:ext uri="{BB962C8B-B14F-4D97-AF65-F5344CB8AC3E}">
-        <p14:creationId xmlns:p14="http://schemas.microsoft.com/office/powerpoint/2010/main" val="1710832568"/>
+        <p14:creationId xmlns:p14="http://schemas.microsoft.com/office/powerpoint/2010/main" val="1834450055"/>
       </p:ext>
     </p:extLst>
   </p:cSld>
@@ -9248,7 +9282,7 @@
                   </a:schemeClr>
                 </a:solidFill>
               </a:rPr>
-              <a:t>Azure Container Services</a:t>
+              <a:t>Azure Container Services (AKS)</a:t>
             </a:r>
           </a:p>
         </p:txBody>
@@ -9275,7 +9309,7 @@
             </a:pPr>
             <a:r>
               <a:rPr lang="en-GB" sz="3200" dirty="0"/>
-              <a:t>Two flavours</a:t>
+              <a:t>Simplifies deployment of Kubernetes clusters in Azure</a:t>
             </a:r>
           </a:p>
           <a:p>
@@ -9284,7 +9318,7 @@
             </a:pPr>
             <a:r>
               <a:rPr lang="en-GB" sz="3200" dirty="0"/>
-              <a:t>	Azure Container Services (ACS)</a:t>
+              <a:t>Cluster can be spun up with one line of code</a:t>
             </a:r>
           </a:p>
           <a:p>
@@ -9293,39 +9327,45 @@
             </a:pPr>
             <a:r>
               <a:rPr lang="en-GB" sz="3200" dirty="0"/>
-              <a:t>	Azure Container Service (AKS)</a:t>
-            </a:r>
-          </a:p>
-          <a:p>
-            <a:pPr marL="0" indent="0">
-              <a:buNone/>
-            </a:pPr>
+              <a:t>Applications deployed to cluster via </a:t>
+            </a:r>
+            <a:r>
+              <a:rPr lang="en-GB" sz="3200" dirty="0" err="1"/>
+              <a:t>yaml</a:t>
+            </a:r>
+            <a:r>
+              <a:rPr lang="en-GB" sz="3200" dirty="0"/>
+              <a:t> files</a:t>
+            </a:r>
+          </a:p>
+          <a:p>
+            <a:pPr marL="0" indent="0">
+              <a:buNone/>
+            </a:pPr>
+            <a:r>
+              <a:rPr lang="en-GB" sz="3200" dirty="0"/>
+              <a:t>Managed by Azure-CLI/</a:t>
+            </a:r>
+            <a:r>
+              <a:rPr lang="en-GB" sz="3200" dirty="0" err="1"/>
+              <a:t>powershell</a:t>
+            </a:r>
+            <a:r>
+              <a:rPr lang="en-GB" sz="3200" dirty="0"/>
+              <a:t> and </a:t>
+            </a:r>
+            <a:r>
+              <a:rPr lang="en-GB" sz="3200" dirty="0" err="1"/>
+              <a:t>kubectl</a:t>
+            </a:r>
             <a:endParaRPr lang="en-GB" sz="3200" dirty="0"/>
-          </a:p>
-          <a:p>
-            <a:pPr marL="0" indent="0">
-              <a:buNone/>
-            </a:pPr>
-            <a:r>
-              <a:rPr lang="en-GB" sz="3200" dirty="0"/>
-              <a:t>ACS provides container hosting using DC/OS, Swarm, or K8s</a:t>
-            </a:r>
-          </a:p>
-          <a:p>
-            <a:pPr marL="0" indent="0">
-              <a:buNone/>
-            </a:pPr>
-            <a:r>
-              <a:rPr lang="en-GB" sz="3200" dirty="0"/>
-              <a:t>AKS is specifically built to implement Kubernetes</a:t>
-            </a:r>
           </a:p>
         </p:txBody>
       </p:sp>
     </p:spTree>
     <p:extLst>
       <p:ext uri="{BB962C8B-B14F-4D97-AF65-F5344CB8AC3E}">
-        <p14:creationId xmlns:p14="http://schemas.microsoft.com/office/powerpoint/2010/main" val="3974016028"/>
+        <p14:creationId xmlns:p14="http://schemas.microsoft.com/office/powerpoint/2010/main" val="3069965736"/>
       </p:ext>
     </p:extLst>
   </p:cSld>
@@ -9364,7 +9404,7 @@
         </p:nvSpPr>
         <p:spPr>
           <a:xfrm>
-            <a:off x="331596" y="562708"/>
+            <a:off x="0" y="0"/>
             <a:ext cx="10184004" cy="713433"/>
           </a:xfrm>
         </p:spPr>
@@ -9382,14 +9422,20 @@
                   </a:schemeClr>
                 </a:solidFill>
               </a:rPr>
-              <a:t>Kubernetes</a:t>
-            </a:r>
-          </a:p>
-        </p:txBody>
-      </p:sp>
-      <p:sp>
-        <p:nvSpPr>
-          <p:cNvPr id="3" name="Subtitle 2"/>
+              <a:t>AKS – Create Cluster</a:t>
+            </a:r>
+          </a:p>
+        </p:txBody>
+      </p:sp>
+      <p:sp>
+        <p:nvSpPr>
+          <p:cNvPr id="4" name="Content Placeholder 3">
+            <a:extLst>
+              <a:ext uri="{FF2B5EF4-FFF2-40B4-BE49-F238E27FC236}">
+                <a16:creationId xmlns:a16="http://schemas.microsoft.com/office/drawing/2014/main" id="{EC8CAF2B-8816-44FD-A674-2120DBE9334C}"/>
+              </a:ext>
+            </a:extLst>
+          </p:cNvPr>
           <p:cNvSpPr>
             <a:spLocks noGrp="1"/>
           </p:cNvSpPr>
@@ -9397,10 +9443,15 @@
             <p:ph idx="1"/>
           </p:nvPr>
         </p:nvSpPr>
-        <p:spPr/>
+        <p:spPr>
+          <a:xfrm>
+            <a:off x="499533" y="1024467"/>
+            <a:ext cx="11413067" cy="2404533"/>
+          </a:xfrm>
+        </p:spPr>
         <p:txBody>
           <a:bodyPr>
-            <a:normAutofit/>
+            <a:noAutofit/>
           </a:bodyPr>
           <a:lstStyle/>
           <a:p>
@@ -9408,57 +9459,250 @@
               <a:buNone/>
             </a:pPr>
             <a:r>
-              <a:rPr lang="en-GB" sz="3200" dirty="0"/>
-              <a:t>Open Source system for managing containers</a:t>
-            </a:r>
-          </a:p>
-          <a:p>
-            <a:pPr marL="0" indent="0">
-              <a:buNone/>
-            </a:pPr>
-            <a:r>
-              <a:rPr lang="en-GB" sz="3200" dirty="0"/>
-              <a:t>Deployed as a cluster containing a master and multiple nodes</a:t>
-            </a:r>
-          </a:p>
-          <a:p>
-            <a:pPr marL="0" indent="0">
-              <a:buNone/>
-            </a:pPr>
-            <a:r>
-              <a:rPr lang="en-GB" sz="3200" dirty="0"/>
-              <a:t>Pods hold containers running on the nodes</a:t>
-            </a:r>
-          </a:p>
-          <a:p>
-            <a:pPr marL="0" indent="0">
-              <a:buNone/>
-            </a:pPr>
-            <a:r>
-              <a:rPr lang="en-GB" sz="3200" dirty="0"/>
-              <a:t>Services define/allow access to sets of pods</a:t>
-            </a:r>
-          </a:p>
-          <a:p>
-            <a:pPr marL="0" indent="0">
-              <a:buNone/>
-            </a:pPr>
-            <a:r>
-              <a:rPr lang="en-GB" sz="3200" dirty="0"/>
-              <a:t>Deployments created and managed via </a:t>
-            </a:r>
-            <a:r>
-              <a:rPr lang="en-GB" sz="3200" dirty="0" err="1"/>
-              <a:t>Kubectl</a:t>
-            </a:r>
-            <a:endParaRPr lang="en-GB" sz="3200" dirty="0"/>
-          </a:p>
-        </p:txBody>
-      </p:sp>
+              <a:rPr lang="en-US" sz="2400" dirty="0" err="1">
+                <a:solidFill>
+                  <a:srgbClr val="0000FF"/>
+                </a:solidFill>
+                <a:latin typeface="Consolas" panose="020B0609020204030204" pitchFamily="49" charset="0"/>
+              </a:rPr>
+              <a:t>az</a:t>
+            </a:r>
+            <a:r>
+              <a:rPr lang="en-US" sz="2400" dirty="0">
+                <a:solidFill>
+                  <a:srgbClr val="0000FF"/>
+                </a:solidFill>
+                <a:latin typeface="Consolas" panose="020B0609020204030204" pitchFamily="49" charset="0"/>
+              </a:rPr>
+              <a:t> </a:t>
+            </a:r>
+            <a:r>
+              <a:rPr lang="en-US" sz="2400" dirty="0" err="1">
+                <a:solidFill>
+                  <a:srgbClr val="0000FF"/>
+                </a:solidFill>
+                <a:latin typeface="Consolas" panose="020B0609020204030204" pitchFamily="49" charset="0"/>
+              </a:rPr>
+              <a:t>aks</a:t>
+            </a:r>
+            <a:r>
+              <a:rPr lang="en-US" sz="2400" dirty="0">
+                <a:solidFill>
+                  <a:srgbClr val="0000FF"/>
+                </a:solidFill>
+                <a:latin typeface="Consolas" panose="020B0609020204030204" pitchFamily="49" charset="0"/>
+              </a:rPr>
+              <a:t> create </a:t>
+            </a:r>
+            <a:r>
+              <a:rPr lang="en-US" sz="2400" dirty="0">
+                <a:latin typeface="Consolas" panose="020B0609020204030204" pitchFamily="49" charset="0"/>
+              </a:rPr>
+              <a:t>`</a:t>
+            </a:r>
+          </a:p>
+          <a:p>
+            <a:pPr marL="0" indent="0">
+              <a:buNone/>
+            </a:pPr>
+            <a:r>
+              <a:rPr lang="en-US" sz="2400" dirty="0">
+                <a:solidFill>
+                  <a:srgbClr val="0000FF"/>
+                </a:solidFill>
+                <a:latin typeface="Consolas" panose="020B0609020204030204" pitchFamily="49" charset="0"/>
+              </a:rPr>
+              <a:t>	</a:t>
+            </a:r>
+            <a:r>
+              <a:rPr lang="en-US" sz="2400" dirty="0">
+                <a:solidFill>
+                  <a:srgbClr val="000000"/>
+                </a:solidFill>
+                <a:latin typeface="Consolas" panose="020B0609020204030204" pitchFamily="49" charset="0"/>
+              </a:rPr>
+              <a:t>--resource-group </a:t>
+            </a:r>
+            <a:r>
+              <a:rPr lang="en-US" sz="2400" dirty="0">
+                <a:solidFill>
+                  <a:srgbClr val="A31515"/>
+                </a:solidFill>
+                <a:latin typeface="Consolas" panose="020B0609020204030204" pitchFamily="49" charset="0"/>
+              </a:rPr>
+              <a:t>containers1 </a:t>
+            </a:r>
+            <a:r>
+              <a:rPr lang="en-US" sz="2400" dirty="0">
+                <a:latin typeface="Consolas" panose="020B0609020204030204" pitchFamily="49" charset="0"/>
+              </a:rPr>
+              <a:t>`</a:t>
+            </a:r>
+          </a:p>
+          <a:p>
+            <a:pPr marL="0" indent="0">
+              <a:buNone/>
+            </a:pPr>
+            <a:r>
+              <a:rPr lang="en-US" sz="2400" dirty="0">
+                <a:solidFill>
+                  <a:srgbClr val="A31515"/>
+                </a:solidFill>
+                <a:latin typeface="Consolas" panose="020B0609020204030204" pitchFamily="49" charset="0"/>
+              </a:rPr>
+              <a:t>		</a:t>
+            </a:r>
+            <a:r>
+              <a:rPr lang="en-US" sz="2400" dirty="0">
+                <a:solidFill>
+                  <a:srgbClr val="000000"/>
+                </a:solidFill>
+                <a:latin typeface="Consolas" panose="020B0609020204030204" pitchFamily="49" charset="0"/>
+              </a:rPr>
+              <a:t>--name </a:t>
+            </a:r>
+            <a:r>
+              <a:rPr lang="en-US" sz="2400" dirty="0">
+                <a:solidFill>
+                  <a:srgbClr val="A31515"/>
+                </a:solidFill>
+                <a:latin typeface="Consolas" panose="020B0609020204030204" pitchFamily="49" charset="0"/>
+              </a:rPr>
+              <a:t>mySQLK8sCluster1 </a:t>
+            </a:r>
+            <a:r>
+              <a:rPr lang="en-US" sz="2400" dirty="0">
+                <a:latin typeface="Consolas" panose="020B0609020204030204" pitchFamily="49" charset="0"/>
+              </a:rPr>
+              <a:t>`</a:t>
+            </a:r>
+          </a:p>
+          <a:p>
+            <a:pPr marL="0" indent="0">
+              <a:buNone/>
+            </a:pPr>
+            <a:r>
+              <a:rPr lang="en-US" sz="2400" dirty="0">
+                <a:solidFill>
+                  <a:srgbClr val="A31515"/>
+                </a:solidFill>
+                <a:latin typeface="Consolas" panose="020B0609020204030204" pitchFamily="49" charset="0"/>
+              </a:rPr>
+              <a:t>			</a:t>
+            </a:r>
+            <a:r>
+              <a:rPr lang="en-US" sz="2400" dirty="0">
+                <a:solidFill>
+                  <a:srgbClr val="000000"/>
+                </a:solidFill>
+                <a:latin typeface="Consolas" panose="020B0609020204030204" pitchFamily="49" charset="0"/>
+              </a:rPr>
+              <a:t>--node-count </a:t>
+            </a:r>
+            <a:r>
+              <a:rPr lang="en-US" sz="2400" dirty="0">
+                <a:solidFill>
+                  <a:srgbClr val="A31515"/>
+                </a:solidFill>
+                <a:latin typeface="Consolas" panose="020B0609020204030204" pitchFamily="49" charset="0"/>
+              </a:rPr>
+              <a:t>2 </a:t>
+            </a:r>
+            <a:r>
+              <a:rPr lang="en-US" sz="2400" dirty="0">
+                <a:latin typeface="Consolas" panose="020B0609020204030204" pitchFamily="49" charset="0"/>
+              </a:rPr>
+              <a:t>`</a:t>
+            </a:r>
+          </a:p>
+          <a:p>
+            <a:pPr marL="0" indent="0">
+              <a:buNone/>
+            </a:pPr>
+            <a:r>
+              <a:rPr lang="en-US" sz="2400" dirty="0">
+                <a:solidFill>
+                  <a:srgbClr val="A31515"/>
+                </a:solidFill>
+                <a:latin typeface="Consolas" panose="020B0609020204030204" pitchFamily="49" charset="0"/>
+              </a:rPr>
+              <a:t>				</a:t>
+            </a:r>
+            <a:r>
+              <a:rPr lang="en-US" sz="2400" dirty="0">
+                <a:solidFill>
+                  <a:srgbClr val="000000"/>
+                </a:solidFill>
+                <a:latin typeface="Consolas" panose="020B0609020204030204" pitchFamily="49" charset="0"/>
+              </a:rPr>
+              <a:t>--generate-</a:t>
+            </a:r>
+            <a:r>
+              <a:rPr lang="en-US" sz="2400" dirty="0" err="1">
+                <a:solidFill>
+                  <a:srgbClr val="000000"/>
+                </a:solidFill>
+                <a:latin typeface="Consolas" panose="020B0609020204030204" pitchFamily="49" charset="0"/>
+              </a:rPr>
+              <a:t>ssh</a:t>
+            </a:r>
+            <a:r>
+              <a:rPr lang="en-US" sz="2400" dirty="0">
+                <a:solidFill>
+                  <a:srgbClr val="000000"/>
+                </a:solidFill>
+                <a:latin typeface="Consolas" panose="020B0609020204030204" pitchFamily="49" charset="0"/>
+              </a:rPr>
+              <a:t>-keys</a:t>
+            </a:r>
+          </a:p>
+          <a:p>
+            <a:pPr marL="0" indent="0">
+              <a:buNone/>
+            </a:pPr>
+            <a:endParaRPr lang="en-IE" sz="2400" dirty="0"/>
+          </a:p>
+        </p:txBody>
+      </p:sp>
+      <p:pic>
+        <p:nvPicPr>
+          <p:cNvPr id="2" name="Picture 1">
+            <a:extLst>
+              <a:ext uri="{FF2B5EF4-FFF2-40B4-BE49-F238E27FC236}">
+                <a16:creationId xmlns:a16="http://schemas.microsoft.com/office/drawing/2014/main" id="{1F343A44-33F0-41FE-B37C-17DBF2423570}"/>
+              </a:ext>
+            </a:extLst>
+          </p:cNvPr>
+          <p:cNvPicPr>
+            <a:picLocks noChangeAspect="1"/>
+          </p:cNvPicPr>
+          <p:nvPr/>
+        </p:nvPicPr>
+        <p:blipFill>
+          <a:blip r:embed="rId2"/>
+          <a:stretch>
+            <a:fillRect/>
+          </a:stretch>
+        </p:blipFill>
+        <p:spPr>
+          <a:xfrm>
+            <a:off x="273050" y="3740034"/>
+            <a:ext cx="11639550" cy="1914525"/>
+          </a:xfrm>
+          <a:prstGeom prst="rect">
+            <a:avLst/>
+          </a:prstGeom>
+          <a:ln>
+            <a:solidFill>
+              <a:schemeClr val="tx1"/>
+            </a:solidFill>
+          </a:ln>
+        </p:spPr>
+      </p:pic>
     </p:spTree>
     <p:extLst>
       <p:ext uri="{BB962C8B-B14F-4D97-AF65-F5344CB8AC3E}">
-        <p14:creationId xmlns:p14="http://schemas.microsoft.com/office/powerpoint/2010/main" val="1834450055"/>
+        <p14:creationId xmlns:p14="http://schemas.microsoft.com/office/powerpoint/2010/main" val="335784264"/>
       </p:ext>
     </p:extLst>
   </p:cSld>
@@ -9497,7 +9741,7 @@
         </p:nvSpPr>
         <p:spPr>
           <a:xfrm>
-            <a:off x="331596" y="562708"/>
+            <a:off x="0" y="0"/>
             <a:ext cx="10184004" cy="713433"/>
           </a:xfrm>
         </p:spPr>
@@ -9515,14 +9759,37 @@
                   </a:schemeClr>
                 </a:solidFill>
               </a:rPr>
-              <a:t>Azure Container Services (AKS)</a:t>
-            </a:r>
-          </a:p>
-        </p:txBody>
-      </p:sp>
-      <p:sp>
-        <p:nvSpPr>
-          <p:cNvPr id="3" name="Subtitle 2"/>
+              <a:t>AKS – Install </a:t>
+            </a:r>
+            <a:r>
+              <a:rPr lang="en-GB" dirty="0" err="1">
+                <a:solidFill>
+                  <a:schemeClr val="accent1">
+                    <a:lumMod val="75000"/>
+                  </a:schemeClr>
+                </a:solidFill>
+              </a:rPr>
+              <a:t>kubectl</a:t>
+            </a:r>
+            <a:endParaRPr lang="en-GB" dirty="0">
+              <a:solidFill>
+                <a:schemeClr val="accent1">
+                  <a:lumMod val="75000"/>
+                </a:schemeClr>
+              </a:solidFill>
+            </a:endParaRPr>
+          </a:p>
+        </p:txBody>
+      </p:sp>
+      <p:sp>
+        <p:nvSpPr>
+          <p:cNvPr id="4" name="Content Placeholder 3">
+            <a:extLst>
+              <a:ext uri="{FF2B5EF4-FFF2-40B4-BE49-F238E27FC236}">
+                <a16:creationId xmlns:a16="http://schemas.microsoft.com/office/drawing/2014/main" id="{EC8CAF2B-8816-44FD-A674-2120DBE9334C}"/>
+              </a:ext>
+            </a:extLst>
+          </p:cNvPr>
           <p:cNvSpPr>
             <a:spLocks noGrp="1"/>
           </p:cNvSpPr>
@@ -9530,75 +9797,117 @@
             <p:ph idx="1"/>
           </p:nvPr>
         </p:nvSpPr>
-        <p:spPr/>
+        <p:spPr>
+          <a:xfrm>
+            <a:off x="499533" y="1024467"/>
+            <a:ext cx="11413067" cy="5461000"/>
+          </a:xfrm>
+        </p:spPr>
         <p:txBody>
           <a:bodyPr>
-            <a:normAutofit/>
+            <a:noAutofit/>
           </a:bodyPr>
           <a:lstStyle/>
           <a:p>
             <a:pPr marL="0" indent="0">
               <a:buNone/>
             </a:pPr>
-            <a:r>
-              <a:rPr lang="en-GB" sz="3200" dirty="0"/>
-              <a:t>Simplifies deployment of Kubernetes clusters in Azure</a:t>
-            </a:r>
-          </a:p>
-          <a:p>
-            <a:pPr marL="0" indent="0">
-              <a:buNone/>
-            </a:pPr>
-            <a:r>
-              <a:rPr lang="en-GB" sz="3200" dirty="0"/>
-              <a:t>Cluster can be spun up with one line of code</a:t>
-            </a:r>
-          </a:p>
-          <a:p>
-            <a:pPr marL="0" indent="0">
-              <a:buNone/>
-            </a:pPr>
-            <a:r>
-              <a:rPr lang="en-GB" sz="3200" dirty="0"/>
-              <a:t>Applications deployed to cluster via </a:t>
-            </a:r>
-            <a:r>
-              <a:rPr lang="en-GB" sz="3200" dirty="0" err="1"/>
-              <a:t>yaml</a:t>
-            </a:r>
-            <a:r>
-              <a:rPr lang="en-GB" sz="3200" dirty="0"/>
-              <a:t> files</a:t>
-            </a:r>
-          </a:p>
-          <a:p>
-            <a:pPr marL="0" indent="0">
-              <a:buNone/>
-            </a:pPr>
-            <a:r>
-              <a:rPr lang="en-GB" sz="3200" dirty="0"/>
-              <a:t>Managed by Azure-CLI/</a:t>
-            </a:r>
-            <a:r>
-              <a:rPr lang="en-GB" sz="3200" dirty="0" err="1"/>
-              <a:t>powershell</a:t>
-            </a:r>
-            <a:r>
-              <a:rPr lang="en-GB" sz="3200" dirty="0"/>
-              <a:t> and </a:t>
-            </a:r>
-            <a:r>
-              <a:rPr lang="en-GB" sz="3200" dirty="0" err="1"/>
-              <a:t>kubectl</a:t>
-            </a:r>
-            <a:endParaRPr lang="en-GB" sz="3200" dirty="0"/>
-          </a:p>
-        </p:txBody>
-      </p:sp>
+            <a:endParaRPr lang="en-IE" sz="2400" dirty="0"/>
+          </a:p>
+          <a:p>
+            <a:pPr marL="0" indent="0">
+              <a:buNone/>
+            </a:pPr>
+            <a:r>
+              <a:rPr lang="en-IE" sz="2400" dirty="0" err="1">
+                <a:solidFill>
+                  <a:srgbClr val="0000FF"/>
+                </a:solidFill>
+                <a:latin typeface="Consolas" panose="020B0609020204030204" pitchFamily="49" charset="0"/>
+              </a:rPr>
+              <a:t>az</a:t>
+            </a:r>
+            <a:r>
+              <a:rPr lang="en-IE" sz="2400" dirty="0">
+                <a:solidFill>
+                  <a:srgbClr val="0000FF"/>
+                </a:solidFill>
+                <a:latin typeface="Consolas" panose="020B0609020204030204" pitchFamily="49" charset="0"/>
+              </a:rPr>
+              <a:t> </a:t>
+            </a:r>
+            <a:r>
+              <a:rPr lang="en-IE" sz="2400" dirty="0" err="1">
+                <a:solidFill>
+                  <a:srgbClr val="0000FF"/>
+                </a:solidFill>
+                <a:latin typeface="Consolas" panose="020B0609020204030204" pitchFamily="49" charset="0"/>
+              </a:rPr>
+              <a:t>aks</a:t>
+            </a:r>
+            <a:r>
+              <a:rPr lang="en-IE" sz="2400" dirty="0">
+                <a:solidFill>
+                  <a:srgbClr val="0000FF"/>
+                </a:solidFill>
+                <a:latin typeface="Consolas" panose="020B0609020204030204" pitchFamily="49" charset="0"/>
+              </a:rPr>
+              <a:t> </a:t>
+            </a:r>
+            <a:r>
+              <a:rPr lang="en-IE" sz="2400" dirty="0">
+                <a:latin typeface="Consolas" panose="020B0609020204030204" pitchFamily="49" charset="0"/>
+              </a:rPr>
+              <a:t>install-cli</a:t>
+            </a:r>
+          </a:p>
+          <a:p>
+            <a:pPr marL="0" indent="0">
+              <a:buNone/>
+            </a:pPr>
+            <a:endParaRPr lang="en-IE" sz="2400" dirty="0"/>
+          </a:p>
+        </p:txBody>
+      </p:sp>
+      <p:pic>
+        <p:nvPicPr>
+          <p:cNvPr id="2" name="Picture 1">
+            <a:extLst>
+              <a:ext uri="{FF2B5EF4-FFF2-40B4-BE49-F238E27FC236}">
+                <a16:creationId xmlns:a16="http://schemas.microsoft.com/office/drawing/2014/main" id="{490B21E3-B5A6-479F-93AF-A0F644DFA9F2}"/>
+              </a:ext>
+            </a:extLst>
+          </p:cNvPr>
+          <p:cNvPicPr>
+            <a:picLocks noChangeAspect="1"/>
+          </p:cNvPicPr>
+          <p:nvPr/>
+        </p:nvPicPr>
+        <p:blipFill>
+          <a:blip r:embed="rId2"/>
+          <a:stretch>
+            <a:fillRect/>
+          </a:stretch>
+        </p:blipFill>
+        <p:spPr>
+          <a:xfrm>
+            <a:off x="128587" y="2690812"/>
+            <a:ext cx="11934825" cy="1476375"/>
+          </a:xfrm>
+          <a:prstGeom prst="rect">
+            <a:avLst/>
+          </a:prstGeom>
+          <a:ln>
+            <a:solidFill>
+              <a:schemeClr val="tx1"/>
+            </a:solidFill>
+          </a:ln>
+        </p:spPr>
+      </p:pic>
     </p:spTree>
     <p:extLst>
       <p:ext uri="{BB962C8B-B14F-4D97-AF65-F5344CB8AC3E}">
-        <p14:creationId xmlns:p14="http://schemas.microsoft.com/office/powerpoint/2010/main" val="3069965736"/>
+        <p14:creationId xmlns:p14="http://schemas.microsoft.com/office/powerpoint/2010/main" val="104560007"/>
       </p:ext>
     </p:extLst>
   </p:cSld>
@@ -9759,7 +10068,7 @@
       </p:grpSpPr>
       <p:sp>
         <p:nvSpPr>
-          <p:cNvPr id="4" name="Title 3"/>
+          <p:cNvPr id="6" name="Title 5"/>
           <p:cNvSpPr>
             <a:spLocks noGrp="1"/>
           </p:cNvSpPr>
@@ -9767,7 +10076,12 @@
             <p:ph type="title"/>
           </p:nvPr>
         </p:nvSpPr>
-        <p:spPr/>
+        <p:spPr>
+          <a:xfrm>
+            <a:off x="0" y="0"/>
+            <a:ext cx="10184004" cy="713433"/>
+          </a:xfrm>
+        </p:spPr>
         <p:txBody>
           <a:bodyPr>
             <a:normAutofit/>
@@ -9777,37 +10091,219 @@
             <a:r>
               <a:rPr lang="en-GB" dirty="0">
                 <a:solidFill>
-                  <a:schemeClr val="accent1"/>
-                </a:solidFill>
-              </a:rPr>
-              <a:t>Demo</a:t>
-            </a:r>
-          </a:p>
-        </p:txBody>
-      </p:sp>
-      <p:sp>
-        <p:nvSpPr>
-          <p:cNvPr id="2" name="Text Placeholder 1"/>
-          <p:cNvSpPr>
-            <a:spLocks noGrp="1"/>
-          </p:cNvSpPr>
-          <p:nvPr>
-            <p:ph type="body" idx="1"/>
-          </p:nvPr>
-        </p:nvSpPr>
-        <p:spPr/>
-        <p:txBody>
-          <a:bodyPr/>
-          <a:lstStyle/>
-          <a:p>
-            <a:endParaRPr lang="en-GB" dirty="0"/>
-          </a:p>
-        </p:txBody>
-      </p:sp>
+                  <a:schemeClr val="accent1">
+                    <a:lumMod val="75000"/>
+                  </a:schemeClr>
+                </a:solidFill>
+              </a:rPr>
+              <a:t>AKS – Get Cluster Credentials</a:t>
+            </a:r>
+          </a:p>
+        </p:txBody>
+      </p:sp>
+      <p:sp>
+        <p:nvSpPr>
+          <p:cNvPr id="4" name="Content Placeholder 3">
+            <a:extLst>
+              <a:ext uri="{FF2B5EF4-FFF2-40B4-BE49-F238E27FC236}">
+                <a16:creationId xmlns:a16="http://schemas.microsoft.com/office/drawing/2014/main" id="{EC8CAF2B-8816-44FD-A674-2120DBE9334C}"/>
+              </a:ext>
+            </a:extLst>
+          </p:cNvPr>
+          <p:cNvSpPr>
+            <a:spLocks noGrp="1"/>
+          </p:cNvSpPr>
+          <p:nvPr>
+            <p:ph idx="1"/>
+          </p:nvPr>
+        </p:nvSpPr>
+        <p:spPr>
+          <a:xfrm>
+            <a:off x="499533" y="1024467"/>
+            <a:ext cx="11413067" cy="5461000"/>
+          </a:xfrm>
+        </p:spPr>
+        <p:txBody>
+          <a:bodyPr>
+            <a:noAutofit/>
+          </a:bodyPr>
+          <a:lstStyle/>
+          <a:p>
+            <a:pPr marL="0" indent="0">
+              <a:buNone/>
+            </a:pPr>
+            <a:endParaRPr lang="en-IE" sz="2400" dirty="0"/>
+          </a:p>
+          <a:p>
+            <a:pPr marL="0" indent="0">
+              <a:buNone/>
+            </a:pPr>
+            <a:r>
+              <a:rPr lang="en-US" sz="2400" dirty="0" err="1">
+                <a:solidFill>
+                  <a:srgbClr val="0000FF"/>
+                </a:solidFill>
+                <a:latin typeface="Consolas" panose="020B0609020204030204" pitchFamily="49" charset="0"/>
+              </a:rPr>
+              <a:t>az</a:t>
+            </a:r>
+            <a:r>
+              <a:rPr lang="en-US" sz="2400" dirty="0">
+                <a:solidFill>
+                  <a:srgbClr val="0000FF"/>
+                </a:solidFill>
+                <a:latin typeface="Consolas" panose="020B0609020204030204" pitchFamily="49" charset="0"/>
+              </a:rPr>
+              <a:t> </a:t>
+            </a:r>
+            <a:r>
+              <a:rPr lang="en-US" sz="2400" dirty="0" err="1">
+                <a:solidFill>
+                  <a:srgbClr val="0000FF"/>
+                </a:solidFill>
+                <a:latin typeface="Consolas" panose="020B0609020204030204" pitchFamily="49" charset="0"/>
+              </a:rPr>
+              <a:t>aks</a:t>
+            </a:r>
+            <a:r>
+              <a:rPr lang="en-US" sz="2400" dirty="0">
+                <a:solidFill>
+                  <a:srgbClr val="0000FF"/>
+                </a:solidFill>
+                <a:latin typeface="Consolas" panose="020B0609020204030204" pitchFamily="49" charset="0"/>
+              </a:rPr>
+              <a:t> get-credentials </a:t>
+            </a:r>
+            <a:r>
+              <a:rPr lang="en-US" sz="2400" dirty="0">
+                <a:latin typeface="Consolas" panose="020B0609020204030204" pitchFamily="49" charset="0"/>
+              </a:rPr>
+              <a:t>`</a:t>
+            </a:r>
+          </a:p>
+          <a:p>
+            <a:pPr marL="0" indent="0">
+              <a:buNone/>
+            </a:pPr>
+            <a:r>
+              <a:rPr lang="en-US" sz="2400" dirty="0">
+                <a:solidFill>
+                  <a:srgbClr val="0000FF"/>
+                </a:solidFill>
+                <a:latin typeface="Consolas" panose="020B0609020204030204" pitchFamily="49" charset="0"/>
+              </a:rPr>
+              <a:t>	</a:t>
+            </a:r>
+            <a:r>
+              <a:rPr lang="en-US" sz="2400" dirty="0">
+                <a:solidFill>
+                  <a:srgbClr val="000000"/>
+                </a:solidFill>
+                <a:latin typeface="Consolas" panose="020B0609020204030204" pitchFamily="49" charset="0"/>
+              </a:rPr>
+              <a:t>--resource-group </a:t>
+            </a:r>
+            <a:r>
+              <a:rPr lang="en-US" sz="2400" dirty="0">
+                <a:solidFill>
+                  <a:srgbClr val="A31515"/>
+                </a:solidFill>
+                <a:latin typeface="Consolas" panose="020B0609020204030204" pitchFamily="49" charset="0"/>
+              </a:rPr>
+              <a:t>containers1 </a:t>
+            </a:r>
+            <a:r>
+              <a:rPr lang="en-US" sz="2400" dirty="0">
+                <a:latin typeface="Consolas" panose="020B0609020204030204" pitchFamily="49" charset="0"/>
+              </a:rPr>
+              <a:t>`</a:t>
+            </a:r>
+          </a:p>
+          <a:p>
+            <a:pPr marL="0" indent="0">
+              <a:buNone/>
+            </a:pPr>
+            <a:r>
+              <a:rPr lang="en-US" sz="2400" dirty="0">
+                <a:solidFill>
+                  <a:srgbClr val="A31515"/>
+                </a:solidFill>
+                <a:latin typeface="Consolas" panose="020B0609020204030204" pitchFamily="49" charset="0"/>
+              </a:rPr>
+              <a:t>		</a:t>
+            </a:r>
+            <a:r>
+              <a:rPr lang="en-US" sz="2400" dirty="0">
+                <a:solidFill>
+                  <a:srgbClr val="000000"/>
+                </a:solidFill>
+                <a:latin typeface="Consolas" panose="020B0609020204030204" pitchFamily="49" charset="0"/>
+              </a:rPr>
+              <a:t>--name </a:t>
+            </a:r>
+            <a:r>
+              <a:rPr lang="en-US" sz="2400" dirty="0">
+                <a:solidFill>
+                  <a:srgbClr val="A31515"/>
+                </a:solidFill>
+                <a:latin typeface="Consolas" panose="020B0609020204030204" pitchFamily="49" charset="0"/>
+              </a:rPr>
+              <a:t>mySQLK8sCluster1</a:t>
+            </a:r>
+            <a:endParaRPr lang="en-US" sz="2400" dirty="0">
+              <a:solidFill>
+                <a:srgbClr val="000000"/>
+              </a:solidFill>
+              <a:latin typeface="Consolas" panose="020B0609020204030204" pitchFamily="49" charset="0"/>
+            </a:endParaRPr>
+          </a:p>
+          <a:p>
+            <a:pPr marL="0" indent="0">
+              <a:buNone/>
+            </a:pPr>
+            <a:endParaRPr lang="en-IE" sz="2400" dirty="0"/>
+          </a:p>
+        </p:txBody>
+      </p:sp>
+      <p:pic>
+        <p:nvPicPr>
+          <p:cNvPr id="2" name="Picture 1">
+            <a:extLst>
+              <a:ext uri="{FF2B5EF4-FFF2-40B4-BE49-F238E27FC236}">
+                <a16:creationId xmlns:a16="http://schemas.microsoft.com/office/drawing/2014/main" id="{BBB95D44-E0D1-420D-9D01-87867131590A}"/>
+              </a:ext>
+            </a:extLst>
+          </p:cNvPr>
+          <p:cNvPicPr>
+            <a:picLocks noChangeAspect="1"/>
+          </p:cNvPicPr>
+          <p:nvPr/>
+        </p:nvPicPr>
+        <p:blipFill>
+          <a:blip r:embed="rId2"/>
+          <a:stretch>
+            <a:fillRect/>
+          </a:stretch>
+        </p:blipFill>
+        <p:spPr>
+          <a:xfrm>
+            <a:off x="1270000" y="3587750"/>
+            <a:ext cx="8991600" cy="1562100"/>
+          </a:xfrm>
+          <a:prstGeom prst="rect">
+            <a:avLst/>
+          </a:prstGeom>
+          <a:ln>
+            <a:solidFill>
+              <a:schemeClr val="tx1"/>
+            </a:solidFill>
+          </a:ln>
+        </p:spPr>
+      </p:pic>
     </p:spTree>
     <p:extLst>
       <p:ext uri="{BB962C8B-B14F-4D97-AF65-F5344CB8AC3E}">
-        <p14:creationId xmlns:p14="http://schemas.microsoft.com/office/powerpoint/2010/main" val="2917938358"/>
+        <p14:creationId xmlns:p14="http://schemas.microsoft.com/office/powerpoint/2010/main" val="1506015969"/>
       </p:ext>
     </p:extLst>
   </p:cSld>
@@ -9836,7 +10332,7 @@
       </p:grpSpPr>
       <p:sp>
         <p:nvSpPr>
-          <p:cNvPr id="4" name="Title 3"/>
+          <p:cNvPr id="6" name="Title 5"/>
           <p:cNvSpPr>
             <a:spLocks noGrp="1"/>
           </p:cNvSpPr>
@@ -9844,7 +10340,12 @@
             <p:ph type="title"/>
           </p:nvPr>
         </p:nvSpPr>
-        <p:spPr/>
+        <p:spPr>
+          <a:xfrm>
+            <a:off x="0" y="0"/>
+            <a:ext cx="10184004" cy="713433"/>
+          </a:xfrm>
+        </p:spPr>
         <p:txBody>
           <a:bodyPr>
             <a:normAutofit/>
@@ -9854,50 +10355,130 @@
             <a:r>
               <a:rPr lang="en-GB" dirty="0">
                 <a:solidFill>
-                  <a:schemeClr val="accent1"/>
-                </a:solidFill>
-              </a:rPr>
-              <a:t>Docker EE for </a:t>
-            </a:r>
-            <a:r>
-              <a:rPr lang="en-GB" dirty="0" err="1">
-                <a:solidFill>
-                  <a:schemeClr val="accent1"/>
-                </a:solidFill>
-              </a:rPr>
-              <a:t>Azuzre</a:t>
-            </a:r>
-            <a:endParaRPr lang="en-GB" dirty="0">
+                  <a:schemeClr val="accent1">
+                    <a:lumMod val="75000"/>
+                  </a:schemeClr>
+                </a:solidFill>
+              </a:rPr>
+              <a:t>AKS – View Cluster Nodes</a:t>
+            </a:r>
+          </a:p>
+        </p:txBody>
+      </p:sp>
+      <p:sp>
+        <p:nvSpPr>
+          <p:cNvPr id="4" name="Content Placeholder 3">
+            <a:extLst>
+              <a:ext uri="{FF2B5EF4-FFF2-40B4-BE49-F238E27FC236}">
+                <a16:creationId xmlns:a16="http://schemas.microsoft.com/office/drawing/2014/main" id="{EC8CAF2B-8816-44FD-A674-2120DBE9334C}"/>
+              </a:ext>
+            </a:extLst>
+          </p:cNvPr>
+          <p:cNvSpPr>
+            <a:spLocks noGrp="1"/>
+          </p:cNvSpPr>
+          <p:nvPr>
+            <p:ph idx="1"/>
+          </p:nvPr>
+        </p:nvSpPr>
+        <p:spPr>
+          <a:xfrm>
+            <a:off x="499533" y="1024467"/>
+            <a:ext cx="11413067" cy="5461000"/>
+          </a:xfrm>
+        </p:spPr>
+        <p:txBody>
+          <a:bodyPr>
+            <a:noAutofit/>
+          </a:bodyPr>
+          <a:lstStyle/>
+          <a:p>
+            <a:pPr marL="0" indent="0">
+              <a:buNone/>
+            </a:pPr>
+            <a:endParaRPr lang="en-IE" sz="2400" dirty="0">
               <a:solidFill>
-                <a:schemeClr val="accent1"/>
+                <a:srgbClr val="0000FF"/>
               </a:solidFill>
+              <a:latin typeface="Consolas" panose="020B0609020204030204" pitchFamily="49" charset="0"/>
             </a:endParaRPr>
           </a:p>
-        </p:txBody>
-      </p:sp>
-      <p:sp>
-        <p:nvSpPr>
-          <p:cNvPr id="2" name="Text Placeholder 1"/>
-          <p:cNvSpPr>
-            <a:spLocks noGrp="1"/>
-          </p:cNvSpPr>
-          <p:nvPr>
-            <p:ph type="body" idx="1"/>
-          </p:nvPr>
-        </p:nvSpPr>
-        <p:spPr/>
-        <p:txBody>
-          <a:bodyPr/>
-          <a:lstStyle/>
-          <a:p>
-            <a:endParaRPr lang="en-GB" dirty="0"/>
-          </a:p>
-        </p:txBody>
-      </p:sp>
+          <a:p>
+            <a:pPr marL="0" indent="0">
+              <a:buNone/>
+            </a:pPr>
+            <a:r>
+              <a:rPr lang="en-IE" sz="2400" dirty="0" err="1">
+                <a:solidFill>
+                  <a:srgbClr val="0000FF"/>
+                </a:solidFill>
+                <a:latin typeface="Consolas" panose="020B0609020204030204" pitchFamily="49" charset="0"/>
+              </a:rPr>
+              <a:t>kubectl</a:t>
+            </a:r>
+            <a:r>
+              <a:rPr lang="en-IE" sz="2400" dirty="0">
+                <a:solidFill>
+                  <a:srgbClr val="0000FF"/>
+                </a:solidFill>
+                <a:latin typeface="Consolas" panose="020B0609020204030204" pitchFamily="49" charset="0"/>
+              </a:rPr>
+              <a:t> </a:t>
+            </a:r>
+            <a:r>
+              <a:rPr lang="en-IE" sz="2400" dirty="0">
+                <a:latin typeface="Consolas" panose="020B0609020204030204" pitchFamily="49" charset="0"/>
+              </a:rPr>
+              <a:t>get nodes</a:t>
+            </a:r>
+          </a:p>
+          <a:p>
+            <a:pPr marL="0" indent="0">
+              <a:buNone/>
+            </a:pPr>
+            <a:endParaRPr lang="en-IE" sz="2400" dirty="0"/>
+          </a:p>
+        </p:txBody>
+      </p:sp>
+      <p:pic>
+        <p:nvPicPr>
+          <p:cNvPr id="2" name="Picture 1">
+            <a:extLst>
+              <a:ext uri="{FF2B5EF4-FFF2-40B4-BE49-F238E27FC236}">
+                <a16:creationId xmlns:a16="http://schemas.microsoft.com/office/drawing/2014/main" id="{D9158CC5-C456-4F07-8FF6-FDBFEE5F0859}"/>
+              </a:ext>
+            </a:extLst>
+          </p:cNvPr>
+          <p:cNvPicPr>
+            <a:picLocks noChangeAspect="1"/>
+          </p:cNvPicPr>
+          <p:nvPr/>
+        </p:nvPicPr>
+        <p:blipFill>
+          <a:blip r:embed="rId2"/>
+          <a:stretch>
+            <a:fillRect/>
+          </a:stretch>
+        </p:blipFill>
+        <p:spPr>
+          <a:xfrm>
+            <a:off x="752426" y="2457978"/>
+            <a:ext cx="10687148" cy="2520421"/>
+          </a:xfrm>
+          <a:prstGeom prst="rect">
+            <a:avLst/>
+          </a:prstGeom>
+          <a:ln>
+            <a:solidFill>
+              <a:schemeClr val="tx1"/>
+            </a:solidFill>
+          </a:ln>
+        </p:spPr>
+      </p:pic>
     </p:spTree>
     <p:extLst>
       <p:ext uri="{BB962C8B-B14F-4D97-AF65-F5344CB8AC3E}">
-        <p14:creationId xmlns:p14="http://schemas.microsoft.com/office/powerpoint/2010/main" val="3610026559"/>
+        <p14:creationId xmlns:p14="http://schemas.microsoft.com/office/powerpoint/2010/main" val="504131202"/>
       </p:ext>
     </p:extLst>
   </p:cSld>
@@ -9936,7 +10517,7 @@
         </p:nvSpPr>
         <p:spPr>
           <a:xfrm>
-            <a:off x="331596" y="562708"/>
+            <a:off x="0" y="0"/>
             <a:ext cx="10184004" cy="713433"/>
           </a:xfrm>
         </p:spPr>
@@ -9954,14 +10535,20 @@
                   </a:schemeClr>
                 </a:solidFill>
               </a:rPr>
-              <a:t>Docker EE for Azure</a:t>
-            </a:r>
-          </a:p>
-        </p:txBody>
-      </p:sp>
-      <p:sp>
-        <p:nvSpPr>
-          <p:cNvPr id="3" name="Subtitle 2"/>
+              <a:t>AKS – Get Cluster &amp; ACR Details</a:t>
+            </a:r>
+          </a:p>
+        </p:txBody>
+      </p:sp>
+      <p:sp>
+        <p:nvSpPr>
+          <p:cNvPr id="4" name="Content Placeholder 3">
+            <a:extLst>
+              <a:ext uri="{FF2B5EF4-FFF2-40B4-BE49-F238E27FC236}">
+                <a16:creationId xmlns:a16="http://schemas.microsoft.com/office/drawing/2014/main" id="{EC8CAF2B-8816-44FD-A674-2120DBE9334C}"/>
+              </a:ext>
+            </a:extLst>
+          </p:cNvPr>
           <p:cNvSpPr>
             <a:spLocks noGrp="1"/>
           </p:cNvSpPr>
@@ -9969,36 +10556,472 @@
             <p:ph idx="1"/>
           </p:nvPr>
         </p:nvSpPr>
-        <p:spPr/>
+        <p:spPr>
+          <a:xfrm>
+            <a:off x="499533" y="1024467"/>
+            <a:ext cx="11413067" cy="5461000"/>
+          </a:xfrm>
+        </p:spPr>
         <p:txBody>
           <a:bodyPr>
-            <a:normAutofit/>
+            <a:noAutofit/>
           </a:bodyPr>
           <a:lstStyle/>
           <a:p>
             <a:pPr marL="0" indent="0">
               <a:buNone/>
             </a:pPr>
-            <a:r>
-              <a:rPr lang="en-GB" sz="3200" dirty="0">
-                <a:hlinkClick r:id="rId2"/>
-              </a:rPr>
-              <a:t>https://store.docker.com/editions/enterprise/docker-ee-azure</a:t>
-            </a:r>
-            <a:endParaRPr lang="en-GB" sz="3200" dirty="0"/>
-          </a:p>
-          <a:p>
-            <a:pPr marL="0" indent="0">
-              <a:buNone/>
-            </a:pPr>
-            <a:endParaRPr lang="en-GB" sz="3200" dirty="0"/>
+            <a:endParaRPr lang="en-IE" sz="2400" dirty="0"/>
+          </a:p>
+          <a:p>
+            <a:pPr marL="0" indent="0">
+              <a:buNone/>
+            </a:pPr>
+            <a:r>
+              <a:rPr lang="en-IE" sz="2400" dirty="0" err="1">
+                <a:solidFill>
+                  <a:srgbClr val="0000FF"/>
+                </a:solidFill>
+                <a:latin typeface="Consolas" panose="020B0609020204030204" pitchFamily="49" charset="0"/>
+              </a:rPr>
+              <a:t>az</a:t>
+            </a:r>
+            <a:r>
+              <a:rPr lang="en-IE" sz="2400" dirty="0">
+                <a:solidFill>
+                  <a:srgbClr val="0000FF"/>
+                </a:solidFill>
+                <a:latin typeface="Consolas" panose="020B0609020204030204" pitchFamily="49" charset="0"/>
+              </a:rPr>
+              <a:t> </a:t>
+            </a:r>
+            <a:r>
+              <a:rPr lang="en-IE" sz="2400" dirty="0" err="1">
+                <a:solidFill>
+                  <a:srgbClr val="0000FF"/>
+                </a:solidFill>
+                <a:latin typeface="Consolas" panose="020B0609020204030204" pitchFamily="49" charset="0"/>
+              </a:rPr>
+              <a:t>aks</a:t>
+            </a:r>
+            <a:r>
+              <a:rPr lang="en-IE" sz="2400" dirty="0">
+                <a:solidFill>
+                  <a:srgbClr val="0000FF"/>
+                </a:solidFill>
+                <a:latin typeface="Consolas" panose="020B0609020204030204" pitchFamily="49" charset="0"/>
+              </a:rPr>
+              <a:t> show </a:t>
+            </a:r>
+            <a:r>
+              <a:rPr lang="en-IE" sz="2400" dirty="0">
+                <a:latin typeface="Consolas" panose="020B0609020204030204" pitchFamily="49" charset="0"/>
+              </a:rPr>
+              <a:t>`</a:t>
+            </a:r>
+          </a:p>
+          <a:p>
+            <a:pPr marL="0" indent="0">
+              <a:buNone/>
+            </a:pPr>
+            <a:r>
+              <a:rPr lang="en-IE" sz="2400" dirty="0">
+                <a:solidFill>
+                  <a:srgbClr val="0000FF"/>
+                </a:solidFill>
+                <a:latin typeface="Consolas" panose="020B0609020204030204" pitchFamily="49" charset="0"/>
+              </a:rPr>
+              <a:t>	</a:t>
+            </a:r>
+            <a:r>
+              <a:rPr lang="en-IE" sz="2000" dirty="0">
+                <a:solidFill>
+                  <a:srgbClr val="000000"/>
+                </a:solidFill>
+                <a:latin typeface="Consolas" panose="020B0609020204030204" pitchFamily="49" charset="0"/>
+              </a:rPr>
+              <a:t>--resource-group </a:t>
+            </a:r>
+            <a:r>
+              <a:rPr lang="en-IE" sz="2000" dirty="0">
+                <a:solidFill>
+                  <a:srgbClr val="A31515"/>
+                </a:solidFill>
+                <a:latin typeface="Consolas" panose="020B0609020204030204" pitchFamily="49" charset="0"/>
+              </a:rPr>
+              <a:t>containers1 </a:t>
+            </a:r>
+            <a:r>
+              <a:rPr lang="en-IE" sz="2000" dirty="0">
+                <a:latin typeface="Consolas" panose="020B0609020204030204" pitchFamily="49" charset="0"/>
+              </a:rPr>
+              <a:t>`</a:t>
+            </a:r>
+          </a:p>
+          <a:p>
+            <a:pPr marL="0" indent="0">
+              <a:buNone/>
+            </a:pPr>
+            <a:r>
+              <a:rPr lang="en-IE" sz="2000" dirty="0">
+                <a:solidFill>
+                  <a:srgbClr val="A31515"/>
+                </a:solidFill>
+                <a:latin typeface="Consolas" panose="020B0609020204030204" pitchFamily="49" charset="0"/>
+              </a:rPr>
+              <a:t>		</a:t>
+            </a:r>
+            <a:r>
+              <a:rPr lang="en-IE" sz="2000" dirty="0">
+                <a:solidFill>
+                  <a:srgbClr val="000000"/>
+                </a:solidFill>
+                <a:latin typeface="Consolas" panose="020B0609020204030204" pitchFamily="49" charset="0"/>
+              </a:rPr>
+              <a:t>--name </a:t>
+            </a:r>
+            <a:r>
+              <a:rPr lang="en-IE" sz="2000" dirty="0">
+                <a:solidFill>
+                  <a:srgbClr val="A31515"/>
+                </a:solidFill>
+                <a:latin typeface="Consolas" panose="020B0609020204030204" pitchFamily="49" charset="0"/>
+              </a:rPr>
+              <a:t>mySQLK8sCluster1 </a:t>
+            </a:r>
+            <a:r>
+              <a:rPr lang="en-IE" sz="2000" dirty="0">
+                <a:latin typeface="Consolas" panose="020B0609020204030204" pitchFamily="49" charset="0"/>
+              </a:rPr>
+              <a:t>`</a:t>
+            </a:r>
+          </a:p>
+          <a:p>
+            <a:pPr marL="0" indent="0">
+              <a:buNone/>
+            </a:pPr>
+            <a:r>
+              <a:rPr lang="en-IE" sz="2000" dirty="0">
+                <a:solidFill>
+                  <a:srgbClr val="A31515"/>
+                </a:solidFill>
+                <a:latin typeface="Consolas" panose="020B0609020204030204" pitchFamily="49" charset="0"/>
+              </a:rPr>
+              <a:t>			</a:t>
+            </a:r>
+            <a:r>
+              <a:rPr lang="en-IE" sz="2000" dirty="0">
+                <a:solidFill>
+                  <a:srgbClr val="000000"/>
+                </a:solidFill>
+                <a:latin typeface="Consolas" panose="020B0609020204030204" pitchFamily="49" charset="0"/>
+              </a:rPr>
+              <a:t>--query </a:t>
+            </a:r>
+            <a:r>
+              <a:rPr lang="en-IE" sz="2000" dirty="0">
+                <a:solidFill>
+                  <a:srgbClr val="A31515"/>
+                </a:solidFill>
+                <a:latin typeface="Consolas" panose="020B0609020204030204" pitchFamily="49" charset="0"/>
+              </a:rPr>
+              <a:t>"</a:t>
+            </a:r>
+            <a:r>
+              <a:rPr lang="en-IE" sz="2000" dirty="0" err="1">
+                <a:solidFill>
+                  <a:srgbClr val="A31515"/>
+                </a:solidFill>
+                <a:latin typeface="Consolas" panose="020B0609020204030204" pitchFamily="49" charset="0"/>
+              </a:rPr>
+              <a:t>servicePrincipalProfile.clientId</a:t>
+            </a:r>
+            <a:r>
+              <a:rPr lang="en-IE" sz="2000" dirty="0">
+                <a:solidFill>
+                  <a:srgbClr val="A31515"/>
+                </a:solidFill>
+                <a:latin typeface="Consolas" panose="020B0609020204030204" pitchFamily="49" charset="0"/>
+              </a:rPr>
+              <a:t>" </a:t>
+            </a:r>
+            <a:r>
+              <a:rPr lang="en-IE" sz="2000" dirty="0">
+                <a:solidFill>
+                  <a:srgbClr val="000000"/>
+                </a:solidFill>
+                <a:latin typeface="Consolas" panose="020B0609020204030204" pitchFamily="49" charset="0"/>
+              </a:rPr>
+              <a:t>--output </a:t>
+            </a:r>
+            <a:r>
+              <a:rPr lang="en-IE" sz="2000" dirty="0" err="1">
+                <a:solidFill>
+                  <a:srgbClr val="A31515"/>
+                </a:solidFill>
+                <a:latin typeface="Consolas" panose="020B0609020204030204" pitchFamily="49" charset="0"/>
+              </a:rPr>
+              <a:t>tsv</a:t>
+            </a:r>
+            <a:endParaRPr lang="en-IE" sz="2000" dirty="0">
+              <a:solidFill>
+                <a:srgbClr val="A31515"/>
+              </a:solidFill>
+              <a:latin typeface="Consolas" panose="020B0609020204030204" pitchFamily="49" charset="0"/>
+            </a:endParaRPr>
+          </a:p>
+          <a:p>
+            <a:pPr marL="0" indent="0">
+              <a:buNone/>
+            </a:pPr>
+            <a:endParaRPr lang="en-GB" sz="2000" dirty="0">
+              <a:solidFill>
+                <a:srgbClr val="A31515"/>
+              </a:solidFill>
+              <a:latin typeface="Consolas" panose="020B0609020204030204" pitchFamily="49" charset="0"/>
+            </a:endParaRPr>
+          </a:p>
+          <a:p>
+            <a:pPr marL="0" indent="0">
+              <a:buNone/>
+            </a:pPr>
+            <a:r>
+              <a:rPr lang="en-US" sz="2000" dirty="0" err="1">
+                <a:solidFill>
+                  <a:srgbClr val="0000FF"/>
+                </a:solidFill>
+                <a:latin typeface="Consolas" panose="020B0609020204030204" pitchFamily="49" charset="0"/>
+              </a:rPr>
+              <a:t>az</a:t>
+            </a:r>
+            <a:r>
+              <a:rPr lang="en-US" sz="2000" dirty="0">
+                <a:solidFill>
+                  <a:srgbClr val="0000FF"/>
+                </a:solidFill>
+                <a:latin typeface="Consolas" panose="020B0609020204030204" pitchFamily="49" charset="0"/>
+              </a:rPr>
+              <a:t> </a:t>
+            </a:r>
+            <a:r>
+              <a:rPr lang="en-US" sz="2000" dirty="0" err="1">
+                <a:solidFill>
+                  <a:srgbClr val="0000FF"/>
+                </a:solidFill>
+                <a:latin typeface="Consolas" panose="020B0609020204030204" pitchFamily="49" charset="0"/>
+              </a:rPr>
+              <a:t>acr</a:t>
+            </a:r>
+            <a:r>
+              <a:rPr lang="en-US" sz="2000" dirty="0">
+                <a:solidFill>
+                  <a:srgbClr val="0000FF"/>
+                </a:solidFill>
+                <a:latin typeface="Consolas" panose="020B0609020204030204" pitchFamily="49" charset="0"/>
+              </a:rPr>
+              <a:t> show </a:t>
+            </a:r>
+            <a:r>
+              <a:rPr lang="en-US" sz="2000" dirty="0">
+                <a:latin typeface="Consolas" panose="020B0609020204030204" pitchFamily="49" charset="0"/>
+              </a:rPr>
+              <a:t>`</a:t>
+            </a:r>
+          </a:p>
+          <a:p>
+            <a:pPr marL="0" indent="0">
+              <a:buNone/>
+            </a:pPr>
+            <a:r>
+              <a:rPr lang="en-US" sz="2000" dirty="0">
+                <a:solidFill>
+                  <a:srgbClr val="0000FF"/>
+                </a:solidFill>
+                <a:latin typeface="Consolas" panose="020B0609020204030204" pitchFamily="49" charset="0"/>
+              </a:rPr>
+              <a:t>	</a:t>
+            </a:r>
+            <a:r>
+              <a:rPr lang="en-US" sz="2000" dirty="0">
+                <a:solidFill>
+                  <a:srgbClr val="000000"/>
+                </a:solidFill>
+                <a:latin typeface="Consolas" panose="020B0609020204030204" pitchFamily="49" charset="0"/>
+              </a:rPr>
+              <a:t>--name </a:t>
+            </a:r>
+            <a:r>
+              <a:rPr lang="en-US" sz="2000" dirty="0">
+                <a:solidFill>
+                  <a:srgbClr val="A31515"/>
+                </a:solidFill>
+                <a:latin typeface="Consolas" panose="020B0609020204030204" pitchFamily="49" charset="0"/>
+              </a:rPr>
+              <a:t>TestContainerRegistry02 </a:t>
+            </a:r>
+            <a:r>
+              <a:rPr lang="en-US" sz="2000" dirty="0">
+                <a:latin typeface="Consolas" panose="020B0609020204030204" pitchFamily="49" charset="0"/>
+              </a:rPr>
+              <a:t>`</a:t>
+            </a:r>
+          </a:p>
+          <a:p>
+            <a:pPr marL="0" indent="0">
+              <a:buNone/>
+            </a:pPr>
+            <a:r>
+              <a:rPr lang="en-US" sz="2000" dirty="0">
+                <a:solidFill>
+                  <a:srgbClr val="A31515"/>
+                </a:solidFill>
+                <a:latin typeface="Consolas" panose="020B0609020204030204" pitchFamily="49" charset="0"/>
+              </a:rPr>
+              <a:t>		</a:t>
+            </a:r>
+            <a:r>
+              <a:rPr lang="en-US" sz="2000" dirty="0">
+                <a:solidFill>
+                  <a:srgbClr val="000000"/>
+                </a:solidFill>
+                <a:latin typeface="Consolas" panose="020B0609020204030204" pitchFamily="49" charset="0"/>
+              </a:rPr>
+              <a:t>--resource-group </a:t>
+            </a:r>
+            <a:r>
+              <a:rPr lang="en-US" sz="2000" dirty="0">
+                <a:solidFill>
+                  <a:srgbClr val="A31515"/>
+                </a:solidFill>
+                <a:latin typeface="Consolas" panose="020B0609020204030204" pitchFamily="49" charset="0"/>
+              </a:rPr>
+              <a:t>containers1 </a:t>
+            </a:r>
+            <a:r>
+              <a:rPr lang="en-US" sz="2000" dirty="0">
+                <a:latin typeface="Consolas" panose="020B0609020204030204" pitchFamily="49" charset="0"/>
+              </a:rPr>
+              <a:t>`</a:t>
+            </a:r>
+          </a:p>
+          <a:p>
+            <a:pPr marL="0" indent="0">
+              <a:buNone/>
+            </a:pPr>
+            <a:r>
+              <a:rPr lang="en-US" sz="2000" dirty="0">
+                <a:solidFill>
+                  <a:srgbClr val="A31515"/>
+                </a:solidFill>
+                <a:latin typeface="Consolas" panose="020B0609020204030204" pitchFamily="49" charset="0"/>
+              </a:rPr>
+              <a:t>			</a:t>
+            </a:r>
+            <a:r>
+              <a:rPr lang="en-US" sz="2000" dirty="0">
+                <a:solidFill>
+                  <a:srgbClr val="000000"/>
+                </a:solidFill>
+                <a:latin typeface="Consolas" panose="020B0609020204030204" pitchFamily="49" charset="0"/>
+              </a:rPr>
+              <a:t>--query </a:t>
+            </a:r>
+            <a:r>
+              <a:rPr lang="en-US" sz="2000" dirty="0">
+                <a:solidFill>
+                  <a:srgbClr val="A31515"/>
+                </a:solidFill>
+                <a:latin typeface="Consolas" panose="020B0609020204030204" pitchFamily="49" charset="0"/>
+              </a:rPr>
+              <a:t>"id" </a:t>
+            </a:r>
+            <a:r>
+              <a:rPr lang="en-US" sz="2000" dirty="0">
+                <a:latin typeface="Consolas" panose="020B0609020204030204" pitchFamily="49" charset="0"/>
+              </a:rPr>
+              <a:t>`</a:t>
+            </a:r>
+          </a:p>
+          <a:p>
+            <a:pPr marL="0" indent="0">
+              <a:buNone/>
+            </a:pPr>
+            <a:r>
+              <a:rPr lang="en-US" sz="2000" dirty="0">
+                <a:solidFill>
+                  <a:srgbClr val="A31515"/>
+                </a:solidFill>
+                <a:latin typeface="Consolas" panose="020B0609020204030204" pitchFamily="49" charset="0"/>
+              </a:rPr>
+              <a:t>				</a:t>
+            </a:r>
+            <a:r>
+              <a:rPr lang="en-US" sz="2000" dirty="0">
+                <a:solidFill>
+                  <a:srgbClr val="000000"/>
+                </a:solidFill>
+                <a:latin typeface="Consolas" panose="020B0609020204030204" pitchFamily="49" charset="0"/>
+              </a:rPr>
+              <a:t>--output </a:t>
+            </a:r>
+            <a:r>
+              <a:rPr lang="en-US" sz="2000" dirty="0" err="1">
+                <a:solidFill>
+                  <a:srgbClr val="A31515"/>
+                </a:solidFill>
+                <a:latin typeface="Consolas" panose="020B0609020204030204" pitchFamily="49" charset="0"/>
+              </a:rPr>
+              <a:t>tsv</a:t>
+            </a:r>
+            <a:endParaRPr lang="en-US" sz="2000" dirty="0">
+              <a:solidFill>
+                <a:srgbClr val="000000"/>
+              </a:solidFill>
+              <a:latin typeface="Consolas" panose="020B0609020204030204" pitchFamily="49" charset="0"/>
+            </a:endParaRPr>
+          </a:p>
+          <a:p>
+            <a:pPr marL="0" indent="0">
+              <a:buNone/>
+            </a:pPr>
+            <a:endParaRPr lang="en-IE" sz="2000" dirty="0">
+              <a:solidFill>
+                <a:srgbClr val="000000"/>
+              </a:solidFill>
+              <a:latin typeface="Consolas" panose="020B0609020204030204" pitchFamily="49" charset="0"/>
+            </a:endParaRPr>
+          </a:p>
+          <a:p>
+            <a:pPr marL="0" indent="0">
+              <a:buNone/>
+            </a:pPr>
+            <a:br>
+              <a:rPr lang="en-IE" sz="2400" dirty="0">
+                <a:solidFill>
+                  <a:srgbClr val="000000"/>
+                </a:solidFill>
+                <a:latin typeface="Consolas" panose="020B0609020204030204" pitchFamily="49" charset="0"/>
+              </a:rPr>
+            </a:br>
+            <a:endParaRPr lang="en-IE" sz="2400" dirty="0">
+              <a:solidFill>
+                <a:srgbClr val="000000"/>
+              </a:solidFill>
+              <a:latin typeface="Consolas" panose="020B0609020204030204" pitchFamily="49" charset="0"/>
+            </a:endParaRPr>
+          </a:p>
+          <a:p>
+            <a:pPr marL="0" indent="0">
+              <a:buNone/>
+            </a:pPr>
+            <a:endParaRPr lang="en-IE" sz="2400" dirty="0"/>
           </a:p>
         </p:txBody>
       </p:sp>
     </p:spTree>
     <p:extLst>
       <p:ext uri="{BB962C8B-B14F-4D97-AF65-F5344CB8AC3E}">
-        <p14:creationId xmlns:p14="http://schemas.microsoft.com/office/powerpoint/2010/main" val="4113174784"/>
+        <p14:creationId xmlns:p14="http://schemas.microsoft.com/office/powerpoint/2010/main" val="32909504"/>
       </p:ext>
     </p:extLst>
   </p:cSld>
@@ -10027,10 +11050,45 @@
       </p:grpSpPr>
       <p:sp>
         <p:nvSpPr>
-          <p:cNvPr id="2" name="Title 1">
+          <p:cNvPr id="6" name="Title 5"/>
+          <p:cNvSpPr>
+            <a:spLocks noGrp="1"/>
+          </p:cNvSpPr>
+          <p:nvPr>
+            <p:ph type="title"/>
+          </p:nvPr>
+        </p:nvSpPr>
+        <p:spPr>
+          <a:xfrm>
+            <a:off x="0" y="0"/>
+            <a:ext cx="10184004" cy="713433"/>
+          </a:xfrm>
+        </p:spPr>
+        <p:txBody>
+          <a:bodyPr>
+            <a:normAutofit/>
+          </a:bodyPr>
+          <a:lstStyle/>
+          <a:p>
+            <a:r>
+              <a:rPr lang="en-GB" dirty="0">
+                <a:solidFill>
+                  <a:schemeClr val="accent1">
+                    <a:lumMod val="75000"/>
+                  </a:schemeClr>
+                </a:solidFill>
+              </a:rPr>
+              <a:t>AKS – Create Role to Deploy</a:t>
+            </a:r>
+          </a:p>
+        </p:txBody>
+      </p:sp>
+      <p:sp>
+        <p:nvSpPr>
+          <p:cNvPr id="4" name="Content Placeholder 3">
             <a:extLst>
               <a:ext uri="{FF2B5EF4-FFF2-40B4-BE49-F238E27FC236}">
-                <a16:creationId xmlns:a16="http://schemas.microsoft.com/office/drawing/2014/main" id="{33988BB0-01DA-437F-A550-1E082458D794}"/>
+                <a16:creationId xmlns:a16="http://schemas.microsoft.com/office/drawing/2014/main" id="{EC8CAF2B-8816-44FD-A674-2120DBE9334C}"/>
               </a:ext>
             </a:extLst>
           </p:cNvPr>
@@ -10038,82 +11096,175 @@
             <a:spLocks noGrp="1"/>
           </p:cNvSpPr>
           <p:nvPr>
-            <p:ph type="title"/>
+            <p:ph idx="1"/>
           </p:nvPr>
         </p:nvSpPr>
         <p:spPr>
           <a:xfrm>
-            <a:off x="346587" y="550606"/>
-            <a:ext cx="10515600" cy="737420"/>
+            <a:off x="499533" y="1024467"/>
+            <a:ext cx="11413067" cy="5461000"/>
           </a:xfrm>
         </p:spPr>
         <p:txBody>
-          <a:bodyPr/>
-          <a:lstStyle/>
-          <a:p>
-            <a:r>
-              <a:rPr lang="en-GB" dirty="0">
-                <a:solidFill>
-                  <a:schemeClr val="accent1">
-                    <a:lumMod val="75000"/>
-                  </a:schemeClr>
-                </a:solidFill>
-              </a:rPr>
-              <a:t>Resources</a:t>
-            </a:r>
-            <a:endParaRPr lang="en-IE" dirty="0">
+          <a:bodyPr>
+            <a:noAutofit/>
+          </a:bodyPr>
+          <a:lstStyle/>
+          <a:p>
+            <a:pPr marL="0" indent="0">
+              <a:buNone/>
+            </a:pPr>
+            <a:endParaRPr lang="en-IE" sz="2400" dirty="0"/>
+          </a:p>
+          <a:p>
+            <a:pPr marL="0" indent="0">
+              <a:buNone/>
+            </a:pPr>
+            <a:r>
+              <a:rPr lang="en-IE" sz="2400" dirty="0" err="1">
+                <a:solidFill>
+                  <a:srgbClr val="0000FF"/>
+                </a:solidFill>
+                <a:latin typeface="Consolas" panose="020B0609020204030204" pitchFamily="49" charset="0"/>
+              </a:rPr>
+              <a:t>az</a:t>
+            </a:r>
+            <a:r>
+              <a:rPr lang="en-IE" sz="2400" dirty="0">
+                <a:solidFill>
+                  <a:srgbClr val="0000FF"/>
+                </a:solidFill>
+                <a:latin typeface="Consolas" panose="020B0609020204030204" pitchFamily="49" charset="0"/>
+              </a:rPr>
+              <a:t> role assignment create </a:t>
+            </a:r>
+            <a:r>
+              <a:rPr lang="en-IE" sz="2400" dirty="0">
+                <a:latin typeface="Consolas" panose="020B0609020204030204" pitchFamily="49" charset="0"/>
+              </a:rPr>
+              <a:t>`</a:t>
+            </a:r>
+          </a:p>
+          <a:p>
+            <a:pPr marL="0" indent="0">
+              <a:buNone/>
+            </a:pPr>
+            <a:r>
+              <a:rPr lang="en-IE" sz="2400" dirty="0">
+                <a:solidFill>
+                  <a:srgbClr val="0000FF"/>
+                </a:solidFill>
+                <a:latin typeface="Consolas" panose="020B0609020204030204" pitchFamily="49" charset="0"/>
+              </a:rPr>
+              <a:t>	</a:t>
+            </a:r>
+            <a:r>
+              <a:rPr lang="en-IE" sz="2400" dirty="0">
+                <a:solidFill>
+                  <a:srgbClr val="000000"/>
+                </a:solidFill>
+                <a:latin typeface="Consolas" panose="020B0609020204030204" pitchFamily="49" charset="0"/>
+              </a:rPr>
+              <a:t>--assignee </a:t>
+            </a:r>
+            <a:r>
+              <a:rPr lang="en-IE" sz="2400" dirty="0">
+                <a:solidFill>
+                  <a:srgbClr val="A31515"/>
+                </a:solidFill>
+                <a:latin typeface="Consolas" panose="020B0609020204030204" pitchFamily="49" charset="0"/>
+              </a:rPr>
+              <a:t>&lt;&lt;CLIENTID&gt;&gt; </a:t>
+            </a:r>
+            <a:r>
+              <a:rPr lang="en-IE" sz="2400" dirty="0">
+                <a:latin typeface="Consolas" panose="020B0609020204030204" pitchFamily="49" charset="0"/>
+              </a:rPr>
+              <a:t>`</a:t>
+            </a:r>
+          </a:p>
+          <a:p>
+            <a:pPr marL="0" indent="0">
+              <a:buNone/>
+            </a:pPr>
+            <a:r>
+              <a:rPr lang="en-IE" sz="2400" dirty="0">
+                <a:solidFill>
+                  <a:srgbClr val="A31515"/>
+                </a:solidFill>
+                <a:latin typeface="Consolas" panose="020B0609020204030204" pitchFamily="49" charset="0"/>
+              </a:rPr>
+              <a:t>		</a:t>
+            </a:r>
+            <a:r>
+              <a:rPr lang="en-IE" sz="2400" dirty="0">
+                <a:solidFill>
+                  <a:srgbClr val="000000"/>
+                </a:solidFill>
+                <a:latin typeface="Consolas" panose="020B0609020204030204" pitchFamily="49" charset="0"/>
+              </a:rPr>
+              <a:t>--role </a:t>
+            </a:r>
+            <a:r>
+              <a:rPr lang="en-IE" sz="2400" dirty="0">
+                <a:solidFill>
+                  <a:srgbClr val="A31515"/>
+                </a:solidFill>
+                <a:latin typeface="Consolas" panose="020B0609020204030204" pitchFamily="49" charset="0"/>
+              </a:rPr>
+              <a:t>Reader `</a:t>
+            </a:r>
+          </a:p>
+          <a:p>
+            <a:pPr marL="0" indent="0">
+              <a:buNone/>
+            </a:pPr>
+            <a:r>
+              <a:rPr lang="en-IE" sz="2400" dirty="0">
+                <a:solidFill>
+                  <a:srgbClr val="A31515"/>
+                </a:solidFill>
+                <a:latin typeface="Consolas" panose="020B0609020204030204" pitchFamily="49" charset="0"/>
+              </a:rPr>
+              <a:t>			</a:t>
+            </a:r>
+            <a:r>
+              <a:rPr lang="en-IE" sz="2400" dirty="0">
+                <a:solidFill>
+                  <a:srgbClr val="000000"/>
+                </a:solidFill>
+                <a:latin typeface="Consolas" panose="020B0609020204030204" pitchFamily="49" charset="0"/>
+              </a:rPr>
+              <a:t>--scope </a:t>
+            </a:r>
+            <a:r>
+              <a:rPr lang="en-IE" sz="2400" dirty="0">
+                <a:solidFill>
+                  <a:srgbClr val="A31515"/>
+                </a:solidFill>
+                <a:latin typeface="Consolas" panose="020B0609020204030204" pitchFamily="49" charset="0"/>
+              </a:rPr>
+              <a:t>&lt;&lt;ACRID&gt;&gt;</a:t>
+            </a:r>
+            <a:endParaRPr lang="en-IE" sz="2400" dirty="0">
               <a:solidFill>
-                <a:schemeClr val="accent1">
-                  <a:lumMod val="75000"/>
-                </a:schemeClr>
+                <a:srgbClr val="000000"/>
               </a:solidFill>
+              <a:latin typeface="Consolas" panose="020B0609020204030204" pitchFamily="49" charset="0"/>
             </a:endParaRPr>
           </a:p>
-        </p:txBody>
-      </p:sp>
-      <p:sp>
-        <p:nvSpPr>
-          <p:cNvPr id="3" name="Content Placeholder 2">
-            <a:extLst>
-              <a:ext uri="{FF2B5EF4-FFF2-40B4-BE49-F238E27FC236}">
-                <a16:creationId xmlns:a16="http://schemas.microsoft.com/office/drawing/2014/main" id="{54EDE585-0FD9-4476-891F-8B898450614A}"/>
-              </a:ext>
-            </a:extLst>
-          </p:cNvPr>
-          <p:cNvSpPr>
-            <a:spLocks noGrp="1"/>
-          </p:cNvSpPr>
-          <p:nvPr>
-            <p:ph idx="1"/>
-          </p:nvPr>
-        </p:nvSpPr>
-        <p:spPr>
-          <a:xfrm>
-            <a:off x="731520" y="1825625"/>
-            <a:ext cx="11039302" cy="4351338"/>
-          </a:xfrm>
-        </p:spPr>
-        <p:txBody>
-          <a:bodyPr/>
-          <a:lstStyle/>
-          <a:p>
-            <a:pPr marL="0" indent="0">
-              <a:buNone/>
-            </a:pPr>
-            <a:endParaRPr lang="en-GB" dirty="0"/>
-          </a:p>
-          <a:p>
-            <a:pPr marL="0" indent="0">
-              <a:buNone/>
-            </a:pPr>
-            <a:endParaRPr lang="en-IE" dirty="0"/>
+          <a:p>
+            <a:pPr marL="0" indent="0">
+              <a:buNone/>
+            </a:pPr>
+            <a:endParaRPr lang="en-IE" sz="2400" dirty="0"/>
           </a:p>
         </p:txBody>
       </p:sp>
     </p:spTree>
     <p:extLst>
       <p:ext uri="{BB962C8B-B14F-4D97-AF65-F5344CB8AC3E}">
-        <p14:creationId xmlns:p14="http://schemas.microsoft.com/office/powerpoint/2010/main" val="3248539875"/>
+        <p14:creationId xmlns:p14="http://schemas.microsoft.com/office/powerpoint/2010/main" val="3643657589"/>
       </p:ext>
     </p:extLst>
   </p:cSld>
@@ -10142,10 +11293,65 @@
       </p:grpSpPr>
       <p:sp>
         <p:nvSpPr>
-          <p:cNvPr id="2" name="Title 1">
+          <p:cNvPr id="6" name="Title 5"/>
+          <p:cNvSpPr>
+            <a:spLocks noGrp="1"/>
+          </p:cNvSpPr>
+          <p:nvPr>
+            <p:ph type="title"/>
+          </p:nvPr>
+        </p:nvSpPr>
+        <p:spPr>
+          <a:xfrm>
+            <a:off x="0" y="0"/>
+            <a:ext cx="10184004" cy="713433"/>
+          </a:xfrm>
+        </p:spPr>
+        <p:txBody>
+          <a:bodyPr>
+            <a:normAutofit/>
+          </a:bodyPr>
+          <a:lstStyle/>
+          <a:p>
+            <a:r>
+              <a:rPr lang="en-GB" dirty="0">
+                <a:solidFill>
+                  <a:schemeClr val="accent1">
+                    <a:lumMod val="75000"/>
+                  </a:schemeClr>
+                </a:solidFill>
+              </a:rPr>
+              <a:t>AKS – </a:t>
+            </a:r>
+            <a:r>
+              <a:rPr lang="en-GB" dirty="0" err="1">
+                <a:solidFill>
+                  <a:schemeClr val="accent1">
+                    <a:lumMod val="75000"/>
+                  </a:schemeClr>
+                </a:solidFill>
+              </a:rPr>
+              <a:t>yaml</a:t>
+            </a:r>
+            <a:r>
+              <a:rPr lang="en-GB" dirty="0">
+                <a:solidFill>
+                  <a:schemeClr val="accent1">
+                    <a:lumMod val="75000"/>
+                  </a:schemeClr>
+                </a:solidFill>
+              </a:rPr>
+              <a:t> file</a:t>
+            </a:r>
+          </a:p>
+        </p:txBody>
+      </p:sp>
+      <p:sp>
+        <p:nvSpPr>
+          <p:cNvPr id="4" name="Content Placeholder 3">
             <a:extLst>
               <a:ext uri="{FF2B5EF4-FFF2-40B4-BE49-F238E27FC236}">
-                <a16:creationId xmlns:a16="http://schemas.microsoft.com/office/drawing/2014/main" id="{33988BB0-01DA-437F-A550-1E082458D794}"/>
+                <a16:creationId xmlns:a16="http://schemas.microsoft.com/office/drawing/2014/main" id="{EC8CAF2B-8816-44FD-A674-2120DBE9334C}"/>
               </a:ext>
             </a:extLst>
           </p:cNvPr>
@@ -10153,13 +11359,13 @@
             <a:spLocks noGrp="1"/>
           </p:cNvSpPr>
           <p:nvPr>
-            <p:ph type="title"/>
+            <p:ph idx="1"/>
           </p:nvPr>
         </p:nvSpPr>
         <p:spPr>
           <a:xfrm>
-            <a:off x="845575" y="3059060"/>
-            <a:ext cx="3844414" cy="739878"/>
+            <a:off x="3310467" y="1024467"/>
+            <a:ext cx="7001933" cy="3967162"/>
           </a:xfrm>
         </p:spPr>
         <p:txBody>
@@ -10168,42 +11374,909 @@
           </a:bodyPr>
           <a:lstStyle/>
           <a:p>
-            <a:pPr algn="ctr"/>
-            <a:r>
-              <a:rPr lang="en-GB" sz="6000" dirty="0">
+            <a:pPr marL="0" indent="0">
+              <a:buNone/>
+            </a:pPr>
+            <a:r>
+              <a:rPr lang="en-IE" sz="2400" dirty="0" err="1"/>
+              <a:t>apiVersion</a:t>
+            </a:r>
+            <a:r>
+              <a:rPr lang="en-IE" sz="2400" dirty="0"/>
+              <a:t>: apps/v1beta1</a:t>
+            </a:r>
+          </a:p>
+          <a:p>
+            <a:pPr marL="0" indent="0">
+              <a:buNone/>
+            </a:pPr>
+            <a:r>
+              <a:rPr lang="en-IE" sz="2400" dirty="0"/>
+              <a:t>kind: Deployment</a:t>
+            </a:r>
+          </a:p>
+          <a:p>
+            <a:pPr marL="0" indent="0">
+              <a:buNone/>
+            </a:pPr>
+            <a:r>
+              <a:rPr lang="en-IE" sz="2400" dirty="0"/>
+              <a:t>metadata:</a:t>
+            </a:r>
+          </a:p>
+          <a:p>
+            <a:pPr marL="0" indent="0">
+              <a:buNone/>
+            </a:pPr>
+            <a:r>
+              <a:rPr lang="en-IE" sz="2400" dirty="0"/>
+              <a:t>  name: </a:t>
+            </a:r>
+            <a:r>
+              <a:rPr lang="en-IE" sz="2400" dirty="0" err="1"/>
+              <a:t>sqlserver</a:t>
+            </a:r>
+            <a:endParaRPr lang="en-IE" sz="2400" dirty="0"/>
+          </a:p>
+          <a:p>
+            <a:pPr marL="0" indent="0">
+              <a:buNone/>
+            </a:pPr>
+            <a:r>
+              <a:rPr lang="en-IE" sz="2400" dirty="0"/>
+              <a:t>  labels:</a:t>
+            </a:r>
+          </a:p>
+          <a:p>
+            <a:pPr marL="0" indent="0">
+              <a:buNone/>
+            </a:pPr>
+            <a:r>
+              <a:rPr lang="en-IE" sz="2400" dirty="0"/>
+              <a:t>    app: </a:t>
+            </a:r>
+            <a:r>
+              <a:rPr lang="en-IE" sz="2400" dirty="0" err="1"/>
+              <a:t>sqlserver</a:t>
+            </a:r>
+            <a:endParaRPr lang="en-IE" sz="2400" dirty="0"/>
+          </a:p>
+          <a:p>
+            <a:pPr marL="0" indent="0">
+              <a:buNone/>
+            </a:pPr>
+            <a:r>
+              <a:rPr lang="en-IE" sz="2400" dirty="0"/>
+              <a:t>spec:</a:t>
+            </a:r>
+          </a:p>
+          <a:p>
+            <a:pPr marL="0" indent="0">
+              <a:buNone/>
+            </a:pPr>
+            <a:r>
+              <a:rPr lang="en-IE" sz="2400" dirty="0"/>
+              <a:t>  replicas: 1</a:t>
+            </a:r>
+          </a:p>
+          <a:p>
+            <a:pPr marL="0" indent="0">
+              <a:buNone/>
+            </a:pPr>
+            <a:r>
+              <a:rPr lang="en-IE" sz="2400" dirty="0"/>
+              <a:t>  template:</a:t>
+            </a:r>
+          </a:p>
+          <a:p>
+            <a:pPr marL="0" indent="0">
+              <a:buNone/>
+            </a:pPr>
+            <a:r>
+              <a:rPr lang="en-IE" sz="2400" dirty="0"/>
+              <a:t>    metadata:</a:t>
+            </a:r>
+          </a:p>
+          <a:p>
+            <a:pPr marL="0" indent="0">
+              <a:buNone/>
+            </a:pPr>
+            <a:r>
+              <a:rPr lang="en-IE" sz="2400" dirty="0"/>
+              <a:t>      labels:</a:t>
+            </a:r>
+          </a:p>
+          <a:p>
+            <a:pPr marL="0" indent="0">
+              <a:buNone/>
+            </a:pPr>
+            <a:r>
+              <a:rPr lang="en-IE" sz="2400" dirty="0"/>
+              <a:t>        name: </a:t>
+            </a:r>
+            <a:r>
+              <a:rPr lang="en-IE" sz="2400" dirty="0" err="1"/>
+              <a:t>sqlserver</a:t>
+            </a:r>
+            <a:endParaRPr lang="en-IE" sz="2400" dirty="0"/>
+          </a:p>
+          <a:p>
+            <a:pPr marL="0" indent="0">
+              <a:buNone/>
+            </a:pPr>
+            <a:endParaRPr lang="en-IE" sz="2400" dirty="0"/>
+          </a:p>
+          <a:p>
+            <a:pPr marL="0" indent="0">
+              <a:buNone/>
+            </a:pPr>
+            <a:endParaRPr lang="en-IE" sz="2400" dirty="0"/>
+          </a:p>
+        </p:txBody>
+      </p:sp>
+    </p:spTree>
+    <p:extLst>
+      <p:ext uri="{BB962C8B-B14F-4D97-AF65-F5344CB8AC3E}">
+        <p14:creationId xmlns:p14="http://schemas.microsoft.com/office/powerpoint/2010/main" val="3328323092"/>
+      </p:ext>
+    </p:extLst>
+  </p:cSld>
+  <p:clrMapOvr>
+    <a:masterClrMapping/>
+  </p:clrMapOvr>
+</p:sld>
+</file>
+
+<file path=ppt/slides/slide45.xml><?xml version="1.0" encoding="utf-8"?>
+<p:sld xmlns:a="http://schemas.openxmlformats.org/drawingml/2006/main" xmlns:r="http://schemas.openxmlformats.org/officeDocument/2006/relationships" xmlns:p="http://schemas.openxmlformats.org/presentationml/2006/main">
+  <p:cSld>
+    <p:spTree>
+      <p:nvGrpSpPr>
+        <p:cNvPr id="1" name=""/>
+        <p:cNvGrpSpPr/>
+        <p:nvPr/>
+      </p:nvGrpSpPr>
+      <p:grpSpPr>
+        <a:xfrm>
+          <a:off x="0" y="0"/>
+          <a:ext cx="0" cy="0"/>
+          <a:chOff x="0" y="0"/>
+          <a:chExt cx="0" cy="0"/>
+        </a:xfrm>
+      </p:grpSpPr>
+      <p:sp>
+        <p:nvSpPr>
+          <p:cNvPr id="6" name="Title 5"/>
+          <p:cNvSpPr>
+            <a:spLocks noGrp="1"/>
+          </p:cNvSpPr>
+          <p:nvPr>
+            <p:ph type="title"/>
+          </p:nvPr>
+        </p:nvSpPr>
+        <p:spPr>
+          <a:xfrm>
+            <a:off x="0" y="0"/>
+            <a:ext cx="10184004" cy="713433"/>
+          </a:xfrm>
+        </p:spPr>
+        <p:txBody>
+          <a:bodyPr>
+            <a:normAutofit/>
+          </a:bodyPr>
+          <a:lstStyle/>
+          <a:p>
+            <a:r>
+              <a:rPr lang="en-GB" dirty="0">
                 <a:solidFill>
                   <a:schemeClr val="accent1">
                     <a:lumMod val="75000"/>
                   </a:schemeClr>
                 </a:solidFill>
               </a:rPr>
-              <a:t>Questions?</a:t>
-            </a:r>
-            <a:endParaRPr lang="en-IE" sz="6000" dirty="0">
+              <a:t>AKS – </a:t>
+            </a:r>
+            <a:r>
+              <a:rPr lang="en-GB" dirty="0" err="1">
+                <a:solidFill>
+                  <a:schemeClr val="accent1">
+                    <a:lumMod val="75000"/>
+                  </a:schemeClr>
+                </a:solidFill>
+              </a:rPr>
+              <a:t>yaml</a:t>
+            </a:r>
+            <a:r>
+              <a:rPr lang="en-GB" dirty="0">
+                <a:solidFill>
+                  <a:schemeClr val="accent1">
+                    <a:lumMod val="75000"/>
+                  </a:schemeClr>
+                </a:solidFill>
+              </a:rPr>
+              <a:t> file</a:t>
+            </a:r>
+          </a:p>
+        </p:txBody>
+      </p:sp>
+      <p:sp>
+        <p:nvSpPr>
+          <p:cNvPr id="4" name="Content Placeholder 3">
+            <a:extLst>
+              <a:ext uri="{FF2B5EF4-FFF2-40B4-BE49-F238E27FC236}">
+                <a16:creationId xmlns:a16="http://schemas.microsoft.com/office/drawing/2014/main" id="{EC8CAF2B-8816-44FD-A674-2120DBE9334C}"/>
+              </a:ext>
+            </a:extLst>
+          </p:cNvPr>
+          <p:cNvSpPr>
+            <a:spLocks noGrp="1"/>
+          </p:cNvSpPr>
+          <p:nvPr>
+            <p:ph idx="1"/>
+          </p:nvPr>
+        </p:nvSpPr>
+        <p:spPr>
+          <a:xfrm>
+            <a:off x="3310467" y="1024467"/>
+            <a:ext cx="7001933" cy="3967162"/>
+          </a:xfrm>
+        </p:spPr>
+        <p:txBody>
+          <a:bodyPr>
+            <a:noAutofit/>
+          </a:bodyPr>
+          <a:lstStyle/>
+          <a:p>
+            <a:pPr marL="0" indent="0">
+              <a:buNone/>
+            </a:pPr>
+            <a:r>
+              <a:rPr lang="en-IE" sz="2400" dirty="0"/>
+              <a:t>spec:</a:t>
+            </a:r>
+          </a:p>
+          <a:p>
+            <a:pPr marL="0" indent="0">
+              <a:buNone/>
+            </a:pPr>
+            <a:r>
+              <a:rPr lang="en-IE" sz="2400" dirty="0"/>
+              <a:t>      containers:</a:t>
+            </a:r>
+          </a:p>
+          <a:p>
+            <a:pPr marL="0" indent="0">
+              <a:buNone/>
+            </a:pPr>
+            <a:r>
+              <a:rPr lang="en-IE" sz="2400" dirty="0"/>
+              <a:t>      - name: sqlserver1</a:t>
+            </a:r>
+          </a:p>
+          <a:p>
+            <a:pPr marL="0" indent="0">
+              <a:buNone/>
+            </a:pPr>
+            <a:r>
+              <a:rPr lang="en-IE" sz="2400" dirty="0"/>
+              <a:t>        image: </a:t>
+            </a:r>
+            <a:r>
+              <a:rPr lang="en-IE" sz="2400" dirty="0" err="1"/>
+              <a:t>microsoft</a:t>
+            </a:r>
+            <a:r>
+              <a:rPr lang="en-IE" sz="2400" dirty="0"/>
+              <a:t>/</a:t>
+            </a:r>
+            <a:r>
+              <a:rPr lang="en-IE" sz="2400" dirty="0" err="1"/>
+              <a:t>mssql-server-linux:latest</a:t>
+            </a:r>
+            <a:endParaRPr lang="en-IE" sz="2400" dirty="0"/>
+          </a:p>
+          <a:p>
+            <a:pPr marL="0" indent="0">
+              <a:buNone/>
+            </a:pPr>
+            <a:r>
+              <a:rPr lang="en-IE" sz="2400" dirty="0"/>
+              <a:t>        ports:</a:t>
+            </a:r>
+          </a:p>
+          <a:p>
+            <a:pPr marL="0" indent="0">
+              <a:buNone/>
+            </a:pPr>
+            <a:r>
+              <a:rPr lang="en-IE" sz="2400" dirty="0"/>
+              <a:t>        - </a:t>
+            </a:r>
+            <a:r>
+              <a:rPr lang="en-IE" sz="2400" dirty="0" err="1"/>
+              <a:t>containerPort</a:t>
+            </a:r>
+            <a:r>
+              <a:rPr lang="en-IE" sz="2400" dirty="0"/>
+              <a:t>: 1433</a:t>
+            </a:r>
+          </a:p>
+          <a:p>
+            <a:pPr marL="0" indent="0">
+              <a:buNone/>
+            </a:pPr>
+            <a:r>
+              <a:rPr lang="en-IE" sz="2400" dirty="0"/>
+              <a:t>        env:</a:t>
+            </a:r>
+          </a:p>
+          <a:p>
+            <a:pPr marL="0" indent="0">
+              <a:buNone/>
+            </a:pPr>
+            <a:r>
+              <a:rPr lang="en-IE" sz="2400" dirty="0"/>
+              <a:t>        - name: SA_PASSWORD</a:t>
+            </a:r>
+          </a:p>
+          <a:p>
+            <a:pPr marL="0" indent="0">
+              <a:buNone/>
+            </a:pPr>
+            <a:r>
+              <a:rPr lang="en-IE" sz="2400" dirty="0"/>
+              <a:t>          value: "Testing1122"</a:t>
+            </a:r>
+          </a:p>
+          <a:p>
+            <a:pPr marL="0" indent="0">
+              <a:buNone/>
+            </a:pPr>
+            <a:r>
+              <a:rPr lang="en-IE" sz="2400" dirty="0"/>
+              <a:t>        - name: ACCEPT_EULA</a:t>
+            </a:r>
+          </a:p>
+          <a:p>
+            <a:pPr marL="0" indent="0">
+              <a:buNone/>
+            </a:pPr>
+            <a:r>
+              <a:rPr lang="en-IE" sz="2400" dirty="0"/>
+              <a:t>          value: "Y"</a:t>
+            </a:r>
+          </a:p>
+          <a:p>
+            <a:pPr marL="0" indent="0">
+              <a:buNone/>
+            </a:pPr>
+            <a:endParaRPr lang="en-IE" sz="2400" dirty="0"/>
+          </a:p>
+          <a:p>
+            <a:pPr marL="0" indent="0">
+              <a:buNone/>
+            </a:pPr>
+            <a:endParaRPr lang="en-IE" sz="2400" dirty="0"/>
+          </a:p>
+        </p:txBody>
+      </p:sp>
+    </p:spTree>
+    <p:extLst>
+      <p:ext uri="{BB962C8B-B14F-4D97-AF65-F5344CB8AC3E}">
+        <p14:creationId xmlns:p14="http://schemas.microsoft.com/office/powerpoint/2010/main" val="4117510186"/>
+      </p:ext>
+    </p:extLst>
+  </p:cSld>
+  <p:clrMapOvr>
+    <a:masterClrMapping/>
+  </p:clrMapOvr>
+</p:sld>
+</file>
+
+<file path=ppt/slides/slide46.xml><?xml version="1.0" encoding="utf-8"?>
+<p:sld xmlns:a="http://schemas.openxmlformats.org/drawingml/2006/main" xmlns:r="http://schemas.openxmlformats.org/officeDocument/2006/relationships" xmlns:p="http://schemas.openxmlformats.org/presentationml/2006/main">
+  <p:cSld>
+    <p:spTree>
+      <p:nvGrpSpPr>
+        <p:cNvPr id="1" name=""/>
+        <p:cNvGrpSpPr/>
+        <p:nvPr/>
+      </p:nvGrpSpPr>
+      <p:grpSpPr>
+        <a:xfrm>
+          <a:off x="0" y="0"/>
+          <a:ext cx="0" cy="0"/>
+          <a:chOff x="0" y="0"/>
+          <a:chExt cx="0" cy="0"/>
+        </a:xfrm>
+      </p:grpSpPr>
+      <p:sp>
+        <p:nvSpPr>
+          <p:cNvPr id="6" name="Title 5"/>
+          <p:cNvSpPr>
+            <a:spLocks noGrp="1"/>
+          </p:cNvSpPr>
+          <p:nvPr>
+            <p:ph type="title"/>
+          </p:nvPr>
+        </p:nvSpPr>
+        <p:spPr>
+          <a:xfrm>
+            <a:off x="0" y="0"/>
+            <a:ext cx="10184004" cy="713433"/>
+          </a:xfrm>
+        </p:spPr>
+        <p:txBody>
+          <a:bodyPr>
+            <a:normAutofit/>
+          </a:bodyPr>
+          <a:lstStyle/>
+          <a:p>
+            <a:r>
+              <a:rPr lang="en-GB" dirty="0">
+                <a:solidFill>
+                  <a:schemeClr val="accent1">
+                    <a:lumMod val="75000"/>
+                  </a:schemeClr>
+                </a:solidFill>
+              </a:rPr>
+              <a:t>AKS – Deploy to Cluster</a:t>
+            </a:r>
+          </a:p>
+        </p:txBody>
+      </p:sp>
+      <p:sp>
+        <p:nvSpPr>
+          <p:cNvPr id="4" name="Content Placeholder 3">
+            <a:extLst>
+              <a:ext uri="{FF2B5EF4-FFF2-40B4-BE49-F238E27FC236}">
+                <a16:creationId xmlns:a16="http://schemas.microsoft.com/office/drawing/2014/main" id="{EC8CAF2B-8816-44FD-A674-2120DBE9334C}"/>
+              </a:ext>
+            </a:extLst>
+          </p:cNvPr>
+          <p:cNvSpPr>
+            <a:spLocks noGrp="1"/>
+          </p:cNvSpPr>
+          <p:nvPr>
+            <p:ph idx="1"/>
+          </p:nvPr>
+        </p:nvSpPr>
+        <p:spPr>
+          <a:xfrm>
+            <a:off x="499533" y="1024467"/>
+            <a:ext cx="11413067" cy="5461000"/>
+          </a:xfrm>
+        </p:spPr>
+        <p:txBody>
+          <a:bodyPr>
+            <a:noAutofit/>
+          </a:bodyPr>
+          <a:lstStyle/>
+          <a:p>
+            <a:pPr marL="0" indent="0">
+              <a:buNone/>
+            </a:pPr>
+            <a:endParaRPr lang="en-IE" sz="2400" dirty="0"/>
+          </a:p>
+          <a:p>
+            <a:pPr marL="0" indent="0">
+              <a:buNone/>
+            </a:pPr>
+            <a:r>
+              <a:rPr lang="en-US" sz="2400" dirty="0" err="1">
+                <a:solidFill>
+                  <a:srgbClr val="0000FF"/>
+                </a:solidFill>
+                <a:latin typeface="Consolas" panose="020B0609020204030204" pitchFamily="49" charset="0"/>
+              </a:rPr>
+              <a:t>kubectl</a:t>
+            </a:r>
+            <a:r>
+              <a:rPr lang="en-US" sz="2400" dirty="0">
+                <a:solidFill>
+                  <a:srgbClr val="0000FF"/>
+                </a:solidFill>
+                <a:latin typeface="Consolas" panose="020B0609020204030204" pitchFamily="49" charset="0"/>
+              </a:rPr>
+              <a:t> create </a:t>
+            </a:r>
+            <a:r>
+              <a:rPr lang="en-US" sz="2400" dirty="0">
+                <a:solidFill>
+                  <a:srgbClr val="000000"/>
+                </a:solidFill>
+                <a:latin typeface="Consolas" panose="020B0609020204030204" pitchFamily="49" charset="0"/>
+              </a:rPr>
+              <a:t>-f </a:t>
+            </a:r>
+            <a:r>
+              <a:rPr lang="en-US" sz="2400" dirty="0" err="1">
+                <a:solidFill>
+                  <a:srgbClr val="A31515"/>
+                </a:solidFill>
+                <a:latin typeface="Consolas" panose="020B0609020204030204" pitchFamily="49" charset="0"/>
+              </a:rPr>
+              <a:t>sqlserver.yml</a:t>
+            </a:r>
+            <a:endParaRPr lang="en-US" sz="2400" dirty="0">
               <a:solidFill>
-                <a:schemeClr val="accent1">
-                  <a:lumMod val="75000"/>
-                </a:schemeClr>
+                <a:srgbClr val="000000"/>
               </a:solidFill>
+              <a:latin typeface="Consolas" panose="020B0609020204030204" pitchFamily="49" charset="0"/>
+            </a:endParaRPr>
+          </a:p>
+          <a:p>
+            <a:pPr marL="0" indent="0">
+              <a:buNone/>
+            </a:pPr>
+            <a:endParaRPr lang="en-IE" sz="2400" dirty="0"/>
+          </a:p>
+        </p:txBody>
+      </p:sp>
+    </p:spTree>
+    <p:extLst>
+      <p:ext uri="{BB962C8B-B14F-4D97-AF65-F5344CB8AC3E}">
+        <p14:creationId xmlns:p14="http://schemas.microsoft.com/office/powerpoint/2010/main" val="1305620548"/>
+      </p:ext>
+    </p:extLst>
+  </p:cSld>
+  <p:clrMapOvr>
+    <a:masterClrMapping/>
+  </p:clrMapOvr>
+</p:sld>
+</file>
+
+<file path=ppt/slides/slide47.xml><?xml version="1.0" encoding="utf-8"?>
+<p:sld xmlns:a="http://schemas.openxmlformats.org/drawingml/2006/main" xmlns:r="http://schemas.openxmlformats.org/officeDocument/2006/relationships" xmlns:p="http://schemas.openxmlformats.org/presentationml/2006/main">
+  <p:cSld>
+    <p:spTree>
+      <p:nvGrpSpPr>
+        <p:cNvPr id="1" name=""/>
+        <p:cNvGrpSpPr/>
+        <p:nvPr/>
+      </p:nvGrpSpPr>
+      <p:grpSpPr>
+        <a:xfrm>
+          <a:off x="0" y="0"/>
+          <a:ext cx="0" cy="0"/>
+          <a:chOff x="0" y="0"/>
+          <a:chExt cx="0" cy="0"/>
+        </a:xfrm>
+      </p:grpSpPr>
+      <p:sp>
+        <p:nvSpPr>
+          <p:cNvPr id="6" name="Title 5"/>
+          <p:cNvSpPr>
+            <a:spLocks noGrp="1"/>
+          </p:cNvSpPr>
+          <p:nvPr>
+            <p:ph type="title"/>
+          </p:nvPr>
+        </p:nvSpPr>
+        <p:spPr>
+          <a:xfrm>
+            <a:off x="0" y="0"/>
+            <a:ext cx="10184004" cy="713433"/>
+          </a:xfrm>
+        </p:spPr>
+        <p:txBody>
+          <a:bodyPr>
+            <a:normAutofit/>
+          </a:bodyPr>
+          <a:lstStyle/>
+          <a:p>
+            <a:r>
+              <a:rPr lang="en-GB" dirty="0">
+                <a:solidFill>
+                  <a:schemeClr val="accent1">
+                    <a:lumMod val="75000"/>
+                  </a:schemeClr>
+                </a:solidFill>
+              </a:rPr>
+              <a:t>AKS – View Deployment Information</a:t>
+            </a:r>
+          </a:p>
+        </p:txBody>
+      </p:sp>
+      <p:sp>
+        <p:nvSpPr>
+          <p:cNvPr id="5" name="Content Placeholder 3">
+            <a:extLst>
+              <a:ext uri="{FF2B5EF4-FFF2-40B4-BE49-F238E27FC236}">
+                <a16:creationId xmlns:a16="http://schemas.microsoft.com/office/drawing/2014/main" id="{E02ACE57-8DAE-490C-8359-050C5B3EE57D}"/>
+              </a:ext>
+            </a:extLst>
+          </p:cNvPr>
+          <p:cNvSpPr txBox="1">
+            <a:spLocks/>
+          </p:cNvSpPr>
+          <p:nvPr/>
+        </p:nvSpPr>
+        <p:spPr>
+          <a:xfrm>
+            <a:off x="389466" y="1031168"/>
+            <a:ext cx="11413067" cy="1490132"/>
+          </a:xfrm>
+          <a:prstGeom prst="rect">
+            <a:avLst/>
+          </a:prstGeom>
+        </p:spPr>
+        <p:txBody>
+          <a:bodyPr vert="horz" lIns="91440" tIns="45720" rIns="91440" bIns="45720" rtlCol="0">
+            <a:noAutofit/>
+          </a:bodyPr>
+          <a:lstStyle>
+            <a:lvl1pPr marL="228600" indent="-228600" algn="l" defTabSz="914400" rtl="0" eaLnBrk="1" latinLnBrk="0" hangingPunct="1">
+              <a:lnSpc>
+                <a:spcPct val="90000"/>
+              </a:lnSpc>
+              <a:spcBef>
+                <a:spcPts val="1000"/>
+              </a:spcBef>
+              <a:buFont typeface="Arial" panose="020B0604020202020204" pitchFamily="34" charset="0"/>
+              <a:buChar char="•"/>
+              <a:defRPr sz="2800" kern="1200">
+                <a:solidFill>
+                  <a:schemeClr val="tx1"/>
+                </a:solidFill>
+                <a:latin typeface="+mn-lt"/>
+                <a:ea typeface="+mn-ea"/>
+                <a:cs typeface="+mn-cs"/>
+              </a:defRPr>
+            </a:lvl1pPr>
+            <a:lvl2pPr marL="685800" indent="-228600" algn="l" defTabSz="914400" rtl="0" eaLnBrk="1" latinLnBrk="0" hangingPunct="1">
+              <a:lnSpc>
+                <a:spcPct val="90000"/>
+              </a:lnSpc>
+              <a:spcBef>
+                <a:spcPts val="500"/>
+              </a:spcBef>
+              <a:buFont typeface="Arial" panose="020B0604020202020204" pitchFamily="34" charset="0"/>
+              <a:buChar char="•"/>
+              <a:defRPr sz="2400" kern="1200">
+                <a:solidFill>
+                  <a:schemeClr val="tx1"/>
+                </a:solidFill>
+                <a:latin typeface="+mn-lt"/>
+                <a:ea typeface="+mn-ea"/>
+                <a:cs typeface="+mn-cs"/>
+              </a:defRPr>
+            </a:lvl2pPr>
+            <a:lvl3pPr marL="1143000" indent="-228600" algn="l" defTabSz="914400" rtl="0" eaLnBrk="1" latinLnBrk="0" hangingPunct="1">
+              <a:lnSpc>
+                <a:spcPct val="90000"/>
+              </a:lnSpc>
+              <a:spcBef>
+                <a:spcPts val="500"/>
+              </a:spcBef>
+              <a:buFont typeface="Arial" panose="020B0604020202020204" pitchFamily="34" charset="0"/>
+              <a:buChar char="•"/>
+              <a:defRPr sz="2000" kern="1200">
+                <a:solidFill>
+                  <a:schemeClr val="tx1"/>
+                </a:solidFill>
+                <a:latin typeface="+mn-lt"/>
+                <a:ea typeface="+mn-ea"/>
+                <a:cs typeface="+mn-cs"/>
+              </a:defRPr>
+            </a:lvl3pPr>
+            <a:lvl4pPr marL="1600200" indent="-228600" algn="l" defTabSz="914400" rtl="0" eaLnBrk="1" latinLnBrk="0" hangingPunct="1">
+              <a:lnSpc>
+                <a:spcPct val="90000"/>
+              </a:lnSpc>
+              <a:spcBef>
+                <a:spcPts val="500"/>
+              </a:spcBef>
+              <a:buFont typeface="Arial" panose="020B0604020202020204" pitchFamily="34" charset="0"/>
+              <a:buChar char="•"/>
+              <a:defRPr sz="1800" kern="1200">
+                <a:solidFill>
+                  <a:schemeClr val="tx1"/>
+                </a:solidFill>
+                <a:latin typeface="+mn-lt"/>
+                <a:ea typeface="+mn-ea"/>
+                <a:cs typeface="+mn-cs"/>
+              </a:defRPr>
+            </a:lvl4pPr>
+            <a:lvl5pPr marL="2057400" indent="-228600" algn="l" defTabSz="914400" rtl="0" eaLnBrk="1" latinLnBrk="0" hangingPunct="1">
+              <a:lnSpc>
+                <a:spcPct val="90000"/>
+              </a:lnSpc>
+              <a:spcBef>
+                <a:spcPts val="500"/>
+              </a:spcBef>
+              <a:buFont typeface="Arial" panose="020B0604020202020204" pitchFamily="34" charset="0"/>
+              <a:buChar char="•"/>
+              <a:defRPr sz="1800" kern="1200">
+                <a:solidFill>
+                  <a:schemeClr val="tx1"/>
+                </a:solidFill>
+                <a:latin typeface="+mn-lt"/>
+                <a:ea typeface="+mn-ea"/>
+                <a:cs typeface="+mn-cs"/>
+              </a:defRPr>
+            </a:lvl5pPr>
+            <a:lvl6pPr marL="2514600" indent="-228600" algn="l" defTabSz="914400" rtl="0" eaLnBrk="1" latinLnBrk="0" hangingPunct="1">
+              <a:lnSpc>
+                <a:spcPct val="90000"/>
+              </a:lnSpc>
+              <a:spcBef>
+                <a:spcPts val="500"/>
+              </a:spcBef>
+              <a:buFont typeface="Arial" panose="020B0604020202020204" pitchFamily="34" charset="0"/>
+              <a:buChar char="•"/>
+              <a:defRPr sz="1800" kern="1200">
+                <a:solidFill>
+                  <a:schemeClr val="tx1"/>
+                </a:solidFill>
+                <a:latin typeface="+mn-lt"/>
+                <a:ea typeface="+mn-ea"/>
+                <a:cs typeface="+mn-cs"/>
+              </a:defRPr>
+            </a:lvl6pPr>
+            <a:lvl7pPr marL="2971800" indent="-228600" algn="l" defTabSz="914400" rtl="0" eaLnBrk="1" latinLnBrk="0" hangingPunct="1">
+              <a:lnSpc>
+                <a:spcPct val="90000"/>
+              </a:lnSpc>
+              <a:spcBef>
+                <a:spcPts val="500"/>
+              </a:spcBef>
+              <a:buFont typeface="Arial" panose="020B0604020202020204" pitchFamily="34" charset="0"/>
+              <a:buChar char="•"/>
+              <a:defRPr sz="1800" kern="1200">
+                <a:solidFill>
+                  <a:schemeClr val="tx1"/>
+                </a:solidFill>
+                <a:latin typeface="+mn-lt"/>
+                <a:ea typeface="+mn-ea"/>
+                <a:cs typeface="+mn-cs"/>
+              </a:defRPr>
+            </a:lvl7pPr>
+            <a:lvl8pPr marL="3429000" indent="-228600" algn="l" defTabSz="914400" rtl="0" eaLnBrk="1" latinLnBrk="0" hangingPunct="1">
+              <a:lnSpc>
+                <a:spcPct val="90000"/>
+              </a:lnSpc>
+              <a:spcBef>
+                <a:spcPts val="500"/>
+              </a:spcBef>
+              <a:buFont typeface="Arial" panose="020B0604020202020204" pitchFamily="34" charset="0"/>
+              <a:buChar char="•"/>
+              <a:defRPr sz="1800" kern="1200">
+                <a:solidFill>
+                  <a:schemeClr val="tx1"/>
+                </a:solidFill>
+                <a:latin typeface="+mn-lt"/>
+                <a:ea typeface="+mn-ea"/>
+                <a:cs typeface="+mn-cs"/>
+              </a:defRPr>
+            </a:lvl8pPr>
+            <a:lvl9pPr marL="3886200" indent="-228600" algn="l" defTabSz="914400" rtl="0" eaLnBrk="1" latinLnBrk="0" hangingPunct="1">
+              <a:lnSpc>
+                <a:spcPct val="90000"/>
+              </a:lnSpc>
+              <a:spcBef>
+                <a:spcPts val="500"/>
+              </a:spcBef>
+              <a:buFont typeface="Arial" panose="020B0604020202020204" pitchFamily="34" charset="0"/>
+              <a:buChar char="•"/>
+              <a:defRPr sz="1800" kern="1200">
+                <a:solidFill>
+                  <a:schemeClr val="tx1"/>
+                </a:solidFill>
+                <a:latin typeface="+mn-lt"/>
+                <a:ea typeface="+mn-ea"/>
+                <a:cs typeface="+mn-cs"/>
+              </a:defRPr>
+            </a:lvl9pPr>
+          </a:lstStyle>
+          <a:p>
+            <a:pPr marL="0" indent="0">
+              <a:buFont typeface="Arial" panose="020B0604020202020204" pitchFamily="34" charset="0"/>
+              <a:buNone/>
+            </a:pPr>
+            <a:r>
+              <a:rPr lang="en-IE" sz="2400" dirty="0" err="1">
+                <a:solidFill>
+                  <a:srgbClr val="0000FF"/>
+                </a:solidFill>
+                <a:latin typeface="Consolas" panose="020B0609020204030204" pitchFamily="49" charset="0"/>
+              </a:rPr>
+              <a:t>kubectl</a:t>
+            </a:r>
+            <a:r>
+              <a:rPr lang="en-IE" sz="2400" dirty="0">
+                <a:solidFill>
+                  <a:srgbClr val="0000FF"/>
+                </a:solidFill>
+                <a:latin typeface="Consolas" panose="020B0609020204030204" pitchFamily="49" charset="0"/>
+              </a:rPr>
+              <a:t> get </a:t>
+            </a:r>
+            <a:r>
+              <a:rPr lang="en-IE" sz="2400" dirty="0">
+                <a:latin typeface="Consolas" panose="020B0609020204030204" pitchFamily="49" charset="0"/>
+              </a:rPr>
+              <a:t>deployments</a:t>
+            </a:r>
+          </a:p>
+          <a:p>
+            <a:pPr marL="0" indent="0">
+              <a:buFont typeface="Arial" panose="020B0604020202020204" pitchFamily="34" charset="0"/>
+              <a:buNone/>
+            </a:pPr>
+            <a:r>
+              <a:rPr lang="en-GB" sz="2400" dirty="0" err="1">
+                <a:solidFill>
+                  <a:srgbClr val="0000FF"/>
+                </a:solidFill>
+                <a:latin typeface="Consolas" panose="020B0609020204030204" pitchFamily="49" charset="0"/>
+              </a:rPr>
+              <a:t>kubectl</a:t>
+            </a:r>
+            <a:r>
+              <a:rPr lang="en-GB" sz="2400" dirty="0">
+                <a:solidFill>
+                  <a:srgbClr val="0000FF"/>
+                </a:solidFill>
+                <a:latin typeface="Consolas" panose="020B0609020204030204" pitchFamily="49" charset="0"/>
+              </a:rPr>
+              <a:t> get </a:t>
+            </a:r>
+            <a:r>
+              <a:rPr lang="en-GB" sz="2400" dirty="0">
+                <a:latin typeface="Consolas" panose="020B0609020204030204" pitchFamily="49" charset="0"/>
+              </a:rPr>
+              <a:t>pods</a:t>
+            </a:r>
+          </a:p>
+          <a:p>
+            <a:pPr marL="0" indent="0">
+              <a:buFont typeface="Arial" panose="020B0604020202020204" pitchFamily="34" charset="0"/>
+              <a:buNone/>
+            </a:pPr>
+            <a:r>
+              <a:rPr lang="en-GB" sz="2400" dirty="0" err="1">
+                <a:solidFill>
+                  <a:srgbClr val="0000FF"/>
+                </a:solidFill>
+                <a:latin typeface="Consolas" panose="020B0609020204030204" pitchFamily="49" charset="0"/>
+              </a:rPr>
+              <a:t>Kubectl</a:t>
+            </a:r>
+            <a:r>
+              <a:rPr lang="en-GB" sz="2400" dirty="0">
+                <a:solidFill>
+                  <a:srgbClr val="0000FF"/>
+                </a:solidFill>
+                <a:latin typeface="Consolas" panose="020B0609020204030204" pitchFamily="49" charset="0"/>
+              </a:rPr>
+              <a:t> get </a:t>
+            </a:r>
+            <a:r>
+              <a:rPr lang="en-GB" sz="2400" dirty="0">
+                <a:latin typeface="Consolas" panose="020B0609020204030204" pitchFamily="49" charset="0"/>
+              </a:rPr>
+              <a:t>service</a:t>
+            </a:r>
+            <a:endParaRPr lang="en-IE" sz="2400" dirty="0">
+              <a:latin typeface="Consolas" panose="020B0609020204030204" pitchFamily="49" charset="0"/>
             </a:endParaRPr>
           </a:p>
         </p:txBody>
       </p:sp>
       <p:pic>
         <p:nvPicPr>
-          <p:cNvPr id="14" name="Content Placeholder 13">
+          <p:cNvPr id="9" name="Picture 8" descr="A close up of text on a screen&#10;&#10;Description generated with very high confidence">
             <a:extLst>
               <a:ext uri="{FF2B5EF4-FFF2-40B4-BE49-F238E27FC236}">
-                <a16:creationId xmlns:a16="http://schemas.microsoft.com/office/drawing/2014/main" id="{8CAF58FB-D7CF-4417-8D15-C8847A91B5D7}"/>
+                <a16:creationId xmlns:a16="http://schemas.microsoft.com/office/drawing/2014/main" id="{BEAA8532-2965-4701-8F70-94D4650370D8}"/>
               </a:ext>
             </a:extLst>
           </p:cNvPr>
           <p:cNvPicPr>
-            <a:picLocks noGrp="1" noChangeAspect="1"/>
+            <a:picLocks noChangeAspect="1"/>
           </p:cNvPicPr>
-          <p:nvPr>
-            <p:ph idx="1"/>
-          </p:nvPr>
+          <p:nvPr/>
         </p:nvPicPr>
         <p:blipFill>
           <a:blip r:embed="rId2">
@@ -10219,15 +12292,404 @@
         </p:blipFill>
         <p:spPr>
           <a:xfrm>
-            <a:off x="5536276" y="835526"/>
-            <a:ext cx="5253643" cy="5186947"/>
+            <a:off x="1187699" y="2839036"/>
+            <a:ext cx="10039284" cy="3110330"/>
           </a:xfrm>
+          <a:prstGeom prst="rect">
+            <a:avLst/>
+          </a:prstGeom>
+          <a:ln>
+            <a:solidFill>
+              <a:schemeClr val="tx1"/>
+            </a:solidFill>
+          </a:ln>
         </p:spPr>
       </p:pic>
     </p:spTree>
     <p:extLst>
       <p:ext uri="{BB962C8B-B14F-4D97-AF65-F5344CB8AC3E}">
-        <p14:creationId xmlns:p14="http://schemas.microsoft.com/office/powerpoint/2010/main" val="3763562310"/>
+        <p14:creationId xmlns:p14="http://schemas.microsoft.com/office/powerpoint/2010/main" val="3177369364"/>
+      </p:ext>
+    </p:extLst>
+  </p:cSld>
+  <p:clrMapOvr>
+    <a:masterClrMapping/>
+  </p:clrMapOvr>
+</p:sld>
+</file>
+
+<file path=ppt/slides/slide48.xml><?xml version="1.0" encoding="utf-8"?>
+<p:sld xmlns:a="http://schemas.openxmlformats.org/drawingml/2006/main" xmlns:r="http://schemas.openxmlformats.org/officeDocument/2006/relationships" xmlns:p="http://schemas.openxmlformats.org/presentationml/2006/main">
+  <p:cSld>
+    <p:spTree>
+      <p:nvGrpSpPr>
+        <p:cNvPr id="1" name=""/>
+        <p:cNvGrpSpPr/>
+        <p:nvPr/>
+      </p:nvGrpSpPr>
+      <p:grpSpPr>
+        <a:xfrm>
+          <a:off x="0" y="0"/>
+          <a:ext cx="0" cy="0"/>
+          <a:chOff x="0" y="0"/>
+          <a:chExt cx="0" cy="0"/>
+        </a:xfrm>
+      </p:grpSpPr>
+      <p:sp>
+        <p:nvSpPr>
+          <p:cNvPr id="6" name="Title 5"/>
+          <p:cNvSpPr>
+            <a:spLocks noGrp="1"/>
+          </p:cNvSpPr>
+          <p:nvPr>
+            <p:ph type="title"/>
+          </p:nvPr>
+        </p:nvSpPr>
+        <p:spPr>
+          <a:xfrm>
+            <a:off x="0" y="0"/>
+            <a:ext cx="10184004" cy="713433"/>
+          </a:xfrm>
+        </p:spPr>
+        <p:txBody>
+          <a:bodyPr>
+            <a:normAutofit/>
+          </a:bodyPr>
+          <a:lstStyle/>
+          <a:p>
+            <a:r>
+              <a:rPr lang="en-GB" dirty="0">
+                <a:solidFill>
+                  <a:schemeClr val="accent1">
+                    <a:lumMod val="75000"/>
+                  </a:schemeClr>
+                </a:solidFill>
+              </a:rPr>
+              <a:t>AKS – Connect to SQL Server</a:t>
+            </a:r>
+          </a:p>
+        </p:txBody>
+      </p:sp>
+      <p:sp>
+        <p:nvSpPr>
+          <p:cNvPr id="4" name="Content Placeholder 3">
+            <a:extLst>
+              <a:ext uri="{FF2B5EF4-FFF2-40B4-BE49-F238E27FC236}">
+                <a16:creationId xmlns:a16="http://schemas.microsoft.com/office/drawing/2014/main" id="{EC8CAF2B-8816-44FD-A674-2120DBE9334C}"/>
+              </a:ext>
+            </a:extLst>
+          </p:cNvPr>
+          <p:cNvSpPr>
+            <a:spLocks noGrp="1"/>
+          </p:cNvSpPr>
+          <p:nvPr>
+            <p:ph idx="1"/>
+          </p:nvPr>
+        </p:nvSpPr>
+        <p:spPr>
+          <a:xfrm>
+            <a:off x="499533" y="1024467"/>
+            <a:ext cx="11413067" cy="5461000"/>
+          </a:xfrm>
+        </p:spPr>
+        <p:txBody>
+          <a:bodyPr>
+            <a:noAutofit/>
+          </a:bodyPr>
+          <a:lstStyle/>
+          <a:p>
+            <a:pPr marL="0" indent="0">
+              <a:buNone/>
+            </a:pPr>
+            <a:endParaRPr lang="en-IE" sz="2400" dirty="0"/>
+          </a:p>
+          <a:p>
+            <a:pPr marL="0" indent="0">
+              <a:buNone/>
+            </a:pPr>
+            <a:endParaRPr lang="en-IE" sz="2400" dirty="0"/>
+          </a:p>
+        </p:txBody>
+      </p:sp>
+      <p:pic>
+        <p:nvPicPr>
+          <p:cNvPr id="2" name="Picture 1">
+            <a:extLst>
+              <a:ext uri="{FF2B5EF4-FFF2-40B4-BE49-F238E27FC236}">
+                <a16:creationId xmlns:a16="http://schemas.microsoft.com/office/drawing/2014/main" id="{279BB13C-B653-42AA-A859-1BF1868FDD58}"/>
+              </a:ext>
+            </a:extLst>
+          </p:cNvPr>
+          <p:cNvPicPr>
+            <a:picLocks noChangeAspect="1"/>
+          </p:cNvPicPr>
+          <p:nvPr/>
+        </p:nvPicPr>
+        <p:blipFill>
+          <a:blip r:embed="rId2"/>
+          <a:stretch>
+            <a:fillRect/>
+          </a:stretch>
+        </p:blipFill>
+        <p:spPr>
+          <a:xfrm>
+            <a:off x="382655" y="1105959"/>
+            <a:ext cx="11309812" cy="4727574"/>
+          </a:xfrm>
+          <a:prstGeom prst="rect">
+            <a:avLst/>
+          </a:prstGeom>
+        </p:spPr>
+      </p:pic>
+    </p:spTree>
+    <p:extLst>
+      <p:ext uri="{BB962C8B-B14F-4D97-AF65-F5344CB8AC3E}">
+        <p14:creationId xmlns:p14="http://schemas.microsoft.com/office/powerpoint/2010/main" val="3215091305"/>
+      </p:ext>
+    </p:extLst>
+  </p:cSld>
+  <p:clrMapOvr>
+    <a:masterClrMapping/>
+  </p:clrMapOvr>
+</p:sld>
+</file>
+
+<file path=ppt/slides/slide49.xml><?xml version="1.0" encoding="utf-8"?>
+<p:sld xmlns:a="http://schemas.openxmlformats.org/drawingml/2006/main" xmlns:r="http://schemas.openxmlformats.org/officeDocument/2006/relationships" xmlns:p="http://schemas.openxmlformats.org/presentationml/2006/main">
+  <p:cSld>
+    <p:spTree>
+      <p:nvGrpSpPr>
+        <p:cNvPr id="1" name=""/>
+        <p:cNvGrpSpPr/>
+        <p:nvPr/>
+      </p:nvGrpSpPr>
+      <p:grpSpPr>
+        <a:xfrm>
+          <a:off x="0" y="0"/>
+          <a:ext cx="0" cy="0"/>
+          <a:chOff x="0" y="0"/>
+          <a:chExt cx="0" cy="0"/>
+        </a:xfrm>
+      </p:grpSpPr>
+      <p:sp>
+        <p:nvSpPr>
+          <p:cNvPr id="6" name="Title 5"/>
+          <p:cNvSpPr>
+            <a:spLocks noGrp="1"/>
+          </p:cNvSpPr>
+          <p:nvPr>
+            <p:ph type="title"/>
+          </p:nvPr>
+        </p:nvSpPr>
+        <p:spPr>
+          <a:xfrm>
+            <a:off x="0" y="0"/>
+            <a:ext cx="10184004" cy="713433"/>
+          </a:xfrm>
+        </p:spPr>
+        <p:txBody>
+          <a:bodyPr>
+            <a:normAutofit/>
+          </a:bodyPr>
+          <a:lstStyle/>
+          <a:p>
+            <a:r>
+              <a:rPr lang="en-GB" dirty="0">
+                <a:solidFill>
+                  <a:schemeClr val="accent1">
+                    <a:lumMod val="75000"/>
+                  </a:schemeClr>
+                </a:solidFill>
+              </a:rPr>
+              <a:t>AKS – Connect to K8s Dashboard</a:t>
+            </a:r>
+          </a:p>
+        </p:txBody>
+      </p:sp>
+      <p:sp>
+        <p:nvSpPr>
+          <p:cNvPr id="4" name="Content Placeholder 3">
+            <a:extLst>
+              <a:ext uri="{FF2B5EF4-FFF2-40B4-BE49-F238E27FC236}">
+                <a16:creationId xmlns:a16="http://schemas.microsoft.com/office/drawing/2014/main" id="{EC8CAF2B-8816-44FD-A674-2120DBE9334C}"/>
+              </a:ext>
+            </a:extLst>
+          </p:cNvPr>
+          <p:cNvSpPr>
+            <a:spLocks noGrp="1"/>
+          </p:cNvSpPr>
+          <p:nvPr>
+            <p:ph idx="1"/>
+          </p:nvPr>
+        </p:nvSpPr>
+        <p:spPr>
+          <a:xfrm>
+            <a:off x="499533" y="812800"/>
+            <a:ext cx="11413067" cy="499533"/>
+          </a:xfrm>
+        </p:spPr>
+        <p:txBody>
+          <a:bodyPr>
+            <a:noAutofit/>
+          </a:bodyPr>
+          <a:lstStyle/>
+          <a:p>
+            <a:pPr marL="0" indent="0">
+              <a:buNone/>
+            </a:pPr>
+            <a:endParaRPr lang="en-IE" sz="2400" dirty="0"/>
+          </a:p>
+          <a:p>
+            <a:pPr marL="0" indent="0">
+              <a:buNone/>
+            </a:pPr>
+            <a:endParaRPr lang="en-IE" sz="2400" dirty="0"/>
+          </a:p>
+        </p:txBody>
+      </p:sp>
+      <p:pic>
+        <p:nvPicPr>
+          <p:cNvPr id="2" name="Picture 1">
+            <a:extLst>
+              <a:ext uri="{FF2B5EF4-FFF2-40B4-BE49-F238E27FC236}">
+                <a16:creationId xmlns:a16="http://schemas.microsoft.com/office/drawing/2014/main" id="{F5BC60D9-C9ED-415D-B0D5-86882323CD24}"/>
+              </a:ext>
+            </a:extLst>
+          </p:cNvPr>
+          <p:cNvPicPr>
+            <a:picLocks noChangeAspect="1"/>
+          </p:cNvPicPr>
+          <p:nvPr/>
+        </p:nvPicPr>
+        <p:blipFill>
+          <a:blip r:embed="rId2"/>
+          <a:stretch>
+            <a:fillRect/>
+          </a:stretch>
+        </p:blipFill>
+        <p:spPr>
+          <a:xfrm>
+            <a:off x="0" y="1510794"/>
+            <a:ext cx="12192000" cy="5285707"/>
+          </a:xfrm>
+          <a:prstGeom prst="rect">
+            <a:avLst/>
+          </a:prstGeom>
+        </p:spPr>
+      </p:pic>
+      <p:sp>
+        <p:nvSpPr>
+          <p:cNvPr id="3" name="Rectangle 2">
+            <a:extLst>
+              <a:ext uri="{FF2B5EF4-FFF2-40B4-BE49-F238E27FC236}">
+                <a16:creationId xmlns:a16="http://schemas.microsoft.com/office/drawing/2014/main" id="{A9279B35-3F1A-427E-9E7F-D97AB553490C}"/>
+              </a:ext>
+            </a:extLst>
+          </p:cNvPr>
+          <p:cNvSpPr/>
+          <p:nvPr/>
+        </p:nvSpPr>
+        <p:spPr>
+          <a:xfrm>
+            <a:off x="279400" y="812800"/>
+            <a:ext cx="10837333" cy="369332"/>
+          </a:xfrm>
+          <a:prstGeom prst="rect">
+            <a:avLst/>
+          </a:prstGeom>
+        </p:spPr>
+        <p:txBody>
+          <a:bodyPr wrap="square">
+            <a:spAutoFit/>
+          </a:bodyPr>
+          <a:lstStyle/>
+          <a:p>
+            <a:r>
+              <a:rPr lang="en-US" dirty="0" err="1">
+                <a:solidFill>
+                  <a:srgbClr val="0000FF"/>
+                </a:solidFill>
+                <a:latin typeface="Consolas" panose="020B0609020204030204" pitchFamily="49" charset="0"/>
+              </a:rPr>
+              <a:t>az</a:t>
+            </a:r>
+            <a:r>
+              <a:rPr lang="en-US" dirty="0">
+                <a:solidFill>
+                  <a:srgbClr val="0000FF"/>
+                </a:solidFill>
+                <a:latin typeface="Consolas" panose="020B0609020204030204" pitchFamily="49" charset="0"/>
+              </a:rPr>
+              <a:t> </a:t>
+            </a:r>
+            <a:r>
+              <a:rPr lang="en-US" dirty="0" err="1">
+                <a:solidFill>
+                  <a:srgbClr val="0000FF"/>
+                </a:solidFill>
+                <a:latin typeface="Consolas" panose="020B0609020204030204" pitchFamily="49" charset="0"/>
+              </a:rPr>
+              <a:t>aks</a:t>
+            </a:r>
+            <a:r>
+              <a:rPr lang="en-US" dirty="0">
+                <a:solidFill>
+                  <a:srgbClr val="0000FF"/>
+                </a:solidFill>
+                <a:latin typeface="Consolas" panose="020B0609020204030204" pitchFamily="49" charset="0"/>
+              </a:rPr>
+              <a:t> browse </a:t>
+            </a:r>
+            <a:r>
+              <a:rPr lang="en-US" dirty="0">
+                <a:solidFill>
+                  <a:srgbClr val="000000"/>
+                </a:solidFill>
+                <a:latin typeface="Consolas" panose="020B0609020204030204" pitchFamily="49" charset="0"/>
+              </a:rPr>
+              <a:t>--resource-group </a:t>
+            </a:r>
+            <a:r>
+              <a:rPr lang="en-US" dirty="0">
+                <a:solidFill>
+                  <a:srgbClr val="A31515"/>
+                </a:solidFill>
+                <a:latin typeface="Consolas" panose="020B0609020204030204" pitchFamily="49" charset="0"/>
+              </a:rPr>
+              <a:t>containers1 </a:t>
+            </a:r>
+            <a:r>
+              <a:rPr lang="en-US" dirty="0">
+                <a:solidFill>
+                  <a:srgbClr val="000000"/>
+                </a:solidFill>
+                <a:latin typeface="Consolas" panose="020B0609020204030204" pitchFamily="49" charset="0"/>
+              </a:rPr>
+              <a:t>--name </a:t>
+            </a:r>
+            <a:r>
+              <a:rPr lang="en-US" dirty="0">
+                <a:solidFill>
+                  <a:srgbClr val="A31515"/>
+                </a:solidFill>
+                <a:latin typeface="Consolas" panose="020B0609020204030204" pitchFamily="49" charset="0"/>
+              </a:rPr>
+              <a:t>mySQLK8sCluster1</a:t>
+            </a:r>
+            <a:endParaRPr lang="en-US" b="0" dirty="0">
+              <a:solidFill>
+                <a:srgbClr val="000000"/>
+              </a:solidFill>
+              <a:effectLst/>
+              <a:latin typeface="Consolas" panose="020B0609020204030204" pitchFamily="49" charset="0"/>
+            </a:endParaRPr>
+          </a:p>
+        </p:txBody>
+      </p:sp>
+    </p:spTree>
+    <p:extLst>
+      <p:ext uri="{BB962C8B-B14F-4D97-AF65-F5344CB8AC3E}">
+        <p14:creationId xmlns:p14="http://schemas.microsoft.com/office/powerpoint/2010/main" val="600558613"/>
       </p:ext>
     </p:extLst>
   </p:cSld>
@@ -10369,6 +12831,651 @@
     <p:extLst>
       <p:ext uri="{BB962C8B-B14F-4D97-AF65-F5344CB8AC3E}">
         <p14:creationId xmlns:p14="http://schemas.microsoft.com/office/powerpoint/2010/main" val="374328196"/>
+      </p:ext>
+    </p:extLst>
+  </p:cSld>
+  <p:clrMapOvr>
+    <a:masterClrMapping/>
+  </p:clrMapOvr>
+</p:sld>
+</file>
+
+<file path=ppt/slides/slide50.xml><?xml version="1.0" encoding="utf-8"?>
+<p:sld xmlns:a="http://schemas.openxmlformats.org/drawingml/2006/main" xmlns:r="http://schemas.openxmlformats.org/officeDocument/2006/relationships" xmlns:p="http://schemas.openxmlformats.org/presentationml/2006/main">
+  <p:cSld>
+    <p:spTree>
+      <p:nvGrpSpPr>
+        <p:cNvPr id="1" name=""/>
+        <p:cNvGrpSpPr/>
+        <p:nvPr/>
+      </p:nvGrpSpPr>
+      <p:grpSpPr>
+        <a:xfrm>
+          <a:off x="0" y="0"/>
+          <a:ext cx="0" cy="0"/>
+          <a:chOff x="0" y="0"/>
+          <a:chExt cx="0" cy="0"/>
+        </a:xfrm>
+      </p:grpSpPr>
+      <p:sp>
+        <p:nvSpPr>
+          <p:cNvPr id="4" name="Title 3"/>
+          <p:cNvSpPr>
+            <a:spLocks noGrp="1"/>
+          </p:cNvSpPr>
+          <p:nvPr>
+            <p:ph type="title"/>
+          </p:nvPr>
+        </p:nvSpPr>
+        <p:spPr/>
+        <p:txBody>
+          <a:bodyPr>
+            <a:normAutofit/>
+          </a:bodyPr>
+          <a:lstStyle/>
+          <a:p>
+            <a:r>
+              <a:rPr lang="en-GB" dirty="0">
+                <a:solidFill>
+                  <a:schemeClr val="accent1"/>
+                </a:solidFill>
+              </a:rPr>
+              <a:t>Demo</a:t>
+            </a:r>
+          </a:p>
+        </p:txBody>
+      </p:sp>
+      <p:sp>
+        <p:nvSpPr>
+          <p:cNvPr id="2" name="Text Placeholder 1"/>
+          <p:cNvSpPr>
+            <a:spLocks noGrp="1"/>
+          </p:cNvSpPr>
+          <p:nvPr>
+            <p:ph type="body" idx="1"/>
+          </p:nvPr>
+        </p:nvSpPr>
+        <p:spPr/>
+        <p:txBody>
+          <a:bodyPr/>
+          <a:lstStyle/>
+          <a:p>
+            <a:endParaRPr lang="en-GB" dirty="0"/>
+          </a:p>
+        </p:txBody>
+      </p:sp>
+    </p:spTree>
+    <p:extLst>
+      <p:ext uri="{BB962C8B-B14F-4D97-AF65-F5344CB8AC3E}">
+        <p14:creationId xmlns:p14="http://schemas.microsoft.com/office/powerpoint/2010/main" val="2917938358"/>
+      </p:ext>
+    </p:extLst>
+  </p:cSld>
+  <p:clrMapOvr>
+    <a:masterClrMapping/>
+  </p:clrMapOvr>
+</p:sld>
+</file>
+
+<file path=ppt/slides/slide51.xml><?xml version="1.0" encoding="utf-8"?>
+<p:sld xmlns:a="http://schemas.openxmlformats.org/drawingml/2006/main" xmlns:r="http://schemas.openxmlformats.org/officeDocument/2006/relationships" xmlns:p="http://schemas.openxmlformats.org/presentationml/2006/main">
+  <p:cSld>
+    <p:spTree>
+      <p:nvGrpSpPr>
+        <p:cNvPr id="1" name=""/>
+        <p:cNvGrpSpPr/>
+        <p:nvPr/>
+      </p:nvGrpSpPr>
+      <p:grpSpPr>
+        <a:xfrm>
+          <a:off x="0" y="0"/>
+          <a:ext cx="0" cy="0"/>
+          <a:chOff x="0" y="0"/>
+          <a:chExt cx="0" cy="0"/>
+        </a:xfrm>
+      </p:grpSpPr>
+      <p:sp>
+        <p:nvSpPr>
+          <p:cNvPr id="4" name="Title 3"/>
+          <p:cNvSpPr>
+            <a:spLocks noGrp="1"/>
+          </p:cNvSpPr>
+          <p:nvPr>
+            <p:ph type="title"/>
+          </p:nvPr>
+        </p:nvSpPr>
+        <p:spPr/>
+        <p:txBody>
+          <a:bodyPr>
+            <a:normAutofit/>
+          </a:bodyPr>
+          <a:lstStyle/>
+          <a:p>
+            <a:r>
+              <a:rPr lang="en-GB" dirty="0">
+                <a:solidFill>
+                  <a:schemeClr val="accent1"/>
+                </a:solidFill>
+              </a:rPr>
+              <a:t>Other options</a:t>
+            </a:r>
+          </a:p>
+        </p:txBody>
+      </p:sp>
+      <p:sp>
+        <p:nvSpPr>
+          <p:cNvPr id="2" name="Text Placeholder 1"/>
+          <p:cNvSpPr>
+            <a:spLocks noGrp="1"/>
+          </p:cNvSpPr>
+          <p:nvPr>
+            <p:ph type="body" idx="1"/>
+          </p:nvPr>
+        </p:nvSpPr>
+        <p:spPr/>
+        <p:txBody>
+          <a:bodyPr/>
+          <a:lstStyle/>
+          <a:p>
+            <a:endParaRPr lang="en-GB" dirty="0"/>
+          </a:p>
+        </p:txBody>
+      </p:sp>
+    </p:spTree>
+    <p:extLst>
+      <p:ext uri="{BB962C8B-B14F-4D97-AF65-F5344CB8AC3E}">
+        <p14:creationId xmlns:p14="http://schemas.microsoft.com/office/powerpoint/2010/main" val="3610026559"/>
+      </p:ext>
+    </p:extLst>
+  </p:cSld>
+  <p:clrMapOvr>
+    <a:masterClrMapping/>
+  </p:clrMapOvr>
+</p:sld>
+</file>
+
+<file path=ppt/slides/slide52.xml><?xml version="1.0" encoding="utf-8"?>
+<p:sld xmlns:a="http://schemas.openxmlformats.org/drawingml/2006/main" xmlns:r="http://schemas.openxmlformats.org/officeDocument/2006/relationships" xmlns:p="http://schemas.openxmlformats.org/presentationml/2006/main">
+  <p:cSld>
+    <p:spTree>
+      <p:nvGrpSpPr>
+        <p:cNvPr id="1" name=""/>
+        <p:cNvGrpSpPr/>
+        <p:nvPr/>
+      </p:nvGrpSpPr>
+      <p:grpSpPr>
+        <a:xfrm>
+          <a:off x="0" y="0"/>
+          <a:ext cx="0" cy="0"/>
+          <a:chOff x="0" y="0"/>
+          <a:chExt cx="0" cy="0"/>
+        </a:xfrm>
+      </p:grpSpPr>
+      <p:sp>
+        <p:nvSpPr>
+          <p:cNvPr id="6" name="Title 5"/>
+          <p:cNvSpPr>
+            <a:spLocks noGrp="1"/>
+          </p:cNvSpPr>
+          <p:nvPr>
+            <p:ph type="title"/>
+          </p:nvPr>
+        </p:nvSpPr>
+        <p:spPr>
+          <a:xfrm>
+            <a:off x="0" y="0"/>
+            <a:ext cx="10184004" cy="713433"/>
+          </a:xfrm>
+        </p:spPr>
+        <p:txBody>
+          <a:bodyPr>
+            <a:normAutofit/>
+          </a:bodyPr>
+          <a:lstStyle/>
+          <a:p>
+            <a:r>
+              <a:rPr lang="en-GB" dirty="0">
+                <a:solidFill>
+                  <a:schemeClr val="accent1">
+                    <a:lumMod val="75000"/>
+                  </a:schemeClr>
+                </a:solidFill>
+              </a:rPr>
+              <a:t>VM Templates</a:t>
+            </a:r>
+          </a:p>
+        </p:txBody>
+      </p:sp>
+      <p:sp>
+        <p:nvSpPr>
+          <p:cNvPr id="3" name="Subtitle 2"/>
+          <p:cNvSpPr>
+            <a:spLocks noGrp="1"/>
+          </p:cNvSpPr>
+          <p:nvPr>
+            <p:ph idx="1"/>
+          </p:nvPr>
+        </p:nvSpPr>
+        <p:spPr>
+          <a:xfrm>
+            <a:off x="315411" y="919538"/>
+            <a:ext cx="10515600" cy="1674033"/>
+          </a:xfrm>
+        </p:spPr>
+        <p:txBody>
+          <a:bodyPr>
+            <a:normAutofit/>
+          </a:bodyPr>
+          <a:lstStyle/>
+          <a:p>
+            <a:pPr marL="0" indent="0">
+              <a:buNone/>
+            </a:pPr>
+            <a:r>
+              <a:rPr lang="en-GB" sz="3200" dirty="0"/>
+              <a:t>Windows </a:t>
+            </a:r>
+            <a:r>
+              <a:rPr lang="en-GB" sz="3200" dirty="0" err="1"/>
+              <a:t>Datacenter</a:t>
+            </a:r>
+            <a:r>
+              <a:rPr lang="en-GB" sz="3200" dirty="0"/>
+              <a:t> with Containers</a:t>
+            </a:r>
+          </a:p>
+          <a:p>
+            <a:pPr marL="0" indent="0">
+              <a:buNone/>
+            </a:pPr>
+            <a:r>
+              <a:rPr lang="en-GB" dirty="0"/>
+              <a:t>	Docker pre-installed</a:t>
+            </a:r>
+          </a:p>
+          <a:p>
+            <a:pPr marL="0" indent="0">
+              <a:buNone/>
+            </a:pPr>
+            <a:r>
+              <a:rPr lang="en-GB" dirty="0"/>
+              <a:t>	Images pre-pulled (server core &amp; </a:t>
+            </a:r>
+            <a:r>
+              <a:rPr lang="en-GB" dirty="0" err="1"/>
+              <a:t>nano</a:t>
+            </a:r>
+            <a:r>
+              <a:rPr lang="en-GB" dirty="0"/>
+              <a:t> server)</a:t>
+            </a:r>
+          </a:p>
+        </p:txBody>
+      </p:sp>
+      <p:pic>
+        <p:nvPicPr>
+          <p:cNvPr id="2" name="Picture 1">
+            <a:extLst>
+              <a:ext uri="{FF2B5EF4-FFF2-40B4-BE49-F238E27FC236}">
+                <a16:creationId xmlns:a16="http://schemas.microsoft.com/office/drawing/2014/main" id="{7DB6273A-4FB9-463F-8CFE-000D3C81470E}"/>
+              </a:ext>
+            </a:extLst>
+          </p:cNvPr>
+          <p:cNvPicPr>
+            <a:picLocks noChangeAspect="1"/>
+          </p:cNvPicPr>
+          <p:nvPr/>
+        </p:nvPicPr>
+        <p:blipFill>
+          <a:blip r:embed="rId2"/>
+          <a:stretch>
+            <a:fillRect/>
+          </a:stretch>
+        </p:blipFill>
+        <p:spPr>
+          <a:xfrm>
+            <a:off x="4694660" y="2799676"/>
+            <a:ext cx="6136351" cy="3073997"/>
+          </a:xfrm>
+          <a:prstGeom prst="rect">
+            <a:avLst/>
+          </a:prstGeom>
+        </p:spPr>
+      </p:pic>
+    </p:spTree>
+    <p:extLst>
+      <p:ext uri="{BB962C8B-B14F-4D97-AF65-F5344CB8AC3E}">
+        <p14:creationId xmlns:p14="http://schemas.microsoft.com/office/powerpoint/2010/main" val="1081040829"/>
+      </p:ext>
+    </p:extLst>
+  </p:cSld>
+  <p:clrMapOvr>
+    <a:masterClrMapping/>
+  </p:clrMapOvr>
+</p:sld>
+</file>
+
+<file path=ppt/slides/slide53.xml><?xml version="1.0" encoding="utf-8"?>
+<p:sld xmlns:a="http://schemas.openxmlformats.org/drawingml/2006/main" xmlns:r="http://schemas.openxmlformats.org/officeDocument/2006/relationships" xmlns:p="http://schemas.openxmlformats.org/presentationml/2006/main">
+  <p:cSld>
+    <p:spTree>
+      <p:nvGrpSpPr>
+        <p:cNvPr id="1" name=""/>
+        <p:cNvGrpSpPr/>
+        <p:nvPr/>
+      </p:nvGrpSpPr>
+      <p:grpSpPr>
+        <a:xfrm>
+          <a:off x="0" y="0"/>
+          <a:ext cx="0" cy="0"/>
+          <a:chOff x="0" y="0"/>
+          <a:chExt cx="0" cy="0"/>
+        </a:xfrm>
+      </p:grpSpPr>
+      <p:sp>
+        <p:nvSpPr>
+          <p:cNvPr id="6" name="Title 5"/>
+          <p:cNvSpPr>
+            <a:spLocks noGrp="1"/>
+          </p:cNvSpPr>
+          <p:nvPr>
+            <p:ph type="title"/>
+          </p:nvPr>
+        </p:nvSpPr>
+        <p:spPr>
+          <a:xfrm>
+            <a:off x="331596" y="562708"/>
+            <a:ext cx="10184004" cy="713433"/>
+          </a:xfrm>
+        </p:spPr>
+        <p:txBody>
+          <a:bodyPr>
+            <a:normAutofit/>
+          </a:bodyPr>
+          <a:lstStyle/>
+          <a:p>
+            <a:r>
+              <a:rPr lang="en-GB" dirty="0">
+                <a:solidFill>
+                  <a:schemeClr val="accent1">
+                    <a:lumMod val="75000"/>
+                  </a:schemeClr>
+                </a:solidFill>
+              </a:rPr>
+              <a:t>Docker EE for Azure</a:t>
+            </a:r>
+          </a:p>
+        </p:txBody>
+      </p:sp>
+      <p:sp>
+        <p:nvSpPr>
+          <p:cNvPr id="3" name="Subtitle 2"/>
+          <p:cNvSpPr>
+            <a:spLocks noGrp="1"/>
+          </p:cNvSpPr>
+          <p:nvPr>
+            <p:ph idx="1"/>
+          </p:nvPr>
+        </p:nvSpPr>
+        <p:spPr/>
+        <p:txBody>
+          <a:bodyPr>
+            <a:normAutofit/>
+          </a:bodyPr>
+          <a:lstStyle/>
+          <a:p>
+            <a:pPr marL="0" indent="0">
+              <a:buNone/>
+            </a:pPr>
+            <a:r>
+              <a:rPr lang="en-GB" sz="3200" dirty="0">
+                <a:hlinkClick r:id="rId2"/>
+              </a:rPr>
+              <a:t>https://store.docker.com/editions/enterprise/docker-ee-azure</a:t>
+            </a:r>
+            <a:endParaRPr lang="en-GB" sz="3200" dirty="0"/>
+          </a:p>
+          <a:p>
+            <a:pPr marL="0" indent="0">
+              <a:buNone/>
+            </a:pPr>
+            <a:endParaRPr lang="en-GB" sz="3200" dirty="0"/>
+          </a:p>
+        </p:txBody>
+      </p:sp>
+    </p:spTree>
+    <p:extLst>
+      <p:ext uri="{BB962C8B-B14F-4D97-AF65-F5344CB8AC3E}">
+        <p14:creationId xmlns:p14="http://schemas.microsoft.com/office/powerpoint/2010/main" val="4113174784"/>
+      </p:ext>
+    </p:extLst>
+  </p:cSld>
+  <p:clrMapOvr>
+    <a:masterClrMapping/>
+  </p:clrMapOvr>
+</p:sld>
+</file>
+
+<file path=ppt/slides/slide54.xml><?xml version="1.0" encoding="utf-8"?>
+<p:sld xmlns:a="http://schemas.openxmlformats.org/drawingml/2006/main" xmlns:r="http://schemas.openxmlformats.org/officeDocument/2006/relationships" xmlns:p="http://schemas.openxmlformats.org/presentationml/2006/main">
+  <p:cSld>
+    <p:spTree>
+      <p:nvGrpSpPr>
+        <p:cNvPr id="1" name=""/>
+        <p:cNvGrpSpPr/>
+        <p:nvPr/>
+      </p:nvGrpSpPr>
+      <p:grpSpPr>
+        <a:xfrm>
+          <a:off x="0" y="0"/>
+          <a:ext cx="0" cy="0"/>
+          <a:chOff x="0" y="0"/>
+          <a:chExt cx="0" cy="0"/>
+        </a:xfrm>
+      </p:grpSpPr>
+      <p:sp>
+        <p:nvSpPr>
+          <p:cNvPr id="2" name="Title 1">
+            <a:extLst>
+              <a:ext uri="{FF2B5EF4-FFF2-40B4-BE49-F238E27FC236}">
+                <a16:creationId xmlns:a16="http://schemas.microsoft.com/office/drawing/2014/main" id="{33988BB0-01DA-437F-A550-1E082458D794}"/>
+              </a:ext>
+            </a:extLst>
+          </p:cNvPr>
+          <p:cNvSpPr>
+            <a:spLocks noGrp="1"/>
+          </p:cNvSpPr>
+          <p:nvPr>
+            <p:ph type="title"/>
+          </p:nvPr>
+        </p:nvSpPr>
+        <p:spPr>
+          <a:xfrm>
+            <a:off x="346587" y="550606"/>
+            <a:ext cx="10515600" cy="737420"/>
+          </a:xfrm>
+        </p:spPr>
+        <p:txBody>
+          <a:bodyPr/>
+          <a:lstStyle/>
+          <a:p>
+            <a:r>
+              <a:rPr lang="en-GB" dirty="0">
+                <a:solidFill>
+                  <a:schemeClr val="accent1">
+                    <a:lumMod val="75000"/>
+                  </a:schemeClr>
+                </a:solidFill>
+              </a:rPr>
+              <a:t>Resources</a:t>
+            </a:r>
+            <a:endParaRPr lang="en-IE" dirty="0">
+              <a:solidFill>
+                <a:schemeClr val="accent1">
+                  <a:lumMod val="75000"/>
+                </a:schemeClr>
+              </a:solidFill>
+            </a:endParaRPr>
+          </a:p>
+        </p:txBody>
+      </p:sp>
+      <p:sp>
+        <p:nvSpPr>
+          <p:cNvPr id="3" name="Content Placeholder 2">
+            <a:extLst>
+              <a:ext uri="{FF2B5EF4-FFF2-40B4-BE49-F238E27FC236}">
+                <a16:creationId xmlns:a16="http://schemas.microsoft.com/office/drawing/2014/main" id="{54EDE585-0FD9-4476-891F-8B898450614A}"/>
+              </a:ext>
+            </a:extLst>
+          </p:cNvPr>
+          <p:cNvSpPr>
+            <a:spLocks noGrp="1"/>
+          </p:cNvSpPr>
+          <p:nvPr>
+            <p:ph idx="1"/>
+          </p:nvPr>
+        </p:nvSpPr>
+        <p:spPr>
+          <a:xfrm>
+            <a:off x="731520" y="1825625"/>
+            <a:ext cx="11039302" cy="4351338"/>
+          </a:xfrm>
+        </p:spPr>
+        <p:txBody>
+          <a:bodyPr/>
+          <a:lstStyle/>
+          <a:p>
+            <a:pPr marL="0" indent="0">
+              <a:buNone/>
+            </a:pPr>
+            <a:endParaRPr lang="en-GB" dirty="0"/>
+          </a:p>
+          <a:p>
+            <a:pPr marL="0" indent="0">
+              <a:buNone/>
+            </a:pPr>
+            <a:endParaRPr lang="en-IE" dirty="0"/>
+          </a:p>
+        </p:txBody>
+      </p:sp>
+    </p:spTree>
+    <p:extLst>
+      <p:ext uri="{BB962C8B-B14F-4D97-AF65-F5344CB8AC3E}">
+        <p14:creationId xmlns:p14="http://schemas.microsoft.com/office/powerpoint/2010/main" val="3248539875"/>
+      </p:ext>
+    </p:extLst>
+  </p:cSld>
+  <p:clrMapOvr>
+    <a:masterClrMapping/>
+  </p:clrMapOvr>
+</p:sld>
+</file>
+
+<file path=ppt/slides/slide55.xml><?xml version="1.0" encoding="utf-8"?>
+<p:sld xmlns:a="http://schemas.openxmlformats.org/drawingml/2006/main" xmlns:r="http://schemas.openxmlformats.org/officeDocument/2006/relationships" xmlns:p="http://schemas.openxmlformats.org/presentationml/2006/main">
+  <p:cSld>
+    <p:spTree>
+      <p:nvGrpSpPr>
+        <p:cNvPr id="1" name=""/>
+        <p:cNvGrpSpPr/>
+        <p:nvPr/>
+      </p:nvGrpSpPr>
+      <p:grpSpPr>
+        <a:xfrm>
+          <a:off x="0" y="0"/>
+          <a:ext cx="0" cy="0"/>
+          <a:chOff x="0" y="0"/>
+          <a:chExt cx="0" cy="0"/>
+        </a:xfrm>
+      </p:grpSpPr>
+      <p:sp>
+        <p:nvSpPr>
+          <p:cNvPr id="2" name="Title 1">
+            <a:extLst>
+              <a:ext uri="{FF2B5EF4-FFF2-40B4-BE49-F238E27FC236}">
+                <a16:creationId xmlns:a16="http://schemas.microsoft.com/office/drawing/2014/main" id="{33988BB0-01DA-437F-A550-1E082458D794}"/>
+              </a:ext>
+            </a:extLst>
+          </p:cNvPr>
+          <p:cNvSpPr>
+            <a:spLocks noGrp="1"/>
+          </p:cNvSpPr>
+          <p:nvPr>
+            <p:ph type="title"/>
+          </p:nvPr>
+        </p:nvSpPr>
+        <p:spPr>
+          <a:xfrm>
+            <a:off x="845575" y="3059060"/>
+            <a:ext cx="3844414" cy="739878"/>
+          </a:xfrm>
+        </p:spPr>
+        <p:txBody>
+          <a:bodyPr>
+            <a:noAutofit/>
+          </a:bodyPr>
+          <a:lstStyle/>
+          <a:p>
+            <a:pPr algn="ctr"/>
+            <a:r>
+              <a:rPr lang="en-GB" sz="6000" dirty="0">
+                <a:solidFill>
+                  <a:schemeClr val="accent1">
+                    <a:lumMod val="75000"/>
+                  </a:schemeClr>
+                </a:solidFill>
+              </a:rPr>
+              <a:t>Questions?</a:t>
+            </a:r>
+            <a:endParaRPr lang="en-IE" sz="6000" dirty="0">
+              <a:solidFill>
+                <a:schemeClr val="accent1">
+                  <a:lumMod val="75000"/>
+                </a:schemeClr>
+              </a:solidFill>
+            </a:endParaRPr>
+          </a:p>
+        </p:txBody>
+      </p:sp>
+      <p:pic>
+        <p:nvPicPr>
+          <p:cNvPr id="14" name="Content Placeholder 13">
+            <a:extLst>
+              <a:ext uri="{FF2B5EF4-FFF2-40B4-BE49-F238E27FC236}">
+                <a16:creationId xmlns:a16="http://schemas.microsoft.com/office/drawing/2014/main" id="{8CAF58FB-D7CF-4417-8D15-C8847A91B5D7}"/>
+              </a:ext>
+            </a:extLst>
+          </p:cNvPr>
+          <p:cNvPicPr>
+            <a:picLocks noGrp="1" noChangeAspect="1"/>
+          </p:cNvPicPr>
+          <p:nvPr>
+            <p:ph idx="1"/>
+          </p:nvPr>
+        </p:nvPicPr>
+        <p:blipFill>
+          <a:blip r:embed="rId2">
+            <a:extLst>
+              <a:ext uri="{28A0092B-C50C-407E-A947-70E740481C1C}">
+                <a14:useLocalDpi xmlns:a14="http://schemas.microsoft.com/office/drawing/2010/main" val="0"/>
+              </a:ext>
+            </a:extLst>
+          </a:blip>
+          <a:stretch>
+            <a:fillRect/>
+          </a:stretch>
+        </p:blipFill>
+        <p:spPr>
+          <a:xfrm>
+            <a:off x="5536276" y="835526"/>
+            <a:ext cx="5253643" cy="5186947"/>
+          </a:xfrm>
+        </p:spPr>
+      </p:pic>
+    </p:spTree>
+    <p:extLst>
+      <p:ext uri="{BB962C8B-B14F-4D97-AF65-F5344CB8AC3E}">
+        <p14:creationId xmlns:p14="http://schemas.microsoft.com/office/powerpoint/2010/main" val="3763562310"/>
       </p:ext>
     </p:extLst>
   </p:cSld>
@@ -10859,7 +13966,7 @@
                   <a:schemeClr val="accent1"/>
                 </a:solidFill>
               </a:rPr>
-              <a:t>Running Docker on VMs</a:t>
+              <a:t>Azure Container Registry</a:t>
             </a:r>
           </a:p>
         </p:txBody>
@@ -10886,7 +13993,7 @@
     </p:spTree>
     <p:extLst>
       <p:ext uri="{BB962C8B-B14F-4D97-AF65-F5344CB8AC3E}">
-        <p14:creationId xmlns:p14="http://schemas.microsoft.com/office/powerpoint/2010/main" val="1078281942"/>
+        <p14:creationId xmlns:p14="http://schemas.microsoft.com/office/powerpoint/2010/main" val="878579766"/>
       </p:ext>
     </p:extLst>
   </p:cSld>
